--- a/Exámenes/Semana02/Presentación.pptx
+++ b/Exámenes/Semana02/Presentación.pptx
@@ -7,16 +7,21 @@
   <p:sldIdLst>
     <p:sldId id="256" r:id="rId2"/>
     <p:sldId id="257" r:id="rId3"/>
-    <p:sldId id="258" r:id="rId4"/>
-    <p:sldId id="263" r:id="rId5"/>
-    <p:sldId id="264" r:id="rId6"/>
-    <p:sldId id="265" r:id="rId7"/>
-    <p:sldId id="259" r:id="rId8"/>
-    <p:sldId id="266" r:id="rId9"/>
-    <p:sldId id="260" r:id="rId10"/>
-    <p:sldId id="261" r:id="rId11"/>
-    <p:sldId id="262" r:id="rId12"/>
-    <p:sldId id="267" r:id="rId13"/>
+    <p:sldId id="271" r:id="rId4"/>
+    <p:sldId id="272" r:id="rId5"/>
+    <p:sldId id="268" r:id="rId6"/>
+    <p:sldId id="258" r:id="rId7"/>
+    <p:sldId id="263" r:id="rId8"/>
+    <p:sldId id="264" r:id="rId9"/>
+    <p:sldId id="265" r:id="rId10"/>
+    <p:sldId id="259" r:id="rId11"/>
+    <p:sldId id="266" r:id="rId12"/>
+    <p:sldId id="260" r:id="rId13"/>
+    <p:sldId id="270" r:id="rId14"/>
+    <p:sldId id="261" r:id="rId15"/>
+    <p:sldId id="269" r:id="rId16"/>
+    <p:sldId id="262" r:id="rId17"/>
+    <p:sldId id="267" r:id="rId18"/>
   </p:sldIdLst>
   <p:sldSz cx="12192000" cy="6858000"/>
   <p:notesSz cx="6858000" cy="9144000"/>
@@ -115,6 +120,11 @@
       </a:defRPr>
     </a:lvl9pPr>
   </p:defaultTextStyle>
+  <p:extLst>
+    <p:ext uri="{EFAFB233-063F-42B5-8137-9DF3F51BA10A}">
+      <p15:sldGuideLst xmlns:p15="http://schemas.microsoft.com/office/powerpoint/2012/main"/>
+    </p:ext>
+  </p:extLst>
 </p:presentation>
 </file>
 
@@ -267,7 +277,7 @@
           <a:p>
             <a:fld id="{C054015C-A5DA-420E-8DCC-C0E84462F69C}" type="datetimeFigureOut">
               <a:rPr lang="es-MX" smtClean="0"/>
-              <a:t>29/11/2022</a:t>
+              <a:t>30/11/2022</a:t>
             </a:fld>
             <a:endParaRPr lang="es-MX"/>
           </a:p>
@@ -467,7 +477,7 @@
           <a:p>
             <a:fld id="{C054015C-A5DA-420E-8DCC-C0E84462F69C}" type="datetimeFigureOut">
               <a:rPr lang="es-MX" smtClean="0"/>
-              <a:t>29/11/2022</a:t>
+              <a:t>30/11/2022</a:t>
             </a:fld>
             <a:endParaRPr lang="es-MX"/>
           </a:p>
@@ -677,7 +687,7 @@
           <a:p>
             <a:fld id="{C054015C-A5DA-420E-8DCC-C0E84462F69C}" type="datetimeFigureOut">
               <a:rPr lang="es-MX" smtClean="0"/>
-              <a:t>29/11/2022</a:t>
+              <a:t>30/11/2022</a:t>
             </a:fld>
             <a:endParaRPr lang="es-MX"/>
           </a:p>
@@ -877,7 +887,7 @@
           <a:p>
             <a:fld id="{C054015C-A5DA-420E-8DCC-C0E84462F69C}" type="datetimeFigureOut">
               <a:rPr lang="es-MX" smtClean="0"/>
-              <a:t>29/11/2022</a:t>
+              <a:t>30/11/2022</a:t>
             </a:fld>
             <a:endParaRPr lang="es-MX"/>
           </a:p>
@@ -1153,7 +1163,7 @@
           <a:p>
             <a:fld id="{C054015C-A5DA-420E-8DCC-C0E84462F69C}" type="datetimeFigureOut">
               <a:rPr lang="es-MX" smtClean="0"/>
-              <a:t>29/11/2022</a:t>
+              <a:t>30/11/2022</a:t>
             </a:fld>
             <a:endParaRPr lang="es-MX"/>
           </a:p>
@@ -1421,7 +1431,7 @@
           <a:p>
             <a:fld id="{C054015C-A5DA-420E-8DCC-C0E84462F69C}" type="datetimeFigureOut">
               <a:rPr lang="es-MX" smtClean="0"/>
-              <a:t>29/11/2022</a:t>
+              <a:t>30/11/2022</a:t>
             </a:fld>
             <a:endParaRPr lang="es-MX"/>
           </a:p>
@@ -1836,7 +1846,7 @@
           <a:p>
             <a:fld id="{C054015C-A5DA-420E-8DCC-C0E84462F69C}" type="datetimeFigureOut">
               <a:rPr lang="es-MX" smtClean="0"/>
-              <a:t>29/11/2022</a:t>
+              <a:t>30/11/2022</a:t>
             </a:fld>
             <a:endParaRPr lang="es-MX"/>
           </a:p>
@@ -1978,7 +1988,7 @@
           <a:p>
             <a:fld id="{C054015C-A5DA-420E-8DCC-C0E84462F69C}" type="datetimeFigureOut">
               <a:rPr lang="es-MX" smtClean="0"/>
-              <a:t>29/11/2022</a:t>
+              <a:t>30/11/2022</a:t>
             </a:fld>
             <a:endParaRPr lang="es-MX"/>
           </a:p>
@@ -2091,7 +2101,7 @@
           <a:p>
             <a:fld id="{C054015C-A5DA-420E-8DCC-C0E84462F69C}" type="datetimeFigureOut">
               <a:rPr lang="es-MX" smtClean="0"/>
-              <a:t>29/11/2022</a:t>
+              <a:t>30/11/2022</a:t>
             </a:fld>
             <a:endParaRPr lang="es-MX"/>
           </a:p>
@@ -2404,7 +2414,7 @@
           <a:p>
             <a:fld id="{C054015C-A5DA-420E-8DCC-C0E84462F69C}" type="datetimeFigureOut">
               <a:rPr lang="es-MX" smtClean="0"/>
-              <a:t>29/11/2022</a:t>
+              <a:t>30/11/2022</a:t>
             </a:fld>
             <a:endParaRPr lang="es-MX"/>
           </a:p>
@@ -2693,7 +2703,7 @@
           <a:p>
             <a:fld id="{C054015C-A5DA-420E-8DCC-C0E84462F69C}" type="datetimeFigureOut">
               <a:rPr lang="es-MX" smtClean="0"/>
-              <a:t>29/11/2022</a:t>
+              <a:t>30/11/2022</a:t>
             </a:fld>
             <a:endParaRPr lang="es-MX"/>
           </a:p>
@@ -2936,7 +2946,7 @@
           <a:p>
             <a:fld id="{C054015C-A5DA-420E-8DCC-C0E84462F69C}" type="datetimeFigureOut">
               <a:rPr lang="es-MX" smtClean="0"/>
-              <a:t>29/11/2022</a:t>
+              <a:t>30/11/2022</a:t>
             </a:fld>
             <a:endParaRPr lang="es-MX"/>
           </a:p>
@@ -3673,13 +3683,13 @@
         </p:nvSpPr>
         <p:spPr>
           <a:xfrm>
-            <a:off x="2076408" y="3031283"/>
+            <a:off x="2076408" y="2794992"/>
             <a:ext cx="7822096" cy="1151076"/>
           </a:xfrm>
         </p:spPr>
         <p:txBody>
           <a:bodyPr>
-            <a:normAutofit fontScale="90000"/>
+            <a:normAutofit/>
           </a:bodyPr>
           <a:lstStyle/>
           <a:p>
@@ -3687,19 +3697,7 @@
               <a:rPr lang="es-ES" b="1" dirty="0" err="1">
                 <a:latin typeface="Britannic Bold" panose="020B0903060703020204" pitchFamily="34" charset="0"/>
               </a:rPr>
-              <a:t>Multicatch</a:t>
-            </a:r>
-            <a:r>
-              <a:rPr lang="es-ES" b="1" dirty="0">
-                <a:latin typeface="Britannic Bold" panose="020B0903060703020204" pitchFamily="34" charset="0"/>
-              </a:rPr>
-              <a:t> and Try </a:t>
-            </a:r>
-            <a:r>
-              <a:rPr lang="es-ES" b="1" dirty="0" err="1">
-                <a:latin typeface="Britannic Bold" panose="020B0903060703020204" pitchFamily="34" charset="0"/>
-              </a:rPr>
-              <a:t>with</a:t>
+              <a:t>Types</a:t>
             </a:r>
             <a:r>
               <a:rPr lang="es-ES" b="1" dirty="0">
@@ -3711,7 +3709,19 @@
               <a:rPr lang="es-ES" b="1" dirty="0" err="1">
                 <a:latin typeface="Britannic Bold" panose="020B0903060703020204" pitchFamily="34" charset="0"/>
               </a:rPr>
-              <a:t>resources</a:t>
+              <a:t>of</a:t>
+            </a:r>
+            <a:r>
+              <a:rPr lang="es-ES" b="1" dirty="0">
+                <a:latin typeface="Britannic Bold" panose="020B0903060703020204" pitchFamily="34" charset="0"/>
+              </a:rPr>
+              <a:t> </a:t>
+            </a:r>
+            <a:r>
+              <a:rPr lang="es-ES" b="1" dirty="0" err="1">
+                <a:latin typeface="Britannic Bold" panose="020B0903060703020204" pitchFamily="34" charset="0"/>
+              </a:rPr>
+              <a:t>Exceptions</a:t>
             </a:r>
             <a:endParaRPr lang="es-MX" dirty="0">
               <a:latin typeface="Britannic Bold" panose="020B0903060703020204" pitchFamily="34" charset="0"/>
@@ -3810,7 +3820,7 @@
     </p:spTree>
     <p:extLst>
       <p:ext uri="{BB962C8B-B14F-4D97-AF65-F5344CB8AC3E}">
-        <p14:creationId xmlns:p14="http://schemas.microsoft.com/office/powerpoint/2010/main" val="3195034610"/>
+        <p14:creationId xmlns:p14="http://schemas.microsoft.com/office/powerpoint/2010/main" val="2789416840"/>
       </p:ext>
     </p:extLst>
   </p:cSld>
@@ -3875,6 +3885,622 @@
       </p:pic>
       <p:sp>
         <p:nvSpPr>
+          <p:cNvPr id="6" name="Rectángulo: esquinas redondeadas 5">
+            <a:extLst>
+              <a:ext uri="{FF2B5EF4-FFF2-40B4-BE49-F238E27FC236}">
+                <a16:creationId xmlns:a16="http://schemas.microsoft.com/office/drawing/2014/main" id="{6B884CC6-CD28-46B5-A81E-F108CB1124A0}"/>
+              </a:ext>
+            </a:extLst>
+          </p:cNvPr>
+          <p:cNvSpPr/>
+          <p:nvPr/>
+        </p:nvSpPr>
+        <p:spPr>
+          <a:xfrm>
+            <a:off x="5221355" y="795130"/>
+            <a:ext cx="2676939" cy="834887"/>
+          </a:xfrm>
+          <a:prstGeom prst="roundRect">
+            <a:avLst/>
+          </a:prstGeom>
+          <a:solidFill>
+            <a:srgbClr val="FF0000"/>
+          </a:solidFill>
+          <a:ln>
+            <a:noFill/>
+          </a:ln>
+        </p:spPr>
+        <p:style>
+          <a:lnRef idx="2">
+            <a:schemeClr val="accent1">
+              <a:shade val="50000"/>
+            </a:schemeClr>
+          </a:lnRef>
+          <a:fillRef idx="1">
+            <a:schemeClr val="accent1"/>
+          </a:fillRef>
+          <a:effectRef idx="0">
+            <a:schemeClr val="accent1"/>
+          </a:effectRef>
+          <a:fontRef idx="minor">
+            <a:schemeClr val="lt1"/>
+          </a:fontRef>
+        </p:style>
+        <p:txBody>
+          <a:bodyPr rtlCol="0" anchor="ctr"/>
+          <a:lstStyle/>
+          <a:p>
+            <a:pPr algn="ctr"/>
+            <a:r>
+              <a:rPr lang="es-MX" dirty="0" err="1"/>
+              <a:t>Throwable</a:t>
+            </a:r>
+            <a:endParaRPr lang="es-MX" dirty="0"/>
+          </a:p>
+        </p:txBody>
+      </p:sp>
+      <p:sp>
+        <p:nvSpPr>
+          <p:cNvPr id="9" name="Rectángulo: esquinas redondeadas 8">
+            <a:extLst>
+              <a:ext uri="{FF2B5EF4-FFF2-40B4-BE49-F238E27FC236}">
+                <a16:creationId xmlns:a16="http://schemas.microsoft.com/office/drawing/2014/main" id="{4187EB94-CAAA-47B4-99A8-93334B771AD7}"/>
+              </a:ext>
+            </a:extLst>
+          </p:cNvPr>
+          <p:cNvSpPr/>
+          <p:nvPr/>
+        </p:nvSpPr>
+        <p:spPr>
+          <a:xfrm>
+            <a:off x="3220279" y="2843832"/>
+            <a:ext cx="2676939" cy="834887"/>
+          </a:xfrm>
+          <a:prstGeom prst="roundRect">
+            <a:avLst/>
+          </a:prstGeom>
+          <a:solidFill>
+            <a:srgbClr val="E13927"/>
+          </a:solidFill>
+          <a:ln>
+            <a:noFill/>
+          </a:ln>
+        </p:spPr>
+        <p:style>
+          <a:lnRef idx="2">
+            <a:schemeClr val="accent1">
+              <a:shade val="50000"/>
+            </a:schemeClr>
+          </a:lnRef>
+          <a:fillRef idx="1">
+            <a:schemeClr val="accent1"/>
+          </a:fillRef>
+          <a:effectRef idx="0">
+            <a:schemeClr val="accent1"/>
+          </a:effectRef>
+          <a:fontRef idx="minor">
+            <a:schemeClr val="lt1"/>
+          </a:fontRef>
+        </p:style>
+        <p:txBody>
+          <a:bodyPr rtlCol="0" anchor="ctr"/>
+          <a:lstStyle/>
+          <a:p>
+            <a:pPr algn="ctr"/>
+            <a:r>
+              <a:rPr lang="es-MX" dirty="0" err="1"/>
+              <a:t>Exception</a:t>
+            </a:r>
+            <a:endParaRPr lang="es-MX" dirty="0"/>
+          </a:p>
+        </p:txBody>
+      </p:sp>
+      <p:sp>
+        <p:nvSpPr>
+          <p:cNvPr id="11" name="Rectángulo: esquinas redondeadas 10">
+            <a:extLst>
+              <a:ext uri="{FF2B5EF4-FFF2-40B4-BE49-F238E27FC236}">
+                <a16:creationId xmlns:a16="http://schemas.microsoft.com/office/drawing/2014/main" id="{156BDB3B-5C26-491B-8F85-A6E6B40CAC33}"/>
+              </a:ext>
+            </a:extLst>
+          </p:cNvPr>
+          <p:cNvSpPr/>
+          <p:nvPr/>
+        </p:nvSpPr>
+        <p:spPr>
+          <a:xfrm>
+            <a:off x="7706139" y="2843832"/>
+            <a:ext cx="2676939" cy="834887"/>
+          </a:xfrm>
+          <a:prstGeom prst="roundRect">
+            <a:avLst/>
+          </a:prstGeom>
+          <a:solidFill>
+            <a:srgbClr val="BC4C4C"/>
+          </a:solidFill>
+          <a:ln>
+            <a:noFill/>
+          </a:ln>
+        </p:spPr>
+        <p:style>
+          <a:lnRef idx="2">
+            <a:schemeClr val="accent1">
+              <a:shade val="50000"/>
+            </a:schemeClr>
+          </a:lnRef>
+          <a:fillRef idx="1">
+            <a:schemeClr val="accent1"/>
+          </a:fillRef>
+          <a:effectRef idx="0">
+            <a:schemeClr val="accent1"/>
+          </a:effectRef>
+          <a:fontRef idx="minor">
+            <a:schemeClr val="lt1"/>
+          </a:fontRef>
+        </p:style>
+        <p:txBody>
+          <a:bodyPr rtlCol="0" anchor="ctr"/>
+          <a:lstStyle/>
+          <a:p>
+            <a:pPr algn="ctr"/>
+            <a:r>
+              <a:rPr lang="es-MX" dirty="0"/>
+              <a:t>Error</a:t>
+            </a:r>
+          </a:p>
+        </p:txBody>
+      </p:sp>
+      <p:sp>
+        <p:nvSpPr>
+          <p:cNvPr id="12" name="Rectángulo: esquinas redondeadas 11">
+            <a:extLst>
+              <a:ext uri="{FF2B5EF4-FFF2-40B4-BE49-F238E27FC236}">
+                <a16:creationId xmlns:a16="http://schemas.microsoft.com/office/drawing/2014/main" id="{506DF178-B5C9-484C-BD17-89C13E5301EE}"/>
+              </a:ext>
+            </a:extLst>
+          </p:cNvPr>
+          <p:cNvSpPr/>
+          <p:nvPr/>
+        </p:nvSpPr>
+        <p:spPr>
+          <a:xfrm>
+            <a:off x="1961325" y="4892534"/>
+            <a:ext cx="2676939" cy="834887"/>
+          </a:xfrm>
+          <a:prstGeom prst="roundRect">
+            <a:avLst/>
+          </a:prstGeom>
+          <a:solidFill>
+            <a:srgbClr val="E13927"/>
+          </a:solidFill>
+          <a:ln>
+            <a:noFill/>
+          </a:ln>
+        </p:spPr>
+        <p:style>
+          <a:lnRef idx="2">
+            <a:schemeClr val="accent1">
+              <a:shade val="50000"/>
+            </a:schemeClr>
+          </a:lnRef>
+          <a:fillRef idx="1">
+            <a:schemeClr val="accent1"/>
+          </a:fillRef>
+          <a:effectRef idx="0">
+            <a:schemeClr val="accent1"/>
+          </a:effectRef>
+          <a:fontRef idx="minor">
+            <a:schemeClr val="lt1"/>
+          </a:fontRef>
+        </p:style>
+        <p:txBody>
+          <a:bodyPr rtlCol="0" anchor="ctr"/>
+          <a:lstStyle/>
+          <a:p>
+            <a:pPr algn="ctr"/>
+            <a:r>
+              <a:rPr lang="es-MX" dirty="0" err="1"/>
+              <a:t>RunTimeException</a:t>
+            </a:r>
+            <a:endParaRPr lang="es-MX" dirty="0"/>
+          </a:p>
+        </p:txBody>
+      </p:sp>
+      <p:sp>
+        <p:nvSpPr>
+          <p:cNvPr id="13" name="Rectángulo: esquinas redondeadas 12">
+            <a:extLst>
+              <a:ext uri="{FF2B5EF4-FFF2-40B4-BE49-F238E27FC236}">
+                <a16:creationId xmlns:a16="http://schemas.microsoft.com/office/drawing/2014/main" id="{08E37D9E-2CA0-4BD8-8071-0ED534F63402}"/>
+              </a:ext>
+            </a:extLst>
+          </p:cNvPr>
+          <p:cNvSpPr/>
+          <p:nvPr/>
+        </p:nvSpPr>
+        <p:spPr>
+          <a:xfrm>
+            <a:off x="5221357" y="4892534"/>
+            <a:ext cx="2676939" cy="834887"/>
+          </a:xfrm>
+          <a:prstGeom prst="roundRect">
+            <a:avLst/>
+          </a:prstGeom>
+          <a:solidFill>
+            <a:srgbClr val="E13927"/>
+          </a:solidFill>
+          <a:ln>
+            <a:noFill/>
+          </a:ln>
+        </p:spPr>
+        <p:style>
+          <a:lnRef idx="2">
+            <a:schemeClr val="accent1">
+              <a:shade val="50000"/>
+            </a:schemeClr>
+          </a:lnRef>
+          <a:fillRef idx="1">
+            <a:schemeClr val="accent1"/>
+          </a:fillRef>
+          <a:effectRef idx="0">
+            <a:schemeClr val="accent1"/>
+          </a:effectRef>
+          <a:fontRef idx="minor">
+            <a:schemeClr val="lt1"/>
+          </a:fontRef>
+        </p:style>
+        <p:txBody>
+          <a:bodyPr rtlCol="0" anchor="ctr"/>
+          <a:lstStyle/>
+          <a:p>
+            <a:pPr algn="ctr"/>
+            <a:r>
+              <a:rPr lang="es-MX" dirty="0" err="1"/>
+              <a:t>Other</a:t>
+            </a:r>
+            <a:r>
+              <a:rPr lang="es-MX" dirty="0"/>
+              <a:t> </a:t>
+            </a:r>
+            <a:r>
+              <a:rPr lang="es-MX" dirty="0" err="1"/>
+              <a:t>Exceptions</a:t>
+            </a:r>
+            <a:endParaRPr lang="es-MX" dirty="0"/>
+          </a:p>
+        </p:txBody>
+      </p:sp>
+      <p:cxnSp>
+        <p:nvCxnSpPr>
+          <p:cNvPr id="14" name="Conector: angular 13">
+            <a:extLst>
+              <a:ext uri="{FF2B5EF4-FFF2-40B4-BE49-F238E27FC236}">
+                <a16:creationId xmlns:a16="http://schemas.microsoft.com/office/drawing/2014/main" id="{3C7A4881-440D-4E36-80A7-040CA28AF1D0}"/>
+              </a:ext>
+            </a:extLst>
+          </p:cNvPr>
+          <p:cNvCxnSpPr>
+            <a:stCxn id="6" idx="2"/>
+            <a:endCxn id="9" idx="0"/>
+          </p:cNvCxnSpPr>
+          <p:nvPr/>
+        </p:nvCxnSpPr>
+        <p:spPr>
+          <a:xfrm rot="5400000">
+            <a:off x="4952380" y="1236386"/>
+            <a:ext cx="1213815" cy="2001076"/>
+          </a:xfrm>
+          <a:prstGeom prst="bentConnector3">
+            <a:avLst/>
+          </a:prstGeom>
+          <a:ln w="76200">
+            <a:solidFill>
+              <a:schemeClr val="tx1">
+                <a:lumMod val="95000"/>
+                <a:lumOff val="5000"/>
+              </a:schemeClr>
+            </a:solidFill>
+            <a:tailEnd type="triangle"/>
+          </a:ln>
+        </p:spPr>
+        <p:style>
+          <a:lnRef idx="1">
+            <a:schemeClr val="accent1"/>
+          </a:lnRef>
+          <a:fillRef idx="0">
+            <a:schemeClr val="accent1"/>
+          </a:fillRef>
+          <a:effectRef idx="0">
+            <a:schemeClr val="accent1"/>
+          </a:effectRef>
+          <a:fontRef idx="minor">
+            <a:schemeClr val="tx1"/>
+          </a:fontRef>
+        </p:style>
+      </p:cxnSp>
+      <p:cxnSp>
+        <p:nvCxnSpPr>
+          <p:cNvPr id="16" name="Conector: angular 15">
+            <a:extLst>
+              <a:ext uri="{FF2B5EF4-FFF2-40B4-BE49-F238E27FC236}">
+                <a16:creationId xmlns:a16="http://schemas.microsoft.com/office/drawing/2014/main" id="{B9966494-4D06-4AE7-ABB8-0CE935E94E11}"/>
+              </a:ext>
+            </a:extLst>
+          </p:cNvPr>
+          <p:cNvCxnSpPr>
+            <a:stCxn id="9" idx="2"/>
+            <a:endCxn id="12" idx="0"/>
+          </p:cNvCxnSpPr>
+          <p:nvPr/>
+        </p:nvCxnSpPr>
+        <p:spPr>
+          <a:xfrm rot="5400000">
+            <a:off x="3322365" y="3656149"/>
+            <a:ext cx="1213815" cy="1258954"/>
+          </a:xfrm>
+          <a:prstGeom prst="bentConnector3">
+            <a:avLst/>
+          </a:prstGeom>
+          <a:ln w="76200">
+            <a:solidFill>
+              <a:schemeClr val="tx1">
+                <a:lumMod val="95000"/>
+                <a:lumOff val="5000"/>
+              </a:schemeClr>
+            </a:solidFill>
+            <a:tailEnd type="triangle"/>
+          </a:ln>
+        </p:spPr>
+        <p:style>
+          <a:lnRef idx="1">
+            <a:schemeClr val="accent1"/>
+          </a:lnRef>
+          <a:fillRef idx="0">
+            <a:schemeClr val="accent1"/>
+          </a:fillRef>
+          <a:effectRef idx="0">
+            <a:schemeClr val="accent1"/>
+          </a:effectRef>
+          <a:fontRef idx="minor">
+            <a:schemeClr val="tx1"/>
+          </a:fontRef>
+        </p:style>
+      </p:cxnSp>
+      <p:cxnSp>
+        <p:nvCxnSpPr>
+          <p:cNvPr id="18" name="Conector: angular 17">
+            <a:extLst>
+              <a:ext uri="{FF2B5EF4-FFF2-40B4-BE49-F238E27FC236}">
+                <a16:creationId xmlns:a16="http://schemas.microsoft.com/office/drawing/2014/main" id="{C6CC9C63-6552-440E-A512-A9181CECE137}"/>
+              </a:ext>
+            </a:extLst>
+          </p:cNvPr>
+          <p:cNvCxnSpPr>
+            <a:endCxn id="13" idx="0"/>
+          </p:cNvCxnSpPr>
+          <p:nvPr/>
+        </p:nvCxnSpPr>
+        <p:spPr>
+          <a:xfrm>
+            <a:off x="4558750" y="3813723"/>
+            <a:ext cx="2001077" cy="1078811"/>
+          </a:xfrm>
+          <a:prstGeom prst="bentConnector2">
+            <a:avLst/>
+          </a:prstGeom>
+          <a:ln w="76200">
+            <a:solidFill>
+              <a:schemeClr val="tx1">
+                <a:lumMod val="95000"/>
+                <a:lumOff val="5000"/>
+              </a:schemeClr>
+            </a:solidFill>
+            <a:tailEnd type="triangle"/>
+          </a:ln>
+        </p:spPr>
+        <p:style>
+          <a:lnRef idx="1">
+            <a:schemeClr val="accent1"/>
+          </a:lnRef>
+          <a:fillRef idx="0">
+            <a:schemeClr val="accent1"/>
+          </a:fillRef>
+          <a:effectRef idx="0">
+            <a:schemeClr val="accent1"/>
+          </a:effectRef>
+          <a:fontRef idx="minor">
+            <a:schemeClr val="tx1"/>
+          </a:fontRef>
+        </p:style>
+      </p:cxnSp>
+      <p:cxnSp>
+        <p:nvCxnSpPr>
+          <p:cNvPr id="24" name="Conector: angular 23">
+            <a:extLst>
+              <a:ext uri="{FF2B5EF4-FFF2-40B4-BE49-F238E27FC236}">
+                <a16:creationId xmlns:a16="http://schemas.microsoft.com/office/drawing/2014/main" id="{266AADAA-745D-449E-A250-11863A4F7FDE}"/>
+              </a:ext>
+            </a:extLst>
+          </p:cNvPr>
+          <p:cNvCxnSpPr>
+            <a:stCxn id="6" idx="2"/>
+            <a:endCxn id="11" idx="0"/>
+          </p:cNvCxnSpPr>
+          <p:nvPr/>
+        </p:nvCxnSpPr>
+        <p:spPr>
+          <a:xfrm rot="16200000" flipH="1">
+            <a:off x="7195310" y="994532"/>
+            <a:ext cx="1213815" cy="2484784"/>
+          </a:xfrm>
+          <a:prstGeom prst="bentConnector3">
+            <a:avLst/>
+          </a:prstGeom>
+          <a:ln w="76200">
+            <a:solidFill>
+              <a:schemeClr val="tx1">
+                <a:lumMod val="95000"/>
+                <a:lumOff val="5000"/>
+              </a:schemeClr>
+            </a:solidFill>
+            <a:tailEnd type="triangle"/>
+          </a:ln>
+        </p:spPr>
+        <p:style>
+          <a:lnRef idx="1">
+            <a:schemeClr val="accent1"/>
+          </a:lnRef>
+          <a:fillRef idx="0">
+            <a:schemeClr val="accent1"/>
+          </a:fillRef>
+          <a:effectRef idx="0">
+            <a:schemeClr val="accent1"/>
+          </a:effectRef>
+          <a:fontRef idx="minor">
+            <a:schemeClr val="tx1"/>
+          </a:fontRef>
+        </p:style>
+      </p:cxnSp>
+      <p:sp>
+        <p:nvSpPr>
+          <p:cNvPr id="26" name="CuadroTexto 25">
+            <a:extLst>
+              <a:ext uri="{FF2B5EF4-FFF2-40B4-BE49-F238E27FC236}">
+                <a16:creationId xmlns:a16="http://schemas.microsoft.com/office/drawing/2014/main" id="{598FDB93-A8D9-461D-9FB7-3986F10D1374}"/>
+              </a:ext>
+            </a:extLst>
+          </p:cNvPr>
+          <p:cNvSpPr txBox="1"/>
+          <p:nvPr/>
+        </p:nvSpPr>
+        <p:spPr>
+          <a:xfrm>
+            <a:off x="2305877" y="5786679"/>
+            <a:ext cx="2252871" cy="369332"/>
+          </a:xfrm>
+          <a:prstGeom prst="rect">
+            <a:avLst/>
+          </a:prstGeom>
+          <a:noFill/>
+        </p:spPr>
+        <p:txBody>
+          <a:bodyPr wrap="square" rtlCol="0">
+            <a:spAutoFit/>
+          </a:bodyPr>
+          <a:lstStyle/>
+          <a:p>
+            <a:r>
+              <a:rPr lang="es-MX" dirty="0" err="1"/>
+              <a:t>UnChecked</a:t>
+            </a:r>
+            <a:endParaRPr lang="es-MX" dirty="0"/>
+          </a:p>
+        </p:txBody>
+      </p:sp>
+      <p:sp>
+        <p:nvSpPr>
+          <p:cNvPr id="27" name="CuadroTexto 26">
+            <a:extLst>
+              <a:ext uri="{FF2B5EF4-FFF2-40B4-BE49-F238E27FC236}">
+                <a16:creationId xmlns:a16="http://schemas.microsoft.com/office/drawing/2014/main" id="{C32FCFF8-A0D3-4B34-AD5E-831AB8DE251A}"/>
+              </a:ext>
+            </a:extLst>
+          </p:cNvPr>
+          <p:cNvSpPr txBox="1"/>
+          <p:nvPr/>
+        </p:nvSpPr>
+        <p:spPr>
+          <a:xfrm>
+            <a:off x="5380383" y="5786679"/>
+            <a:ext cx="2252871" cy="369332"/>
+          </a:xfrm>
+          <a:prstGeom prst="rect">
+            <a:avLst/>
+          </a:prstGeom>
+          <a:noFill/>
+        </p:spPr>
+        <p:txBody>
+          <a:bodyPr wrap="square" rtlCol="0">
+            <a:spAutoFit/>
+          </a:bodyPr>
+          <a:lstStyle/>
+          <a:p>
+            <a:r>
+              <a:rPr lang="es-MX" dirty="0" err="1"/>
+              <a:t>Checked</a:t>
+            </a:r>
+            <a:endParaRPr lang="es-MX" dirty="0"/>
+          </a:p>
+        </p:txBody>
+      </p:sp>
+    </p:spTree>
+    <p:extLst>
+      <p:ext uri="{BB962C8B-B14F-4D97-AF65-F5344CB8AC3E}">
+        <p14:creationId xmlns:p14="http://schemas.microsoft.com/office/powerpoint/2010/main" val="1917612476"/>
+      </p:ext>
+    </p:extLst>
+  </p:cSld>
+  <p:clrMapOvr>
+    <a:masterClrMapping/>
+  </p:clrMapOvr>
+</p:sld>
+</file>
+
+<file path=ppt/slides/slide12.xml><?xml version="1.0" encoding="utf-8"?>
+<p:sld xmlns:a="http://schemas.openxmlformats.org/drawingml/2006/main" xmlns:r="http://schemas.openxmlformats.org/officeDocument/2006/relationships" xmlns:p="http://schemas.openxmlformats.org/presentationml/2006/main">
+  <p:cSld>
+    <p:spTree>
+      <p:nvGrpSpPr>
+        <p:cNvPr id="1" name=""/>
+        <p:cNvGrpSpPr/>
+        <p:nvPr/>
+      </p:nvGrpSpPr>
+      <p:grpSpPr>
+        <a:xfrm>
+          <a:off x="0" y="0"/>
+          <a:ext cx="0" cy="0"/>
+          <a:chOff x="0" y="0"/>
+          <a:chExt cx="0" cy="0"/>
+        </a:xfrm>
+      </p:grpSpPr>
+      <p:pic>
+        <p:nvPicPr>
+          <p:cNvPr id="10" name="Imagen 9">
+            <a:extLst>
+              <a:ext uri="{FF2B5EF4-FFF2-40B4-BE49-F238E27FC236}">
+                <a16:creationId xmlns:a16="http://schemas.microsoft.com/office/drawing/2014/main" id="{15B1CB55-DE9C-472F-9798-9D941F19E5AD}"/>
+              </a:ext>
+            </a:extLst>
+          </p:cNvPr>
+          <p:cNvPicPr>
+            <a:picLocks noChangeAspect="1"/>
+          </p:cNvPicPr>
+          <p:nvPr/>
+        </p:nvPicPr>
+        <p:blipFill>
+          <a:blip r:embed="rId2">
+            <a:extLst>
+              <a:ext uri="{28A0092B-C50C-407E-A947-70E740481C1C}">
+                <a14:useLocalDpi xmlns:a14="http://schemas.microsoft.com/office/drawing/2010/main" val="0"/>
+              </a:ext>
+            </a:extLst>
+          </a:blip>
+          <a:stretch>
+            <a:fillRect/>
+          </a:stretch>
+        </p:blipFill>
+        <p:spPr>
+          <a:xfrm>
+            <a:off x="0" y="0"/>
+            <a:ext cx="12192000" cy="6858000"/>
+          </a:xfrm>
+          <a:prstGeom prst="rect">
+            <a:avLst/>
+          </a:prstGeom>
+        </p:spPr>
+      </p:pic>
+      <p:sp>
+        <p:nvSpPr>
           <p:cNvPr id="2" name="Título 1">
             <a:extLst>
               <a:ext uri="{FF2B5EF4-FFF2-40B4-BE49-F238E27FC236}">
@@ -3891,21 +4517,39 @@
         </p:nvSpPr>
         <p:spPr>
           <a:xfrm>
-            <a:off x="2076408" y="3031283"/>
+            <a:off x="2076408" y="2794992"/>
             <a:ext cx="7822096" cy="1151076"/>
           </a:xfrm>
         </p:spPr>
         <p:txBody>
           <a:bodyPr>
-            <a:normAutofit fontScale="90000"/>
+            <a:normAutofit/>
           </a:bodyPr>
           <a:lstStyle/>
           <a:p>
+            <a:r>
+              <a:rPr lang="es-ES" b="1" dirty="0" err="1">
+                <a:latin typeface="Britannic Bold" panose="020B0903060703020204" pitchFamily="34" charset="0"/>
+              </a:rPr>
+              <a:t>Purposes</a:t>
+            </a:r>
             <a:r>
               <a:rPr lang="es-ES" b="1" dirty="0">
                 <a:latin typeface="Britannic Bold" panose="020B0903060703020204" pitchFamily="34" charset="0"/>
               </a:rPr>
-              <a:t>Asynchronous vs Synchronous</a:t>
+              <a:t> </a:t>
+            </a:r>
+            <a:r>
+              <a:rPr lang="es-ES" b="1" dirty="0" err="1">
+                <a:latin typeface="Britannic Bold" panose="020B0903060703020204" pitchFamily="34" charset="0"/>
+              </a:rPr>
+              <a:t>of</a:t>
+            </a:r>
+            <a:r>
+              <a:rPr lang="es-ES" b="1" dirty="0">
+                <a:latin typeface="Britannic Bold" panose="020B0903060703020204" pitchFamily="34" charset="0"/>
+              </a:rPr>
+              <a:t> final</a:t>
             </a:r>
             <a:endParaRPr lang="es-MX" dirty="0">
               <a:latin typeface="Britannic Bold" panose="020B0903060703020204" pitchFamily="34" charset="0"/>
@@ -4004,6 +4648,538 @@
     </p:spTree>
     <p:extLst>
       <p:ext uri="{BB962C8B-B14F-4D97-AF65-F5344CB8AC3E}">
+        <p14:creationId xmlns:p14="http://schemas.microsoft.com/office/powerpoint/2010/main" val="4133486506"/>
+      </p:ext>
+    </p:extLst>
+  </p:cSld>
+  <p:clrMapOvr>
+    <a:masterClrMapping/>
+  </p:clrMapOvr>
+</p:sld>
+</file>
+
+<file path=ppt/slides/slide13.xml><?xml version="1.0" encoding="utf-8"?>
+<p:sld xmlns:a="http://schemas.openxmlformats.org/drawingml/2006/main" xmlns:r="http://schemas.openxmlformats.org/officeDocument/2006/relationships" xmlns:p="http://schemas.openxmlformats.org/presentationml/2006/main">
+  <p:cSld>
+    <p:spTree>
+      <p:nvGrpSpPr>
+        <p:cNvPr id="1" name=""/>
+        <p:cNvGrpSpPr/>
+        <p:nvPr/>
+      </p:nvGrpSpPr>
+      <p:grpSpPr>
+        <a:xfrm>
+          <a:off x="0" y="0"/>
+          <a:ext cx="0" cy="0"/>
+          <a:chOff x="0" y="0"/>
+          <a:chExt cx="0" cy="0"/>
+        </a:xfrm>
+      </p:grpSpPr>
+      <p:pic>
+        <p:nvPicPr>
+          <p:cNvPr id="5" name="Imagen 4">
+            <a:extLst>
+              <a:ext uri="{FF2B5EF4-FFF2-40B4-BE49-F238E27FC236}">
+                <a16:creationId xmlns:a16="http://schemas.microsoft.com/office/drawing/2014/main" id="{9DCB142E-CE8A-4078-9E22-420A2F428246}"/>
+              </a:ext>
+            </a:extLst>
+          </p:cNvPr>
+          <p:cNvPicPr>
+            <a:picLocks noChangeAspect="1"/>
+          </p:cNvPicPr>
+          <p:nvPr/>
+        </p:nvPicPr>
+        <p:blipFill>
+          <a:blip r:embed="rId2"/>
+          <a:stretch>
+            <a:fillRect/>
+          </a:stretch>
+        </p:blipFill>
+        <p:spPr>
+          <a:xfrm>
+            <a:off x="0" y="0"/>
+            <a:ext cx="12192000" cy="6497640"/>
+          </a:xfrm>
+          <a:prstGeom prst="rect">
+            <a:avLst/>
+          </a:prstGeom>
+        </p:spPr>
+      </p:pic>
+    </p:spTree>
+    <p:extLst>
+      <p:ext uri="{BB962C8B-B14F-4D97-AF65-F5344CB8AC3E}">
+        <p14:creationId xmlns:p14="http://schemas.microsoft.com/office/powerpoint/2010/main" val="701483189"/>
+      </p:ext>
+    </p:extLst>
+  </p:cSld>
+  <p:clrMapOvr>
+    <a:masterClrMapping/>
+  </p:clrMapOvr>
+</p:sld>
+</file>
+
+<file path=ppt/slides/slide14.xml><?xml version="1.0" encoding="utf-8"?>
+<p:sld xmlns:a="http://schemas.openxmlformats.org/drawingml/2006/main" xmlns:r="http://schemas.openxmlformats.org/officeDocument/2006/relationships" xmlns:p="http://schemas.openxmlformats.org/presentationml/2006/main">
+  <p:cSld>
+    <p:spTree>
+      <p:nvGrpSpPr>
+        <p:cNvPr id="1" name=""/>
+        <p:cNvGrpSpPr/>
+        <p:nvPr/>
+      </p:nvGrpSpPr>
+      <p:grpSpPr>
+        <a:xfrm>
+          <a:off x="0" y="0"/>
+          <a:ext cx="0" cy="0"/>
+          <a:chOff x="0" y="0"/>
+          <a:chExt cx="0" cy="0"/>
+        </a:xfrm>
+      </p:grpSpPr>
+      <p:pic>
+        <p:nvPicPr>
+          <p:cNvPr id="10" name="Imagen 9">
+            <a:extLst>
+              <a:ext uri="{FF2B5EF4-FFF2-40B4-BE49-F238E27FC236}">
+                <a16:creationId xmlns:a16="http://schemas.microsoft.com/office/drawing/2014/main" id="{15B1CB55-DE9C-472F-9798-9D941F19E5AD}"/>
+              </a:ext>
+            </a:extLst>
+          </p:cNvPr>
+          <p:cNvPicPr>
+            <a:picLocks noChangeAspect="1"/>
+          </p:cNvPicPr>
+          <p:nvPr/>
+        </p:nvPicPr>
+        <p:blipFill>
+          <a:blip r:embed="rId2">
+            <a:extLst>
+              <a:ext uri="{28A0092B-C50C-407E-A947-70E740481C1C}">
+                <a14:useLocalDpi xmlns:a14="http://schemas.microsoft.com/office/drawing/2010/main" val="0"/>
+              </a:ext>
+            </a:extLst>
+          </a:blip>
+          <a:stretch>
+            <a:fillRect/>
+          </a:stretch>
+        </p:blipFill>
+        <p:spPr>
+          <a:xfrm>
+            <a:off x="0" y="0"/>
+            <a:ext cx="12192000" cy="6858000"/>
+          </a:xfrm>
+          <a:prstGeom prst="rect">
+            <a:avLst/>
+          </a:prstGeom>
+        </p:spPr>
+      </p:pic>
+      <p:sp>
+        <p:nvSpPr>
+          <p:cNvPr id="2" name="Título 1">
+            <a:extLst>
+              <a:ext uri="{FF2B5EF4-FFF2-40B4-BE49-F238E27FC236}">
+                <a16:creationId xmlns:a16="http://schemas.microsoft.com/office/drawing/2014/main" id="{A29E6CD6-FAAF-4EB2-937D-93C4B0F9CE35}"/>
+              </a:ext>
+            </a:extLst>
+          </p:cNvPr>
+          <p:cNvSpPr>
+            <a:spLocks noGrp="1"/>
+          </p:cNvSpPr>
+          <p:nvPr>
+            <p:ph type="ctrTitle"/>
+          </p:nvPr>
+        </p:nvSpPr>
+        <p:spPr>
+          <a:xfrm>
+            <a:off x="2076408" y="3031283"/>
+            <a:ext cx="7822096" cy="1151076"/>
+          </a:xfrm>
+        </p:spPr>
+        <p:txBody>
+          <a:bodyPr>
+            <a:normAutofit fontScale="90000"/>
+          </a:bodyPr>
+          <a:lstStyle/>
+          <a:p>
+            <a:r>
+              <a:rPr lang="es-ES" b="1" dirty="0" err="1">
+                <a:latin typeface="Britannic Bold" panose="020B0903060703020204" pitchFamily="34" charset="0"/>
+              </a:rPr>
+              <a:t>Multicatch</a:t>
+            </a:r>
+            <a:r>
+              <a:rPr lang="es-ES" b="1" dirty="0">
+                <a:latin typeface="Britannic Bold" panose="020B0903060703020204" pitchFamily="34" charset="0"/>
+              </a:rPr>
+              <a:t> and Try </a:t>
+            </a:r>
+            <a:r>
+              <a:rPr lang="es-ES" b="1" dirty="0" err="1">
+                <a:latin typeface="Britannic Bold" panose="020B0903060703020204" pitchFamily="34" charset="0"/>
+              </a:rPr>
+              <a:t>with</a:t>
+            </a:r>
+            <a:r>
+              <a:rPr lang="es-ES" b="1" dirty="0">
+                <a:latin typeface="Britannic Bold" panose="020B0903060703020204" pitchFamily="34" charset="0"/>
+              </a:rPr>
+              <a:t> </a:t>
+            </a:r>
+            <a:r>
+              <a:rPr lang="es-ES" b="1" dirty="0" err="1">
+                <a:latin typeface="Britannic Bold" panose="020B0903060703020204" pitchFamily="34" charset="0"/>
+              </a:rPr>
+              <a:t>resources</a:t>
+            </a:r>
+            <a:endParaRPr lang="es-MX" dirty="0">
+              <a:latin typeface="Britannic Bold" panose="020B0903060703020204" pitchFamily="34" charset="0"/>
+            </a:endParaRPr>
+          </a:p>
+        </p:txBody>
+      </p:sp>
+      <p:pic>
+        <p:nvPicPr>
+          <p:cNvPr id="5" name="Imagen 4">
+            <a:extLst>
+              <a:ext uri="{FF2B5EF4-FFF2-40B4-BE49-F238E27FC236}">
+                <a16:creationId xmlns:a16="http://schemas.microsoft.com/office/drawing/2014/main" id="{6B6F33BB-27E9-41F1-86E8-6C44F2753644}"/>
+              </a:ext>
+            </a:extLst>
+          </p:cNvPr>
+          <p:cNvPicPr>
+            <a:picLocks noChangeAspect="1"/>
+          </p:cNvPicPr>
+          <p:nvPr/>
+        </p:nvPicPr>
+        <p:blipFill rotWithShape="1">
+          <a:blip r:embed="rId3">
+            <a:extLst>
+              <a:ext uri="{BEBA8EAE-BF5A-486C-A8C5-ECC9F3942E4B}">
+                <a14:imgProps xmlns:a14="http://schemas.microsoft.com/office/drawing/2010/main">
+                  <a14:imgLayer r:embed="rId4">
+                    <a14:imgEffect>
+                      <a14:backgroundRemoval t="36750" b="67750" l="7750" r="94250">
+                        <a14:foregroundMark x1="21250" y1="53250" x2="21250" y2="53250"/>
+                        <a14:foregroundMark x1="29250" y1="50250" x2="29250" y2="50250"/>
+                        <a14:foregroundMark x1="29750" y1="43250" x2="29750" y2="43250"/>
+                        <a14:foregroundMark x1="49750" y1="52750" x2="49750" y2="52750"/>
+                        <a14:foregroundMark x1="63250" y1="50250" x2="63250" y2="50250"/>
+                        <a14:foregroundMark x1="75750" y1="48750" x2="75750" y2="48750"/>
+                        <a14:foregroundMark x1="85750" y1="48750" x2="85750" y2="48750"/>
+                      </a14:backgroundRemoval>
+                    </a14:imgEffect>
+                  </a14:imgLayer>
+                </a14:imgProps>
+              </a:ext>
+              <a:ext uri="{28A0092B-C50C-407E-A947-70E740481C1C}">
+                <a14:useLocalDpi xmlns:a14="http://schemas.microsoft.com/office/drawing/2010/main" val="0"/>
+              </a:ext>
+            </a:extLst>
+          </a:blip>
+          <a:srcRect l="7896" t="37372" r="6390" b="32811"/>
+          <a:stretch/>
+        </p:blipFill>
+        <p:spPr>
+          <a:xfrm>
+            <a:off x="2184952" y="245838"/>
+            <a:ext cx="2266122" cy="788298"/>
+          </a:xfrm>
+          <a:prstGeom prst="rect">
+            <a:avLst/>
+          </a:prstGeom>
+        </p:spPr>
+      </p:pic>
+      <p:pic>
+        <p:nvPicPr>
+          <p:cNvPr id="7" name="Imagen 6">
+            <a:extLst>
+              <a:ext uri="{FF2B5EF4-FFF2-40B4-BE49-F238E27FC236}">
+                <a16:creationId xmlns:a16="http://schemas.microsoft.com/office/drawing/2014/main" id="{E79F3D0A-E807-4A20-BB57-7BB046212A37}"/>
+              </a:ext>
+            </a:extLst>
+          </p:cNvPr>
+          <p:cNvPicPr>
+            <a:picLocks noChangeAspect="1"/>
+          </p:cNvPicPr>
+          <p:nvPr/>
+        </p:nvPicPr>
+        <p:blipFill>
+          <a:blip r:embed="rId5">
+            <a:extLst>
+              <a:ext uri="{28A0092B-C50C-407E-A947-70E740481C1C}">
+                <a14:useLocalDpi xmlns:a14="http://schemas.microsoft.com/office/drawing/2010/main" val="0"/>
+              </a:ext>
+            </a:extLst>
+          </a:blip>
+          <a:stretch>
+            <a:fillRect/>
+          </a:stretch>
+        </p:blipFill>
+        <p:spPr>
+          <a:xfrm>
+            <a:off x="8965157" y="9546"/>
+            <a:ext cx="933347" cy="1260881"/>
+          </a:xfrm>
+          <a:prstGeom prst="rect">
+            <a:avLst/>
+          </a:prstGeom>
+        </p:spPr>
+      </p:pic>
+    </p:spTree>
+    <p:extLst>
+      <p:ext uri="{BB962C8B-B14F-4D97-AF65-F5344CB8AC3E}">
+        <p14:creationId xmlns:p14="http://schemas.microsoft.com/office/powerpoint/2010/main" val="3195034610"/>
+      </p:ext>
+    </p:extLst>
+  </p:cSld>
+  <p:clrMapOvr>
+    <a:masterClrMapping/>
+  </p:clrMapOvr>
+</p:sld>
+</file>
+
+<file path=ppt/slides/slide15.xml><?xml version="1.0" encoding="utf-8"?>
+<p:sld xmlns:a="http://schemas.openxmlformats.org/drawingml/2006/main" xmlns:r="http://schemas.openxmlformats.org/officeDocument/2006/relationships" xmlns:p="http://schemas.openxmlformats.org/presentationml/2006/main">
+  <p:cSld>
+    <p:spTree>
+      <p:nvGrpSpPr>
+        <p:cNvPr id="1" name=""/>
+        <p:cNvGrpSpPr/>
+        <p:nvPr/>
+      </p:nvGrpSpPr>
+      <p:grpSpPr>
+        <a:xfrm>
+          <a:off x="0" y="0"/>
+          <a:ext cx="0" cy="0"/>
+          <a:chOff x="0" y="0"/>
+          <a:chExt cx="0" cy="0"/>
+        </a:xfrm>
+      </p:grpSpPr>
+      <p:pic>
+        <p:nvPicPr>
+          <p:cNvPr id="4" name="Imagen 3">
+            <a:extLst>
+              <a:ext uri="{FF2B5EF4-FFF2-40B4-BE49-F238E27FC236}">
+                <a16:creationId xmlns:a16="http://schemas.microsoft.com/office/drawing/2014/main" id="{5E5AD1B7-2754-49E1-9B5B-50BE4B5F45FE}"/>
+              </a:ext>
+            </a:extLst>
+          </p:cNvPr>
+          <p:cNvPicPr>
+            <a:picLocks noChangeAspect="1"/>
+          </p:cNvPicPr>
+          <p:nvPr/>
+        </p:nvPicPr>
+        <p:blipFill>
+          <a:blip r:embed="rId2"/>
+          <a:stretch>
+            <a:fillRect/>
+          </a:stretch>
+        </p:blipFill>
+        <p:spPr>
+          <a:xfrm>
+            <a:off x="0" y="0"/>
+            <a:ext cx="12192000" cy="6858000"/>
+          </a:xfrm>
+          <a:prstGeom prst="rect">
+            <a:avLst/>
+          </a:prstGeom>
+        </p:spPr>
+      </p:pic>
+    </p:spTree>
+    <p:extLst>
+      <p:ext uri="{BB962C8B-B14F-4D97-AF65-F5344CB8AC3E}">
+        <p14:creationId xmlns:p14="http://schemas.microsoft.com/office/powerpoint/2010/main" val="524348941"/>
+      </p:ext>
+    </p:extLst>
+  </p:cSld>
+  <p:clrMapOvr>
+    <a:masterClrMapping/>
+  </p:clrMapOvr>
+</p:sld>
+</file>
+
+<file path=ppt/slides/slide16.xml><?xml version="1.0" encoding="utf-8"?>
+<p:sld xmlns:a="http://schemas.openxmlformats.org/drawingml/2006/main" xmlns:r="http://schemas.openxmlformats.org/officeDocument/2006/relationships" xmlns:p="http://schemas.openxmlformats.org/presentationml/2006/main">
+  <p:cSld>
+    <p:spTree>
+      <p:nvGrpSpPr>
+        <p:cNvPr id="1" name=""/>
+        <p:cNvGrpSpPr/>
+        <p:nvPr/>
+      </p:nvGrpSpPr>
+      <p:grpSpPr>
+        <a:xfrm>
+          <a:off x="0" y="0"/>
+          <a:ext cx="0" cy="0"/>
+          <a:chOff x="0" y="0"/>
+          <a:chExt cx="0" cy="0"/>
+        </a:xfrm>
+      </p:grpSpPr>
+      <p:pic>
+        <p:nvPicPr>
+          <p:cNvPr id="10" name="Imagen 9">
+            <a:extLst>
+              <a:ext uri="{FF2B5EF4-FFF2-40B4-BE49-F238E27FC236}">
+                <a16:creationId xmlns:a16="http://schemas.microsoft.com/office/drawing/2014/main" id="{15B1CB55-DE9C-472F-9798-9D941F19E5AD}"/>
+              </a:ext>
+            </a:extLst>
+          </p:cNvPr>
+          <p:cNvPicPr>
+            <a:picLocks noChangeAspect="1"/>
+          </p:cNvPicPr>
+          <p:nvPr/>
+        </p:nvPicPr>
+        <p:blipFill>
+          <a:blip r:embed="rId2">
+            <a:extLst>
+              <a:ext uri="{28A0092B-C50C-407E-A947-70E740481C1C}">
+                <a14:useLocalDpi xmlns:a14="http://schemas.microsoft.com/office/drawing/2010/main" val="0"/>
+              </a:ext>
+            </a:extLst>
+          </a:blip>
+          <a:stretch>
+            <a:fillRect/>
+          </a:stretch>
+        </p:blipFill>
+        <p:spPr>
+          <a:xfrm>
+            <a:off x="0" y="0"/>
+            <a:ext cx="12192000" cy="6858000"/>
+          </a:xfrm>
+          <a:prstGeom prst="rect">
+            <a:avLst/>
+          </a:prstGeom>
+        </p:spPr>
+      </p:pic>
+      <p:sp>
+        <p:nvSpPr>
+          <p:cNvPr id="2" name="Título 1">
+            <a:extLst>
+              <a:ext uri="{FF2B5EF4-FFF2-40B4-BE49-F238E27FC236}">
+                <a16:creationId xmlns:a16="http://schemas.microsoft.com/office/drawing/2014/main" id="{A29E6CD6-FAAF-4EB2-937D-93C4B0F9CE35}"/>
+              </a:ext>
+            </a:extLst>
+          </p:cNvPr>
+          <p:cNvSpPr>
+            <a:spLocks noGrp="1"/>
+          </p:cNvSpPr>
+          <p:nvPr>
+            <p:ph type="ctrTitle"/>
+          </p:nvPr>
+        </p:nvSpPr>
+        <p:spPr>
+          <a:xfrm>
+            <a:off x="2076408" y="3031283"/>
+            <a:ext cx="7822096" cy="1151076"/>
+          </a:xfrm>
+        </p:spPr>
+        <p:txBody>
+          <a:bodyPr>
+            <a:normAutofit fontScale="90000"/>
+          </a:bodyPr>
+          <a:lstStyle/>
+          <a:p>
+            <a:r>
+              <a:rPr lang="es-ES" b="1" dirty="0">
+                <a:latin typeface="Britannic Bold" panose="020B0903060703020204" pitchFamily="34" charset="0"/>
+              </a:rPr>
+              <a:t>Asynchronous vs Synchronous</a:t>
+            </a:r>
+            <a:endParaRPr lang="es-MX" dirty="0">
+              <a:latin typeface="Britannic Bold" panose="020B0903060703020204" pitchFamily="34" charset="0"/>
+            </a:endParaRPr>
+          </a:p>
+        </p:txBody>
+      </p:sp>
+      <p:pic>
+        <p:nvPicPr>
+          <p:cNvPr id="5" name="Imagen 4">
+            <a:extLst>
+              <a:ext uri="{FF2B5EF4-FFF2-40B4-BE49-F238E27FC236}">
+                <a16:creationId xmlns:a16="http://schemas.microsoft.com/office/drawing/2014/main" id="{6B6F33BB-27E9-41F1-86E8-6C44F2753644}"/>
+              </a:ext>
+            </a:extLst>
+          </p:cNvPr>
+          <p:cNvPicPr>
+            <a:picLocks noChangeAspect="1"/>
+          </p:cNvPicPr>
+          <p:nvPr/>
+        </p:nvPicPr>
+        <p:blipFill rotWithShape="1">
+          <a:blip r:embed="rId3">
+            <a:extLst>
+              <a:ext uri="{BEBA8EAE-BF5A-486C-A8C5-ECC9F3942E4B}">
+                <a14:imgProps xmlns:a14="http://schemas.microsoft.com/office/drawing/2010/main">
+                  <a14:imgLayer r:embed="rId4">
+                    <a14:imgEffect>
+                      <a14:backgroundRemoval t="36750" b="67750" l="7750" r="94250">
+                        <a14:foregroundMark x1="21250" y1="53250" x2="21250" y2="53250"/>
+                        <a14:foregroundMark x1="29250" y1="50250" x2="29250" y2="50250"/>
+                        <a14:foregroundMark x1="29750" y1="43250" x2="29750" y2="43250"/>
+                        <a14:foregroundMark x1="49750" y1="52750" x2="49750" y2="52750"/>
+                        <a14:foregroundMark x1="63250" y1="50250" x2="63250" y2="50250"/>
+                        <a14:foregroundMark x1="75750" y1="48750" x2="75750" y2="48750"/>
+                        <a14:foregroundMark x1="85750" y1="48750" x2="85750" y2="48750"/>
+                      </a14:backgroundRemoval>
+                    </a14:imgEffect>
+                  </a14:imgLayer>
+                </a14:imgProps>
+              </a:ext>
+              <a:ext uri="{28A0092B-C50C-407E-A947-70E740481C1C}">
+                <a14:useLocalDpi xmlns:a14="http://schemas.microsoft.com/office/drawing/2010/main" val="0"/>
+              </a:ext>
+            </a:extLst>
+          </a:blip>
+          <a:srcRect l="7896" t="37372" r="6390" b="32811"/>
+          <a:stretch/>
+        </p:blipFill>
+        <p:spPr>
+          <a:xfrm>
+            <a:off x="2184952" y="245838"/>
+            <a:ext cx="2266122" cy="788298"/>
+          </a:xfrm>
+          <a:prstGeom prst="rect">
+            <a:avLst/>
+          </a:prstGeom>
+        </p:spPr>
+      </p:pic>
+      <p:pic>
+        <p:nvPicPr>
+          <p:cNvPr id="7" name="Imagen 6">
+            <a:extLst>
+              <a:ext uri="{FF2B5EF4-FFF2-40B4-BE49-F238E27FC236}">
+                <a16:creationId xmlns:a16="http://schemas.microsoft.com/office/drawing/2014/main" id="{E79F3D0A-E807-4A20-BB57-7BB046212A37}"/>
+              </a:ext>
+            </a:extLst>
+          </p:cNvPr>
+          <p:cNvPicPr>
+            <a:picLocks noChangeAspect="1"/>
+          </p:cNvPicPr>
+          <p:nvPr/>
+        </p:nvPicPr>
+        <p:blipFill>
+          <a:blip r:embed="rId5">
+            <a:extLst>
+              <a:ext uri="{28A0092B-C50C-407E-A947-70E740481C1C}">
+                <a14:useLocalDpi xmlns:a14="http://schemas.microsoft.com/office/drawing/2010/main" val="0"/>
+              </a:ext>
+            </a:extLst>
+          </a:blip>
+          <a:stretch>
+            <a:fillRect/>
+          </a:stretch>
+        </p:blipFill>
+        <p:spPr>
+          <a:xfrm>
+            <a:off x="8965157" y="9546"/>
+            <a:ext cx="933347" cy="1260881"/>
+          </a:xfrm>
+          <a:prstGeom prst="rect">
+            <a:avLst/>
+          </a:prstGeom>
+        </p:spPr>
+      </p:pic>
+    </p:spTree>
+    <p:extLst>
+      <p:ext uri="{BB962C8B-B14F-4D97-AF65-F5344CB8AC3E}">
         <p14:creationId xmlns:p14="http://schemas.microsoft.com/office/powerpoint/2010/main" val="2885140317"/>
       </p:ext>
     </p:extLst>
@@ -4014,7 +5190,7 @@
 </p:sld>
 </file>
 
-<file path=ppt/slides/slide12.xml><?xml version="1.0" encoding="utf-8"?>
+<file path=ppt/slides/slide17.xml><?xml version="1.0" encoding="utf-8"?>
 <p:sld xmlns:a="http://schemas.openxmlformats.org/drawingml/2006/main" xmlns:r="http://schemas.openxmlformats.org/officeDocument/2006/relationships" xmlns:p="http://schemas.openxmlformats.org/presentationml/2006/main">
   <p:cSld>
     <p:spTree>
@@ -5199,6 +6375,786 @@
       </p:grpSpPr>
       <p:pic>
         <p:nvPicPr>
+          <p:cNvPr id="7" name="Imagen 6">
+            <a:extLst>
+              <a:ext uri="{FF2B5EF4-FFF2-40B4-BE49-F238E27FC236}">
+                <a16:creationId xmlns:a16="http://schemas.microsoft.com/office/drawing/2014/main" id="{28ABCDB1-D408-4E04-BC11-C8A84D49B60A}"/>
+              </a:ext>
+            </a:extLst>
+          </p:cNvPr>
+          <p:cNvPicPr>
+            <a:picLocks noChangeAspect="1"/>
+          </p:cNvPicPr>
+          <p:nvPr/>
+        </p:nvPicPr>
+        <p:blipFill>
+          <a:blip r:embed="rId2">
+            <a:extLst>
+              <a:ext uri="{28A0092B-C50C-407E-A947-70E740481C1C}">
+                <a14:useLocalDpi xmlns:a14="http://schemas.microsoft.com/office/drawing/2010/main" val="0"/>
+              </a:ext>
+            </a:extLst>
+          </a:blip>
+          <a:stretch>
+            <a:fillRect/>
+          </a:stretch>
+        </p:blipFill>
+        <p:spPr>
+          <a:xfrm>
+            <a:off x="0" y="-16850"/>
+            <a:ext cx="12192000" cy="6874850"/>
+          </a:xfrm>
+          <a:prstGeom prst="rect">
+            <a:avLst/>
+          </a:prstGeom>
+        </p:spPr>
+      </p:pic>
+    </p:spTree>
+    <p:extLst>
+      <p:ext uri="{BB962C8B-B14F-4D97-AF65-F5344CB8AC3E}">
+        <p14:creationId xmlns:p14="http://schemas.microsoft.com/office/powerpoint/2010/main" val="4172987983"/>
+      </p:ext>
+    </p:extLst>
+  </p:cSld>
+  <p:clrMapOvr>
+    <a:masterClrMapping/>
+  </p:clrMapOvr>
+</p:sld>
+</file>
+
+<file path=ppt/slides/slide4.xml><?xml version="1.0" encoding="utf-8"?>
+<p:sld xmlns:a="http://schemas.openxmlformats.org/drawingml/2006/main" xmlns:r="http://schemas.openxmlformats.org/officeDocument/2006/relationships" xmlns:p="http://schemas.openxmlformats.org/presentationml/2006/main">
+  <p:cSld>
+    <p:spTree>
+      <p:nvGrpSpPr>
+        <p:cNvPr id="1" name=""/>
+        <p:cNvGrpSpPr/>
+        <p:nvPr/>
+      </p:nvGrpSpPr>
+      <p:grpSpPr>
+        <a:xfrm>
+          <a:off x="0" y="0"/>
+          <a:ext cx="0" cy="0"/>
+          <a:chOff x="0" y="0"/>
+          <a:chExt cx="0" cy="0"/>
+        </a:xfrm>
+      </p:grpSpPr>
+      <p:pic>
+        <p:nvPicPr>
+          <p:cNvPr id="4" name="Imagen 3">
+            <a:extLst>
+              <a:ext uri="{FF2B5EF4-FFF2-40B4-BE49-F238E27FC236}">
+                <a16:creationId xmlns:a16="http://schemas.microsoft.com/office/drawing/2014/main" id="{9352625A-F966-44F2-A6A6-994009D29838}"/>
+              </a:ext>
+            </a:extLst>
+          </p:cNvPr>
+          <p:cNvPicPr>
+            <a:picLocks noChangeAspect="1"/>
+          </p:cNvPicPr>
+          <p:nvPr/>
+        </p:nvPicPr>
+        <p:blipFill>
+          <a:blip r:embed="rId2">
+            <a:extLst>
+              <a:ext uri="{28A0092B-C50C-407E-A947-70E740481C1C}">
+                <a14:useLocalDpi xmlns:a14="http://schemas.microsoft.com/office/drawing/2010/main" val="0"/>
+              </a:ext>
+            </a:extLst>
+          </a:blip>
+          <a:stretch>
+            <a:fillRect/>
+          </a:stretch>
+        </p:blipFill>
+        <p:spPr>
+          <a:xfrm>
+            <a:off x="0" y="0"/>
+            <a:ext cx="12192000" cy="6858000"/>
+          </a:xfrm>
+          <a:prstGeom prst="rect">
+            <a:avLst/>
+          </a:prstGeom>
+        </p:spPr>
+      </p:pic>
+      <p:pic>
+        <p:nvPicPr>
+          <p:cNvPr id="6" name="Imagen 5">
+            <a:extLst>
+              <a:ext uri="{FF2B5EF4-FFF2-40B4-BE49-F238E27FC236}">
+                <a16:creationId xmlns:a16="http://schemas.microsoft.com/office/drawing/2014/main" id="{BB34D1B8-CC7B-4513-B356-1E95CE58E95B}"/>
+              </a:ext>
+            </a:extLst>
+          </p:cNvPr>
+          <p:cNvPicPr>
+            <a:picLocks noChangeAspect="1"/>
+          </p:cNvPicPr>
+          <p:nvPr/>
+        </p:nvPicPr>
+        <p:blipFill>
+          <a:blip r:embed="rId3">
+            <a:extLst>
+              <a:ext uri="{28A0092B-C50C-407E-A947-70E740481C1C}">
+                <a14:useLocalDpi xmlns:a14="http://schemas.microsoft.com/office/drawing/2010/main" val="0"/>
+              </a:ext>
+            </a:extLst>
+          </a:blip>
+          <a:stretch>
+            <a:fillRect/>
+          </a:stretch>
+        </p:blipFill>
+        <p:spPr>
+          <a:xfrm>
+            <a:off x="5087385" y="3843130"/>
+            <a:ext cx="1932953" cy="1932953"/>
+          </a:xfrm>
+          <a:prstGeom prst="rect">
+            <a:avLst/>
+          </a:prstGeom>
+        </p:spPr>
+      </p:pic>
+      <p:pic>
+        <p:nvPicPr>
+          <p:cNvPr id="7" name="Imagen 6">
+            <a:extLst>
+              <a:ext uri="{FF2B5EF4-FFF2-40B4-BE49-F238E27FC236}">
+                <a16:creationId xmlns:a16="http://schemas.microsoft.com/office/drawing/2014/main" id="{D24F2968-C1E2-459E-AD5D-BBEB3CC29534}"/>
+              </a:ext>
+            </a:extLst>
+          </p:cNvPr>
+          <p:cNvPicPr>
+            <a:picLocks noChangeAspect="1"/>
+          </p:cNvPicPr>
+          <p:nvPr/>
+        </p:nvPicPr>
+        <p:blipFill>
+          <a:blip r:embed="rId3">
+            <a:extLst>
+              <a:ext uri="{28A0092B-C50C-407E-A947-70E740481C1C}">
+                <a14:useLocalDpi xmlns:a14="http://schemas.microsoft.com/office/drawing/2010/main" val="0"/>
+              </a:ext>
+            </a:extLst>
+          </a:blip>
+          <a:stretch>
+            <a:fillRect/>
+          </a:stretch>
+        </p:blipFill>
+        <p:spPr>
+          <a:xfrm>
+            <a:off x="7837211" y="3843130"/>
+            <a:ext cx="1932953" cy="1932953"/>
+          </a:xfrm>
+          <a:prstGeom prst="rect">
+            <a:avLst/>
+          </a:prstGeom>
+        </p:spPr>
+      </p:pic>
+      <p:pic>
+        <p:nvPicPr>
+          <p:cNvPr id="9" name="Imagen 8">
+            <a:extLst>
+              <a:ext uri="{FF2B5EF4-FFF2-40B4-BE49-F238E27FC236}">
+                <a16:creationId xmlns:a16="http://schemas.microsoft.com/office/drawing/2014/main" id="{018B5FA4-FE0E-4109-B4D5-B01899423E16}"/>
+              </a:ext>
+            </a:extLst>
+          </p:cNvPr>
+          <p:cNvPicPr>
+            <a:picLocks noChangeAspect="1"/>
+          </p:cNvPicPr>
+          <p:nvPr/>
+        </p:nvPicPr>
+        <p:blipFill>
+          <a:blip r:embed="rId4">
+            <a:extLst>
+              <a:ext uri="{28A0092B-C50C-407E-A947-70E740481C1C}">
+                <a14:useLocalDpi xmlns:a14="http://schemas.microsoft.com/office/drawing/2010/main" val="0"/>
+              </a:ext>
+            </a:extLst>
+          </a:blip>
+          <a:stretch>
+            <a:fillRect/>
+          </a:stretch>
+        </p:blipFill>
+        <p:spPr>
+          <a:xfrm>
+            <a:off x="5531179" y="5142776"/>
+            <a:ext cx="1174266" cy="1174266"/>
+          </a:xfrm>
+          <a:prstGeom prst="rect">
+            <a:avLst/>
+          </a:prstGeom>
+        </p:spPr>
+      </p:pic>
+      <p:pic>
+        <p:nvPicPr>
+          <p:cNvPr id="11" name="Imagen 10">
+            <a:extLst>
+              <a:ext uri="{FF2B5EF4-FFF2-40B4-BE49-F238E27FC236}">
+                <a16:creationId xmlns:a16="http://schemas.microsoft.com/office/drawing/2014/main" id="{015E088A-0299-40B0-90B0-398E95FC55EB}"/>
+              </a:ext>
+            </a:extLst>
+          </p:cNvPr>
+          <p:cNvPicPr>
+            <a:picLocks noChangeAspect="1"/>
+          </p:cNvPicPr>
+          <p:nvPr/>
+        </p:nvPicPr>
+        <p:blipFill>
+          <a:blip r:embed="rId5">
+            <a:extLst>
+              <a:ext uri="{28A0092B-C50C-407E-A947-70E740481C1C}">
+                <a14:useLocalDpi xmlns:a14="http://schemas.microsoft.com/office/drawing/2010/main" val="0"/>
+              </a:ext>
+            </a:extLst>
+          </a:blip>
+          <a:stretch>
+            <a:fillRect/>
+          </a:stretch>
+        </p:blipFill>
+        <p:spPr>
+          <a:xfrm>
+            <a:off x="8109604" y="4979088"/>
+            <a:ext cx="1388165" cy="1388165"/>
+          </a:xfrm>
+          <a:prstGeom prst="rect">
+            <a:avLst/>
+          </a:prstGeom>
+        </p:spPr>
+      </p:pic>
+      <p:pic>
+        <p:nvPicPr>
+          <p:cNvPr id="12" name="Imagen 11">
+            <a:extLst>
+              <a:ext uri="{FF2B5EF4-FFF2-40B4-BE49-F238E27FC236}">
+                <a16:creationId xmlns:a16="http://schemas.microsoft.com/office/drawing/2014/main" id="{C5E0EFE0-D5E3-4C72-B69D-B18E6BFB70B9}"/>
+              </a:ext>
+            </a:extLst>
+          </p:cNvPr>
+          <p:cNvPicPr>
+            <a:picLocks noChangeAspect="1"/>
+          </p:cNvPicPr>
+          <p:nvPr/>
+        </p:nvPicPr>
+        <p:blipFill>
+          <a:blip r:embed="rId3">
+            <a:extLst>
+              <a:ext uri="{28A0092B-C50C-407E-A947-70E740481C1C}">
+                <a14:useLocalDpi xmlns:a14="http://schemas.microsoft.com/office/drawing/2010/main" val="0"/>
+              </a:ext>
+            </a:extLst>
+          </a:blip>
+          <a:stretch>
+            <a:fillRect/>
+          </a:stretch>
+        </p:blipFill>
+        <p:spPr>
+          <a:xfrm>
+            <a:off x="7837209" y="582163"/>
+            <a:ext cx="1932953" cy="1932953"/>
+          </a:xfrm>
+          <a:prstGeom prst="rect">
+            <a:avLst/>
+          </a:prstGeom>
+        </p:spPr>
+      </p:pic>
+      <p:pic>
+        <p:nvPicPr>
+          <p:cNvPr id="14" name="Imagen 13">
+            <a:extLst>
+              <a:ext uri="{FF2B5EF4-FFF2-40B4-BE49-F238E27FC236}">
+                <a16:creationId xmlns:a16="http://schemas.microsoft.com/office/drawing/2014/main" id="{9FF8CB32-76F0-40D4-B933-AAC43333A0DB}"/>
+              </a:ext>
+            </a:extLst>
+          </p:cNvPr>
+          <p:cNvPicPr>
+            <a:picLocks noChangeAspect="1"/>
+          </p:cNvPicPr>
+          <p:nvPr/>
+        </p:nvPicPr>
+        <p:blipFill>
+          <a:blip r:embed="rId6">
+            <a:extLst>
+              <a:ext uri="{28A0092B-C50C-407E-A947-70E740481C1C}">
+                <a14:useLocalDpi xmlns:a14="http://schemas.microsoft.com/office/drawing/2010/main" val="0"/>
+              </a:ext>
+            </a:extLst>
+          </a:blip>
+          <a:stretch>
+            <a:fillRect/>
+          </a:stretch>
+        </p:blipFill>
+        <p:spPr>
+          <a:xfrm>
+            <a:off x="5101144" y="582163"/>
+            <a:ext cx="1905434" cy="1905434"/>
+          </a:xfrm>
+          <a:prstGeom prst="rect">
+            <a:avLst/>
+          </a:prstGeom>
+        </p:spPr>
+      </p:pic>
+      <p:pic>
+        <p:nvPicPr>
+          <p:cNvPr id="16" name="Imagen 15">
+            <a:extLst>
+              <a:ext uri="{FF2B5EF4-FFF2-40B4-BE49-F238E27FC236}">
+                <a16:creationId xmlns:a16="http://schemas.microsoft.com/office/drawing/2014/main" id="{058789B4-7EE8-41E7-8D80-700890618206}"/>
+              </a:ext>
+            </a:extLst>
+          </p:cNvPr>
+          <p:cNvPicPr>
+            <a:picLocks noChangeAspect="1"/>
+          </p:cNvPicPr>
+          <p:nvPr/>
+        </p:nvPicPr>
+        <p:blipFill>
+          <a:blip r:embed="rId7">
+            <a:extLst>
+              <a:ext uri="{28A0092B-C50C-407E-A947-70E740481C1C}">
+                <a14:useLocalDpi xmlns:a14="http://schemas.microsoft.com/office/drawing/2010/main" val="0"/>
+              </a:ext>
+            </a:extLst>
+          </a:blip>
+          <a:stretch>
+            <a:fillRect/>
+          </a:stretch>
+        </p:blipFill>
+        <p:spPr>
+          <a:xfrm>
+            <a:off x="1873528" y="743547"/>
+            <a:ext cx="1932953" cy="1932953"/>
+          </a:xfrm>
+          <a:prstGeom prst="rect">
+            <a:avLst/>
+          </a:prstGeom>
+        </p:spPr>
+      </p:pic>
+      <p:pic>
+        <p:nvPicPr>
+          <p:cNvPr id="18" name="Imagen 17">
+            <a:extLst>
+              <a:ext uri="{FF2B5EF4-FFF2-40B4-BE49-F238E27FC236}">
+                <a16:creationId xmlns:a16="http://schemas.microsoft.com/office/drawing/2014/main" id="{89FE38D3-B36E-4868-802A-07FBA3458D98}"/>
+              </a:ext>
+            </a:extLst>
+          </p:cNvPr>
+          <p:cNvPicPr>
+            <a:picLocks noChangeAspect="1"/>
+          </p:cNvPicPr>
+          <p:nvPr/>
+        </p:nvPicPr>
+        <p:blipFill>
+          <a:blip r:embed="rId8">
+            <a:extLst>
+              <a:ext uri="{28A0092B-C50C-407E-A947-70E740481C1C}">
+                <a14:useLocalDpi xmlns:a14="http://schemas.microsoft.com/office/drawing/2010/main" val="0"/>
+              </a:ext>
+            </a:extLst>
+          </a:blip>
+          <a:stretch>
+            <a:fillRect/>
+          </a:stretch>
+        </p:blipFill>
+        <p:spPr>
+          <a:xfrm>
+            <a:off x="1813632" y="4054746"/>
+            <a:ext cx="1848684" cy="1848684"/>
+          </a:xfrm>
+          <a:prstGeom prst="rect">
+            <a:avLst/>
+          </a:prstGeom>
+        </p:spPr>
+      </p:pic>
+      <p:cxnSp>
+        <p:nvCxnSpPr>
+          <p:cNvPr id="20" name="Conector recto de flecha 19">
+            <a:extLst>
+              <a:ext uri="{FF2B5EF4-FFF2-40B4-BE49-F238E27FC236}">
+                <a16:creationId xmlns:a16="http://schemas.microsoft.com/office/drawing/2014/main" id="{DC3E2D95-E755-45D1-8058-13039EBE696C}"/>
+              </a:ext>
+            </a:extLst>
+          </p:cNvPr>
+          <p:cNvCxnSpPr>
+            <a:cxnSpLocks/>
+          </p:cNvCxnSpPr>
+          <p:nvPr/>
+        </p:nvCxnSpPr>
+        <p:spPr>
+          <a:xfrm flipH="1" flipV="1">
+            <a:off x="2836949" y="2676501"/>
+            <a:ext cx="3055" cy="1390041"/>
+          </a:xfrm>
+          <a:prstGeom prst="straightConnector1">
+            <a:avLst/>
+          </a:prstGeom>
+          <a:ln w="76200">
+            <a:tailEnd type="triangle"/>
+          </a:ln>
+        </p:spPr>
+        <p:style>
+          <a:lnRef idx="1">
+            <a:schemeClr val="accent1"/>
+          </a:lnRef>
+          <a:fillRef idx="0">
+            <a:schemeClr val="accent1"/>
+          </a:fillRef>
+          <a:effectRef idx="0">
+            <a:schemeClr val="accent1"/>
+          </a:effectRef>
+          <a:fontRef idx="minor">
+            <a:schemeClr val="tx1"/>
+          </a:fontRef>
+        </p:style>
+      </p:cxnSp>
+      <p:cxnSp>
+        <p:nvCxnSpPr>
+          <p:cNvPr id="23" name="Conector recto de flecha 22">
+            <a:extLst>
+              <a:ext uri="{FF2B5EF4-FFF2-40B4-BE49-F238E27FC236}">
+                <a16:creationId xmlns:a16="http://schemas.microsoft.com/office/drawing/2014/main" id="{563BCDD2-ED53-4114-BBD3-E573955F6046}"/>
+              </a:ext>
+            </a:extLst>
+          </p:cNvPr>
+          <p:cNvCxnSpPr>
+            <a:stCxn id="16" idx="3"/>
+          </p:cNvCxnSpPr>
+          <p:nvPr/>
+        </p:nvCxnSpPr>
+        <p:spPr>
+          <a:xfrm flipV="1">
+            <a:off x="3806481" y="1710023"/>
+            <a:ext cx="1280904" cy="1"/>
+          </a:xfrm>
+          <a:prstGeom prst="straightConnector1">
+            <a:avLst/>
+          </a:prstGeom>
+          <a:ln w="76200">
+            <a:tailEnd type="triangle"/>
+          </a:ln>
+        </p:spPr>
+        <p:style>
+          <a:lnRef idx="1">
+            <a:schemeClr val="accent1"/>
+          </a:lnRef>
+          <a:fillRef idx="0">
+            <a:schemeClr val="accent1"/>
+          </a:fillRef>
+          <a:effectRef idx="0">
+            <a:schemeClr val="accent1"/>
+          </a:effectRef>
+          <a:fontRef idx="minor">
+            <a:schemeClr val="tx1"/>
+          </a:fontRef>
+        </p:style>
+      </p:cxnSp>
+      <p:cxnSp>
+        <p:nvCxnSpPr>
+          <p:cNvPr id="25" name="Conector recto de flecha 24">
+            <a:extLst>
+              <a:ext uri="{FF2B5EF4-FFF2-40B4-BE49-F238E27FC236}">
+                <a16:creationId xmlns:a16="http://schemas.microsoft.com/office/drawing/2014/main" id="{CB67DC2B-BE66-4E38-AB70-2BA206D9B119}"/>
+              </a:ext>
+            </a:extLst>
+          </p:cNvPr>
+          <p:cNvCxnSpPr>
+            <a:cxnSpLocks/>
+          </p:cNvCxnSpPr>
+          <p:nvPr/>
+        </p:nvCxnSpPr>
+        <p:spPr>
+          <a:xfrm>
+            <a:off x="7020338" y="1681146"/>
+            <a:ext cx="830633" cy="0"/>
+          </a:xfrm>
+          <a:prstGeom prst="straightConnector1">
+            <a:avLst/>
+          </a:prstGeom>
+          <a:ln w="76200">
+            <a:tailEnd type="triangle"/>
+          </a:ln>
+        </p:spPr>
+        <p:style>
+          <a:lnRef idx="1">
+            <a:schemeClr val="accent1"/>
+          </a:lnRef>
+          <a:fillRef idx="0">
+            <a:schemeClr val="accent1"/>
+          </a:fillRef>
+          <a:effectRef idx="0">
+            <a:schemeClr val="accent1"/>
+          </a:effectRef>
+          <a:fontRef idx="minor">
+            <a:schemeClr val="tx1"/>
+          </a:fontRef>
+        </p:style>
+      </p:cxnSp>
+      <p:cxnSp>
+        <p:nvCxnSpPr>
+          <p:cNvPr id="27" name="Conector recto de flecha 26">
+            <a:extLst>
+              <a:ext uri="{FF2B5EF4-FFF2-40B4-BE49-F238E27FC236}">
+                <a16:creationId xmlns:a16="http://schemas.microsoft.com/office/drawing/2014/main" id="{55A8FCFA-EDC2-444B-A8EB-926E0155DFEF}"/>
+              </a:ext>
+            </a:extLst>
+          </p:cNvPr>
+          <p:cNvCxnSpPr/>
+          <p:nvPr/>
+        </p:nvCxnSpPr>
+        <p:spPr>
+          <a:xfrm flipH="1">
+            <a:off x="6118312" y="2305878"/>
+            <a:ext cx="1846245" cy="1537252"/>
+          </a:xfrm>
+          <a:prstGeom prst="straightConnector1">
+            <a:avLst/>
+          </a:prstGeom>
+          <a:ln w="76200">
+            <a:tailEnd type="triangle"/>
+          </a:ln>
+        </p:spPr>
+        <p:style>
+          <a:lnRef idx="1">
+            <a:schemeClr val="accent1"/>
+          </a:lnRef>
+          <a:fillRef idx="0">
+            <a:schemeClr val="accent1"/>
+          </a:fillRef>
+          <a:effectRef idx="0">
+            <a:schemeClr val="accent1"/>
+          </a:effectRef>
+          <a:fontRef idx="minor">
+            <a:schemeClr val="tx1"/>
+          </a:fontRef>
+        </p:style>
+      </p:cxnSp>
+      <p:cxnSp>
+        <p:nvCxnSpPr>
+          <p:cNvPr id="31" name="Conector recto de flecha 30">
+            <a:extLst>
+              <a:ext uri="{FF2B5EF4-FFF2-40B4-BE49-F238E27FC236}">
+                <a16:creationId xmlns:a16="http://schemas.microsoft.com/office/drawing/2014/main" id="{F421B691-EF9D-4D85-A5BD-9B9EFCD5C811}"/>
+              </a:ext>
+            </a:extLst>
+          </p:cNvPr>
+          <p:cNvCxnSpPr>
+            <a:stCxn id="12" idx="2"/>
+            <a:endCxn id="7" idx="0"/>
+          </p:cNvCxnSpPr>
+          <p:nvPr/>
+        </p:nvCxnSpPr>
+        <p:spPr>
+          <a:xfrm>
+            <a:off x="8803686" y="2515116"/>
+            <a:ext cx="2" cy="1328014"/>
+          </a:xfrm>
+          <a:prstGeom prst="straightConnector1">
+            <a:avLst/>
+          </a:prstGeom>
+          <a:ln w="76200">
+            <a:tailEnd type="triangle"/>
+          </a:ln>
+        </p:spPr>
+        <p:style>
+          <a:lnRef idx="1">
+            <a:schemeClr val="accent1"/>
+          </a:lnRef>
+          <a:fillRef idx="0">
+            <a:schemeClr val="accent1"/>
+          </a:fillRef>
+          <a:effectRef idx="0">
+            <a:schemeClr val="accent1"/>
+          </a:effectRef>
+          <a:fontRef idx="minor">
+            <a:schemeClr val="tx1"/>
+          </a:fontRef>
+        </p:style>
+      </p:cxnSp>
+      <p:sp>
+        <p:nvSpPr>
+          <p:cNvPr id="33" name="Rombo 32">
+            <a:extLst>
+              <a:ext uri="{FF2B5EF4-FFF2-40B4-BE49-F238E27FC236}">
+                <a16:creationId xmlns:a16="http://schemas.microsoft.com/office/drawing/2014/main" id="{8A039024-1ADD-41CE-AA34-BA7BE2A36BCB}"/>
+              </a:ext>
+            </a:extLst>
+          </p:cNvPr>
+          <p:cNvSpPr/>
+          <p:nvPr/>
+        </p:nvSpPr>
+        <p:spPr>
+          <a:xfrm>
+            <a:off x="2593843" y="2569084"/>
+            <a:ext cx="486211" cy="610039"/>
+          </a:xfrm>
+          <a:prstGeom prst="diamond">
+            <a:avLst/>
+          </a:prstGeom>
+        </p:spPr>
+        <p:style>
+          <a:lnRef idx="2">
+            <a:schemeClr val="accent1">
+              <a:shade val="50000"/>
+            </a:schemeClr>
+          </a:lnRef>
+          <a:fillRef idx="1">
+            <a:schemeClr val="accent1"/>
+          </a:fillRef>
+          <a:effectRef idx="0">
+            <a:schemeClr val="accent1"/>
+          </a:effectRef>
+          <a:fontRef idx="minor">
+            <a:schemeClr val="lt1"/>
+          </a:fontRef>
+        </p:style>
+        <p:txBody>
+          <a:bodyPr rtlCol="0" anchor="ctr"/>
+          <a:lstStyle/>
+          <a:p>
+            <a:pPr algn="ctr"/>
+            <a:endParaRPr lang="es-MX"/>
+          </a:p>
+        </p:txBody>
+      </p:sp>
+    </p:spTree>
+    <p:extLst>
+      <p:ext uri="{BB962C8B-B14F-4D97-AF65-F5344CB8AC3E}">
+        <p14:creationId xmlns:p14="http://schemas.microsoft.com/office/powerpoint/2010/main" val="2567399030"/>
+      </p:ext>
+    </p:extLst>
+  </p:cSld>
+  <p:clrMapOvr>
+    <a:masterClrMapping/>
+  </p:clrMapOvr>
+</p:sld>
+</file>
+
+<file path=ppt/slides/slide5.xml><?xml version="1.0" encoding="utf-8"?>
+<p:sld xmlns:a="http://schemas.openxmlformats.org/drawingml/2006/main" xmlns:r="http://schemas.openxmlformats.org/officeDocument/2006/relationships" xmlns:p="http://schemas.openxmlformats.org/presentationml/2006/main">
+  <p:cSld>
+    <p:spTree>
+      <p:nvGrpSpPr>
+        <p:cNvPr id="1" name=""/>
+        <p:cNvGrpSpPr/>
+        <p:nvPr/>
+      </p:nvGrpSpPr>
+      <p:grpSpPr>
+        <a:xfrm>
+          <a:off x="0" y="0"/>
+          <a:ext cx="0" cy="0"/>
+          <a:chOff x="0" y="0"/>
+          <a:chExt cx="0" cy="0"/>
+        </a:xfrm>
+      </p:grpSpPr>
+      <p:sp>
+        <p:nvSpPr>
+          <p:cNvPr id="2" name="Título 1">
+            <a:extLst>
+              <a:ext uri="{FF2B5EF4-FFF2-40B4-BE49-F238E27FC236}">
+                <a16:creationId xmlns:a16="http://schemas.microsoft.com/office/drawing/2014/main" id="{A9A0FB85-8042-474A-BA2C-78D91DCA02D9}"/>
+              </a:ext>
+            </a:extLst>
+          </p:cNvPr>
+          <p:cNvSpPr>
+            <a:spLocks noGrp="1"/>
+          </p:cNvSpPr>
+          <p:nvPr>
+            <p:ph type="title"/>
+          </p:nvPr>
+        </p:nvSpPr>
+        <p:spPr/>
+        <p:txBody>
+          <a:bodyPr/>
+          <a:lstStyle/>
+          <a:p>
+            <a:endParaRPr lang="es-MX"/>
+          </a:p>
+        </p:txBody>
+      </p:sp>
+      <p:sp>
+        <p:nvSpPr>
+          <p:cNvPr id="3" name="Marcador de contenido 2">
+            <a:extLst>
+              <a:ext uri="{FF2B5EF4-FFF2-40B4-BE49-F238E27FC236}">
+                <a16:creationId xmlns:a16="http://schemas.microsoft.com/office/drawing/2014/main" id="{11D5C4E1-8763-4CB7-8AA0-7BC573619554}"/>
+              </a:ext>
+            </a:extLst>
+          </p:cNvPr>
+          <p:cNvSpPr>
+            <a:spLocks noGrp="1"/>
+          </p:cNvSpPr>
+          <p:nvPr>
+            <p:ph idx="1"/>
+          </p:nvPr>
+        </p:nvSpPr>
+        <p:spPr/>
+        <p:txBody>
+          <a:bodyPr/>
+          <a:lstStyle/>
+          <a:p>
+            <a:endParaRPr lang="es-MX"/>
+          </a:p>
+        </p:txBody>
+      </p:sp>
+      <p:pic>
+        <p:nvPicPr>
+          <p:cNvPr id="4" name="Imagen 3">
+            <a:extLst>
+              <a:ext uri="{FF2B5EF4-FFF2-40B4-BE49-F238E27FC236}">
+                <a16:creationId xmlns:a16="http://schemas.microsoft.com/office/drawing/2014/main" id="{BB873619-EE9F-43B8-A7EB-C1A909EAEA31}"/>
+              </a:ext>
+            </a:extLst>
+          </p:cNvPr>
+          <p:cNvPicPr>
+            <a:picLocks noChangeAspect="1"/>
+          </p:cNvPicPr>
+          <p:nvPr/>
+        </p:nvPicPr>
+        <p:blipFill>
+          <a:blip r:embed="rId2"/>
+          <a:stretch>
+            <a:fillRect/>
+          </a:stretch>
+        </p:blipFill>
+        <p:spPr>
+          <a:xfrm>
+            <a:off x="0" y="0"/>
+            <a:ext cx="12192000" cy="6176963"/>
+          </a:xfrm>
+          <a:prstGeom prst="rect">
+            <a:avLst/>
+          </a:prstGeom>
+        </p:spPr>
+      </p:pic>
+    </p:spTree>
+    <p:extLst>
+      <p:ext uri="{BB962C8B-B14F-4D97-AF65-F5344CB8AC3E}">
+        <p14:creationId xmlns:p14="http://schemas.microsoft.com/office/powerpoint/2010/main" val="2495647571"/>
+      </p:ext>
+    </p:extLst>
+  </p:cSld>
+  <p:clrMapOvr>
+    <a:masterClrMapping/>
+  </p:clrMapOvr>
+</p:sld>
+</file>
+
+<file path=ppt/slides/slide6.xml><?xml version="1.0" encoding="utf-8"?>
+<p:sld xmlns:a="http://schemas.openxmlformats.org/drawingml/2006/main" xmlns:r="http://schemas.openxmlformats.org/officeDocument/2006/relationships" xmlns:p="http://schemas.openxmlformats.org/presentationml/2006/main">
+  <p:cSld>
+    <p:spTree>
+      <p:nvGrpSpPr>
+        <p:cNvPr id="1" name=""/>
+        <p:cNvGrpSpPr/>
+        <p:nvPr/>
+      </p:nvGrpSpPr>
+      <p:grpSpPr>
+        <a:xfrm>
+          <a:off x="0" y="0"/>
+          <a:ext cx="0" cy="0"/>
+          <a:chOff x="0" y="0"/>
+          <a:chExt cx="0" cy="0"/>
+        </a:xfrm>
+      </p:grpSpPr>
+      <p:pic>
+        <p:nvPicPr>
           <p:cNvPr id="10" name="Imagen 9">
             <a:extLst>
               <a:ext uri="{FF2B5EF4-FFF2-40B4-BE49-F238E27FC236}">
@@ -5374,7 +7330,7 @@
 </p:sld>
 </file>
 
-<file path=ppt/slides/slide4.xml><?xml version="1.0" encoding="utf-8"?>
+<file path=ppt/slides/slide7.xml><?xml version="1.0" encoding="utf-8"?>
 <p:sld xmlns:a="http://schemas.openxmlformats.org/drawingml/2006/main" xmlns:r="http://schemas.openxmlformats.org/officeDocument/2006/relationships" xmlns:p="http://schemas.openxmlformats.org/presentationml/2006/main">
   <p:cSld>
     <p:spTree>
@@ -6325,7 +8281,7 @@
 </p:sld>
 </file>
 
-<file path=ppt/slides/slide5.xml><?xml version="1.0" encoding="utf-8"?>
+<file path=ppt/slides/slide8.xml><?xml version="1.0" encoding="utf-8"?>
 <p:sld xmlns:a="http://schemas.openxmlformats.org/drawingml/2006/main" xmlns:r="http://schemas.openxmlformats.org/officeDocument/2006/relationships" xmlns:p="http://schemas.openxmlformats.org/presentationml/2006/main">
   <p:cSld>
     <p:spTree>
@@ -7240,1440 +9196,6 @@
 </p:sld>
 </file>
 
-<file path=ppt/slides/slide6.xml><?xml version="1.0" encoding="utf-8"?>
-<p:sld xmlns:a="http://schemas.openxmlformats.org/drawingml/2006/main" xmlns:r="http://schemas.openxmlformats.org/officeDocument/2006/relationships" xmlns:p="http://schemas.openxmlformats.org/presentationml/2006/main">
-  <p:cSld>
-    <p:spTree>
-      <p:nvGrpSpPr>
-        <p:cNvPr id="1" name=""/>
-        <p:cNvGrpSpPr/>
-        <p:nvPr/>
-      </p:nvGrpSpPr>
-      <p:grpSpPr>
-        <a:xfrm>
-          <a:off x="0" y="0"/>
-          <a:ext cx="0" cy="0"/>
-          <a:chOff x="0" y="0"/>
-          <a:chExt cx="0" cy="0"/>
-        </a:xfrm>
-      </p:grpSpPr>
-      <p:pic>
-        <p:nvPicPr>
-          <p:cNvPr id="10" name="Imagen 9">
-            <a:extLst>
-              <a:ext uri="{FF2B5EF4-FFF2-40B4-BE49-F238E27FC236}">
-                <a16:creationId xmlns:a16="http://schemas.microsoft.com/office/drawing/2014/main" id="{15B1CB55-DE9C-472F-9798-9D941F19E5AD}"/>
-              </a:ext>
-            </a:extLst>
-          </p:cNvPr>
-          <p:cNvPicPr>
-            <a:picLocks noChangeAspect="1"/>
-          </p:cNvPicPr>
-          <p:nvPr/>
-        </p:nvPicPr>
-        <p:blipFill>
-          <a:blip r:embed="rId2">
-            <a:extLst>
-              <a:ext uri="{28A0092B-C50C-407E-A947-70E740481C1C}">
-                <a14:useLocalDpi xmlns:a14="http://schemas.microsoft.com/office/drawing/2010/main" val="0"/>
-              </a:ext>
-            </a:extLst>
-          </a:blip>
-          <a:stretch>
-            <a:fillRect/>
-          </a:stretch>
-        </p:blipFill>
-        <p:spPr>
-          <a:xfrm>
-            <a:off x="0" y="0"/>
-            <a:ext cx="12192000" cy="6858000"/>
-          </a:xfrm>
-          <a:prstGeom prst="rect">
-            <a:avLst/>
-          </a:prstGeom>
-        </p:spPr>
-      </p:pic>
-      <p:sp>
-        <p:nvSpPr>
-          <p:cNvPr id="31" name="Rectángulo: esquinas redondeadas 30">
-            <a:extLst>
-              <a:ext uri="{FF2B5EF4-FFF2-40B4-BE49-F238E27FC236}">
-                <a16:creationId xmlns:a16="http://schemas.microsoft.com/office/drawing/2014/main" id="{10C4A791-9A21-475D-ACF5-DB771A703045}"/>
-              </a:ext>
-            </a:extLst>
-          </p:cNvPr>
-          <p:cNvSpPr/>
-          <p:nvPr/>
-        </p:nvSpPr>
-        <p:spPr>
-          <a:xfrm>
-            <a:off x="4379843" y="2960214"/>
-            <a:ext cx="3432313" cy="829553"/>
-          </a:xfrm>
-          <a:prstGeom prst="roundRect">
-            <a:avLst/>
-          </a:prstGeom>
-          <a:solidFill>
-            <a:srgbClr val="FF0000"/>
-          </a:solidFill>
-          <a:ln>
-            <a:noFill/>
-          </a:ln>
-        </p:spPr>
-        <p:style>
-          <a:lnRef idx="2">
-            <a:schemeClr val="accent1">
-              <a:shade val="50000"/>
-            </a:schemeClr>
-          </a:lnRef>
-          <a:fillRef idx="1">
-            <a:schemeClr val="accent1"/>
-          </a:fillRef>
-          <a:effectRef idx="0">
-            <a:schemeClr val="accent1"/>
-          </a:effectRef>
-          <a:fontRef idx="minor">
-            <a:schemeClr val="lt1"/>
-          </a:fontRef>
-        </p:style>
-        <p:txBody>
-          <a:bodyPr rtlCol="0" anchor="ctr"/>
-          <a:lstStyle/>
-          <a:p>
-            <a:pPr algn="ctr"/>
-            <a:r>
-              <a:rPr lang="es-MX" dirty="0" err="1"/>
-              <a:t>Businnes</a:t>
-            </a:r>
-            <a:r>
-              <a:rPr lang="es-MX" dirty="0"/>
-              <a:t> </a:t>
-            </a:r>
-            <a:r>
-              <a:rPr lang="es-MX" dirty="0" err="1"/>
-              <a:t>Logic</a:t>
-            </a:r>
-            <a:r>
-              <a:rPr lang="es-MX" dirty="0"/>
-              <a:t> Layer</a:t>
-            </a:r>
-          </a:p>
-        </p:txBody>
-      </p:sp>
-      <p:pic>
-        <p:nvPicPr>
-          <p:cNvPr id="32" name="Imagen 31">
-            <a:extLst>
-              <a:ext uri="{FF2B5EF4-FFF2-40B4-BE49-F238E27FC236}">
-                <a16:creationId xmlns:a16="http://schemas.microsoft.com/office/drawing/2014/main" id="{C065F537-DE50-4AA5-9CF7-5DF32EB91688}"/>
-              </a:ext>
-            </a:extLst>
-          </p:cNvPr>
-          <p:cNvPicPr>
-            <a:picLocks noChangeAspect="1"/>
-          </p:cNvPicPr>
-          <p:nvPr/>
-        </p:nvPicPr>
-        <p:blipFill>
-          <a:blip r:embed="rId3">
-            <a:extLst>
-              <a:ext uri="{28A0092B-C50C-407E-A947-70E740481C1C}">
-                <a14:useLocalDpi xmlns:a14="http://schemas.microsoft.com/office/drawing/2010/main" val="0"/>
-              </a:ext>
-            </a:extLst>
-          </a:blip>
-          <a:stretch>
-            <a:fillRect/>
-          </a:stretch>
-        </p:blipFill>
-        <p:spPr>
-          <a:xfrm>
-            <a:off x="5161991" y="269787"/>
-            <a:ext cx="1793530" cy="1793530"/>
-          </a:xfrm>
-          <a:prstGeom prst="rect">
-            <a:avLst/>
-          </a:prstGeom>
-        </p:spPr>
-      </p:pic>
-      <p:sp>
-        <p:nvSpPr>
-          <p:cNvPr id="33" name="Rectángulo: esquinas redondeadas 32">
-            <a:extLst>
-              <a:ext uri="{FF2B5EF4-FFF2-40B4-BE49-F238E27FC236}">
-                <a16:creationId xmlns:a16="http://schemas.microsoft.com/office/drawing/2014/main" id="{64BBD172-F04F-40C3-A146-D230CCD3DF98}"/>
-              </a:ext>
-            </a:extLst>
-          </p:cNvPr>
-          <p:cNvSpPr/>
-          <p:nvPr/>
-        </p:nvSpPr>
-        <p:spPr>
-          <a:xfrm>
-            <a:off x="4379843" y="4234785"/>
-            <a:ext cx="3432313" cy="829553"/>
-          </a:xfrm>
-          <a:prstGeom prst="roundRect">
-            <a:avLst/>
-          </a:prstGeom>
-          <a:solidFill>
-            <a:schemeClr val="accent6">
-              <a:lumMod val="75000"/>
-            </a:schemeClr>
-          </a:solidFill>
-          <a:ln>
-            <a:noFill/>
-          </a:ln>
-        </p:spPr>
-        <p:style>
-          <a:lnRef idx="2">
-            <a:schemeClr val="accent1">
-              <a:shade val="50000"/>
-            </a:schemeClr>
-          </a:lnRef>
-          <a:fillRef idx="1">
-            <a:schemeClr val="accent1"/>
-          </a:fillRef>
-          <a:effectRef idx="0">
-            <a:schemeClr val="accent1"/>
-          </a:effectRef>
-          <a:fontRef idx="minor">
-            <a:schemeClr val="lt1"/>
-          </a:fontRef>
-        </p:style>
-        <p:txBody>
-          <a:bodyPr rtlCol="0" anchor="ctr"/>
-          <a:lstStyle/>
-          <a:p>
-            <a:pPr algn="ctr"/>
-            <a:r>
-              <a:rPr lang="es-MX" dirty="0"/>
-              <a:t>Data Access Layer</a:t>
-            </a:r>
-          </a:p>
-        </p:txBody>
-      </p:sp>
-      <p:pic>
-        <p:nvPicPr>
-          <p:cNvPr id="34" name="Imagen 33">
-            <a:extLst>
-              <a:ext uri="{FF2B5EF4-FFF2-40B4-BE49-F238E27FC236}">
-                <a16:creationId xmlns:a16="http://schemas.microsoft.com/office/drawing/2014/main" id="{ADDB3985-091D-4C31-A369-99C1FE3472A4}"/>
-              </a:ext>
-            </a:extLst>
-          </p:cNvPr>
-          <p:cNvPicPr>
-            <a:picLocks noChangeAspect="1"/>
-          </p:cNvPicPr>
-          <p:nvPr/>
-        </p:nvPicPr>
-        <p:blipFill>
-          <a:blip r:embed="rId4">
-            <a:extLst>
-              <a:ext uri="{28A0092B-C50C-407E-A947-70E740481C1C}">
-                <a14:useLocalDpi xmlns:a14="http://schemas.microsoft.com/office/drawing/2010/main" val="0"/>
-              </a:ext>
-            </a:extLst>
-          </a:blip>
-          <a:stretch>
-            <a:fillRect/>
-          </a:stretch>
-        </p:blipFill>
-        <p:spPr>
-          <a:xfrm>
-            <a:off x="5644186" y="5820016"/>
-            <a:ext cx="903626" cy="903626"/>
-          </a:xfrm>
-          <a:prstGeom prst="rect">
-            <a:avLst/>
-          </a:prstGeom>
-        </p:spPr>
-      </p:pic>
-      <p:pic>
-        <p:nvPicPr>
-          <p:cNvPr id="36" name="Imagen 35">
-            <a:extLst>
-              <a:ext uri="{FF2B5EF4-FFF2-40B4-BE49-F238E27FC236}">
-                <a16:creationId xmlns:a16="http://schemas.microsoft.com/office/drawing/2014/main" id="{A8087DD6-6313-4EA2-8212-907E5F4AC7A2}"/>
-              </a:ext>
-            </a:extLst>
-          </p:cNvPr>
-          <p:cNvPicPr>
-            <a:picLocks noChangeAspect="1"/>
-          </p:cNvPicPr>
-          <p:nvPr/>
-        </p:nvPicPr>
-        <p:blipFill>
-          <a:blip r:embed="rId5">
-            <a:extLst>
-              <a:ext uri="{28A0092B-C50C-407E-A947-70E740481C1C}">
-                <a14:useLocalDpi xmlns:a14="http://schemas.microsoft.com/office/drawing/2010/main" val="0"/>
-              </a:ext>
-            </a:extLst>
-          </a:blip>
-          <a:stretch>
-            <a:fillRect/>
-          </a:stretch>
-        </p:blipFill>
-        <p:spPr>
-          <a:xfrm>
-            <a:off x="8698325" y="371061"/>
-            <a:ext cx="1372182" cy="1372182"/>
-          </a:xfrm>
-          <a:prstGeom prst="rect">
-            <a:avLst/>
-          </a:prstGeom>
-        </p:spPr>
-      </p:pic>
-      <p:cxnSp>
-        <p:nvCxnSpPr>
-          <p:cNvPr id="40" name="Conector recto de flecha 39">
-            <a:extLst>
-              <a:ext uri="{FF2B5EF4-FFF2-40B4-BE49-F238E27FC236}">
-                <a16:creationId xmlns:a16="http://schemas.microsoft.com/office/drawing/2014/main" id="{EE8BBB9F-6E50-44A0-B085-4B662555A384}"/>
-              </a:ext>
-            </a:extLst>
-          </p:cNvPr>
-          <p:cNvCxnSpPr>
-            <a:cxnSpLocks/>
-            <a:endCxn id="31" idx="0"/>
-          </p:cNvCxnSpPr>
-          <p:nvPr/>
-        </p:nvCxnSpPr>
-        <p:spPr>
-          <a:xfrm>
-            <a:off x="6096000" y="2063317"/>
-            <a:ext cx="0" cy="896897"/>
-          </a:xfrm>
-          <a:prstGeom prst="straightConnector1">
-            <a:avLst/>
-          </a:prstGeom>
-          <a:ln w="76200">
-            <a:solidFill>
-              <a:schemeClr val="tx1"/>
-            </a:solidFill>
-            <a:tailEnd type="triangle"/>
-          </a:ln>
-        </p:spPr>
-        <p:style>
-          <a:lnRef idx="1">
-            <a:schemeClr val="accent1"/>
-          </a:lnRef>
-          <a:fillRef idx="0">
-            <a:schemeClr val="accent1"/>
-          </a:fillRef>
-          <a:effectRef idx="0">
-            <a:schemeClr val="accent1"/>
-          </a:effectRef>
-          <a:fontRef idx="minor">
-            <a:schemeClr val="tx1"/>
-          </a:fontRef>
-        </p:style>
-      </p:cxnSp>
-      <p:cxnSp>
-        <p:nvCxnSpPr>
-          <p:cNvPr id="42" name="Conector recto de flecha 41">
-            <a:extLst>
-              <a:ext uri="{FF2B5EF4-FFF2-40B4-BE49-F238E27FC236}">
-                <a16:creationId xmlns:a16="http://schemas.microsoft.com/office/drawing/2014/main" id="{D7E4C31A-8455-4845-B2D3-FE6C295A6C3F}"/>
-              </a:ext>
-            </a:extLst>
-          </p:cNvPr>
-          <p:cNvCxnSpPr>
-            <a:cxnSpLocks/>
-            <a:stCxn id="31" idx="2"/>
-            <a:endCxn id="33" idx="0"/>
-          </p:cNvCxnSpPr>
-          <p:nvPr/>
-        </p:nvCxnSpPr>
-        <p:spPr>
-          <a:xfrm>
-            <a:off x="6096000" y="3789767"/>
-            <a:ext cx="0" cy="445018"/>
-          </a:xfrm>
-          <a:prstGeom prst="straightConnector1">
-            <a:avLst/>
-          </a:prstGeom>
-          <a:ln w="76200">
-            <a:solidFill>
-              <a:schemeClr val="tx1"/>
-            </a:solidFill>
-            <a:tailEnd type="triangle"/>
-          </a:ln>
-        </p:spPr>
-        <p:style>
-          <a:lnRef idx="1">
-            <a:schemeClr val="accent1"/>
-          </a:lnRef>
-          <a:fillRef idx="0">
-            <a:schemeClr val="accent1"/>
-          </a:fillRef>
-          <a:effectRef idx="0">
-            <a:schemeClr val="accent1"/>
-          </a:effectRef>
-          <a:fontRef idx="minor">
-            <a:schemeClr val="tx1"/>
-          </a:fontRef>
-        </p:style>
-      </p:cxnSp>
-      <p:cxnSp>
-        <p:nvCxnSpPr>
-          <p:cNvPr id="46" name="Conector recto de flecha 45">
-            <a:extLst>
-              <a:ext uri="{FF2B5EF4-FFF2-40B4-BE49-F238E27FC236}">
-                <a16:creationId xmlns:a16="http://schemas.microsoft.com/office/drawing/2014/main" id="{F1C39A21-FC36-4B24-A138-B73CE7E2D4A3}"/>
-              </a:ext>
-            </a:extLst>
-          </p:cNvPr>
-          <p:cNvCxnSpPr>
-            <a:cxnSpLocks/>
-          </p:cNvCxnSpPr>
-          <p:nvPr/>
-        </p:nvCxnSpPr>
-        <p:spPr>
-          <a:xfrm>
-            <a:off x="5844208" y="5064338"/>
-            <a:ext cx="0" cy="755678"/>
-          </a:xfrm>
-          <a:prstGeom prst="straightConnector1">
-            <a:avLst/>
-          </a:prstGeom>
-          <a:ln w="76200">
-            <a:solidFill>
-              <a:schemeClr val="tx1"/>
-            </a:solidFill>
-            <a:tailEnd type="triangle"/>
-          </a:ln>
-        </p:spPr>
-        <p:style>
-          <a:lnRef idx="1">
-            <a:schemeClr val="accent1"/>
-          </a:lnRef>
-          <a:fillRef idx="0">
-            <a:schemeClr val="accent1"/>
-          </a:fillRef>
-          <a:effectRef idx="0">
-            <a:schemeClr val="accent1"/>
-          </a:effectRef>
-          <a:fontRef idx="minor">
-            <a:schemeClr val="tx1"/>
-          </a:fontRef>
-        </p:style>
-      </p:cxnSp>
-      <p:sp>
-        <p:nvSpPr>
-          <p:cNvPr id="48" name="CuadroTexto 47">
-            <a:extLst>
-              <a:ext uri="{FF2B5EF4-FFF2-40B4-BE49-F238E27FC236}">
-                <a16:creationId xmlns:a16="http://schemas.microsoft.com/office/drawing/2014/main" id="{F3318C54-EA7C-419B-BBEB-09E7D8B8086C}"/>
-              </a:ext>
-            </a:extLst>
-          </p:cNvPr>
-          <p:cNvSpPr txBox="1"/>
-          <p:nvPr/>
-        </p:nvSpPr>
-        <p:spPr>
-          <a:xfrm>
-            <a:off x="4054798" y="1802151"/>
-            <a:ext cx="2214386" cy="369332"/>
-          </a:xfrm>
-          <a:prstGeom prst="rect">
-            <a:avLst/>
-          </a:prstGeom>
-          <a:noFill/>
-        </p:spPr>
-        <p:txBody>
-          <a:bodyPr wrap="square" rtlCol="0">
-            <a:spAutoFit/>
-          </a:bodyPr>
-          <a:lstStyle/>
-          <a:p>
-            <a:r>
-              <a:rPr lang="es-MX" dirty="0"/>
-              <a:t>Presentation Layer</a:t>
-            </a:r>
-          </a:p>
-        </p:txBody>
-      </p:sp>
-      <p:cxnSp>
-        <p:nvCxnSpPr>
-          <p:cNvPr id="49" name="Conector recto de flecha 48">
-            <a:extLst>
-              <a:ext uri="{FF2B5EF4-FFF2-40B4-BE49-F238E27FC236}">
-                <a16:creationId xmlns:a16="http://schemas.microsoft.com/office/drawing/2014/main" id="{C90420CF-C796-470C-A9F0-9F6D3F95A38E}"/>
-              </a:ext>
-            </a:extLst>
-          </p:cNvPr>
-          <p:cNvCxnSpPr>
-            <a:cxnSpLocks/>
-          </p:cNvCxnSpPr>
-          <p:nvPr/>
-        </p:nvCxnSpPr>
-        <p:spPr>
-          <a:xfrm>
-            <a:off x="7308574" y="821217"/>
-            <a:ext cx="1389751" cy="0"/>
-          </a:xfrm>
-          <a:prstGeom prst="straightConnector1">
-            <a:avLst/>
-          </a:prstGeom>
-          <a:ln w="76200">
-            <a:solidFill>
-              <a:schemeClr val="tx1"/>
-            </a:solidFill>
-            <a:tailEnd type="triangle"/>
-          </a:ln>
-        </p:spPr>
-        <p:style>
-          <a:lnRef idx="1">
-            <a:schemeClr val="accent1"/>
-          </a:lnRef>
-          <a:fillRef idx="0">
-            <a:schemeClr val="accent1"/>
-          </a:fillRef>
-          <a:effectRef idx="0">
-            <a:schemeClr val="accent1"/>
-          </a:effectRef>
-          <a:fontRef idx="minor">
-            <a:schemeClr val="tx1"/>
-          </a:fontRef>
-        </p:style>
-      </p:cxnSp>
-      <p:cxnSp>
-        <p:nvCxnSpPr>
-          <p:cNvPr id="51" name="Conector recto de flecha 50">
-            <a:extLst>
-              <a:ext uri="{FF2B5EF4-FFF2-40B4-BE49-F238E27FC236}">
-                <a16:creationId xmlns:a16="http://schemas.microsoft.com/office/drawing/2014/main" id="{284D3E57-EA6C-4249-8817-1BA148145DA4}"/>
-              </a:ext>
-            </a:extLst>
-          </p:cNvPr>
-          <p:cNvCxnSpPr>
-            <a:cxnSpLocks/>
-          </p:cNvCxnSpPr>
-          <p:nvPr/>
-        </p:nvCxnSpPr>
-        <p:spPr>
-          <a:xfrm flipH="1">
-            <a:off x="7308575" y="1166552"/>
-            <a:ext cx="1389750" cy="19461"/>
-          </a:xfrm>
-          <a:prstGeom prst="straightConnector1">
-            <a:avLst/>
-          </a:prstGeom>
-          <a:ln w="76200">
-            <a:solidFill>
-              <a:schemeClr val="tx1"/>
-            </a:solidFill>
-            <a:tailEnd type="triangle"/>
-          </a:ln>
-        </p:spPr>
-        <p:style>
-          <a:lnRef idx="1">
-            <a:schemeClr val="accent1"/>
-          </a:lnRef>
-          <a:fillRef idx="0">
-            <a:schemeClr val="accent1"/>
-          </a:fillRef>
-          <a:effectRef idx="0">
-            <a:schemeClr val="accent1"/>
-          </a:effectRef>
-          <a:fontRef idx="minor">
-            <a:schemeClr val="tx1"/>
-          </a:fontRef>
-        </p:style>
-      </p:cxnSp>
-      <p:cxnSp>
-        <p:nvCxnSpPr>
-          <p:cNvPr id="56" name="Conector recto de flecha 55">
-            <a:extLst>
-              <a:ext uri="{FF2B5EF4-FFF2-40B4-BE49-F238E27FC236}">
-                <a16:creationId xmlns:a16="http://schemas.microsoft.com/office/drawing/2014/main" id="{19063F80-6640-4AA9-8C9C-2ED8AFE485C5}"/>
-              </a:ext>
-            </a:extLst>
-          </p:cNvPr>
-          <p:cNvCxnSpPr>
-            <a:cxnSpLocks/>
-          </p:cNvCxnSpPr>
-          <p:nvPr/>
-        </p:nvCxnSpPr>
-        <p:spPr>
-          <a:xfrm flipV="1">
-            <a:off x="6301121" y="4999386"/>
-            <a:ext cx="0" cy="820630"/>
-          </a:xfrm>
-          <a:prstGeom prst="straightConnector1">
-            <a:avLst/>
-          </a:prstGeom>
-          <a:ln w="76200">
-            <a:solidFill>
-              <a:schemeClr val="tx1"/>
-            </a:solidFill>
-            <a:tailEnd type="triangle"/>
-          </a:ln>
-        </p:spPr>
-        <p:style>
-          <a:lnRef idx="1">
-            <a:schemeClr val="accent1"/>
-          </a:lnRef>
-          <a:fillRef idx="0">
-            <a:schemeClr val="accent1"/>
-          </a:fillRef>
-          <a:effectRef idx="0">
-            <a:schemeClr val="accent1"/>
-          </a:effectRef>
-          <a:fontRef idx="minor">
-            <a:schemeClr val="tx1"/>
-          </a:fontRef>
-        </p:style>
-      </p:cxnSp>
-    </p:spTree>
-    <p:extLst>
-      <p:ext uri="{BB962C8B-B14F-4D97-AF65-F5344CB8AC3E}">
-        <p14:creationId xmlns:p14="http://schemas.microsoft.com/office/powerpoint/2010/main" val="4101235804"/>
-      </p:ext>
-    </p:extLst>
-  </p:cSld>
-  <p:clrMapOvr>
-    <a:masterClrMapping/>
-  </p:clrMapOvr>
-</p:sld>
-</file>
-
-<file path=ppt/slides/slide7.xml><?xml version="1.0" encoding="utf-8"?>
-<p:sld xmlns:a="http://schemas.openxmlformats.org/drawingml/2006/main" xmlns:r="http://schemas.openxmlformats.org/officeDocument/2006/relationships" xmlns:p="http://schemas.openxmlformats.org/presentationml/2006/main">
-  <p:cSld>
-    <p:spTree>
-      <p:nvGrpSpPr>
-        <p:cNvPr id="1" name=""/>
-        <p:cNvGrpSpPr/>
-        <p:nvPr/>
-      </p:nvGrpSpPr>
-      <p:grpSpPr>
-        <a:xfrm>
-          <a:off x="0" y="0"/>
-          <a:ext cx="0" cy="0"/>
-          <a:chOff x="0" y="0"/>
-          <a:chExt cx="0" cy="0"/>
-        </a:xfrm>
-      </p:grpSpPr>
-      <p:pic>
-        <p:nvPicPr>
-          <p:cNvPr id="10" name="Imagen 9">
-            <a:extLst>
-              <a:ext uri="{FF2B5EF4-FFF2-40B4-BE49-F238E27FC236}">
-                <a16:creationId xmlns:a16="http://schemas.microsoft.com/office/drawing/2014/main" id="{15B1CB55-DE9C-472F-9798-9D941F19E5AD}"/>
-              </a:ext>
-            </a:extLst>
-          </p:cNvPr>
-          <p:cNvPicPr>
-            <a:picLocks noChangeAspect="1"/>
-          </p:cNvPicPr>
-          <p:nvPr/>
-        </p:nvPicPr>
-        <p:blipFill>
-          <a:blip r:embed="rId2">
-            <a:extLst>
-              <a:ext uri="{28A0092B-C50C-407E-A947-70E740481C1C}">
-                <a14:useLocalDpi xmlns:a14="http://schemas.microsoft.com/office/drawing/2010/main" val="0"/>
-              </a:ext>
-            </a:extLst>
-          </a:blip>
-          <a:stretch>
-            <a:fillRect/>
-          </a:stretch>
-        </p:blipFill>
-        <p:spPr>
-          <a:xfrm>
-            <a:off x="0" y="0"/>
-            <a:ext cx="12192000" cy="6858000"/>
-          </a:xfrm>
-          <a:prstGeom prst="rect">
-            <a:avLst/>
-          </a:prstGeom>
-        </p:spPr>
-      </p:pic>
-      <p:sp>
-        <p:nvSpPr>
-          <p:cNvPr id="2" name="Título 1">
-            <a:extLst>
-              <a:ext uri="{FF2B5EF4-FFF2-40B4-BE49-F238E27FC236}">
-                <a16:creationId xmlns:a16="http://schemas.microsoft.com/office/drawing/2014/main" id="{A29E6CD6-FAAF-4EB2-937D-93C4B0F9CE35}"/>
-              </a:ext>
-            </a:extLst>
-          </p:cNvPr>
-          <p:cNvSpPr>
-            <a:spLocks noGrp="1"/>
-          </p:cNvSpPr>
-          <p:nvPr>
-            <p:ph type="ctrTitle"/>
-          </p:nvPr>
-        </p:nvSpPr>
-        <p:spPr>
-          <a:xfrm>
-            <a:off x="2076408" y="2794992"/>
-            <a:ext cx="7822096" cy="1151076"/>
-          </a:xfrm>
-        </p:spPr>
-        <p:txBody>
-          <a:bodyPr>
-            <a:normAutofit/>
-          </a:bodyPr>
-          <a:lstStyle/>
-          <a:p>
-            <a:r>
-              <a:rPr lang="es-ES" b="1" dirty="0" err="1">
-                <a:latin typeface="Britannic Bold" panose="020B0903060703020204" pitchFamily="34" charset="0"/>
-              </a:rPr>
-              <a:t>Types</a:t>
-            </a:r>
-            <a:r>
-              <a:rPr lang="es-ES" b="1" dirty="0">
-                <a:latin typeface="Britannic Bold" panose="020B0903060703020204" pitchFamily="34" charset="0"/>
-              </a:rPr>
-              <a:t> </a:t>
-            </a:r>
-            <a:r>
-              <a:rPr lang="es-ES" b="1" dirty="0" err="1">
-                <a:latin typeface="Britannic Bold" panose="020B0903060703020204" pitchFamily="34" charset="0"/>
-              </a:rPr>
-              <a:t>of</a:t>
-            </a:r>
-            <a:r>
-              <a:rPr lang="es-ES" b="1" dirty="0">
-                <a:latin typeface="Britannic Bold" panose="020B0903060703020204" pitchFamily="34" charset="0"/>
-              </a:rPr>
-              <a:t> </a:t>
-            </a:r>
-            <a:r>
-              <a:rPr lang="es-ES" b="1" dirty="0" err="1">
-                <a:latin typeface="Britannic Bold" panose="020B0903060703020204" pitchFamily="34" charset="0"/>
-              </a:rPr>
-              <a:t>Exceptions</a:t>
-            </a:r>
-            <a:endParaRPr lang="es-MX" dirty="0">
-              <a:latin typeface="Britannic Bold" panose="020B0903060703020204" pitchFamily="34" charset="0"/>
-            </a:endParaRPr>
-          </a:p>
-        </p:txBody>
-      </p:sp>
-      <p:pic>
-        <p:nvPicPr>
-          <p:cNvPr id="5" name="Imagen 4">
-            <a:extLst>
-              <a:ext uri="{FF2B5EF4-FFF2-40B4-BE49-F238E27FC236}">
-                <a16:creationId xmlns:a16="http://schemas.microsoft.com/office/drawing/2014/main" id="{6B6F33BB-27E9-41F1-86E8-6C44F2753644}"/>
-              </a:ext>
-            </a:extLst>
-          </p:cNvPr>
-          <p:cNvPicPr>
-            <a:picLocks noChangeAspect="1"/>
-          </p:cNvPicPr>
-          <p:nvPr/>
-        </p:nvPicPr>
-        <p:blipFill rotWithShape="1">
-          <a:blip r:embed="rId3">
-            <a:extLst>
-              <a:ext uri="{BEBA8EAE-BF5A-486C-A8C5-ECC9F3942E4B}">
-                <a14:imgProps xmlns:a14="http://schemas.microsoft.com/office/drawing/2010/main">
-                  <a14:imgLayer r:embed="rId4">
-                    <a14:imgEffect>
-                      <a14:backgroundRemoval t="36750" b="67750" l="7750" r="94250">
-                        <a14:foregroundMark x1="21250" y1="53250" x2="21250" y2="53250"/>
-                        <a14:foregroundMark x1="29250" y1="50250" x2="29250" y2="50250"/>
-                        <a14:foregroundMark x1="29750" y1="43250" x2="29750" y2="43250"/>
-                        <a14:foregroundMark x1="49750" y1="52750" x2="49750" y2="52750"/>
-                        <a14:foregroundMark x1="63250" y1="50250" x2="63250" y2="50250"/>
-                        <a14:foregroundMark x1="75750" y1="48750" x2="75750" y2="48750"/>
-                        <a14:foregroundMark x1="85750" y1="48750" x2="85750" y2="48750"/>
-                      </a14:backgroundRemoval>
-                    </a14:imgEffect>
-                  </a14:imgLayer>
-                </a14:imgProps>
-              </a:ext>
-              <a:ext uri="{28A0092B-C50C-407E-A947-70E740481C1C}">
-                <a14:useLocalDpi xmlns:a14="http://schemas.microsoft.com/office/drawing/2010/main" val="0"/>
-              </a:ext>
-            </a:extLst>
-          </a:blip>
-          <a:srcRect l="7896" t="37372" r="6390" b="32811"/>
-          <a:stretch/>
-        </p:blipFill>
-        <p:spPr>
-          <a:xfrm>
-            <a:off x="2184952" y="245838"/>
-            <a:ext cx="2266122" cy="788298"/>
-          </a:xfrm>
-          <a:prstGeom prst="rect">
-            <a:avLst/>
-          </a:prstGeom>
-        </p:spPr>
-      </p:pic>
-      <p:pic>
-        <p:nvPicPr>
-          <p:cNvPr id="7" name="Imagen 6">
-            <a:extLst>
-              <a:ext uri="{FF2B5EF4-FFF2-40B4-BE49-F238E27FC236}">
-                <a16:creationId xmlns:a16="http://schemas.microsoft.com/office/drawing/2014/main" id="{E79F3D0A-E807-4A20-BB57-7BB046212A37}"/>
-              </a:ext>
-            </a:extLst>
-          </p:cNvPr>
-          <p:cNvPicPr>
-            <a:picLocks noChangeAspect="1"/>
-          </p:cNvPicPr>
-          <p:nvPr/>
-        </p:nvPicPr>
-        <p:blipFill>
-          <a:blip r:embed="rId5">
-            <a:extLst>
-              <a:ext uri="{28A0092B-C50C-407E-A947-70E740481C1C}">
-                <a14:useLocalDpi xmlns:a14="http://schemas.microsoft.com/office/drawing/2010/main" val="0"/>
-              </a:ext>
-            </a:extLst>
-          </a:blip>
-          <a:stretch>
-            <a:fillRect/>
-          </a:stretch>
-        </p:blipFill>
-        <p:spPr>
-          <a:xfrm>
-            <a:off x="8965157" y="9546"/>
-            <a:ext cx="933347" cy="1260881"/>
-          </a:xfrm>
-          <a:prstGeom prst="rect">
-            <a:avLst/>
-          </a:prstGeom>
-        </p:spPr>
-      </p:pic>
-    </p:spTree>
-    <p:extLst>
-      <p:ext uri="{BB962C8B-B14F-4D97-AF65-F5344CB8AC3E}">
-        <p14:creationId xmlns:p14="http://schemas.microsoft.com/office/powerpoint/2010/main" val="2789416840"/>
-      </p:ext>
-    </p:extLst>
-  </p:cSld>
-  <p:clrMapOvr>
-    <a:masterClrMapping/>
-  </p:clrMapOvr>
-</p:sld>
-</file>
-
-<file path=ppt/slides/slide8.xml><?xml version="1.0" encoding="utf-8"?>
-<p:sld xmlns:a="http://schemas.openxmlformats.org/drawingml/2006/main" xmlns:r="http://schemas.openxmlformats.org/officeDocument/2006/relationships" xmlns:p="http://schemas.openxmlformats.org/presentationml/2006/main">
-  <p:cSld>
-    <p:spTree>
-      <p:nvGrpSpPr>
-        <p:cNvPr id="1" name=""/>
-        <p:cNvGrpSpPr/>
-        <p:nvPr/>
-      </p:nvGrpSpPr>
-      <p:grpSpPr>
-        <a:xfrm>
-          <a:off x="0" y="0"/>
-          <a:ext cx="0" cy="0"/>
-          <a:chOff x="0" y="0"/>
-          <a:chExt cx="0" cy="0"/>
-        </a:xfrm>
-      </p:grpSpPr>
-      <p:pic>
-        <p:nvPicPr>
-          <p:cNvPr id="10" name="Imagen 9">
-            <a:extLst>
-              <a:ext uri="{FF2B5EF4-FFF2-40B4-BE49-F238E27FC236}">
-                <a16:creationId xmlns:a16="http://schemas.microsoft.com/office/drawing/2014/main" id="{15B1CB55-DE9C-472F-9798-9D941F19E5AD}"/>
-              </a:ext>
-            </a:extLst>
-          </p:cNvPr>
-          <p:cNvPicPr>
-            <a:picLocks noChangeAspect="1"/>
-          </p:cNvPicPr>
-          <p:nvPr/>
-        </p:nvPicPr>
-        <p:blipFill>
-          <a:blip r:embed="rId2">
-            <a:extLst>
-              <a:ext uri="{28A0092B-C50C-407E-A947-70E740481C1C}">
-                <a14:useLocalDpi xmlns:a14="http://schemas.microsoft.com/office/drawing/2010/main" val="0"/>
-              </a:ext>
-            </a:extLst>
-          </a:blip>
-          <a:stretch>
-            <a:fillRect/>
-          </a:stretch>
-        </p:blipFill>
-        <p:spPr>
-          <a:xfrm>
-            <a:off x="0" y="0"/>
-            <a:ext cx="12192000" cy="6858000"/>
-          </a:xfrm>
-          <a:prstGeom prst="rect">
-            <a:avLst/>
-          </a:prstGeom>
-        </p:spPr>
-      </p:pic>
-      <p:sp>
-        <p:nvSpPr>
-          <p:cNvPr id="6" name="Rectángulo: esquinas redondeadas 5">
-            <a:extLst>
-              <a:ext uri="{FF2B5EF4-FFF2-40B4-BE49-F238E27FC236}">
-                <a16:creationId xmlns:a16="http://schemas.microsoft.com/office/drawing/2014/main" id="{6B884CC6-CD28-46B5-A81E-F108CB1124A0}"/>
-              </a:ext>
-            </a:extLst>
-          </p:cNvPr>
-          <p:cNvSpPr/>
-          <p:nvPr/>
-        </p:nvSpPr>
-        <p:spPr>
-          <a:xfrm>
-            <a:off x="5221355" y="795130"/>
-            <a:ext cx="2676939" cy="834887"/>
-          </a:xfrm>
-          <a:prstGeom prst="roundRect">
-            <a:avLst/>
-          </a:prstGeom>
-          <a:solidFill>
-            <a:srgbClr val="FF0000"/>
-          </a:solidFill>
-          <a:ln>
-            <a:noFill/>
-          </a:ln>
-        </p:spPr>
-        <p:style>
-          <a:lnRef idx="2">
-            <a:schemeClr val="accent1">
-              <a:shade val="50000"/>
-            </a:schemeClr>
-          </a:lnRef>
-          <a:fillRef idx="1">
-            <a:schemeClr val="accent1"/>
-          </a:fillRef>
-          <a:effectRef idx="0">
-            <a:schemeClr val="accent1"/>
-          </a:effectRef>
-          <a:fontRef idx="minor">
-            <a:schemeClr val="lt1"/>
-          </a:fontRef>
-        </p:style>
-        <p:txBody>
-          <a:bodyPr rtlCol="0" anchor="ctr"/>
-          <a:lstStyle/>
-          <a:p>
-            <a:pPr algn="ctr"/>
-            <a:r>
-              <a:rPr lang="es-MX" dirty="0" err="1"/>
-              <a:t>Throwable</a:t>
-            </a:r>
-            <a:endParaRPr lang="es-MX" dirty="0"/>
-          </a:p>
-        </p:txBody>
-      </p:sp>
-      <p:sp>
-        <p:nvSpPr>
-          <p:cNvPr id="9" name="Rectángulo: esquinas redondeadas 8">
-            <a:extLst>
-              <a:ext uri="{FF2B5EF4-FFF2-40B4-BE49-F238E27FC236}">
-                <a16:creationId xmlns:a16="http://schemas.microsoft.com/office/drawing/2014/main" id="{4187EB94-CAAA-47B4-99A8-93334B771AD7}"/>
-              </a:ext>
-            </a:extLst>
-          </p:cNvPr>
-          <p:cNvSpPr/>
-          <p:nvPr/>
-        </p:nvSpPr>
-        <p:spPr>
-          <a:xfrm>
-            <a:off x="3220279" y="2843832"/>
-            <a:ext cx="2676939" cy="834887"/>
-          </a:xfrm>
-          <a:prstGeom prst="roundRect">
-            <a:avLst/>
-          </a:prstGeom>
-          <a:solidFill>
-            <a:srgbClr val="E13927"/>
-          </a:solidFill>
-          <a:ln>
-            <a:noFill/>
-          </a:ln>
-        </p:spPr>
-        <p:style>
-          <a:lnRef idx="2">
-            <a:schemeClr val="accent1">
-              <a:shade val="50000"/>
-            </a:schemeClr>
-          </a:lnRef>
-          <a:fillRef idx="1">
-            <a:schemeClr val="accent1"/>
-          </a:fillRef>
-          <a:effectRef idx="0">
-            <a:schemeClr val="accent1"/>
-          </a:effectRef>
-          <a:fontRef idx="minor">
-            <a:schemeClr val="lt1"/>
-          </a:fontRef>
-        </p:style>
-        <p:txBody>
-          <a:bodyPr rtlCol="0" anchor="ctr"/>
-          <a:lstStyle/>
-          <a:p>
-            <a:pPr algn="ctr"/>
-            <a:r>
-              <a:rPr lang="es-MX" dirty="0" err="1"/>
-              <a:t>Exception</a:t>
-            </a:r>
-            <a:endParaRPr lang="es-MX" dirty="0"/>
-          </a:p>
-        </p:txBody>
-      </p:sp>
-      <p:sp>
-        <p:nvSpPr>
-          <p:cNvPr id="11" name="Rectángulo: esquinas redondeadas 10">
-            <a:extLst>
-              <a:ext uri="{FF2B5EF4-FFF2-40B4-BE49-F238E27FC236}">
-                <a16:creationId xmlns:a16="http://schemas.microsoft.com/office/drawing/2014/main" id="{156BDB3B-5C26-491B-8F85-A6E6B40CAC33}"/>
-              </a:ext>
-            </a:extLst>
-          </p:cNvPr>
-          <p:cNvSpPr/>
-          <p:nvPr/>
-        </p:nvSpPr>
-        <p:spPr>
-          <a:xfrm>
-            <a:off x="7706139" y="2843832"/>
-            <a:ext cx="2676939" cy="834887"/>
-          </a:xfrm>
-          <a:prstGeom prst="roundRect">
-            <a:avLst/>
-          </a:prstGeom>
-          <a:solidFill>
-            <a:srgbClr val="BC4C4C"/>
-          </a:solidFill>
-          <a:ln>
-            <a:noFill/>
-          </a:ln>
-        </p:spPr>
-        <p:style>
-          <a:lnRef idx="2">
-            <a:schemeClr val="accent1">
-              <a:shade val="50000"/>
-            </a:schemeClr>
-          </a:lnRef>
-          <a:fillRef idx="1">
-            <a:schemeClr val="accent1"/>
-          </a:fillRef>
-          <a:effectRef idx="0">
-            <a:schemeClr val="accent1"/>
-          </a:effectRef>
-          <a:fontRef idx="minor">
-            <a:schemeClr val="lt1"/>
-          </a:fontRef>
-        </p:style>
-        <p:txBody>
-          <a:bodyPr rtlCol="0" anchor="ctr"/>
-          <a:lstStyle/>
-          <a:p>
-            <a:pPr algn="ctr"/>
-            <a:r>
-              <a:rPr lang="es-MX" dirty="0"/>
-              <a:t>Error</a:t>
-            </a:r>
-          </a:p>
-        </p:txBody>
-      </p:sp>
-      <p:sp>
-        <p:nvSpPr>
-          <p:cNvPr id="12" name="Rectángulo: esquinas redondeadas 11">
-            <a:extLst>
-              <a:ext uri="{FF2B5EF4-FFF2-40B4-BE49-F238E27FC236}">
-                <a16:creationId xmlns:a16="http://schemas.microsoft.com/office/drawing/2014/main" id="{506DF178-B5C9-484C-BD17-89C13E5301EE}"/>
-              </a:ext>
-            </a:extLst>
-          </p:cNvPr>
-          <p:cNvSpPr/>
-          <p:nvPr/>
-        </p:nvSpPr>
-        <p:spPr>
-          <a:xfrm>
-            <a:off x="1961325" y="4892534"/>
-            <a:ext cx="2676939" cy="834887"/>
-          </a:xfrm>
-          <a:prstGeom prst="roundRect">
-            <a:avLst/>
-          </a:prstGeom>
-          <a:solidFill>
-            <a:srgbClr val="E13927"/>
-          </a:solidFill>
-          <a:ln>
-            <a:noFill/>
-          </a:ln>
-        </p:spPr>
-        <p:style>
-          <a:lnRef idx="2">
-            <a:schemeClr val="accent1">
-              <a:shade val="50000"/>
-            </a:schemeClr>
-          </a:lnRef>
-          <a:fillRef idx="1">
-            <a:schemeClr val="accent1"/>
-          </a:fillRef>
-          <a:effectRef idx="0">
-            <a:schemeClr val="accent1"/>
-          </a:effectRef>
-          <a:fontRef idx="minor">
-            <a:schemeClr val="lt1"/>
-          </a:fontRef>
-        </p:style>
-        <p:txBody>
-          <a:bodyPr rtlCol="0" anchor="ctr"/>
-          <a:lstStyle/>
-          <a:p>
-            <a:pPr algn="ctr"/>
-            <a:r>
-              <a:rPr lang="es-MX" dirty="0" err="1"/>
-              <a:t>RunTimeException</a:t>
-            </a:r>
-            <a:endParaRPr lang="es-MX" dirty="0"/>
-          </a:p>
-        </p:txBody>
-      </p:sp>
-      <p:sp>
-        <p:nvSpPr>
-          <p:cNvPr id="13" name="Rectángulo: esquinas redondeadas 12">
-            <a:extLst>
-              <a:ext uri="{FF2B5EF4-FFF2-40B4-BE49-F238E27FC236}">
-                <a16:creationId xmlns:a16="http://schemas.microsoft.com/office/drawing/2014/main" id="{08E37D9E-2CA0-4BD8-8071-0ED534F63402}"/>
-              </a:ext>
-            </a:extLst>
-          </p:cNvPr>
-          <p:cNvSpPr/>
-          <p:nvPr/>
-        </p:nvSpPr>
-        <p:spPr>
-          <a:xfrm>
-            <a:off x="5221357" y="4892534"/>
-            <a:ext cx="2676939" cy="834887"/>
-          </a:xfrm>
-          <a:prstGeom prst="roundRect">
-            <a:avLst/>
-          </a:prstGeom>
-          <a:solidFill>
-            <a:srgbClr val="E13927"/>
-          </a:solidFill>
-          <a:ln>
-            <a:noFill/>
-          </a:ln>
-        </p:spPr>
-        <p:style>
-          <a:lnRef idx="2">
-            <a:schemeClr val="accent1">
-              <a:shade val="50000"/>
-            </a:schemeClr>
-          </a:lnRef>
-          <a:fillRef idx="1">
-            <a:schemeClr val="accent1"/>
-          </a:fillRef>
-          <a:effectRef idx="0">
-            <a:schemeClr val="accent1"/>
-          </a:effectRef>
-          <a:fontRef idx="minor">
-            <a:schemeClr val="lt1"/>
-          </a:fontRef>
-        </p:style>
-        <p:txBody>
-          <a:bodyPr rtlCol="0" anchor="ctr"/>
-          <a:lstStyle/>
-          <a:p>
-            <a:pPr algn="ctr"/>
-            <a:r>
-              <a:rPr lang="es-MX" dirty="0" err="1"/>
-              <a:t>Other</a:t>
-            </a:r>
-            <a:r>
-              <a:rPr lang="es-MX" dirty="0"/>
-              <a:t> </a:t>
-            </a:r>
-            <a:r>
-              <a:rPr lang="es-MX" dirty="0" err="1"/>
-              <a:t>Exceptions</a:t>
-            </a:r>
-            <a:endParaRPr lang="es-MX" dirty="0"/>
-          </a:p>
-        </p:txBody>
-      </p:sp>
-      <p:cxnSp>
-        <p:nvCxnSpPr>
-          <p:cNvPr id="14" name="Conector: angular 13">
-            <a:extLst>
-              <a:ext uri="{FF2B5EF4-FFF2-40B4-BE49-F238E27FC236}">
-                <a16:creationId xmlns:a16="http://schemas.microsoft.com/office/drawing/2014/main" id="{3C7A4881-440D-4E36-80A7-040CA28AF1D0}"/>
-              </a:ext>
-            </a:extLst>
-          </p:cNvPr>
-          <p:cNvCxnSpPr>
-            <a:stCxn id="6" idx="2"/>
-            <a:endCxn id="9" idx="0"/>
-          </p:cNvCxnSpPr>
-          <p:nvPr/>
-        </p:nvCxnSpPr>
-        <p:spPr>
-          <a:xfrm rot="5400000">
-            <a:off x="4952380" y="1236386"/>
-            <a:ext cx="1213815" cy="2001076"/>
-          </a:xfrm>
-          <a:prstGeom prst="bentConnector3">
-            <a:avLst/>
-          </a:prstGeom>
-          <a:ln w="76200">
-            <a:solidFill>
-              <a:schemeClr val="tx1">
-                <a:lumMod val="95000"/>
-                <a:lumOff val="5000"/>
-              </a:schemeClr>
-            </a:solidFill>
-            <a:tailEnd type="triangle"/>
-          </a:ln>
-        </p:spPr>
-        <p:style>
-          <a:lnRef idx="1">
-            <a:schemeClr val="accent1"/>
-          </a:lnRef>
-          <a:fillRef idx="0">
-            <a:schemeClr val="accent1"/>
-          </a:fillRef>
-          <a:effectRef idx="0">
-            <a:schemeClr val="accent1"/>
-          </a:effectRef>
-          <a:fontRef idx="minor">
-            <a:schemeClr val="tx1"/>
-          </a:fontRef>
-        </p:style>
-      </p:cxnSp>
-      <p:cxnSp>
-        <p:nvCxnSpPr>
-          <p:cNvPr id="16" name="Conector: angular 15">
-            <a:extLst>
-              <a:ext uri="{FF2B5EF4-FFF2-40B4-BE49-F238E27FC236}">
-                <a16:creationId xmlns:a16="http://schemas.microsoft.com/office/drawing/2014/main" id="{B9966494-4D06-4AE7-ABB8-0CE935E94E11}"/>
-              </a:ext>
-            </a:extLst>
-          </p:cNvPr>
-          <p:cNvCxnSpPr>
-            <a:stCxn id="9" idx="2"/>
-            <a:endCxn id="12" idx="0"/>
-          </p:cNvCxnSpPr>
-          <p:nvPr/>
-        </p:nvCxnSpPr>
-        <p:spPr>
-          <a:xfrm rot="5400000">
-            <a:off x="3322365" y="3656149"/>
-            <a:ext cx="1213815" cy="1258954"/>
-          </a:xfrm>
-          <a:prstGeom prst="bentConnector3">
-            <a:avLst/>
-          </a:prstGeom>
-          <a:ln w="76200">
-            <a:solidFill>
-              <a:schemeClr val="tx1">
-                <a:lumMod val="95000"/>
-                <a:lumOff val="5000"/>
-              </a:schemeClr>
-            </a:solidFill>
-            <a:tailEnd type="triangle"/>
-          </a:ln>
-        </p:spPr>
-        <p:style>
-          <a:lnRef idx="1">
-            <a:schemeClr val="accent1"/>
-          </a:lnRef>
-          <a:fillRef idx="0">
-            <a:schemeClr val="accent1"/>
-          </a:fillRef>
-          <a:effectRef idx="0">
-            <a:schemeClr val="accent1"/>
-          </a:effectRef>
-          <a:fontRef idx="minor">
-            <a:schemeClr val="tx1"/>
-          </a:fontRef>
-        </p:style>
-      </p:cxnSp>
-      <p:cxnSp>
-        <p:nvCxnSpPr>
-          <p:cNvPr id="18" name="Conector: angular 17">
-            <a:extLst>
-              <a:ext uri="{FF2B5EF4-FFF2-40B4-BE49-F238E27FC236}">
-                <a16:creationId xmlns:a16="http://schemas.microsoft.com/office/drawing/2014/main" id="{C6CC9C63-6552-440E-A512-A9181CECE137}"/>
-              </a:ext>
-            </a:extLst>
-          </p:cNvPr>
-          <p:cNvCxnSpPr>
-            <a:endCxn id="13" idx="0"/>
-          </p:cNvCxnSpPr>
-          <p:nvPr/>
-        </p:nvCxnSpPr>
-        <p:spPr>
-          <a:xfrm>
-            <a:off x="4558750" y="3813723"/>
-            <a:ext cx="2001077" cy="1078811"/>
-          </a:xfrm>
-          <a:prstGeom prst="bentConnector2">
-            <a:avLst/>
-          </a:prstGeom>
-          <a:ln w="76200">
-            <a:solidFill>
-              <a:schemeClr val="tx1">
-                <a:lumMod val="95000"/>
-                <a:lumOff val="5000"/>
-              </a:schemeClr>
-            </a:solidFill>
-            <a:tailEnd type="triangle"/>
-          </a:ln>
-        </p:spPr>
-        <p:style>
-          <a:lnRef idx="1">
-            <a:schemeClr val="accent1"/>
-          </a:lnRef>
-          <a:fillRef idx="0">
-            <a:schemeClr val="accent1"/>
-          </a:fillRef>
-          <a:effectRef idx="0">
-            <a:schemeClr val="accent1"/>
-          </a:effectRef>
-          <a:fontRef idx="minor">
-            <a:schemeClr val="tx1"/>
-          </a:fontRef>
-        </p:style>
-      </p:cxnSp>
-      <p:cxnSp>
-        <p:nvCxnSpPr>
-          <p:cNvPr id="24" name="Conector: angular 23">
-            <a:extLst>
-              <a:ext uri="{FF2B5EF4-FFF2-40B4-BE49-F238E27FC236}">
-                <a16:creationId xmlns:a16="http://schemas.microsoft.com/office/drawing/2014/main" id="{266AADAA-745D-449E-A250-11863A4F7FDE}"/>
-              </a:ext>
-            </a:extLst>
-          </p:cNvPr>
-          <p:cNvCxnSpPr>
-            <a:stCxn id="6" idx="2"/>
-            <a:endCxn id="11" idx="0"/>
-          </p:cNvCxnSpPr>
-          <p:nvPr/>
-        </p:nvCxnSpPr>
-        <p:spPr>
-          <a:xfrm rot="16200000" flipH="1">
-            <a:off x="7195310" y="994532"/>
-            <a:ext cx="1213815" cy="2484784"/>
-          </a:xfrm>
-          <a:prstGeom prst="bentConnector3">
-            <a:avLst/>
-          </a:prstGeom>
-          <a:ln w="76200">
-            <a:solidFill>
-              <a:schemeClr val="tx1">
-                <a:lumMod val="95000"/>
-                <a:lumOff val="5000"/>
-              </a:schemeClr>
-            </a:solidFill>
-            <a:tailEnd type="triangle"/>
-          </a:ln>
-        </p:spPr>
-        <p:style>
-          <a:lnRef idx="1">
-            <a:schemeClr val="accent1"/>
-          </a:lnRef>
-          <a:fillRef idx="0">
-            <a:schemeClr val="accent1"/>
-          </a:fillRef>
-          <a:effectRef idx="0">
-            <a:schemeClr val="accent1"/>
-          </a:effectRef>
-          <a:fontRef idx="minor">
-            <a:schemeClr val="tx1"/>
-          </a:fontRef>
-        </p:style>
-      </p:cxnSp>
-      <p:sp>
-        <p:nvSpPr>
-          <p:cNvPr id="26" name="CuadroTexto 25">
-            <a:extLst>
-              <a:ext uri="{FF2B5EF4-FFF2-40B4-BE49-F238E27FC236}">
-                <a16:creationId xmlns:a16="http://schemas.microsoft.com/office/drawing/2014/main" id="{598FDB93-A8D9-461D-9FB7-3986F10D1374}"/>
-              </a:ext>
-            </a:extLst>
-          </p:cNvPr>
-          <p:cNvSpPr txBox="1"/>
-          <p:nvPr/>
-        </p:nvSpPr>
-        <p:spPr>
-          <a:xfrm>
-            <a:off x="2305877" y="5786679"/>
-            <a:ext cx="2252871" cy="369332"/>
-          </a:xfrm>
-          <a:prstGeom prst="rect">
-            <a:avLst/>
-          </a:prstGeom>
-          <a:noFill/>
-        </p:spPr>
-        <p:txBody>
-          <a:bodyPr wrap="square" rtlCol="0">
-            <a:spAutoFit/>
-          </a:bodyPr>
-          <a:lstStyle/>
-          <a:p>
-            <a:r>
-              <a:rPr lang="es-MX" dirty="0" err="1"/>
-              <a:t>UnChecked</a:t>
-            </a:r>
-            <a:endParaRPr lang="es-MX" dirty="0"/>
-          </a:p>
-        </p:txBody>
-      </p:sp>
-      <p:sp>
-        <p:nvSpPr>
-          <p:cNvPr id="27" name="CuadroTexto 26">
-            <a:extLst>
-              <a:ext uri="{FF2B5EF4-FFF2-40B4-BE49-F238E27FC236}">
-                <a16:creationId xmlns:a16="http://schemas.microsoft.com/office/drawing/2014/main" id="{C32FCFF8-A0D3-4B34-AD5E-831AB8DE251A}"/>
-              </a:ext>
-            </a:extLst>
-          </p:cNvPr>
-          <p:cNvSpPr txBox="1"/>
-          <p:nvPr/>
-        </p:nvSpPr>
-        <p:spPr>
-          <a:xfrm>
-            <a:off x="5380383" y="5786679"/>
-            <a:ext cx="2252871" cy="369332"/>
-          </a:xfrm>
-          <a:prstGeom prst="rect">
-            <a:avLst/>
-          </a:prstGeom>
-          <a:noFill/>
-        </p:spPr>
-        <p:txBody>
-          <a:bodyPr wrap="square" rtlCol="0">
-            <a:spAutoFit/>
-          </a:bodyPr>
-          <a:lstStyle/>
-          <a:p>
-            <a:r>
-              <a:rPr lang="es-MX" dirty="0" err="1"/>
-              <a:t>Checked</a:t>
-            </a:r>
-            <a:endParaRPr lang="es-MX" dirty="0"/>
-          </a:p>
-        </p:txBody>
-      </p:sp>
-    </p:spTree>
-    <p:extLst>
-      <p:ext uri="{BB962C8B-B14F-4D97-AF65-F5344CB8AC3E}">
-        <p14:creationId xmlns:p14="http://schemas.microsoft.com/office/powerpoint/2010/main" val="1917612476"/>
-      </p:ext>
-    </p:extLst>
-  </p:cSld>
-  <p:clrMapOvr>
-    <a:masterClrMapping/>
-  </p:clrMapOvr>
-</p:sld>
-</file>
-
 <file path=ppt/slides/slide9.xml><?xml version="1.0" encoding="utf-8"?>
 <p:sld xmlns:a="http://schemas.openxmlformats.org/drawingml/2006/main" xmlns:r="http://schemas.openxmlformats.org/officeDocument/2006/relationships" xmlns:p="http://schemas.openxmlformats.org/presentationml/2006/main">
   <p:cSld>
@@ -8729,68 +9251,77 @@
       </p:pic>
       <p:sp>
         <p:nvSpPr>
-          <p:cNvPr id="2" name="Título 1">
-            <a:extLst>
-              <a:ext uri="{FF2B5EF4-FFF2-40B4-BE49-F238E27FC236}">
-                <a16:creationId xmlns:a16="http://schemas.microsoft.com/office/drawing/2014/main" id="{A29E6CD6-FAAF-4EB2-937D-93C4B0F9CE35}"/>
-              </a:ext>
-            </a:extLst>
-          </p:cNvPr>
-          <p:cNvSpPr>
-            <a:spLocks noGrp="1"/>
-          </p:cNvSpPr>
-          <p:nvPr>
-            <p:ph type="ctrTitle"/>
-          </p:nvPr>
-        </p:nvSpPr>
-        <p:spPr>
-          <a:xfrm>
-            <a:off x="2076408" y="2794992"/>
-            <a:ext cx="7822096" cy="1151076"/>
-          </a:xfrm>
-        </p:spPr>
-        <p:txBody>
-          <a:bodyPr>
-            <a:normAutofit/>
-          </a:bodyPr>
-          <a:lstStyle/>
-          <a:p>
-            <a:r>
-              <a:rPr lang="es-ES" b="1" dirty="0" err="1">
-                <a:latin typeface="Britannic Bold" panose="020B0903060703020204" pitchFamily="34" charset="0"/>
-              </a:rPr>
-              <a:t>Purposes</a:t>
-            </a:r>
-            <a:r>
-              <a:rPr lang="es-ES" b="1" dirty="0">
-                <a:latin typeface="Britannic Bold" panose="020B0903060703020204" pitchFamily="34" charset="0"/>
-              </a:rPr>
+          <p:cNvPr id="31" name="Rectángulo: esquinas redondeadas 30">
+            <a:extLst>
+              <a:ext uri="{FF2B5EF4-FFF2-40B4-BE49-F238E27FC236}">
+                <a16:creationId xmlns:a16="http://schemas.microsoft.com/office/drawing/2014/main" id="{10C4A791-9A21-475D-ACF5-DB771A703045}"/>
+              </a:ext>
+            </a:extLst>
+          </p:cNvPr>
+          <p:cNvSpPr/>
+          <p:nvPr/>
+        </p:nvSpPr>
+        <p:spPr>
+          <a:xfrm>
+            <a:off x="4379843" y="2960214"/>
+            <a:ext cx="3432313" cy="829553"/>
+          </a:xfrm>
+          <a:prstGeom prst="roundRect">
+            <a:avLst/>
+          </a:prstGeom>
+          <a:solidFill>
+            <a:srgbClr val="FF0000"/>
+          </a:solidFill>
+          <a:ln>
+            <a:noFill/>
+          </a:ln>
+        </p:spPr>
+        <p:style>
+          <a:lnRef idx="2">
+            <a:schemeClr val="accent1">
+              <a:shade val="50000"/>
+            </a:schemeClr>
+          </a:lnRef>
+          <a:fillRef idx="1">
+            <a:schemeClr val="accent1"/>
+          </a:fillRef>
+          <a:effectRef idx="0">
+            <a:schemeClr val="accent1"/>
+          </a:effectRef>
+          <a:fontRef idx="minor">
+            <a:schemeClr val="lt1"/>
+          </a:fontRef>
+        </p:style>
+        <p:txBody>
+          <a:bodyPr rtlCol="0" anchor="ctr"/>
+          <a:lstStyle/>
+          <a:p>
+            <a:pPr algn="ctr"/>
+            <a:r>
+              <a:rPr lang="es-MX" dirty="0" err="1"/>
+              <a:t>Businnes</a:t>
+            </a:r>
+            <a:r>
+              <a:rPr lang="es-MX" dirty="0"/>
               <a:t> </a:t>
             </a:r>
             <a:r>
-              <a:rPr lang="es-ES" b="1" dirty="0" err="1">
-                <a:latin typeface="Britannic Bold" panose="020B0903060703020204" pitchFamily="34" charset="0"/>
-              </a:rPr>
-              <a:t>of</a:t>
-            </a:r>
-            <a:r>
-              <a:rPr lang="es-ES" b="1" dirty="0">
-                <a:latin typeface="Britannic Bold" panose="020B0903060703020204" pitchFamily="34" charset="0"/>
-              </a:rPr>
-              <a:t> final</a:t>
-            </a:r>
-            <a:endParaRPr lang="es-MX" dirty="0">
-              <a:latin typeface="Britannic Bold" panose="020B0903060703020204" pitchFamily="34" charset="0"/>
-            </a:endParaRPr>
+              <a:rPr lang="es-MX" dirty="0" err="1"/>
+              <a:t>Logic</a:t>
+            </a:r>
+            <a:r>
+              <a:rPr lang="es-MX" dirty="0"/>
+              <a:t> Layer</a:t>
+            </a:r>
           </a:p>
         </p:txBody>
       </p:sp>
       <p:pic>
         <p:nvPicPr>
-          <p:cNvPr id="5" name="Imagen 4">
-            <a:extLst>
-              <a:ext uri="{FF2B5EF4-FFF2-40B4-BE49-F238E27FC236}">
-                <a16:creationId xmlns:a16="http://schemas.microsoft.com/office/drawing/2014/main" id="{6B6F33BB-27E9-41F1-86E8-6C44F2753644}"/>
+          <p:cNvPr id="32" name="Imagen 31">
+            <a:extLst>
+              <a:ext uri="{FF2B5EF4-FFF2-40B4-BE49-F238E27FC236}">
+                <a16:creationId xmlns:a16="http://schemas.microsoft.com/office/drawing/2014/main" id="{C065F537-DE50-4AA5-9CF7-5DF32EB91688}"/>
               </a:ext>
             </a:extLst>
           </p:cNvPr>
@@ -8799,60 +9330,8 @@
           </p:cNvPicPr>
           <p:nvPr/>
         </p:nvPicPr>
-        <p:blipFill rotWithShape="1">
+        <p:blipFill>
           <a:blip r:embed="rId3">
-            <a:extLst>
-              <a:ext uri="{BEBA8EAE-BF5A-486C-A8C5-ECC9F3942E4B}">
-                <a14:imgProps xmlns:a14="http://schemas.microsoft.com/office/drawing/2010/main">
-                  <a14:imgLayer r:embed="rId4">
-                    <a14:imgEffect>
-                      <a14:backgroundRemoval t="36750" b="67750" l="7750" r="94250">
-                        <a14:foregroundMark x1="21250" y1="53250" x2="21250" y2="53250"/>
-                        <a14:foregroundMark x1="29250" y1="50250" x2="29250" y2="50250"/>
-                        <a14:foregroundMark x1="29750" y1="43250" x2="29750" y2="43250"/>
-                        <a14:foregroundMark x1="49750" y1="52750" x2="49750" y2="52750"/>
-                        <a14:foregroundMark x1="63250" y1="50250" x2="63250" y2="50250"/>
-                        <a14:foregroundMark x1="75750" y1="48750" x2="75750" y2="48750"/>
-                        <a14:foregroundMark x1="85750" y1="48750" x2="85750" y2="48750"/>
-                      </a14:backgroundRemoval>
-                    </a14:imgEffect>
-                  </a14:imgLayer>
-                </a14:imgProps>
-              </a:ext>
-              <a:ext uri="{28A0092B-C50C-407E-A947-70E740481C1C}">
-                <a14:useLocalDpi xmlns:a14="http://schemas.microsoft.com/office/drawing/2010/main" val="0"/>
-              </a:ext>
-            </a:extLst>
-          </a:blip>
-          <a:srcRect l="7896" t="37372" r="6390" b="32811"/>
-          <a:stretch/>
-        </p:blipFill>
-        <p:spPr>
-          <a:xfrm>
-            <a:off x="2184952" y="245838"/>
-            <a:ext cx="2266122" cy="788298"/>
-          </a:xfrm>
-          <a:prstGeom prst="rect">
-            <a:avLst/>
-          </a:prstGeom>
-        </p:spPr>
-      </p:pic>
-      <p:pic>
-        <p:nvPicPr>
-          <p:cNvPr id="7" name="Imagen 6">
-            <a:extLst>
-              <a:ext uri="{FF2B5EF4-FFF2-40B4-BE49-F238E27FC236}">
-                <a16:creationId xmlns:a16="http://schemas.microsoft.com/office/drawing/2014/main" id="{E79F3D0A-E807-4A20-BB57-7BB046212A37}"/>
-              </a:ext>
-            </a:extLst>
-          </p:cNvPr>
-          <p:cNvPicPr>
-            <a:picLocks noChangeAspect="1"/>
-          </p:cNvPicPr>
-          <p:nvPr/>
-        </p:nvPicPr>
-        <p:blipFill>
-          <a:blip r:embed="rId5">
             <a:extLst>
               <a:ext uri="{28A0092B-C50C-407E-A947-70E740481C1C}">
                 <a14:useLocalDpi xmlns:a14="http://schemas.microsoft.com/office/drawing/2010/main" val="0"/>
@@ -8865,18 +9344,449 @@
         </p:blipFill>
         <p:spPr>
           <a:xfrm>
-            <a:off x="8965157" y="9546"/>
-            <a:ext cx="933347" cy="1260881"/>
+            <a:off x="5161991" y="269787"/>
+            <a:ext cx="1793530" cy="1793530"/>
           </a:xfrm>
           <a:prstGeom prst="rect">
             <a:avLst/>
           </a:prstGeom>
         </p:spPr>
       </p:pic>
+      <p:sp>
+        <p:nvSpPr>
+          <p:cNvPr id="33" name="Rectángulo: esquinas redondeadas 32">
+            <a:extLst>
+              <a:ext uri="{FF2B5EF4-FFF2-40B4-BE49-F238E27FC236}">
+                <a16:creationId xmlns:a16="http://schemas.microsoft.com/office/drawing/2014/main" id="{64BBD172-F04F-40C3-A146-D230CCD3DF98}"/>
+              </a:ext>
+            </a:extLst>
+          </p:cNvPr>
+          <p:cNvSpPr/>
+          <p:nvPr/>
+        </p:nvSpPr>
+        <p:spPr>
+          <a:xfrm>
+            <a:off x="4379843" y="4234785"/>
+            <a:ext cx="3432313" cy="829553"/>
+          </a:xfrm>
+          <a:prstGeom prst="roundRect">
+            <a:avLst/>
+          </a:prstGeom>
+          <a:solidFill>
+            <a:schemeClr val="accent6">
+              <a:lumMod val="75000"/>
+            </a:schemeClr>
+          </a:solidFill>
+          <a:ln>
+            <a:noFill/>
+          </a:ln>
+        </p:spPr>
+        <p:style>
+          <a:lnRef idx="2">
+            <a:schemeClr val="accent1">
+              <a:shade val="50000"/>
+            </a:schemeClr>
+          </a:lnRef>
+          <a:fillRef idx="1">
+            <a:schemeClr val="accent1"/>
+          </a:fillRef>
+          <a:effectRef idx="0">
+            <a:schemeClr val="accent1"/>
+          </a:effectRef>
+          <a:fontRef idx="minor">
+            <a:schemeClr val="lt1"/>
+          </a:fontRef>
+        </p:style>
+        <p:txBody>
+          <a:bodyPr rtlCol="0" anchor="ctr"/>
+          <a:lstStyle/>
+          <a:p>
+            <a:pPr algn="ctr"/>
+            <a:r>
+              <a:rPr lang="es-MX" dirty="0"/>
+              <a:t>Data Access Layer</a:t>
+            </a:r>
+          </a:p>
+        </p:txBody>
+      </p:sp>
+      <p:pic>
+        <p:nvPicPr>
+          <p:cNvPr id="34" name="Imagen 33">
+            <a:extLst>
+              <a:ext uri="{FF2B5EF4-FFF2-40B4-BE49-F238E27FC236}">
+                <a16:creationId xmlns:a16="http://schemas.microsoft.com/office/drawing/2014/main" id="{ADDB3985-091D-4C31-A369-99C1FE3472A4}"/>
+              </a:ext>
+            </a:extLst>
+          </p:cNvPr>
+          <p:cNvPicPr>
+            <a:picLocks noChangeAspect="1"/>
+          </p:cNvPicPr>
+          <p:nvPr/>
+        </p:nvPicPr>
+        <p:blipFill>
+          <a:blip r:embed="rId4">
+            <a:extLst>
+              <a:ext uri="{28A0092B-C50C-407E-A947-70E740481C1C}">
+                <a14:useLocalDpi xmlns:a14="http://schemas.microsoft.com/office/drawing/2010/main" val="0"/>
+              </a:ext>
+            </a:extLst>
+          </a:blip>
+          <a:stretch>
+            <a:fillRect/>
+          </a:stretch>
+        </p:blipFill>
+        <p:spPr>
+          <a:xfrm>
+            <a:off x="5644186" y="5820016"/>
+            <a:ext cx="903626" cy="903626"/>
+          </a:xfrm>
+          <a:prstGeom prst="rect">
+            <a:avLst/>
+          </a:prstGeom>
+        </p:spPr>
+      </p:pic>
+      <p:pic>
+        <p:nvPicPr>
+          <p:cNvPr id="36" name="Imagen 35">
+            <a:extLst>
+              <a:ext uri="{FF2B5EF4-FFF2-40B4-BE49-F238E27FC236}">
+                <a16:creationId xmlns:a16="http://schemas.microsoft.com/office/drawing/2014/main" id="{A8087DD6-6313-4EA2-8212-907E5F4AC7A2}"/>
+              </a:ext>
+            </a:extLst>
+          </p:cNvPr>
+          <p:cNvPicPr>
+            <a:picLocks noChangeAspect="1"/>
+          </p:cNvPicPr>
+          <p:nvPr/>
+        </p:nvPicPr>
+        <p:blipFill>
+          <a:blip r:embed="rId5">
+            <a:extLst>
+              <a:ext uri="{28A0092B-C50C-407E-A947-70E740481C1C}">
+                <a14:useLocalDpi xmlns:a14="http://schemas.microsoft.com/office/drawing/2010/main" val="0"/>
+              </a:ext>
+            </a:extLst>
+          </a:blip>
+          <a:stretch>
+            <a:fillRect/>
+          </a:stretch>
+        </p:blipFill>
+        <p:spPr>
+          <a:xfrm>
+            <a:off x="8698325" y="371061"/>
+            <a:ext cx="1372182" cy="1372182"/>
+          </a:xfrm>
+          <a:prstGeom prst="rect">
+            <a:avLst/>
+          </a:prstGeom>
+        </p:spPr>
+      </p:pic>
+      <p:cxnSp>
+        <p:nvCxnSpPr>
+          <p:cNvPr id="40" name="Conector recto de flecha 39">
+            <a:extLst>
+              <a:ext uri="{FF2B5EF4-FFF2-40B4-BE49-F238E27FC236}">
+                <a16:creationId xmlns:a16="http://schemas.microsoft.com/office/drawing/2014/main" id="{EE8BBB9F-6E50-44A0-B085-4B662555A384}"/>
+              </a:ext>
+            </a:extLst>
+          </p:cNvPr>
+          <p:cNvCxnSpPr>
+            <a:cxnSpLocks/>
+            <a:endCxn id="31" idx="0"/>
+          </p:cNvCxnSpPr>
+          <p:nvPr/>
+        </p:nvCxnSpPr>
+        <p:spPr>
+          <a:xfrm>
+            <a:off x="6096000" y="2063317"/>
+            <a:ext cx="0" cy="896897"/>
+          </a:xfrm>
+          <a:prstGeom prst="straightConnector1">
+            <a:avLst/>
+          </a:prstGeom>
+          <a:ln w="76200">
+            <a:solidFill>
+              <a:schemeClr val="tx1"/>
+            </a:solidFill>
+            <a:tailEnd type="triangle"/>
+          </a:ln>
+        </p:spPr>
+        <p:style>
+          <a:lnRef idx="1">
+            <a:schemeClr val="accent1"/>
+          </a:lnRef>
+          <a:fillRef idx="0">
+            <a:schemeClr val="accent1"/>
+          </a:fillRef>
+          <a:effectRef idx="0">
+            <a:schemeClr val="accent1"/>
+          </a:effectRef>
+          <a:fontRef idx="minor">
+            <a:schemeClr val="tx1"/>
+          </a:fontRef>
+        </p:style>
+      </p:cxnSp>
+      <p:cxnSp>
+        <p:nvCxnSpPr>
+          <p:cNvPr id="42" name="Conector recto de flecha 41">
+            <a:extLst>
+              <a:ext uri="{FF2B5EF4-FFF2-40B4-BE49-F238E27FC236}">
+                <a16:creationId xmlns:a16="http://schemas.microsoft.com/office/drawing/2014/main" id="{D7E4C31A-8455-4845-B2D3-FE6C295A6C3F}"/>
+              </a:ext>
+            </a:extLst>
+          </p:cNvPr>
+          <p:cNvCxnSpPr>
+            <a:cxnSpLocks/>
+            <a:stCxn id="31" idx="2"/>
+            <a:endCxn id="33" idx="0"/>
+          </p:cNvCxnSpPr>
+          <p:nvPr/>
+        </p:nvCxnSpPr>
+        <p:spPr>
+          <a:xfrm>
+            <a:off x="6096000" y="3789767"/>
+            <a:ext cx="0" cy="445018"/>
+          </a:xfrm>
+          <a:prstGeom prst="straightConnector1">
+            <a:avLst/>
+          </a:prstGeom>
+          <a:ln w="76200">
+            <a:solidFill>
+              <a:schemeClr val="tx1"/>
+            </a:solidFill>
+            <a:tailEnd type="triangle"/>
+          </a:ln>
+        </p:spPr>
+        <p:style>
+          <a:lnRef idx="1">
+            <a:schemeClr val="accent1"/>
+          </a:lnRef>
+          <a:fillRef idx="0">
+            <a:schemeClr val="accent1"/>
+          </a:fillRef>
+          <a:effectRef idx="0">
+            <a:schemeClr val="accent1"/>
+          </a:effectRef>
+          <a:fontRef idx="minor">
+            <a:schemeClr val="tx1"/>
+          </a:fontRef>
+        </p:style>
+      </p:cxnSp>
+      <p:cxnSp>
+        <p:nvCxnSpPr>
+          <p:cNvPr id="46" name="Conector recto de flecha 45">
+            <a:extLst>
+              <a:ext uri="{FF2B5EF4-FFF2-40B4-BE49-F238E27FC236}">
+                <a16:creationId xmlns:a16="http://schemas.microsoft.com/office/drawing/2014/main" id="{F1C39A21-FC36-4B24-A138-B73CE7E2D4A3}"/>
+              </a:ext>
+            </a:extLst>
+          </p:cNvPr>
+          <p:cNvCxnSpPr>
+            <a:cxnSpLocks/>
+          </p:cNvCxnSpPr>
+          <p:nvPr/>
+        </p:nvCxnSpPr>
+        <p:spPr>
+          <a:xfrm>
+            <a:off x="5844208" y="5064338"/>
+            <a:ext cx="0" cy="755678"/>
+          </a:xfrm>
+          <a:prstGeom prst="straightConnector1">
+            <a:avLst/>
+          </a:prstGeom>
+          <a:ln w="76200">
+            <a:solidFill>
+              <a:schemeClr val="tx1"/>
+            </a:solidFill>
+            <a:tailEnd type="triangle"/>
+          </a:ln>
+        </p:spPr>
+        <p:style>
+          <a:lnRef idx="1">
+            <a:schemeClr val="accent1"/>
+          </a:lnRef>
+          <a:fillRef idx="0">
+            <a:schemeClr val="accent1"/>
+          </a:fillRef>
+          <a:effectRef idx="0">
+            <a:schemeClr val="accent1"/>
+          </a:effectRef>
+          <a:fontRef idx="minor">
+            <a:schemeClr val="tx1"/>
+          </a:fontRef>
+        </p:style>
+      </p:cxnSp>
+      <p:sp>
+        <p:nvSpPr>
+          <p:cNvPr id="48" name="CuadroTexto 47">
+            <a:extLst>
+              <a:ext uri="{FF2B5EF4-FFF2-40B4-BE49-F238E27FC236}">
+                <a16:creationId xmlns:a16="http://schemas.microsoft.com/office/drawing/2014/main" id="{F3318C54-EA7C-419B-BBEB-09E7D8B8086C}"/>
+              </a:ext>
+            </a:extLst>
+          </p:cNvPr>
+          <p:cNvSpPr txBox="1"/>
+          <p:nvPr/>
+        </p:nvSpPr>
+        <p:spPr>
+          <a:xfrm>
+            <a:off x="4054798" y="1802151"/>
+            <a:ext cx="2214386" cy="369332"/>
+          </a:xfrm>
+          <a:prstGeom prst="rect">
+            <a:avLst/>
+          </a:prstGeom>
+          <a:noFill/>
+        </p:spPr>
+        <p:txBody>
+          <a:bodyPr wrap="square" rtlCol="0">
+            <a:spAutoFit/>
+          </a:bodyPr>
+          <a:lstStyle/>
+          <a:p>
+            <a:r>
+              <a:rPr lang="es-MX" dirty="0"/>
+              <a:t>Presentation Layer</a:t>
+            </a:r>
+          </a:p>
+        </p:txBody>
+      </p:sp>
+      <p:cxnSp>
+        <p:nvCxnSpPr>
+          <p:cNvPr id="49" name="Conector recto de flecha 48">
+            <a:extLst>
+              <a:ext uri="{FF2B5EF4-FFF2-40B4-BE49-F238E27FC236}">
+                <a16:creationId xmlns:a16="http://schemas.microsoft.com/office/drawing/2014/main" id="{C90420CF-C796-470C-A9F0-9F6D3F95A38E}"/>
+              </a:ext>
+            </a:extLst>
+          </p:cNvPr>
+          <p:cNvCxnSpPr>
+            <a:cxnSpLocks/>
+          </p:cNvCxnSpPr>
+          <p:nvPr/>
+        </p:nvCxnSpPr>
+        <p:spPr>
+          <a:xfrm>
+            <a:off x="7308574" y="821217"/>
+            <a:ext cx="1389751" cy="0"/>
+          </a:xfrm>
+          <a:prstGeom prst="straightConnector1">
+            <a:avLst/>
+          </a:prstGeom>
+          <a:ln w="76200">
+            <a:solidFill>
+              <a:schemeClr val="tx1"/>
+            </a:solidFill>
+            <a:tailEnd type="triangle"/>
+          </a:ln>
+        </p:spPr>
+        <p:style>
+          <a:lnRef idx="1">
+            <a:schemeClr val="accent1"/>
+          </a:lnRef>
+          <a:fillRef idx="0">
+            <a:schemeClr val="accent1"/>
+          </a:fillRef>
+          <a:effectRef idx="0">
+            <a:schemeClr val="accent1"/>
+          </a:effectRef>
+          <a:fontRef idx="minor">
+            <a:schemeClr val="tx1"/>
+          </a:fontRef>
+        </p:style>
+      </p:cxnSp>
+      <p:cxnSp>
+        <p:nvCxnSpPr>
+          <p:cNvPr id="51" name="Conector recto de flecha 50">
+            <a:extLst>
+              <a:ext uri="{FF2B5EF4-FFF2-40B4-BE49-F238E27FC236}">
+                <a16:creationId xmlns:a16="http://schemas.microsoft.com/office/drawing/2014/main" id="{284D3E57-EA6C-4249-8817-1BA148145DA4}"/>
+              </a:ext>
+            </a:extLst>
+          </p:cNvPr>
+          <p:cNvCxnSpPr>
+            <a:cxnSpLocks/>
+          </p:cNvCxnSpPr>
+          <p:nvPr/>
+        </p:nvCxnSpPr>
+        <p:spPr>
+          <a:xfrm flipH="1">
+            <a:off x="7308575" y="1166552"/>
+            <a:ext cx="1389750" cy="19461"/>
+          </a:xfrm>
+          <a:prstGeom prst="straightConnector1">
+            <a:avLst/>
+          </a:prstGeom>
+          <a:ln w="76200">
+            <a:solidFill>
+              <a:schemeClr val="tx1"/>
+            </a:solidFill>
+            <a:tailEnd type="triangle"/>
+          </a:ln>
+        </p:spPr>
+        <p:style>
+          <a:lnRef idx="1">
+            <a:schemeClr val="accent1"/>
+          </a:lnRef>
+          <a:fillRef idx="0">
+            <a:schemeClr val="accent1"/>
+          </a:fillRef>
+          <a:effectRef idx="0">
+            <a:schemeClr val="accent1"/>
+          </a:effectRef>
+          <a:fontRef idx="minor">
+            <a:schemeClr val="tx1"/>
+          </a:fontRef>
+        </p:style>
+      </p:cxnSp>
+      <p:cxnSp>
+        <p:nvCxnSpPr>
+          <p:cNvPr id="56" name="Conector recto de flecha 55">
+            <a:extLst>
+              <a:ext uri="{FF2B5EF4-FFF2-40B4-BE49-F238E27FC236}">
+                <a16:creationId xmlns:a16="http://schemas.microsoft.com/office/drawing/2014/main" id="{19063F80-6640-4AA9-8C9C-2ED8AFE485C5}"/>
+              </a:ext>
+            </a:extLst>
+          </p:cNvPr>
+          <p:cNvCxnSpPr>
+            <a:cxnSpLocks/>
+          </p:cNvCxnSpPr>
+          <p:nvPr/>
+        </p:nvCxnSpPr>
+        <p:spPr>
+          <a:xfrm flipV="1">
+            <a:off x="6301121" y="4999386"/>
+            <a:ext cx="0" cy="820630"/>
+          </a:xfrm>
+          <a:prstGeom prst="straightConnector1">
+            <a:avLst/>
+          </a:prstGeom>
+          <a:ln w="76200">
+            <a:solidFill>
+              <a:schemeClr val="tx1"/>
+            </a:solidFill>
+            <a:tailEnd type="triangle"/>
+          </a:ln>
+        </p:spPr>
+        <p:style>
+          <a:lnRef idx="1">
+            <a:schemeClr val="accent1"/>
+          </a:lnRef>
+          <a:fillRef idx="0">
+            <a:schemeClr val="accent1"/>
+          </a:fillRef>
+          <a:effectRef idx="0">
+            <a:schemeClr val="accent1"/>
+          </a:effectRef>
+          <a:fontRef idx="minor">
+            <a:schemeClr val="tx1"/>
+          </a:fontRef>
+        </p:style>
+      </p:cxnSp>
     </p:spTree>
     <p:extLst>
       <p:ext uri="{BB962C8B-B14F-4D97-AF65-F5344CB8AC3E}">
-        <p14:creationId xmlns:p14="http://schemas.microsoft.com/office/powerpoint/2010/main" val="4133486506"/>
+        <p14:creationId xmlns:p14="http://schemas.microsoft.com/office/powerpoint/2010/main" val="4101235804"/>
       </p:ext>
     </p:extLst>
   </p:cSld>

--- a/Exámenes/Semana02/Presentación.pptx
+++ b/Exámenes/Semana02/Presentación.pptx
@@ -7,8 +7,8 @@
   <p:sldIdLst>
     <p:sldId id="256" r:id="rId2"/>
     <p:sldId id="257" r:id="rId3"/>
-    <p:sldId id="271" r:id="rId4"/>
-    <p:sldId id="272" r:id="rId5"/>
+    <p:sldId id="272" r:id="rId4"/>
+    <p:sldId id="271" r:id="rId5"/>
     <p:sldId id="268" r:id="rId6"/>
     <p:sldId id="258" r:id="rId7"/>
     <p:sldId id="263" r:id="rId8"/>
@@ -22,6 +22,8 @@
     <p:sldId id="269" r:id="rId16"/>
     <p:sldId id="262" r:id="rId17"/>
     <p:sldId id="267" r:id="rId18"/>
+    <p:sldId id="273" r:id="rId19"/>
+    <p:sldId id="274" r:id="rId20"/>
   </p:sldIdLst>
   <p:sldSz cx="12192000" cy="6858000"/>
   <p:notesSz cx="6858000" cy="9144000"/>
@@ -277,7 +279,7 @@
           <a:p>
             <a:fld id="{C054015C-A5DA-420E-8DCC-C0E84462F69C}" type="datetimeFigureOut">
               <a:rPr lang="es-MX" smtClean="0"/>
-              <a:t>30/11/2022</a:t>
+              <a:t>01/12/2022</a:t>
             </a:fld>
             <a:endParaRPr lang="es-MX"/>
           </a:p>
@@ -477,7 +479,7 @@
           <a:p>
             <a:fld id="{C054015C-A5DA-420E-8DCC-C0E84462F69C}" type="datetimeFigureOut">
               <a:rPr lang="es-MX" smtClean="0"/>
-              <a:t>30/11/2022</a:t>
+              <a:t>01/12/2022</a:t>
             </a:fld>
             <a:endParaRPr lang="es-MX"/>
           </a:p>
@@ -687,7 +689,7 @@
           <a:p>
             <a:fld id="{C054015C-A5DA-420E-8DCC-C0E84462F69C}" type="datetimeFigureOut">
               <a:rPr lang="es-MX" smtClean="0"/>
-              <a:t>30/11/2022</a:t>
+              <a:t>01/12/2022</a:t>
             </a:fld>
             <a:endParaRPr lang="es-MX"/>
           </a:p>
@@ -887,7 +889,7 @@
           <a:p>
             <a:fld id="{C054015C-A5DA-420E-8DCC-C0E84462F69C}" type="datetimeFigureOut">
               <a:rPr lang="es-MX" smtClean="0"/>
-              <a:t>30/11/2022</a:t>
+              <a:t>01/12/2022</a:t>
             </a:fld>
             <a:endParaRPr lang="es-MX"/>
           </a:p>
@@ -1163,7 +1165,7 @@
           <a:p>
             <a:fld id="{C054015C-A5DA-420E-8DCC-C0E84462F69C}" type="datetimeFigureOut">
               <a:rPr lang="es-MX" smtClean="0"/>
-              <a:t>30/11/2022</a:t>
+              <a:t>01/12/2022</a:t>
             </a:fld>
             <a:endParaRPr lang="es-MX"/>
           </a:p>
@@ -1431,7 +1433,7 @@
           <a:p>
             <a:fld id="{C054015C-A5DA-420E-8DCC-C0E84462F69C}" type="datetimeFigureOut">
               <a:rPr lang="es-MX" smtClean="0"/>
-              <a:t>30/11/2022</a:t>
+              <a:t>01/12/2022</a:t>
             </a:fld>
             <a:endParaRPr lang="es-MX"/>
           </a:p>
@@ -1846,7 +1848,7 @@
           <a:p>
             <a:fld id="{C054015C-A5DA-420E-8DCC-C0E84462F69C}" type="datetimeFigureOut">
               <a:rPr lang="es-MX" smtClean="0"/>
-              <a:t>30/11/2022</a:t>
+              <a:t>01/12/2022</a:t>
             </a:fld>
             <a:endParaRPr lang="es-MX"/>
           </a:p>
@@ -1988,7 +1990,7 @@
           <a:p>
             <a:fld id="{C054015C-A5DA-420E-8DCC-C0E84462F69C}" type="datetimeFigureOut">
               <a:rPr lang="es-MX" smtClean="0"/>
-              <a:t>30/11/2022</a:t>
+              <a:t>01/12/2022</a:t>
             </a:fld>
             <a:endParaRPr lang="es-MX"/>
           </a:p>
@@ -2101,7 +2103,7 @@
           <a:p>
             <a:fld id="{C054015C-A5DA-420E-8DCC-C0E84462F69C}" type="datetimeFigureOut">
               <a:rPr lang="es-MX" smtClean="0"/>
-              <a:t>30/11/2022</a:t>
+              <a:t>01/12/2022</a:t>
             </a:fld>
             <a:endParaRPr lang="es-MX"/>
           </a:p>
@@ -2414,7 +2416,7 @@
           <a:p>
             <a:fld id="{C054015C-A5DA-420E-8DCC-C0E84462F69C}" type="datetimeFigureOut">
               <a:rPr lang="es-MX" smtClean="0"/>
-              <a:t>30/11/2022</a:t>
+              <a:t>01/12/2022</a:t>
             </a:fld>
             <a:endParaRPr lang="es-MX"/>
           </a:p>
@@ -2703,7 +2705,7 @@
           <a:p>
             <a:fld id="{C054015C-A5DA-420E-8DCC-C0E84462F69C}" type="datetimeFigureOut">
               <a:rPr lang="es-MX" smtClean="0"/>
-              <a:t>30/11/2022</a:t>
+              <a:t>01/12/2022</a:t>
             </a:fld>
             <a:endParaRPr lang="es-MX"/>
           </a:p>
@@ -2946,7 +2948,7 @@
           <a:p>
             <a:fld id="{C054015C-A5DA-420E-8DCC-C0E84462F69C}" type="datetimeFigureOut">
               <a:rPr lang="es-MX" smtClean="0"/>
-              <a:t>30/11/2022</a:t>
+              <a:t>01/12/2022</a:t>
             </a:fld>
             <a:endParaRPr lang="es-MX"/>
           </a:p>
@@ -6146,6 +6148,260 @@
 </p:sld>
 </file>
 
+<file path=ppt/slides/slide18.xml><?xml version="1.0" encoding="utf-8"?>
+<p:sld xmlns:a="http://schemas.openxmlformats.org/drawingml/2006/main" xmlns:r="http://schemas.openxmlformats.org/officeDocument/2006/relationships" xmlns:p="http://schemas.openxmlformats.org/presentationml/2006/main">
+  <p:cSld>
+    <p:spTree>
+      <p:nvGrpSpPr>
+        <p:cNvPr id="1" name=""/>
+        <p:cNvGrpSpPr/>
+        <p:nvPr/>
+      </p:nvGrpSpPr>
+      <p:grpSpPr>
+        <a:xfrm>
+          <a:off x="0" y="0"/>
+          <a:ext cx="0" cy="0"/>
+          <a:chOff x="0" y="0"/>
+          <a:chExt cx="0" cy="0"/>
+        </a:xfrm>
+      </p:grpSpPr>
+      <p:pic>
+        <p:nvPicPr>
+          <p:cNvPr id="10" name="Imagen 9">
+            <a:extLst>
+              <a:ext uri="{FF2B5EF4-FFF2-40B4-BE49-F238E27FC236}">
+                <a16:creationId xmlns:a16="http://schemas.microsoft.com/office/drawing/2014/main" id="{15B1CB55-DE9C-472F-9798-9D941F19E5AD}"/>
+              </a:ext>
+            </a:extLst>
+          </p:cNvPr>
+          <p:cNvPicPr>
+            <a:picLocks noChangeAspect="1"/>
+          </p:cNvPicPr>
+          <p:nvPr/>
+        </p:nvPicPr>
+        <p:blipFill>
+          <a:blip r:embed="rId2">
+            <a:extLst>
+              <a:ext uri="{28A0092B-C50C-407E-A947-70E740481C1C}">
+                <a14:useLocalDpi xmlns:a14="http://schemas.microsoft.com/office/drawing/2010/main" val="0"/>
+              </a:ext>
+            </a:extLst>
+          </a:blip>
+          <a:stretch>
+            <a:fillRect/>
+          </a:stretch>
+        </p:blipFill>
+        <p:spPr>
+          <a:xfrm>
+            <a:off x="0" y="0"/>
+            <a:ext cx="12192000" cy="6858000"/>
+          </a:xfrm>
+          <a:prstGeom prst="rect">
+            <a:avLst/>
+          </a:prstGeom>
+        </p:spPr>
+      </p:pic>
+      <p:sp>
+        <p:nvSpPr>
+          <p:cNvPr id="2" name="Título 1">
+            <a:extLst>
+              <a:ext uri="{FF2B5EF4-FFF2-40B4-BE49-F238E27FC236}">
+                <a16:creationId xmlns:a16="http://schemas.microsoft.com/office/drawing/2014/main" id="{A29E6CD6-FAAF-4EB2-937D-93C4B0F9CE35}"/>
+              </a:ext>
+            </a:extLst>
+          </p:cNvPr>
+          <p:cNvSpPr>
+            <a:spLocks noGrp="1"/>
+          </p:cNvSpPr>
+          <p:nvPr>
+            <p:ph type="ctrTitle"/>
+          </p:nvPr>
+        </p:nvSpPr>
+        <p:spPr>
+          <a:xfrm>
+            <a:off x="2076408" y="3031283"/>
+            <a:ext cx="7822096" cy="1151076"/>
+          </a:xfrm>
+        </p:spPr>
+        <p:txBody>
+          <a:bodyPr>
+            <a:normAutofit/>
+          </a:bodyPr>
+          <a:lstStyle/>
+          <a:p>
+            <a:r>
+              <a:rPr lang="es-ES" b="1" dirty="0">
+                <a:latin typeface="Britannic Bold" panose="020B0903060703020204" pitchFamily="34" charset="0"/>
+              </a:rPr>
+              <a:t>Functional Lambdas</a:t>
+            </a:r>
+            <a:endParaRPr lang="es-MX" dirty="0">
+              <a:latin typeface="Britannic Bold" panose="020B0903060703020204" pitchFamily="34" charset="0"/>
+            </a:endParaRPr>
+          </a:p>
+        </p:txBody>
+      </p:sp>
+      <p:pic>
+        <p:nvPicPr>
+          <p:cNvPr id="5" name="Imagen 4">
+            <a:extLst>
+              <a:ext uri="{FF2B5EF4-FFF2-40B4-BE49-F238E27FC236}">
+                <a16:creationId xmlns:a16="http://schemas.microsoft.com/office/drawing/2014/main" id="{6B6F33BB-27E9-41F1-86E8-6C44F2753644}"/>
+              </a:ext>
+            </a:extLst>
+          </p:cNvPr>
+          <p:cNvPicPr>
+            <a:picLocks noChangeAspect="1"/>
+          </p:cNvPicPr>
+          <p:nvPr/>
+        </p:nvPicPr>
+        <p:blipFill rotWithShape="1">
+          <a:blip r:embed="rId3">
+            <a:extLst>
+              <a:ext uri="{BEBA8EAE-BF5A-486C-A8C5-ECC9F3942E4B}">
+                <a14:imgProps xmlns:a14="http://schemas.microsoft.com/office/drawing/2010/main">
+                  <a14:imgLayer r:embed="rId4">
+                    <a14:imgEffect>
+                      <a14:backgroundRemoval t="36750" b="67750" l="7750" r="94250">
+                        <a14:foregroundMark x1="21250" y1="53250" x2="21250" y2="53250"/>
+                        <a14:foregroundMark x1="29250" y1="50250" x2="29250" y2="50250"/>
+                        <a14:foregroundMark x1="29750" y1="43250" x2="29750" y2="43250"/>
+                        <a14:foregroundMark x1="49750" y1="52750" x2="49750" y2="52750"/>
+                        <a14:foregroundMark x1="63250" y1="50250" x2="63250" y2="50250"/>
+                        <a14:foregroundMark x1="75750" y1="48750" x2="75750" y2="48750"/>
+                        <a14:foregroundMark x1="85750" y1="48750" x2="85750" y2="48750"/>
+                      </a14:backgroundRemoval>
+                    </a14:imgEffect>
+                  </a14:imgLayer>
+                </a14:imgProps>
+              </a:ext>
+              <a:ext uri="{28A0092B-C50C-407E-A947-70E740481C1C}">
+                <a14:useLocalDpi xmlns:a14="http://schemas.microsoft.com/office/drawing/2010/main" val="0"/>
+              </a:ext>
+            </a:extLst>
+          </a:blip>
+          <a:srcRect l="7896" t="37372" r="6390" b="32811"/>
+          <a:stretch/>
+        </p:blipFill>
+        <p:spPr>
+          <a:xfrm>
+            <a:off x="2184952" y="245838"/>
+            <a:ext cx="2266122" cy="788298"/>
+          </a:xfrm>
+          <a:prstGeom prst="rect">
+            <a:avLst/>
+          </a:prstGeom>
+        </p:spPr>
+      </p:pic>
+      <p:pic>
+        <p:nvPicPr>
+          <p:cNvPr id="7" name="Imagen 6">
+            <a:extLst>
+              <a:ext uri="{FF2B5EF4-FFF2-40B4-BE49-F238E27FC236}">
+                <a16:creationId xmlns:a16="http://schemas.microsoft.com/office/drawing/2014/main" id="{E79F3D0A-E807-4A20-BB57-7BB046212A37}"/>
+              </a:ext>
+            </a:extLst>
+          </p:cNvPr>
+          <p:cNvPicPr>
+            <a:picLocks noChangeAspect="1"/>
+          </p:cNvPicPr>
+          <p:nvPr/>
+        </p:nvPicPr>
+        <p:blipFill>
+          <a:blip r:embed="rId5">
+            <a:extLst>
+              <a:ext uri="{28A0092B-C50C-407E-A947-70E740481C1C}">
+                <a14:useLocalDpi xmlns:a14="http://schemas.microsoft.com/office/drawing/2010/main" val="0"/>
+              </a:ext>
+            </a:extLst>
+          </a:blip>
+          <a:stretch>
+            <a:fillRect/>
+          </a:stretch>
+        </p:blipFill>
+        <p:spPr>
+          <a:xfrm>
+            <a:off x="8965157" y="9546"/>
+            <a:ext cx="933347" cy="1260881"/>
+          </a:xfrm>
+          <a:prstGeom prst="rect">
+            <a:avLst/>
+          </a:prstGeom>
+        </p:spPr>
+      </p:pic>
+    </p:spTree>
+    <p:extLst>
+      <p:ext uri="{BB962C8B-B14F-4D97-AF65-F5344CB8AC3E}">
+        <p14:creationId xmlns:p14="http://schemas.microsoft.com/office/powerpoint/2010/main" val="2813102068"/>
+      </p:ext>
+    </p:extLst>
+  </p:cSld>
+  <p:clrMapOvr>
+    <a:masterClrMapping/>
+  </p:clrMapOvr>
+</p:sld>
+</file>
+
+<file path=ppt/slides/slide19.xml><?xml version="1.0" encoding="utf-8"?>
+<p:sld xmlns:a="http://schemas.openxmlformats.org/drawingml/2006/main" xmlns:r="http://schemas.openxmlformats.org/officeDocument/2006/relationships" xmlns:p="http://schemas.openxmlformats.org/presentationml/2006/main">
+  <p:cSld>
+    <p:spTree>
+      <p:nvGrpSpPr>
+        <p:cNvPr id="1" name=""/>
+        <p:cNvGrpSpPr/>
+        <p:nvPr/>
+      </p:nvGrpSpPr>
+      <p:grpSpPr>
+        <a:xfrm>
+          <a:off x="0" y="0"/>
+          <a:ext cx="0" cy="0"/>
+          <a:chOff x="0" y="0"/>
+          <a:chExt cx="0" cy="0"/>
+        </a:xfrm>
+      </p:grpSpPr>
+      <p:pic>
+        <p:nvPicPr>
+          <p:cNvPr id="5" name="Imagen 4">
+            <a:extLst>
+              <a:ext uri="{FF2B5EF4-FFF2-40B4-BE49-F238E27FC236}">
+                <a16:creationId xmlns:a16="http://schemas.microsoft.com/office/drawing/2014/main" id="{016583E8-010A-4FE7-B695-E75ECB04B5A3}"/>
+              </a:ext>
+            </a:extLst>
+          </p:cNvPr>
+          <p:cNvPicPr>
+            <a:picLocks noChangeAspect="1"/>
+          </p:cNvPicPr>
+          <p:nvPr/>
+        </p:nvPicPr>
+        <p:blipFill>
+          <a:blip r:embed="rId2"/>
+          <a:stretch>
+            <a:fillRect/>
+          </a:stretch>
+        </p:blipFill>
+        <p:spPr>
+          <a:xfrm>
+            <a:off x="0" y="0"/>
+            <a:ext cx="12192000" cy="6858000"/>
+          </a:xfrm>
+          <a:prstGeom prst="rect">
+            <a:avLst/>
+          </a:prstGeom>
+        </p:spPr>
+      </p:pic>
+    </p:spTree>
+    <p:extLst>
+      <p:ext uri="{BB962C8B-B14F-4D97-AF65-F5344CB8AC3E}">
+        <p14:creationId xmlns:p14="http://schemas.microsoft.com/office/powerpoint/2010/main" val="3878972373"/>
+      </p:ext>
+    </p:extLst>
+  </p:cSld>
+  <p:clrMapOvr>
+    <a:masterClrMapping/>
+  </p:clrMapOvr>
+</p:sld>
+</file>
+
 <file path=ppt/slides/slide2.xml><?xml version="1.0" encoding="utf-8"?>
 <p:sld xmlns:a="http://schemas.openxmlformats.org/drawingml/2006/main" xmlns:r="http://schemas.openxmlformats.org/officeDocument/2006/relationships" xmlns:p="http://schemas.openxmlformats.org/presentationml/2006/main">
   <p:cSld>
@@ -6375,10 +6631,10 @@
       </p:grpSpPr>
       <p:pic>
         <p:nvPicPr>
-          <p:cNvPr id="7" name="Imagen 6">
-            <a:extLst>
-              <a:ext uri="{FF2B5EF4-FFF2-40B4-BE49-F238E27FC236}">
-                <a16:creationId xmlns:a16="http://schemas.microsoft.com/office/drawing/2014/main" id="{28ABCDB1-D408-4E04-BC11-C8A84D49B60A}"/>
+          <p:cNvPr id="4" name="Imagen 3">
+            <a:extLst>
+              <a:ext uri="{FF2B5EF4-FFF2-40B4-BE49-F238E27FC236}">
+                <a16:creationId xmlns:a16="http://schemas.microsoft.com/office/drawing/2014/main" id="{9352625A-F966-44F2-A6A6-994009D29838}"/>
               </a:ext>
             </a:extLst>
           </p:cNvPr>
@@ -6401,18 +6657,556 @@
         </p:blipFill>
         <p:spPr>
           <a:xfrm>
-            <a:off x="0" y="-16850"/>
-            <a:ext cx="12192000" cy="6874850"/>
+            <a:off x="0" y="0"/>
+            <a:ext cx="12192000" cy="6858000"/>
           </a:xfrm>
           <a:prstGeom prst="rect">
             <a:avLst/>
           </a:prstGeom>
         </p:spPr>
       </p:pic>
+      <p:pic>
+        <p:nvPicPr>
+          <p:cNvPr id="6" name="Imagen 5">
+            <a:extLst>
+              <a:ext uri="{FF2B5EF4-FFF2-40B4-BE49-F238E27FC236}">
+                <a16:creationId xmlns:a16="http://schemas.microsoft.com/office/drawing/2014/main" id="{BB34D1B8-CC7B-4513-B356-1E95CE58E95B}"/>
+              </a:ext>
+            </a:extLst>
+          </p:cNvPr>
+          <p:cNvPicPr>
+            <a:picLocks noChangeAspect="1"/>
+          </p:cNvPicPr>
+          <p:nvPr/>
+        </p:nvPicPr>
+        <p:blipFill>
+          <a:blip r:embed="rId3">
+            <a:extLst>
+              <a:ext uri="{28A0092B-C50C-407E-A947-70E740481C1C}">
+                <a14:useLocalDpi xmlns:a14="http://schemas.microsoft.com/office/drawing/2010/main" val="0"/>
+              </a:ext>
+            </a:extLst>
+          </a:blip>
+          <a:stretch>
+            <a:fillRect/>
+          </a:stretch>
+        </p:blipFill>
+        <p:spPr>
+          <a:xfrm>
+            <a:off x="5087385" y="3843130"/>
+            <a:ext cx="1932953" cy="1932953"/>
+          </a:xfrm>
+          <a:prstGeom prst="rect">
+            <a:avLst/>
+          </a:prstGeom>
+        </p:spPr>
+      </p:pic>
+      <p:pic>
+        <p:nvPicPr>
+          <p:cNvPr id="7" name="Imagen 6">
+            <a:extLst>
+              <a:ext uri="{FF2B5EF4-FFF2-40B4-BE49-F238E27FC236}">
+                <a16:creationId xmlns:a16="http://schemas.microsoft.com/office/drawing/2014/main" id="{D24F2968-C1E2-459E-AD5D-BBEB3CC29534}"/>
+              </a:ext>
+            </a:extLst>
+          </p:cNvPr>
+          <p:cNvPicPr>
+            <a:picLocks noChangeAspect="1"/>
+          </p:cNvPicPr>
+          <p:nvPr/>
+        </p:nvPicPr>
+        <p:blipFill>
+          <a:blip r:embed="rId3">
+            <a:extLst>
+              <a:ext uri="{28A0092B-C50C-407E-A947-70E740481C1C}">
+                <a14:useLocalDpi xmlns:a14="http://schemas.microsoft.com/office/drawing/2010/main" val="0"/>
+              </a:ext>
+            </a:extLst>
+          </a:blip>
+          <a:stretch>
+            <a:fillRect/>
+          </a:stretch>
+        </p:blipFill>
+        <p:spPr>
+          <a:xfrm>
+            <a:off x="7837211" y="3843130"/>
+            <a:ext cx="1932953" cy="1932953"/>
+          </a:xfrm>
+          <a:prstGeom prst="rect">
+            <a:avLst/>
+          </a:prstGeom>
+        </p:spPr>
+      </p:pic>
+      <p:pic>
+        <p:nvPicPr>
+          <p:cNvPr id="9" name="Imagen 8">
+            <a:extLst>
+              <a:ext uri="{FF2B5EF4-FFF2-40B4-BE49-F238E27FC236}">
+                <a16:creationId xmlns:a16="http://schemas.microsoft.com/office/drawing/2014/main" id="{018B5FA4-FE0E-4109-B4D5-B01899423E16}"/>
+              </a:ext>
+            </a:extLst>
+          </p:cNvPr>
+          <p:cNvPicPr>
+            <a:picLocks noChangeAspect="1"/>
+          </p:cNvPicPr>
+          <p:nvPr/>
+        </p:nvPicPr>
+        <p:blipFill>
+          <a:blip r:embed="rId4">
+            <a:extLst>
+              <a:ext uri="{28A0092B-C50C-407E-A947-70E740481C1C}">
+                <a14:useLocalDpi xmlns:a14="http://schemas.microsoft.com/office/drawing/2010/main" val="0"/>
+              </a:ext>
+            </a:extLst>
+          </a:blip>
+          <a:stretch>
+            <a:fillRect/>
+          </a:stretch>
+        </p:blipFill>
+        <p:spPr>
+          <a:xfrm>
+            <a:off x="5531179" y="5142776"/>
+            <a:ext cx="1174266" cy="1174266"/>
+          </a:xfrm>
+          <a:prstGeom prst="rect">
+            <a:avLst/>
+          </a:prstGeom>
+        </p:spPr>
+      </p:pic>
+      <p:pic>
+        <p:nvPicPr>
+          <p:cNvPr id="11" name="Imagen 10">
+            <a:extLst>
+              <a:ext uri="{FF2B5EF4-FFF2-40B4-BE49-F238E27FC236}">
+                <a16:creationId xmlns:a16="http://schemas.microsoft.com/office/drawing/2014/main" id="{015E088A-0299-40B0-90B0-398E95FC55EB}"/>
+              </a:ext>
+            </a:extLst>
+          </p:cNvPr>
+          <p:cNvPicPr>
+            <a:picLocks noChangeAspect="1"/>
+          </p:cNvPicPr>
+          <p:nvPr/>
+        </p:nvPicPr>
+        <p:blipFill>
+          <a:blip r:embed="rId5">
+            <a:extLst>
+              <a:ext uri="{28A0092B-C50C-407E-A947-70E740481C1C}">
+                <a14:useLocalDpi xmlns:a14="http://schemas.microsoft.com/office/drawing/2010/main" val="0"/>
+              </a:ext>
+            </a:extLst>
+          </a:blip>
+          <a:stretch>
+            <a:fillRect/>
+          </a:stretch>
+        </p:blipFill>
+        <p:spPr>
+          <a:xfrm>
+            <a:off x="8109604" y="4979088"/>
+            <a:ext cx="1388165" cy="1388165"/>
+          </a:xfrm>
+          <a:prstGeom prst="rect">
+            <a:avLst/>
+          </a:prstGeom>
+        </p:spPr>
+      </p:pic>
+      <p:pic>
+        <p:nvPicPr>
+          <p:cNvPr id="12" name="Imagen 11">
+            <a:extLst>
+              <a:ext uri="{FF2B5EF4-FFF2-40B4-BE49-F238E27FC236}">
+                <a16:creationId xmlns:a16="http://schemas.microsoft.com/office/drawing/2014/main" id="{C5E0EFE0-D5E3-4C72-B69D-B18E6BFB70B9}"/>
+              </a:ext>
+            </a:extLst>
+          </p:cNvPr>
+          <p:cNvPicPr>
+            <a:picLocks noChangeAspect="1"/>
+          </p:cNvPicPr>
+          <p:nvPr/>
+        </p:nvPicPr>
+        <p:blipFill>
+          <a:blip r:embed="rId3">
+            <a:extLst>
+              <a:ext uri="{28A0092B-C50C-407E-A947-70E740481C1C}">
+                <a14:useLocalDpi xmlns:a14="http://schemas.microsoft.com/office/drawing/2010/main" val="0"/>
+              </a:ext>
+            </a:extLst>
+          </a:blip>
+          <a:stretch>
+            <a:fillRect/>
+          </a:stretch>
+        </p:blipFill>
+        <p:spPr>
+          <a:xfrm>
+            <a:off x="7837209" y="582163"/>
+            <a:ext cx="1932953" cy="1932953"/>
+          </a:xfrm>
+          <a:prstGeom prst="rect">
+            <a:avLst/>
+          </a:prstGeom>
+        </p:spPr>
+      </p:pic>
+      <p:pic>
+        <p:nvPicPr>
+          <p:cNvPr id="14" name="Imagen 13">
+            <a:extLst>
+              <a:ext uri="{FF2B5EF4-FFF2-40B4-BE49-F238E27FC236}">
+                <a16:creationId xmlns:a16="http://schemas.microsoft.com/office/drawing/2014/main" id="{9FF8CB32-76F0-40D4-B933-AAC43333A0DB}"/>
+              </a:ext>
+            </a:extLst>
+          </p:cNvPr>
+          <p:cNvPicPr>
+            <a:picLocks noChangeAspect="1"/>
+          </p:cNvPicPr>
+          <p:nvPr/>
+        </p:nvPicPr>
+        <p:blipFill>
+          <a:blip r:embed="rId6">
+            <a:extLst>
+              <a:ext uri="{28A0092B-C50C-407E-A947-70E740481C1C}">
+                <a14:useLocalDpi xmlns:a14="http://schemas.microsoft.com/office/drawing/2010/main" val="0"/>
+              </a:ext>
+            </a:extLst>
+          </a:blip>
+          <a:stretch>
+            <a:fillRect/>
+          </a:stretch>
+        </p:blipFill>
+        <p:spPr>
+          <a:xfrm>
+            <a:off x="5101144" y="582163"/>
+            <a:ext cx="1905434" cy="1905434"/>
+          </a:xfrm>
+          <a:prstGeom prst="rect">
+            <a:avLst/>
+          </a:prstGeom>
+        </p:spPr>
+      </p:pic>
+      <p:pic>
+        <p:nvPicPr>
+          <p:cNvPr id="16" name="Imagen 15">
+            <a:extLst>
+              <a:ext uri="{FF2B5EF4-FFF2-40B4-BE49-F238E27FC236}">
+                <a16:creationId xmlns:a16="http://schemas.microsoft.com/office/drawing/2014/main" id="{058789B4-7EE8-41E7-8D80-700890618206}"/>
+              </a:ext>
+            </a:extLst>
+          </p:cNvPr>
+          <p:cNvPicPr>
+            <a:picLocks noChangeAspect="1"/>
+          </p:cNvPicPr>
+          <p:nvPr/>
+        </p:nvPicPr>
+        <p:blipFill>
+          <a:blip r:embed="rId7">
+            <a:extLst>
+              <a:ext uri="{28A0092B-C50C-407E-A947-70E740481C1C}">
+                <a14:useLocalDpi xmlns:a14="http://schemas.microsoft.com/office/drawing/2010/main" val="0"/>
+              </a:ext>
+            </a:extLst>
+          </a:blip>
+          <a:stretch>
+            <a:fillRect/>
+          </a:stretch>
+        </p:blipFill>
+        <p:spPr>
+          <a:xfrm>
+            <a:off x="1873528" y="743547"/>
+            <a:ext cx="1932953" cy="1932953"/>
+          </a:xfrm>
+          <a:prstGeom prst="rect">
+            <a:avLst/>
+          </a:prstGeom>
+        </p:spPr>
+      </p:pic>
+      <p:pic>
+        <p:nvPicPr>
+          <p:cNvPr id="18" name="Imagen 17">
+            <a:extLst>
+              <a:ext uri="{FF2B5EF4-FFF2-40B4-BE49-F238E27FC236}">
+                <a16:creationId xmlns:a16="http://schemas.microsoft.com/office/drawing/2014/main" id="{89FE38D3-B36E-4868-802A-07FBA3458D98}"/>
+              </a:ext>
+            </a:extLst>
+          </p:cNvPr>
+          <p:cNvPicPr>
+            <a:picLocks noChangeAspect="1"/>
+          </p:cNvPicPr>
+          <p:nvPr/>
+        </p:nvPicPr>
+        <p:blipFill>
+          <a:blip r:embed="rId8">
+            <a:extLst>
+              <a:ext uri="{28A0092B-C50C-407E-A947-70E740481C1C}">
+                <a14:useLocalDpi xmlns:a14="http://schemas.microsoft.com/office/drawing/2010/main" val="0"/>
+              </a:ext>
+            </a:extLst>
+          </a:blip>
+          <a:stretch>
+            <a:fillRect/>
+          </a:stretch>
+        </p:blipFill>
+        <p:spPr>
+          <a:xfrm>
+            <a:off x="1813632" y="4054746"/>
+            <a:ext cx="1848684" cy="1848684"/>
+          </a:xfrm>
+          <a:prstGeom prst="rect">
+            <a:avLst/>
+          </a:prstGeom>
+        </p:spPr>
+      </p:pic>
+      <p:cxnSp>
+        <p:nvCxnSpPr>
+          <p:cNvPr id="20" name="Conector recto de flecha 19">
+            <a:extLst>
+              <a:ext uri="{FF2B5EF4-FFF2-40B4-BE49-F238E27FC236}">
+                <a16:creationId xmlns:a16="http://schemas.microsoft.com/office/drawing/2014/main" id="{DC3E2D95-E755-45D1-8058-13039EBE696C}"/>
+              </a:ext>
+            </a:extLst>
+          </p:cNvPr>
+          <p:cNvCxnSpPr>
+            <a:cxnSpLocks/>
+          </p:cNvCxnSpPr>
+          <p:nvPr/>
+        </p:nvCxnSpPr>
+        <p:spPr>
+          <a:xfrm flipH="1" flipV="1">
+            <a:off x="2836949" y="2676501"/>
+            <a:ext cx="3055" cy="1390041"/>
+          </a:xfrm>
+          <a:prstGeom prst="straightConnector1">
+            <a:avLst/>
+          </a:prstGeom>
+          <a:ln w="76200">
+            <a:tailEnd type="triangle"/>
+          </a:ln>
+        </p:spPr>
+        <p:style>
+          <a:lnRef idx="1">
+            <a:schemeClr val="accent1"/>
+          </a:lnRef>
+          <a:fillRef idx="0">
+            <a:schemeClr val="accent1"/>
+          </a:fillRef>
+          <a:effectRef idx="0">
+            <a:schemeClr val="accent1"/>
+          </a:effectRef>
+          <a:fontRef idx="minor">
+            <a:schemeClr val="tx1"/>
+          </a:fontRef>
+        </p:style>
+      </p:cxnSp>
+      <p:cxnSp>
+        <p:nvCxnSpPr>
+          <p:cNvPr id="23" name="Conector recto de flecha 22">
+            <a:extLst>
+              <a:ext uri="{FF2B5EF4-FFF2-40B4-BE49-F238E27FC236}">
+                <a16:creationId xmlns:a16="http://schemas.microsoft.com/office/drawing/2014/main" id="{563BCDD2-ED53-4114-BBD3-E573955F6046}"/>
+              </a:ext>
+            </a:extLst>
+          </p:cNvPr>
+          <p:cNvCxnSpPr>
+            <a:stCxn id="16" idx="3"/>
+          </p:cNvCxnSpPr>
+          <p:nvPr/>
+        </p:nvCxnSpPr>
+        <p:spPr>
+          <a:xfrm flipV="1">
+            <a:off x="3806481" y="1710023"/>
+            <a:ext cx="1280904" cy="1"/>
+          </a:xfrm>
+          <a:prstGeom prst="straightConnector1">
+            <a:avLst/>
+          </a:prstGeom>
+          <a:ln w="76200">
+            <a:tailEnd type="triangle"/>
+          </a:ln>
+        </p:spPr>
+        <p:style>
+          <a:lnRef idx="1">
+            <a:schemeClr val="accent1"/>
+          </a:lnRef>
+          <a:fillRef idx="0">
+            <a:schemeClr val="accent1"/>
+          </a:fillRef>
+          <a:effectRef idx="0">
+            <a:schemeClr val="accent1"/>
+          </a:effectRef>
+          <a:fontRef idx="minor">
+            <a:schemeClr val="tx1"/>
+          </a:fontRef>
+        </p:style>
+      </p:cxnSp>
+      <p:cxnSp>
+        <p:nvCxnSpPr>
+          <p:cNvPr id="25" name="Conector recto de flecha 24">
+            <a:extLst>
+              <a:ext uri="{FF2B5EF4-FFF2-40B4-BE49-F238E27FC236}">
+                <a16:creationId xmlns:a16="http://schemas.microsoft.com/office/drawing/2014/main" id="{CB67DC2B-BE66-4E38-AB70-2BA206D9B119}"/>
+              </a:ext>
+            </a:extLst>
+          </p:cNvPr>
+          <p:cNvCxnSpPr>
+            <a:cxnSpLocks/>
+          </p:cNvCxnSpPr>
+          <p:nvPr/>
+        </p:nvCxnSpPr>
+        <p:spPr>
+          <a:xfrm>
+            <a:off x="7020338" y="1681146"/>
+            <a:ext cx="830633" cy="0"/>
+          </a:xfrm>
+          <a:prstGeom prst="straightConnector1">
+            <a:avLst/>
+          </a:prstGeom>
+          <a:ln w="76200">
+            <a:tailEnd type="triangle"/>
+          </a:ln>
+        </p:spPr>
+        <p:style>
+          <a:lnRef idx="1">
+            <a:schemeClr val="accent1"/>
+          </a:lnRef>
+          <a:fillRef idx="0">
+            <a:schemeClr val="accent1"/>
+          </a:fillRef>
+          <a:effectRef idx="0">
+            <a:schemeClr val="accent1"/>
+          </a:effectRef>
+          <a:fontRef idx="minor">
+            <a:schemeClr val="tx1"/>
+          </a:fontRef>
+        </p:style>
+      </p:cxnSp>
+      <p:cxnSp>
+        <p:nvCxnSpPr>
+          <p:cNvPr id="27" name="Conector recto de flecha 26">
+            <a:extLst>
+              <a:ext uri="{FF2B5EF4-FFF2-40B4-BE49-F238E27FC236}">
+                <a16:creationId xmlns:a16="http://schemas.microsoft.com/office/drawing/2014/main" id="{55A8FCFA-EDC2-444B-A8EB-926E0155DFEF}"/>
+              </a:ext>
+            </a:extLst>
+          </p:cNvPr>
+          <p:cNvCxnSpPr/>
+          <p:nvPr/>
+        </p:nvCxnSpPr>
+        <p:spPr>
+          <a:xfrm flipH="1">
+            <a:off x="6118312" y="2305878"/>
+            <a:ext cx="1846245" cy="1537252"/>
+          </a:xfrm>
+          <a:prstGeom prst="straightConnector1">
+            <a:avLst/>
+          </a:prstGeom>
+          <a:ln w="76200">
+            <a:tailEnd type="triangle"/>
+          </a:ln>
+        </p:spPr>
+        <p:style>
+          <a:lnRef idx="1">
+            <a:schemeClr val="accent1"/>
+          </a:lnRef>
+          <a:fillRef idx="0">
+            <a:schemeClr val="accent1"/>
+          </a:fillRef>
+          <a:effectRef idx="0">
+            <a:schemeClr val="accent1"/>
+          </a:effectRef>
+          <a:fontRef idx="minor">
+            <a:schemeClr val="tx1"/>
+          </a:fontRef>
+        </p:style>
+      </p:cxnSp>
+      <p:cxnSp>
+        <p:nvCxnSpPr>
+          <p:cNvPr id="31" name="Conector recto de flecha 30">
+            <a:extLst>
+              <a:ext uri="{FF2B5EF4-FFF2-40B4-BE49-F238E27FC236}">
+                <a16:creationId xmlns:a16="http://schemas.microsoft.com/office/drawing/2014/main" id="{F421B691-EF9D-4D85-A5BD-9B9EFCD5C811}"/>
+              </a:ext>
+            </a:extLst>
+          </p:cNvPr>
+          <p:cNvCxnSpPr>
+            <a:stCxn id="12" idx="2"/>
+            <a:endCxn id="7" idx="0"/>
+          </p:cNvCxnSpPr>
+          <p:nvPr/>
+        </p:nvCxnSpPr>
+        <p:spPr>
+          <a:xfrm>
+            <a:off x="8803686" y="2515116"/>
+            <a:ext cx="2" cy="1328014"/>
+          </a:xfrm>
+          <a:prstGeom prst="straightConnector1">
+            <a:avLst/>
+          </a:prstGeom>
+          <a:ln w="76200">
+            <a:tailEnd type="triangle"/>
+          </a:ln>
+        </p:spPr>
+        <p:style>
+          <a:lnRef idx="1">
+            <a:schemeClr val="accent1"/>
+          </a:lnRef>
+          <a:fillRef idx="0">
+            <a:schemeClr val="accent1"/>
+          </a:fillRef>
+          <a:effectRef idx="0">
+            <a:schemeClr val="accent1"/>
+          </a:effectRef>
+          <a:fontRef idx="minor">
+            <a:schemeClr val="tx1"/>
+          </a:fontRef>
+        </p:style>
+      </p:cxnSp>
+      <p:sp>
+        <p:nvSpPr>
+          <p:cNvPr id="33" name="Rombo 32">
+            <a:extLst>
+              <a:ext uri="{FF2B5EF4-FFF2-40B4-BE49-F238E27FC236}">
+                <a16:creationId xmlns:a16="http://schemas.microsoft.com/office/drawing/2014/main" id="{8A039024-1ADD-41CE-AA34-BA7BE2A36BCB}"/>
+              </a:ext>
+            </a:extLst>
+          </p:cNvPr>
+          <p:cNvSpPr/>
+          <p:nvPr/>
+        </p:nvSpPr>
+        <p:spPr>
+          <a:xfrm>
+            <a:off x="2593843" y="2569084"/>
+            <a:ext cx="486211" cy="610039"/>
+          </a:xfrm>
+          <a:prstGeom prst="diamond">
+            <a:avLst/>
+          </a:prstGeom>
+        </p:spPr>
+        <p:style>
+          <a:lnRef idx="2">
+            <a:schemeClr val="accent1">
+              <a:shade val="50000"/>
+            </a:schemeClr>
+          </a:lnRef>
+          <a:fillRef idx="1">
+            <a:schemeClr val="accent1"/>
+          </a:fillRef>
+          <a:effectRef idx="0">
+            <a:schemeClr val="accent1"/>
+          </a:effectRef>
+          <a:fontRef idx="minor">
+            <a:schemeClr val="lt1"/>
+          </a:fontRef>
+        </p:style>
+        <p:txBody>
+          <a:bodyPr rtlCol="0" anchor="ctr"/>
+          <a:lstStyle/>
+          <a:p>
+            <a:pPr algn="ctr"/>
+            <a:endParaRPr lang="es-MX"/>
+          </a:p>
+        </p:txBody>
+      </p:sp>
     </p:spTree>
     <p:extLst>
       <p:ext uri="{BB962C8B-B14F-4D97-AF65-F5344CB8AC3E}">
-        <p14:creationId xmlns:p14="http://schemas.microsoft.com/office/powerpoint/2010/main" val="4172987983"/>
+        <p14:creationId xmlns:p14="http://schemas.microsoft.com/office/powerpoint/2010/main" val="2567399030"/>
       </p:ext>
     </p:extLst>
   </p:cSld>
@@ -6441,10 +7235,10 @@
       </p:grpSpPr>
       <p:pic>
         <p:nvPicPr>
-          <p:cNvPr id="4" name="Imagen 3">
-            <a:extLst>
-              <a:ext uri="{FF2B5EF4-FFF2-40B4-BE49-F238E27FC236}">
-                <a16:creationId xmlns:a16="http://schemas.microsoft.com/office/drawing/2014/main" id="{9352625A-F966-44F2-A6A6-994009D29838}"/>
+          <p:cNvPr id="7" name="Imagen 6">
+            <a:extLst>
+              <a:ext uri="{FF2B5EF4-FFF2-40B4-BE49-F238E27FC236}">
+                <a16:creationId xmlns:a16="http://schemas.microsoft.com/office/drawing/2014/main" id="{28ABCDB1-D408-4E04-BC11-C8A84D49B60A}"/>
               </a:ext>
             </a:extLst>
           </p:cNvPr>
@@ -6467,556 +7261,18 @@
         </p:blipFill>
         <p:spPr>
           <a:xfrm>
-            <a:off x="0" y="0"/>
-            <a:ext cx="12192000" cy="6858000"/>
+            <a:off x="0" y="-16850"/>
+            <a:ext cx="12192000" cy="6874850"/>
           </a:xfrm>
           <a:prstGeom prst="rect">
             <a:avLst/>
           </a:prstGeom>
         </p:spPr>
       </p:pic>
-      <p:pic>
-        <p:nvPicPr>
-          <p:cNvPr id="6" name="Imagen 5">
-            <a:extLst>
-              <a:ext uri="{FF2B5EF4-FFF2-40B4-BE49-F238E27FC236}">
-                <a16:creationId xmlns:a16="http://schemas.microsoft.com/office/drawing/2014/main" id="{BB34D1B8-CC7B-4513-B356-1E95CE58E95B}"/>
-              </a:ext>
-            </a:extLst>
-          </p:cNvPr>
-          <p:cNvPicPr>
-            <a:picLocks noChangeAspect="1"/>
-          </p:cNvPicPr>
-          <p:nvPr/>
-        </p:nvPicPr>
-        <p:blipFill>
-          <a:blip r:embed="rId3">
-            <a:extLst>
-              <a:ext uri="{28A0092B-C50C-407E-A947-70E740481C1C}">
-                <a14:useLocalDpi xmlns:a14="http://schemas.microsoft.com/office/drawing/2010/main" val="0"/>
-              </a:ext>
-            </a:extLst>
-          </a:blip>
-          <a:stretch>
-            <a:fillRect/>
-          </a:stretch>
-        </p:blipFill>
-        <p:spPr>
-          <a:xfrm>
-            <a:off x="5087385" y="3843130"/>
-            <a:ext cx="1932953" cy="1932953"/>
-          </a:xfrm>
-          <a:prstGeom prst="rect">
-            <a:avLst/>
-          </a:prstGeom>
-        </p:spPr>
-      </p:pic>
-      <p:pic>
-        <p:nvPicPr>
-          <p:cNvPr id="7" name="Imagen 6">
-            <a:extLst>
-              <a:ext uri="{FF2B5EF4-FFF2-40B4-BE49-F238E27FC236}">
-                <a16:creationId xmlns:a16="http://schemas.microsoft.com/office/drawing/2014/main" id="{D24F2968-C1E2-459E-AD5D-BBEB3CC29534}"/>
-              </a:ext>
-            </a:extLst>
-          </p:cNvPr>
-          <p:cNvPicPr>
-            <a:picLocks noChangeAspect="1"/>
-          </p:cNvPicPr>
-          <p:nvPr/>
-        </p:nvPicPr>
-        <p:blipFill>
-          <a:blip r:embed="rId3">
-            <a:extLst>
-              <a:ext uri="{28A0092B-C50C-407E-A947-70E740481C1C}">
-                <a14:useLocalDpi xmlns:a14="http://schemas.microsoft.com/office/drawing/2010/main" val="0"/>
-              </a:ext>
-            </a:extLst>
-          </a:blip>
-          <a:stretch>
-            <a:fillRect/>
-          </a:stretch>
-        </p:blipFill>
-        <p:spPr>
-          <a:xfrm>
-            <a:off x="7837211" y="3843130"/>
-            <a:ext cx="1932953" cy="1932953"/>
-          </a:xfrm>
-          <a:prstGeom prst="rect">
-            <a:avLst/>
-          </a:prstGeom>
-        </p:spPr>
-      </p:pic>
-      <p:pic>
-        <p:nvPicPr>
-          <p:cNvPr id="9" name="Imagen 8">
-            <a:extLst>
-              <a:ext uri="{FF2B5EF4-FFF2-40B4-BE49-F238E27FC236}">
-                <a16:creationId xmlns:a16="http://schemas.microsoft.com/office/drawing/2014/main" id="{018B5FA4-FE0E-4109-B4D5-B01899423E16}"/>
-              </a:ext>
-            </a:extLst>
-          </p:cNvPr>
-          <p:cNvPicPr>
-            <a:picLocks noChangeAspect="1"/>
-          </p:cNvPicPr>
-          <p:nvPr/>
-        </p:nvPicPr>
-        <p:blipFill>
-          <a:blip r:embed="rId4">
-            <a:extLst>
-              <a:ext uri="{28A0092B-C50C-407E-A947-70E740481C1C}">
-                <a14:useLocalDpi xmlns:a14="http://schemas.microsoft.com/office/drawing/2010/main" val="0"/>
-              </a:ext>
-            </a:extLst>
-          </a:blip>
-          <a:stretch>
-            <a:fillRect/>
-          </a:stretch>
-        </p:blipFill>
-        <p:spPr>
-          <a:xfrm>
-            <a:off x="5531179" y="5142776"/>
-            <a:ext cx="1174266" cy="1174266"/>
-          </a:xfrm>
-          <a:prstGeom prst="rect">
-            <a:avLst/>
-          </a:prstGeom>
-        </p:spPr>
-      </p:pic>
-      <p:pic>
-        <p:nvPicPr>
-          <p:cNvPr id="11" name="Imagen 10">
-            <a:extLst>
-              <a:ext uri="{FF2B5EF4-FFF2-40B4-BE49-F238E27FC236}">
-                <a16:creationId xmlns:a16="http://schemas.microsoft.com/office/drawing/2014/main" id="{015E088A-0299-40B0-90B0-398E95FC55EB}"/>
-              </a:ext>
-            </a:extLst>
-          </p:cNvPr>
-          <p:cNvPicPr>
-            <a:picLocks noChangeAspect="1"/>
-          </p:cNvPicPr>
-          <p:nvPr/>
-        </p:nvPicPr>
-        <p:blipFill>
-          <a:blip r:embed="rId5">
-            <a:extLst>
-              <a:ext uri="{28A0092B-C50C-407E-A947-70E740481C1C}">
-                <a14:useLocalDpi xmlns:a14="http://schemas.microsoft.com/office/drawing/2010/main" val="0"/>
-              </a:ext>
-            </a:extLst>
-          </a:blip>
-          <a:stretch>
-            <a:fillRect/>
-          </a:stretch>
-        </p:blipFill>
-        <p:spPr>
-          <a:xfrm>
-            <a:off x="8109604" y="4979088"/>
-            <a:ext cx="1388165" cy="1388165"/>
-          </a:xfrm>
-          <a:prstGeom prst="rect">
-            <a:avLst/>
-          </a:prstGeom>
-        </p:spPr>
-      </p:pic>
-      <p:pic>
-        <p:nvPicPr>
-          <p:cNvPr id="12" name="Imagen 11">
-            <a:extLst>
-              <a:ext uri="{FF2B5EF4-FFF2-40B4-BE49-F238E27FC236}">
-                <a16:creationId xmlns:a16="http://schemas.microsoft.com/office/drawing/2014/main" id="{C5E0EFE0-D5E3-4C72-B69D-B18E6BFB70B9}"/>
-              </a:ext>
-            </a:extLst>
-          </p:cNvPr>
-          <p:cNvPicPr>
-            <a:picLocks noChangeAspect="1"/>
-          </p:cNvPicPr>
-          <p:nvPr/>
-        </p:nvPicPr>
-        <p:blipFill>
-          <a:blip r:embed="rId3">
-            <a:extLst>
-              <a:ext uri="{28A0092B-C50C-407E-A947-70E740481C1C}">
-                <a14:useLocalDpi xmlns:a14="http://schemas.microsoft.com/office/drawing/2010/main" val="0"/>
-              </a:ext>
-            </a:extLst>
-          </a:blip>
-          <a:stretch>
-            <a:fillRect/>
-          </a:stretch>
-        </p:blipFill>
-        <p:spPr>
-          <a:xfrm>
-            <a:off x="7837209" y="582163"/>
-            <a:ext cx="1932953" cy="1932953"/>
-          </a:xfrm>
-          <a:prstGeom prst="rect">
-            <a:avLst/>
-          </a:prstGeom>
-        </p:spPr>
-      </p:pic>
-      <p:pic>
-        <p:nvPicPr>
-          <p:cNvPr id="14" name="Imagen 13">
-            <a:extLst>
-              <a:ext uri="{FF2B5EF4-FFF2-40B4-BE49-F238E27FC236}">
-                <a16:creationId xmlns:a16="http://schemas.microsoft.com/office/drawing/2014/main" id="{9FF8CB32-76F0-40D4-B933-AAC43333A0DB}"/>
-              </a:ext>
-            </a:extLst>
-          </p:cNvPr>
-          <p:cNvPicPr>
-            <a:picLocks noChangeAspect="1"/>
-          </p:cNvPicPr>
-          <p:nvPr/>
-        </p:nvPicPr>
-        <p:blipFill>
-          <a:blip r:embed="rId6">
-            <a:extLst>
-              <a:ext uri="{28A0092B-C50C-407E-A947-70E740481C1C}">
-                <a14:useLocalDpi xmlns:a14="http://schemas.microsoft.com/office/drawing/2010/main" val="0"/>
-              </a:ext>
-            </a:extLst>
-          </a:blip>
-          <a:stretch>
-            <a:fillRect/>
-          </a:stretch>
-        </p:blipFill>
-        <p:spPr>
-          <a:xfrm>
-            <a:off x="5101144" y="582163"/>
-            <a:ext cx="1905434" cy="1905434"/>
-          </a:xfrm>
-          <a:prstGeom prst="rect">
-            <a:avLst/>
-          </a:prstGeom>
-        </p:spPr>
-      </p:pic>
-      <p:pic>
-        <p:nvPicPr>
-          <p:cNvPr id="16" name="Imagen 15">
-            <a:extLst>
-              <a:ext uri="{FF2B5EF4-FFF2-40B4-BE49-F238E27FC236}">
-                <a16:creationId xmlns:a16="http://schemas.microsoft.com/office/drawing/2014/main" id="{058789B4-7EE8-41E7-8D80-700890618206}"/>
-              </a:ext>
-            </a:extLst>
-          </p:cNvPr>
-          <p:cNvPicPr>
-            <a:picLocks noChangeAspect="1"/>
-          </p:cNvPicPr>
-          <p:nvPr/>
-        </p:nvPicPr>
-        <p:blipFill>
-          <a:blip r:embed="rId7">
-            <a:extLst>
-              <a:ext uri="{28A0092B-C50C-407E-A947-70E740481C1C}">
-                <a14:useLocalDpi xmlns:a14="http://schemas.microsoft.com/office/drawing/2010/main" val="0"/>
-              </a:ext>
-            </a:extLst>
-          </a:blip>
-          <a:stretch>
-            <a:fillRect/>
-          </a:stretch>
-        </p:blipFill>
-        <p:spPr>
-          <a:xfrm>
-            <a:off x="1873528" y="743547"/>
-            <a:ext cx="1932953" cy="1932953"/>
-          </a:xfrm>
-          <a:prstGeom prst="rect">
-            <a:avLst/>
-          </a:prstGeom>
-        </p:spPr>
-      </p:pic>
-      <p:pic>
-        <p:nvPicPr>
-          <p:cNvPr id="18" name="Imagen 17">
-            <a:extLst>
-              <a:ext uri="{FF2B5EF4-FFF2-40B4-BE49-F238E27FC236}">
-                <a16:creationId xmlns:a16="http://schemas.microsoft.com/office/drawing/2014/main" id="{89FE38D3-B36E-4868-802A-07FBA3458D98}"/>
-              </a:ext>
-            </a:extLst>
-          </p:cNvPr>
-          <p:cNvPicPr>
-            <a:picLocks noChangeAspect="1"/>
-          </p:cNvPicPr>
-          <p:nvPr/>
-        </p:nvPicPr>
-        <p:blipFill>
-          <a:blip r:embed="rId8">
-            <a:extLst>
-              <a:ext uri="{28A0092B-C50C-407E-A947-70E740481C1C}">
-                <a14:useLocalDpi xmlns:a14="http://schemas.microsoft.com/office/drawing/2010/main" val="0"/>
-              </a:ext>
-            </a:extLst>
-          </a:blip>
-          <a:stretch>
-            <a:fillRect/>
-          </a:stretch>
-        </p:blipFill>
-        <p:spPr>
-          <a:xfrm>
-            <a:off x="1813632" y="4054746"/>
-            <a:ext cx="1848684" cy="1848684"/>
-          </a:xfrm>
-          <a:prstGeom prst="rect">
-            <a:avLst/>
-          </a:prstGeom>
-        </p:spPr>
-      </p:pic>
-      <p:cxnSp>
-        <p:nvCxnSpPr>
-          <p:cNvPr id="20" name="Conector recto de flecha 19">
-            <a:extLst>
-              <a:ext uri="{FF2B5EF4-FFF2-40B4-BE49-F238E27FC236}">
-                <a16:creationId xmlns:a16="http://schemas.microsoft.com/office/drawing/2014/main" id="{DC3E2D95-E755-45D1-8058-13039EBE696C}"/>
-              </a:ext>
-            </a:extLst>
-          </p:cNvPr>
-          <p:cNvCxnSpPr>
-            <a:cxnSpLocks/>
-          </p:cNvCxnSpPr>
-          <p:nvPr/>
-        </p:nvCxnSpPr>
-        <p:spPr>
-          <a:xfrm flipH="1" flipV="1">
-            <a:off x="2836949" y="2676501"/>
-            <a:ext cx="3055" cy="1390041"/>
-          </a:xfrm>
-          <a:prstGeom prst="straightConnector1">
-            <a:avLst/>
-          </a:prstGeom>
-          <a:ln w="76200">
-            <a:tailEnd type="triangle"/>
-          </a:ln>
-        </p:spPr>
-        <p:style>
-          <a:lnRef idx="1">
-            <a:schemeClr val="accent1"/>
-          </a:lnRef>
-          <a:fillRef idx="0">
-            <a:schemeClr val="accent1"/>
-          </a:fillRef>
-          <a:effectRef idx="0">
-            <a:schemeClr val="accent1"/>
-          </a:effectRef>
-          <a:fontRef idx="minor">
-            <a:schemeClr val="tx1"/>
-          </a:fontRef>
-        </p:style>
-      </p:cxnSp>
-      <p:cxnSp>
-        <p:nvCxnSpPr>
-          <p:cNvPr id="23" name="Conector recto de flecha 22">
-            <a:extLst>
-              <a:ext uri="{FF2B5EF4-FFF2-40B4-BE49-F238E27FC236}">
-                <a16:creationId xmlns:a16="http://schemas.microsoft.com/office/drawing/2014/main" id="{563BCDD2-ED53-4114-BBD3-E573955F6046}"/>
-              </a:ext>
-            </a:extLst>
-          </p:cNvPr>
-          <p:cNvCxnSpPr>
-            <a:stCxn id="16" idx="3"/>
-          </p:cNvCxnSpPr>
-          <p:nvPr/>
-        </p:nvCxnSpPr>
-        <p:spPr>
-          <a:xfrm flipV="1">
-            <a:off x="3806481" y="1710023"/>
-            <a:ext cx="1280904" cy="1"/>
-          </a:xfrm>
-          <a:prstGeom prst="straightConnector1">
-            <a:avLst/>
-          </a:prstGeom>
-          <a:ln w="76200">
-            <a:tailEnd type="triangle"/>
-          </a:ln>
-        </p:spPr>
-        <p:style>
-          <a:lnRef idx="1">
-            <a:schemeClr val="accent1"/>
-          </a:lnRef>
-          <a:fillRef idx="0">
-            <a:schemeClr val="accent1"/>
-          </a:fillRef>
-          <a:effectRef idx="0">
-            <a:schemeClr val="accent1"/>
-          </a:effectRef>
-          <a:fontRef idx="minor">
-            <a:schemeClr val="tx1"/>
-          </a:fontRef>
-        </p:style>
-      </p:cxnSp>
-      <p:cxnSp>
-        <p:nvCxnSpPr>
-          <p:cNvPr id="25" name="Conector recto de flecha 24">
-            <a:extLst>
-              <a:ext uri="{FF2B5EF4-FFF2-40B4-BE49-F238E27FC236}">
-                <a16:creationId xmlns:a16="http://schemas.microsoft.com/office/drawing/2014/main" id="{CB67DC2B-BE66-4E38-AB70-2BA206D9B119}"/>
-              </a:ext>
-            </a:extLst>
-          </p:cNvPr>
-          <p:cNvCxnSpPr>
-            <a:cxnSpLocks/>
-          </p:cNvCxnSpPr>
-          <p:nvPr/>
-        </p:nvCxnSpPr>
-        <p:spPr>
-          <a:xfrm>
-            <a:off x="7020338" y="1681146"/>
-            <a:ext cx="830633" cy="0"/>
-          </a:xfrm>
-          <a:prstGeom prst="straightConnector1">
-            <a:avLst/>
-          </a:prstGeom>
-          <a:ln w="76200">
-            <a:tailEnd type="triangle"/>
-          </a:ln>
-        </p:spPr>
-        <p:style>
-          <a:lnRef idx="1">
-            <a:schemeClr val="accent1"/>
-          </a:lnRef>
-          <a:fillRef idx="0">
-            <a:schemeClr val="accent1"/>
-          </a:fillRef>
-          <a:effectRef idx="0">
-            <a:schemeClr val="accent1"/>
-          </a:effectRef>
-          <a:fontRef idx="minor">
-            <a:schemeClr val="tx1"/>
-          </a:fontRef>
-        </p:style>
-      </p:cxnSp>
-      <p:cxnSp>
-        <p:nvCxnSpPr>
-          <p:cNvPr id="27" name="Conector recto de flecha 26">
-            <a:extLst>
-              <a:ext uri="{FF2B5EF4-FFF2-40B4-BE49-F238E27FC236}">
-                <a16:creationId xmlns:a16="http://schemas.microsoft.com/office/drawing/2014/main" id="{55A8FCFA-EDC2-444B-A8EB-926E0155DFEF}"/>
-              </a:ext>
-            </a:extLst>
-          </p:cNvPr>
-          <p:cNvCxnSpPr/>
-          <p:nvPr/>
-        </p:nvCxnSpPr>
-        <p:spPr>
-          <a:xfrm flipH="1">
-            <a:off x="6118312" y="2305878"/>
-            <a:ext cx="1846245" cy="1537252"/>
-          </a:xfrm>
-          <a:prstGeom prst="straightConnector1">
-            <a:avLst/>
-          </a:prstGeom>
-          <a:ln w="76200">
-            <a:tailEnd type="triangle"/>
-          </a:ln>
-        </p:spPr>
-        <p:style>
-          <a:lnRef idx="1">
-            <a:schemeClr val="accent1"/>
-          </a:lnRef>
-          <a:fillRef idx="0">
-            <a:schemeClr val="accent1"/>
-          </a:fillRef>
-          <a:effectRef idx="0">
-            <a:schemeClr val="accent1"/>
-          </a:effectRef>
-          <a:fontRef idx="minor">
-            <a:schemeClr val="tx1"/>
-          </a:fontRef>
-        </p:style>
-      </p:cxnSp>
-      <p:cxnSp>
-        <p:nvCxnSpPr>
-          <p:cNvPr id="31" name="Conector recto de flecha 30">
-            <a:extLst>
-              <a:ext uri="{FF2B5EF4-FFF2-40B4-BE49-F238E27FC236}">
-                <a16:creationId xmlns:a16="http://schemas.microsoft.com/office/drawing/2014/main" id="{F421B691-EF9D-4D85-A5BD-9B9EFCD5C811}"/>
-              </a:ext>
-            </a:extLst>
-          </p:cNvPr>
-          <p:cNvCxnSpPr>
-            <a:stCxn id="12" idx="2"/>
-            <a:endCxn id="7" idx="0"/>
-          </p:cNvCxnSpPr>
-          <p:nvPr/>
-        </p:nvCxnSpPr>
-        <p:spPr>
-          <a:xfrm>
-            <a:off x="8803686" y="2515116"/>
-            <a:ext cx="2" cy="1328014"/>
-          </a:xfrm>
-          <a:prstGeom prst="straightConnector1">
-            <a:avLst/>
-          </a:prstGeom>
-          <a:ln w="76200">
-            <a:tailEnd type="triangle"/>
-          </a:ln>
-        </p:spPr>
-        <p:style>
-          <a:lnRef idx="1">
-            <a:schemeClr val="accent1"/>
-          </a:lnRef>
-          <a:fillRef idx="0">
-            <a:schemeClr val="accent1"/>
-          </a:fillRef>
-          <a:effectRef idx="0">
-            <a:schemeClr val="accent1"/>
-          </a:effectRef>
-          <a:fontRef idx="minor">
-            <a:schemeClr val="tx1"/>
-          </a:fontRef>
-        </p:style>
-      </p:cxnSp>
-      <p:sp>
-        <p:nvSpPr>
-          <p:cNvPr id="33" name="Rombo 32">
-            <a:extLst>
-              <a:ext uri="{FF2B5EF4-FFF2-40B4-BE49-F238E27FC236}">
-                <a16:creationId xmlns:a16="http://schemas.microsoft.com/office/drawing/2014/main" id="{8A039024-1ADD-41CE-AA34-BA7BE2A36BCB}"/>
-              </a:ext>
-            </a:extLst>
-          </p:cNvPr>
-          <p:cNvSpPr/>
-          <p:nvPr/>
-        </p:nvSpPr>
-        <p:spPr>
-          <a:xfrm>
-            <a:off x="2593843" y="2569084"/>
-            <a:ext cx="486211" cy="610039"/>
-          </a:xfrm>
-          <a:prstGeom prst="diamond">
-            <a:avLst/>
-          </a:prstGeom>
-        </p:spPr>
-        <p:style>
-          <a:lnRef idx="2">
-            <a:schemeClr val="accent1">
-              <a:shade val="50000"/>
-            </a:schemeClr>
-          </a:lnRef>
-          <a:fillRef idx="1">
-            <a:schemeClr val="accent1"/>
-          </a:fillRef>
-          <a:effectRef idx="0">
-            <a:schemeClr val="accent1"/>
-          </a:effectRef>
-          <a:fontRef idx="minor">
-            <a:schemeClr val="lt1"/>
-          </a:fontRef>
-        </p:style>
-        <p:txBody>
-          <a:bodyPr rtlCol="0" anchor="ctr"/>
-          <a:lstStyle/>
-          <a:p>
-            <a:pPr algn="ctr"/>
-            <a:endParaRPr lang="es-MX"/>
-          </a:p>
-        </p:txBody>
-      </p:sp>
     </p:spTree>
     <p:extLst>
       <p:ext uri="{BB962C8B-B14F-4D97-AF65-F5344CB8AC3E}">
-        <p14:creationId xmlns:p14="http://schemas.microsoft.com/office/powerpoint/2010/main" val="2567399030"/>
+        <p14:creationId xmlns:p14="http://schemas.microsoft.com/office/powerpoint/2010/main" val="4172987983"/>
       </p:ext>
     </p:extLst>
   </p:cSld>

--- a/Exámenes/Semana02/Presentación.pptx
+++ b/Exámenes/Semana02/Presentación.pptx
@@ -16,14 +16,16 @@
     <p:sldId id="265" r:id="rId10"/>
     <p:sldId id="259" r:id="rId11"/>
     <p:sldId id="266" r:id="rId12"/>
-    <p:sldId id="260" r:id="rId13"/>
-    <p:sldId id="270" r:id="rId14"/>
-    <p:sldId id="261" r:id="rId15"/>
-    <p:sldId id="269" r:id="rId16"/>
-    <p:sldId id="262" r:id="rId17"/>
-    <p:sldId id="267" r:id="rId18"/>
-    <p:sldId id="273" r:id="rId19"/>
-    <p:sldId id="274" r:id="rId20"/>
+    <p:sldId id="276" r:id="rId13"/>
+    <p:sldId id="260" r:id="rId14"/>
+    <p:sldId id="275" r:id="rId15"/>
+    <p:sldId id="270" r:id="rId16"/>
+    <p:sldId id="261" r:id="rId17"/>
+    <p:sldId id="269" r:id="rId18"/>
+    <p:sldId id="262" r:id="rId19"/>
+    <p:sldId id="267" r:id="rId20"/>
+    <p:sldId id="273" r:id="rId21"/>
+    <p:sldId id="274" r:id="rId22"/>
   </p:sldIdLst>
   <p:sldSz cx="12192000" cy="6858000"/>
   <p:notesSz cx="6858000" cy="9144000"/>
@@ -279,7 +281,7 @@
           <a:p>
             <a:fld id="{C054015C-A5DA-420E-8DCC-C0E84462F69C}" type="datetimeFigureOut">
               <a:rPr lang="es-MX" smtClean="0"/>
-              <a:t>01/12/2022</a:t>
+              <a:t>02/12/2022</a:t>
             </a:fld>
             <a:endParaRPr lang="es-MX"/>
           </a:p>
@@ -479,7 +481,7 @@
           <a:p>
             <a:fld id="{C054015C-A5DA-420E-8DCC-C0E84462F69C}" type="datetimeFigureOut">
               <a:rPr lang="es-MX" smtClean="0"/>
-              <a:t>01/12/2022</a:t>
+              <a:t>02/12/2022</a:t>
             </a:fld>
             <a:endParaRPr lang="es-MX"/>
           </a:p>
@@ -689,7 +691,7 @@
           <a:p>
             <a:fld id="{C054015C-A5DA-420E-8DCC-C0E84462F69C}" type="datetimeFigureOut">
               <a:rPr lang="es-MX" smtClean="0"/>
-              <a:t>01/12/2022</a:t>
+              <a:t>02/12/2022</a:t>
             </a:fld>
             <a:endParaRPr lang="es-MX"/>
           </a:p>
@@ -889,7 +891,7 @@
           <a:p>
             <a:fld id="{C054015C-A5DA-420E-8DCC-C0E84462F69C}" type="datetimeFigureOut">
               <a:rPr lang="es-MX" smtClean="0"/>
-              <a:t>01/12/2022</a:t>
+              <a:t>02/12/2022</a:t>
             </a:fld>
             <a:endParaRPr lang="es-MX"/>
           </a:p>
@@ -1165,7 +1167,7 @@
           <a:p>
             <a:fld id="{C054015C-A5DA-420E-8DCC-C0E84462F69C}" type="datetimeFigureOut">
               <a:rPr lang="es-MX" smtClean="0"/>
-              <a:t>01/12/2022</a:t>
+              <a:t>02/12/2022</a:t>
             </a:fld>
             <a:endParaRPr lang="es-MX"/>
           </a:p>
@@ -1433,7 +1435,7 @@
           <a:p>
             <a:fld id="{C054015C-A5DA-420E-8DCC-C0E84462F69C}" type="datetimeFigureOut">
               <a:rPr lang="es-MX" smtClean="0"/>
-              <a:t>01/12/2022</a:t>
+              <a:t>02/12/2022</a:t>
             </a:fld>
             <a:endParaRPr lang="es-MX"/>
           </a:p>
@@ -1848,7 +1850,7 @@
           <a:p>
             <a:fld id="{C054015C-A5DA-420E-8DCC-C0E84462F69C}" type="datetimeFigureOut">
               <a:rPr lang="es-MX" smtClean="0"/>
-              <a:t>01/12/2022</a:t>
+              <a:t>02/12/2022</a:t>
             </a:fld>
             <a:endParaRPr lang="es-MX"/>
           </a:p>
@@ -1990,7 +1992,7 @@
           <a:p>
             <a:fld id="{C054015C-A5DA-420E-8DCC-C0E84462F69C}" type="datetimeFigureOut">
               <a:rPr lang="es-MX" smtClean="0"/>
-              <a:t>01/12/2022</a:t>
+              <a:t>02/12/2022</a:t>
             </a:fld>
             <a:endParaRPr lang="es-MX"/>
           </a:p>
@@ -2103,7 +2105,7 @@
           <a:p>
             <a:fld id="{C054015C-A5DA-420E-8DCC-C0E84462F69C}" type="datetimeFigureOut">
               <a:rPr lang="es-MX" smtClean="0"/>
-              <a:t>01/12/2022</a:t>
+              <a:t>02/12/2022</a:t>
             </a:fld>
             <a:endParaRPr lang="es-MX"/>
           </a:p>
@@ -2416,7 +2418,7 @@
           <a:p>
             <a:fld id="{C054015C-A5DA-420E-8DCC-C0E84462F69C}" type="datetimeFigureOut">
               <a:rPr lang="es-MX" smtClean="0"/>
-              <a:t>01/12/2022</a:t>
+              <a:t>02/12/2022</a:t>
             </a:fld>
             <a:endParaRPr lang="es-MX"/>
           </a:p>
@@ -2705,7 +2707,7 @@
           <a:p>
             <a:fld id="{C054015C-A5DA-420E-8DCC-C0E84462F69C}" type="datetimeFigureOut">
               <a:rPr lang="es-MX" smtClean="0"/>
-              <a:t>01/12/2022</a:t>
+              <a:t>02/12/2022</a:t>
             </a:fld>
             <a:endParaRPr lang="es-MX"/>
           </a:p>
@@ -2948,7 +2950,7 @@
           <a:p>
             <a:fld id="{C054015C-A5DA-420E-8DCC-C0E84462F69C}" type="datetimeFigureOut">
               <a:rPr lang="es-MX" smtClean="0"/>
-              <a:t>01/12/2022</a:t>
+              <a:t>02/12/2022</a:t>
             </a:fld>
             <a:endParaRPr lang="es-MX"/>
           </a:p>
@@ -4493,7 +4495,7 @@
         </p:blipFill>
         <p:spPr>
           <a:xfrm>
-            <a:off x="0" y="0"/>
+            <a:off x="0" y="9546"/>
             <a:ext cx="12192000" cy="6858000"/>
           </a:xfrm>
           <a:prstGeom prst="rect">
@@ -4501,64 +4503,6 @@
           </a:prstGeom>
         </p:spPr>
       </p:pic>
-      <p:sp>
-        <p:nvSpPr>
-          <p:cNvPr id="2" name="Título 1">
-            <a:extLst>
-              <a:ext uri="{FF2B5EF4-FFF2-40B4-BE49-F238E27FC236}">
-                <a16:creationId xmlns:a16="http://schemas.microsoft.com/office/drawing/2014/main" id="{A29E6CD6-FAAF-4EB2-937D-93C4B0F9CE35}"/>
-              </a:ext>
-            </a:extLst>
-          </p:cNvPr>
-          <p:cNvSpPr>
-            <a:spLocks noGrp="1"/>
-          </p:cNvSpPr>
-          <p:nvPr>
-            <p:ph type="ctrTitle"/>
-          </p:nvPr>
-        </p:nvSpPr>
-        <p:spPr>
-          <a:xfrm>
-            <a:off x="2076408" y="2794992"/>
-            <a:ext cx="7822096" cy="1151076"/>
-          </a:xfrm>
-        </p:spPr>
-        <p:txBody>
-          <a:bodyPr>
-            <a:normAutofit/>
-          </a:bodyPr>
-          <a:lstStyle/>
-          <a:p>
-            <a:r>
-              <a:rPr lang="es-ES" b="1" dirty="0" err="1">
-                <a:latin typeface="Britannic Bold" panose="020B0903060703020204" pitchFamily="34" charset="0"/>
-              </a:rPr>
-              <a:t>Purposes</a:t>
-            </a:r>
-            <a:r>
-              <a:rPr lang="es-ES" b="1" dirty="0">
-                <a:latin typeface="Britannic Bold" panose="020B0903060703020204" pitchFamily="34" charset="0"/>
-              </a:rPr>
-              <a:t> </a:t>
-            </a:r>
-            <a:r>
-              <a:rPr lang="es-ES" b="1" dirty="0" err="1">
-                <a:latin typeface="Britannic Bold" panose="020B0903060703020204" pitchFamily="34" charset="0"/>
-              </a:rPr>
-              <a:t>of</a:t>
-            </a:r>
-            <a:r>
-              <a:rPr lang="es-ES" b="1" dirty="0">
-                <a:latin typeface="Britannic Bold" panose="020B0903060703020204" pitchFamily="34" charset="0"/>
-              </a:rPr>
-              <a:t> final</a:t>
-            </a:r>
-            <a:endParaRPr lang="es-MX" dirty="0">
-              <a:latin typeface="Britannic Bold" panose="020B0903060703020204" pitchFamily="34" charset="0"/>
-            </a:endParaRPr>
-          </a:p>
-        </p:txBody>
-      </p:sp>
       <p:pic>
         <p:nvPicPr>
           <p:cNvPr id="5" name="Imagen 4">
@@ -4647,10 +4591,650 @@
           </a:prstGeom>
         </p:spPr>
       </p:pic>
+      <p:sp>
+        <p:nvSpPr>
+          <p:cNvPr id="9" name="Rectangle 2">
+            <a:extLst>
+              <a:ext uri="{FF2B5EF4-FFF2-40B4-BE49-F238E27FC236}">
+                <a16:creationId xmlns:a16="http://schemas.microsoft.com/office/drawing/2014/main" id="{60962A3C-E613-4273-B38F-E0BDF26AA86F}"/>
+              </a:ext>
+            </a:extLst>
+          </p:cNvPr>
+          <p:cNvSpPr>
+            <a:spLocks noChangeArrowheads="1"/>
+          </p:cNvSpPr>
+          <p:nvPr/>
+        </p:nvSpPr>
+        <p:spPr bwMode="auto">
+          <a:xfrm>
+            <a:off x="2781028" y="2145884"/>
+            <a:ext cx="6629944" cy="2585323"/>
+          </a:xfrm>
+          <a:prstGeom prst="rect">
+            <a:avLst/>
+          </a:prstGeom>
+          <a:noFill/>
+          <a:ln>
+            <a:noFill/>
+          </a:ln>
+          <a:effectLst/>
+          <a:extLst>
+            <a:ext uri="{909E8E84-426E-40DD-AFC4-6F175D3DCCD1}">
+              <a14:hiddenFill xmlns:a14="http://schemas.microsoft.com/office/drawing/2010/main">
+                <a:solidFill>
+                  <a:schemeClr val="accent1"/>
+                </a:solidFill>
+              </a14:hiddenFill>
+            </a:ext>
+            <a:ext uri="{91240B29-F687-4F45-9708-019B960494DF}">
+              <a14:hiddenLine xmlns:a14="http://schemas.microsoft.com/office/drawing/2010/main" w="9525">
+                <a:solidFill>
+                  <a:schemeClr val="tx1"/>
+                </a:solidFill>
+                <a:miter lim="800000"/>
+                <a:headEnd/>
+                <a:tailEnd/>
+              </a14:hiddenLine>
+            </a:ext>
+            <a:ext uri="{AF507438-7753-43E0-B8FC-AC1667EBCBE1}">
+              <a14:hiddenEffects xmlns:a14="http://schemas.microsoft.com/office/drawing/2010/main">
+                <a:effectLst>
+                  <a:outerShdw dist="35921" dir="2700000" algn="ctr" rotWithShape="0">
+                    <a:schemeClr val="bg2"/>
+                  </a:outerShdw>
+                </a:effectLst>
+              </a14:hiddenEffects>
+            </a:ext>
+          </a:extLst>
+        </p:spPr>
+        <p:txBody>
+          <a:bodyPr vert="horz" wrap="square" lIns="91440" tIns="45720" rIns="91440" bIns="45720" numCol="1" anchor="ctr" anchorCtr="0" compatLnSpc="1">
+            <a:prstTxWarp prst="textNoShape">
+              <a:avLst/>
+            </a:prstTxWarp>
+            <a:spAutoFit/>
+          </a:bodyPr>
+          <a:lstStyle/>
+          <a:p>
+            <a:pPr marL="0" marR="0" lvl="0" indent="0" algn="just" defTabSz="914400" rtl="0" eaLnBrk="0" fontAlgn="base" latinLnBrk="0" hangingPunct="0">
+              <a:lnSpc>
+                <a:spcPct val="100000"/>
+              </a:lnSpc>
+              <a:spcBef>
+                <a:spcPct val="0"/>
+              </a:spcBef>
+              <a:spcAft>
+                <a:spcPct val="0"/>
+              </a:spcAft>
+              <a:buClrTx/>
+              <a:buSzTx/>
+              <a:buFontTx/>
+              <a:buNone/>
+              <a:tabLst/>
+            </a:pPr>
+            <a:r>
+              <a:rPr lang="es-MX" altLang="es-MX" b="1" dirty="0" err="1"/>
+              <a:t>The</a:t>
+            </a:r>
+            <a:r>
+              <a:rPr lang="es-MX" altLang="es-MX" b="1" dirty="0"/>
+              <a:t> </a:t>
+            </a:r>
+            <a:r>
+              <a:rPr lang="es-MX" altLang="es-MX" b="1" dirty="0" err="1"/>
+              <a:t>exceptions</a:t>
+            </a:r>
+            <a:r>
+              <a:rPr lang="es-MX" altLang="es-MX" b="1" dirty="0"/>
+              <a:t> </a:t>
+            </a:r>
+            <a:r>
+              <a:rPr lang="es-MX" altLang="es-MX" b="1" dirty="0" err="1"/>
+              <a:t>have</a:t>
+            </a:r>
+            <a:r>
+              <a:rPr lang="es-MX" altLang="es-MX" b="1" dirty="0"/>
+              <a:t> </a:t>
+            </a:r>
+            <a:r>
+              <a:rPr lang="es-MX" altLang="es-MX" b="1" dirty="0" err="1"/>
+              <a:t>Throwable</a:t>
+            </a:r>
+            <a:r>
+              <a:rPr lang="es-MX" altLang="es-MX" b="1" dirty="0"/>
+              <a:t> as a </a:t>
+            </a:r>
+            <a:r>
+              <a:rPr lang="es-MX" altLang="es-MX" b="1" dirty="0" err="1"/>
+              <a:t>superclass</a:t>
+            </a:r>
+            <a:r>
+              <a:rPr lang="es-MX" altLang="es-MX" b="1" dirty="0"/>
+              <a:t>, </a:t>
+            </a:r>
+            <a:r>
+              <a:rPr lang="es-MX" altLang="es-MX" b="1" dirty="0" err="1"/>
+              <a:t>There</a:t>
+            </a:r>
+            <a:r>
+              <a:rPr lang="es-MX" altLang="es-MX" b="1" dirty="0"/>
+              <a:t> are </a:t>
+            </a:r>
+            <a:r>
+              <a:rPr lang="es-MX" altLang="es-MX" b="1" dirty="0" err="1"/>
+              <a:t>three</a:t>
+            </a:r>
+            <a:r>
+              <a:rPr lang="es-MX" altLang="es-MX" b="1" dirty="0"/>
+              <a:t> </a:t>
+            </a:r>
+            <a:r>
+              <a:rPr lang="es-MX" altLang="es-MX" b="1" dirty="0" err="1"/>
+              <a:t>types</a:t>
+            </a:r>
+            <a:r>
+              <a:rPr lang="es-MX" altLang="es-MX" b="1" dirty="0"/>
+              <a:t> </a:t>
+            </a:r>
+            <a:r>
+              <a:rPr lang="es-MX" altLang="es-MX" b="1" dirty="0" err="1"/>
+              <a:t>of</a:t>
+            </a:r>
+            <a:r>
+              <a:rPr lang="es-MX" altLang="es-MX" b="1" dirty="0"/>
+              <a:t> </a:t>
+            </a:r>
+            <a:r>
+              <a:rPr lang="es-MX" altLang="es-MX" b="1" dirty="0" err="1"/>
+              <a:t>exceptions</a:t>
+            </a:r>
+            <a:r>
+              <a:rPr lang="es-MX" altLang="es-MX" b="1" dirty="0"/>
+              <a:t>, </a:t>
+            </a:r>
+            <a:r>
+              <a:rPr lang="es-MX" altLang="es-MX" b="1" dirty="0" err="1"/>
+              <a:t>The</a:t>
+            </a:r>
+            <a:r>
+              <a:rPr lang="es-MX" altLang="es-MX" b="1" dirty="0"/>
+              <a:t> </a:t>
+            </a:r>
+            <a:r>
+              <a:rPr lang="es-MX" altLang="es-MX" b="1" dirty="0" err="1"/>
+              <a:t>errors</a:t>
+            </a:r>
+            <a:r>
+              <a:rPr lang="es-MX" altLang="es-MX" b="1" dirty="0"/>
+              <a:t> are </a:t>
+            </a:r>
+            <a:r>
+              <a:rPr lang="es-MX" altLang="es-MX" b="1" dirty="0" err="1"/>
+              <a:t>exceptions</a:t>
+            </a:r>
+            <a:r>
+              <a:rPr lang="es-MX" altLang="es-MX" b="1" dirty="0"/>
+              <a:t> </a:t>
+            </a:r>
+            <a:r>
+              <a:rPr lang="es-MX" altLang="es-MX" b="1" dirty="0" err="1"/>
+              <a:t>for</a:t>
+            </a:r>
+            <a:r>
+              <a:rPr lang="es-MX" altLang="es-MX" b="1" dirty="0"/>
+              <a:t> </a:t>
+            </a:r>
+            <a:r>
+              <a:rPr lang="es-MX" altLang="es-MX" b="1" dirty="0" err="1"/>
+              <a:t>which</a:t>
+            </a:r>
+            <a:r>
+              <a:rPr lang="es-MX" altLang="es-MX" b="1" dirty="0"/>
+              <a:t> </a:t>
+            </a:r>
+            <a:r>
+              <a:rPr lang="es-MX" altLang="es-MX" b="1" dirty="0" err="1"/>
+              <a:t>it</a:t>
+            </a:r>
+            <a:r>
+              <a:rPr lang="es-MX" altLang="es-MX" b="1" dirty="0"/>
+              <a:t> </a:t>
+            </a:r>
+            <a:r>
+              <a:rPr lang="es-MX" altLang="es-MX" b="1" dirty="0" err="1"/>
+              <a:t>is</a:t>
+            </a:r>
+            <a:r>
+              <a:rPr lang="es-MX" altLang="es-MX" b="1" dirty="0"/>
+              <a:t> </a:t>
+            </a:r>
+            <a:r>
+              <a:rPr lang="es-MX" altLang="es-MX" b="1" dirty="0" err="1"/>
+              <a:t>not</a:t>
+            </a:r>
+            <a:r>
+              <a:rPr lang="es-MX" altLang="es-MX" b="1" dirty="0"/>
+              <a:t> </a:t>
+            </a:r>
+            <a:r>
+              <a:rPr lang="es-MX" altLang="es-MX" b="1" dirty="0" err="1"/>
+              <a:t>possible</a:t>
+            </a:r>
+            <a:r>
+              <a:rPr lang="es-MX" altLang="es-MX" b="1" dirty="0"/>
+              <a:t> </a:t>
+            </a:r>
+            <a:r>
+              <a:rPr lang="es-MX" altLang="es-MX" b="1" dirty="0" err="1"/>
+              <a:t>to</a:t>
+            </a:r>
+            <a:r>
+              <a:rPr lang="es-MX" altLang="es-MX" b="1" dirty="0"/>
+              <a:t> do </a:t>
+            </a:r>
+            <a:r>
+              <a:rPr lang="es-MX" altLang="es-MX" b="1" dirty="0" err="1"/>
+              <a:t>something</a:t>
+            </a:r>
+            <a:r>
+              <a:rPr lang="es-MX" altLang="es-MX" b="1" dirty="0"/>
+              <a:t>, </a:t>
+            </a:r>
+            <a:r>
+              <a:rPr lang="es-MX" altLang="es-MX" b="1" dirty="0" err="1"/>
+              <a:t>for</a:t>
+            </a:r>
+            <a:r>
+              <a:rPr lang="es-MX" altLang="es-MX" b="1" dirty="0"/>
+              <a:t> </a:t>
+            </a:r>
+            <a:r>
+              <a:rPr lang="es-MX" altLang="es-MX" b="1" dirty="0" err="1"/>
+              <a:t>example</a:t>
+            </a:r>
+            <a:r>
+              <a:rPr lang="es-MX" altLang="es-MX" b="1" dirty="0"/>
+              <a:t>, a </a:t>
+            </a:r>
+            <a:r>
+              <a:rPr lang="es-MX" altLang="es-MX" b="1" dirty="0" err="1"/>
+              <a:t>damage</a:t>
+            </a:r>
+            <a:r>
+              <a:rPr lang="es-MX" altLang="es-MX" b="1" dirty="0"/>
+              <a:t> </a:t>
+            </a:r>
+            <a:r>
+              <a:rPr lang="es-MX" altLang="es-MX" b="1" dirty="0" err="1"/>
+              <a:t>to</a:t>
+            </a:r>
+            <a:r>
+              <a:rPr lang="es-MX" altLang="es-MX" b="1" dirty="0"/>
+              <a:t> </a:t>
+            </a:r>
+            <a:r>
+              <a:rPr lang="es-MX" altLang="es-MX" b="1" dirty="0" err="1"/>
+              <a:t>the</a:t>
+            </a:r>
+            <a:r>
+              <a:rPr lang="es-MX" altLang="es-MX" b="1" dirty="0"/>
+              <a:t> </a:t>
+            </a:r>
+            <a:r>
+              <a:rPr lang="es-MX" altLang="es-MX" b="1" dirty="0" err="1"/>
+              <a:t>hard</a:t>
+            </a:r>
+            <a:r>
+              <a:rPr lang="es-MX" altLang="es-MX" b="1" dirty="0"/>
+              <a:t> disk, </a:t>
+            </a:r>
+            <a:r>
+              <a:rPr lang="es-MX" altLang="es-MX" b="1" dirty="0" err="1"/>
+              <a:t>The</a:t>
+            </a:r>
+            <a:r>
+              <a:rPr lang="es-MX" altLang="es-MX" b="1" dirty="0"/>
+              <a:t> </a:t>
+            </a:r>
+            <a:r>
+              <a:rPr lang="es-MX" altLang="es-MX" b="1" dirty="0" err="1"/>
+              <a:t>RunTimeException</a:t>
+            </a:r>
+            <a:r>
+              <a:rPr lang="es-MX" altLang="es-MX" b="1" dirty="0"/>
+              <a:t>, </a:t>
+            </a:r>
+            <a:r>
+              <a:rPr lang="es-MX" altLang="es-MX" b="1" dirty="0" err="1"/>
+              <a:t>UnChecked</a:t>
+            </a:r>
+            <a:r>
+              <a:rPr lang="es-MX" altLang="es-MX" b="1" dirty="0"/>
+              <a:t>, </a:t>
+            </a:r>
+            <a:r>
+              <a:rPr lang="es-MX" altLang="es-MX" b="1" dirty="0" err="1"/>
+              <a:t>the</a:t>
+            </a:r>
+            <a:r>
+              <a:rPr lang="es-MX" altLang="es-MX" b="1" dirty="0"/>
+              <a:t> </a:t>
+            </a:r>
+            <a:r>
+              <a:rPr lang="es-MX" altLang="es-MX" b="1" dirty="0" err="1"/>
+              <a:t>compiler</a:t>
+            </a:r>
+            <a:r>
+              <a:rPr lang="es-MX" altLang="es-MX" b="1" dirty="0"/>
+              <a:t> </a:t>
+            </a:r>
+            <a:r>
+              <a:rPr lang="es-MX" altLang="es-MX" b="1" dirty="0" err="1"/>
+              <a:t>does</a:t>
+            </a:r>
+            <a:r>
+              <a:rPr lang="es-MX" altLang="es-MX" b="1" dirty="0"/>
+              <a:t> </a:t>
+            </a:r>
+            <a:r>
+              <a:rPr lang="es-MX" altLang="es-MX" b="1" dirty="0" err="1"/>
+              <a:t>not</a:t>
+            </a:r>
+            <a:r>
+              <a:rPr lang="es-MX" altLang="es-MX" b="1" dirty="0"/>
+              <a:t> </a:t>
+            </a:r>
+            <a:r>
+              <a:rPr lang="es-MX" altLang="es-MX" b="1" dirty="0" err="1"/>
+              <a:t>force</a:t>
+            </a:r>
+            <a:r>
+              <a:rPr lang="es-MX" altLang="es-MX" b="1" dirty="0"/>
+              <a:t> </a:t>
+            </a:r>
+            <a:r>
+              <a:rPr lang="es-MX" altLang="es-MX" b="1" dirty="0" err="1"/>
+              <a:t>to</a:t>
+            </a:r>
+            <a:r>
+              <a:rPr lang="es-MX" altLang="es-MX" b="1" dirty="0"/>
+              <a:t> do </a:t>
+            </a:r>
+            <a:r>
+              <a:rPr lang="es-MX" altLang="es-MX" b="1" dirty="0" err="1"/>
+              <a:t>something</a:t>
+            </a:r>
+            <a:r>
+              <a:rPr lang="es-MX" altLang="es-MX" b="1" dirty="0"/>
+              <a:t> </a:t>
+            </a:r>
+            <a:r>
+              <a:rPr lang="es-MX" altLang="es-MX" b="1" dirty="0" err="1"/>
+              <a:t>with</a:t>
+            </a:r>
+            <a:r>
+              <a:rPr lang="es-MX" altLang="es-MX" b="1" dirty="0"/>
+              <a:t> </a:t>
+            </a:r>
+            <a:r>
+              <a:rPr lang="es-MX" altLang="es-MX" b="1" dirty="0" err="1"/>
+              <a:t>them</a:t>
+            </a:r>
+            <a:r>
+              <a:rPr lang="es-MX" altLang="es-MX" b="1" dirty="0"/>
+              <a:t>, no </a:t>
+            </a:r>
+            <a:r>
+              <a:rPr lang="es-MX" altLang="es-MX" b="1" dirty="0" err="1"/>
+              <a:t>it</a:t>
+            </a:r>
+            <a:r>
+              <a:rPr lang="es-MX" altLang="es-MX" b="1" dirty="0"/>
+              <a:t> </a:t>
+            </a:r>
+            <a:r>
+              <a:rPr lang="es-MX" altLang="es-MX" b="1" dirty="0" err="1"/>
+              <a:t>is</a:t>
+            </a:r>
+            <a:r>
+              <a:rPr lang="es-MX" altLang="es-MX" b="1" dirty="0"/>
+              <a:t> </a:t>
+            </a:r>
+            <a:r>
+              <a:rPr lang="es-MX" altLang="es-MX" b="1" dirty="0" err="1"/>
+              <a:t>necessary</a:t>
+            </a:r>
+            <a:r>
+              <a:rPr lang="es-MX" altLang="es-MX" b="1" dirty="0"/>
+              <a:t> </a:t>
+            </a:r>
+            <a:r>
+              <a:rPr lang="es-MX" altLang="es-MX" b="1" dirty="0" err="1"/>
+              <a:t>to</a:t>
+            </a:r>
+            <a:r>
+              <a:rPr lang="es-MX" altLang="es-MX" b="1" dirty="0"/>
+              <a:t> catch </a:t>
+            </a:r>
+            <a:r>
+              <a:rPr lang="es-MX" altLang="es-MX" b="1" dirty="0" err="1"/>
+              <a:t>them</a:t>
+            </a:r>
+            <a:r>
+              <a:rPr lang="es-MX" altLang="es-MX" b="1" dirty="0"/>
+              <a:t>, </a:t>
+            </a:r>
+            <a:r>
+              <a:rPr lang="es-MX" altLang="es-MX" b="1" dirty="0" err="1"/>
+              <a:t>contrary</a:t>
+            </a:r>
+            <a:r>
+              <a:rPr lang="es-MX" altLang="es-MX" b="1" dirty="0"/>
+              <a:t> </a:t>
+            </a:r>
+            <a:r>
+              <a:rPr lang="es-MX" altLang="es-MX" b="1" dirty="0" err="1"/>
+              <a:t>to</a:t>
+            </a:r>
+            <a:r>
+              <a:rPr lang="es-MX" altLang="es-MX" b="1" dirty="0"/>
+              <a:t> </a:t>
+            </a:r>
+            <a:r>
+              <a:rPr lang="es-MX" altLang="es-MX" b="1" dirty="0" err="1"/>
+              <a:t>Checked</a:t>
+            </a:r>
+            <a:r>
+              <a:rPr lang="es-MX" altLang="es-MX" b="1" dirty="0"/>
+              <a:t> </a:t>
+            </a:r>
+            <a:r>
+              <a:rPr lang="es-MX" altLang="es-MX" b="1" dirty="0" err="1"/>
+              <a:t>Exceptions</a:t>
+            </a:r>
+            <a:r>
+              <a:rPr lang="es-MX" altLang="es-MX" b="1" dirty="0"/>
+              <a:t>, </a:t>
+            </a:r>
+            <a:r>
+              <a:rPr lang="es-MX" altLang="es-MX" b="1" dirty="0" err="1"/>
+              <a:t>which</a:t>
+            </a:r>
+            <a:r>
+              <a:rPr lang="es-MX" altLang="es-MX" b="1" dirty="0"/>
+              <a:t> </a:t>
+            </a:r>
+            <a:r>
+              <a:rPr lang="es-MX" altLang="es-MX" b="1" dirty="0" err="1"/>
+              <a:t>compulsorily</a:t>
+            </a:r>
+            <a:r>
+              <a:rPr lang="es-MX" altLang="es-MX" b="1" dirty="0"/>
+              <a:t> </a:t>
+            </a:r>
+            <a:r>
+              <a:rPr lang="es-MX" altLang="es-MX" b="1" dirty="0" err="1"/>
+              <a:t>forces</a:t>
+            </a:r>
+            <a:r>
+              <a:rPr lang="es-MX" altLang="es-MX" b="1" dirty="0"/>
+              <a:t> </a:t>
+            </a:r>
+            <a:r>
+              <a:rPr lang="es-MX" altLang="es-MX" b="1" dirty="0" err="1"/>
+              <a:t>us</a:t>
+            </a:r>
+            <a:r>
+              <a:rPr lang="es-MX" altLang="es-MX" b="1" dirty="0"/>
+              <a:t> </a:t>
+            </a:r>
+            <a:r>
+              <a:rPr lang="es-MX" altLang="es-MX" b="1" dirty="0" err="1"/>
+              <a:t>to</a:t>
+            </a:r>
+            <a:r>
+              <a:rPr lang="es-MX" altLang="es-MX" b="1" dirty="0"/>
+              <a:t> </a:t>
+            </a:r>
+            <a:r>
+              <a:rPr lang="es-MX" altLang="es-MX" b="1" dirty="0" err="1"/>
+              <a:t>treat</a:t>
+            </a:r>
+            <a:r>
+              <a:rPr lang="es-MX" altLang="es-MX" b="1" dirty="0"/>
+              <a:t> </a:t>
+            </a:r>
+            <a:r>
+              <a:rPr lang="es-MX" altLang="es-MX" b="1" dirty="0" err="1"/>
+              <a:t>them</a:t>
+            </a:r>
+            <a:r>
+              <a:rPr lang="es-MX" altLang="es-MX" b="1" dirty="0"/>
+              <a:t> </a:t>
+            </a:r>
+            <a:r>
+              <a:rPr lang="es-MX" altLang="es-MX" b="1" dirty="0" err="1"/>
+              <a:t>either</a:t>
+            </a:r>
+            <a:r>
+              <a:rPr lang="es-MX" altLang="es-MX" b="1" dirty="0"/>
+              <a:t> </a:t>
+            </a:r>
+            <a:r>
+              <a:rPr lang="es-MX" altLang="es-MX" b="1" dirty="0" err="1"/>
+              <a:t>with</a:t>
+            </a:r>
+            <a:r>
+              <a:rPr lang="es-MX" altLang="es-MX" b="1" dirty="0"/>
+              <a:t> a catch </a:t>
+            </a:r>
+            <a:r>
+              <a:rPr lang="es-MX" altLang="es-MX" b="1" dirty="0" err="1"/>
+              <a:t>or</a:t>
+            </a:r>
+            <a:r>
+              <a:rPr lang="es-MX" altLang="es-MX" b="1" dirty="0"/>
+              <a:t> </a:t>
+            </a:r>
+            <a:r>
+              <a:rPr lang="es-MX" altLang="es-MX" b="1" dirty="0" err="1"/>
+              <a:t>throw</a:t>
+            </a:r>
+            <a:r>
+              <a:rPr lang="es-MX" altLang="es-MX" b="1" dirty="0"/>
+              <a:t> </a:t>
+            </a:r>
+            <a:r>
+              <a:rPr lang="es-MX" altLang="es-MX" b="1" dirty="0" err="1"/>
+              <a:t>them</a:t>
+            </a:r>
+            <a:r>
+              <a:rPr lang="es-MX" altLang="es-MX" b="1" dirty="0"/>
+              <a:t> </a:t>
+            </a:r>
+            <a:r>
+              <a:rPr lang="es-MX" altLang="es-MX" b="1" dirty="0" err="1"/>
+              <a:t>to</a:t>
+            </a:r>
+            <a:r>
+              <a:rPr lang="es-MX" altLang="es-MX" b="1" dirty="0"/>
+              <a:t> </a:t>
+            </a:r>
+            <a:r>
+              <a:rPr lang="es-MX" altLang="es-MX" b="1" dirty="0" err="1"/>
+              <a:t>the</a:t>
+            </a:r>
+            <a:r>
+              <a:rPr lang="es-MX" altLang="es-MX" b="1" dirty="0"/>
+              <a:t> superior </a:t>
+            </a:r>
+            <a:r>
+              <a:rPr lang="es-MX" altLang="es-MX" b="1" dirty="0" err="1"/>
+              <a:t>method</a:t>
+            </a:r>
+            <a:r>
+              <a:rPr lang="es-MX" altLang="es-MX" b="1" dirty="0"/>
+              <a:t>, </a:t>
+            </a:r>
+            <a:r>
+              <a:rPr lang="es-MX" altLang="es-MX" b="1" dirty="0" err="1"/>
+              <a:t>having</a:t>
+            </a:r>
+            <a:r>
+              <a:rPr lang="es-MX" altLang="es-MX" b="1" dirty="0"/>
+              <a:t> as </a:t>
+            </a:r>
+            <a:r>
+              <a:rPr lang="es-MX" altLang="es-MX" b="1" dirty="0" err="1"/>
+              <a:t>limit</a:t>
+            </a:r>
+            <a:r>
+              <a:rPr lang="es-MX" altLang="es-MX" b="1" dirty="0"/>
+              <a:t> </a:t>
+            </a:r>
+            <a:r>
+              <a:rPr lang="es-MX" altLang="es-MX" b="1" dirty="0" err="1"/>
+              <a:t>the</a:t>
+            </a:r>
+            <a:r>
+              <a:rPr lang="es-MX" altLang="es-MX" b="1" dirty="0"/>
+              <a:t> JVM</a:t>
+            </a:r>
+          </a:p>
+          <a:p>
+            <a:pPr marL="0" marR="0" lvl="0" indent="0" algn="l" defTabSz="914400" rtl="0" eaLnBrk="0" fontAlgn="base" latinLnBrk="0" hangingPunct="0">
+              <a:lnSpc>
+                <a:spcPct val="100000"/>
+              </a:lnSpc>
+              <a:spcBef>
+                <a:spcPct val="0"/>
+              </a:spcBef>
+              <a:spcAft>
+                <a:spcPct val="0"/>
+              </a:spcAft>
+              <a:buClrTx/>
+              <a:buSzTx/>
+              <a:buFontTx/>
+              <a:buNone/>
+              <a:tabLst/>
+            </a:pPr>
+            <a:endParaRPr kumimoji="0" lang="es-MX" altLang="es-MX" sz="1800" b="0" i="0" u="none" strike="noStrike" cap="none" normalizeH="0" baseline="0" dirty="0">
+              <a:ln>
+                <a:noFill/>
+              </a:ln>
+              <a:solidFill>
+                <a:schemeClr val="tx1"/>
+              </a:solidFill>
+              <a:effectLst/>
+              <a:latin typeface="Arial" panose="020B0604020202020204" pitchFamily="34" charset="0"/>
+            </a:endParaRPr>
+          </a:p>
+        </p:txBody>
+      </p:sp>
     </p:spTree>
     <p:extLst>
       <p:ext uri="{BB962C8B-B14F-4D97-AF65-F5344CB8AC3E}">
-        <p14:creationId xmlns:p14="http://schemas.microsoft.com/office/powerpoint/2010/main" val="4133486506"/>
+        <p14:creationId xmlns:p14="http://schemas.microsoft.com/office/powerpoint/2010/main" val="1980475124"/>
       </p:ext>
     </p:extLst>
   </p:cSld>
@@ -4679,10 +5263,10 @@
       </p:grpSpPr>
       <p:pic>
         <p:nvPicPr>
-          <p:cNvPr id="5" name="Imagen 4">
-            <a:extLst>
-              <a:ext uri="{FF2B5EF4-FFF2-40B4-BE49-F238E27FC236}">
-                <a16:creationId xmlns:a16="http://schemas.microsoft.com/office/drawing/2014/main" id="{9DCB142E-CE8A-4078-9E22-420A2F428246}"/>
+          <p:cNvPr id="10" name="Imagen 9">
+            <a:extLst>
+              <a:ext uri="{FF2B5EF4-FFF2-40B4-BE49-F238E27FC236}">
+                <a16:creationId xmlns:a16="http://schemas.microsoft.com/office/drawing/2014/main" id="{15B1CB55-DE9C-472F-9798-9D941F19E5AD}"/>
               </a:ext>
             </a:extLst>
           </p:cNvPr>
@@ -4692,7 +5276,13 @@
           <p:nvPr/>
         </p:nvPicPr>
         <p:blipFill>
-          <a:blip r:embed="rId2"/>
+          <a:blip r:embed="rId2">
+            <a:extLst>
+              <a:ext uri="{28A0092B-C50C-407E-A947-70E740481C1C}">
+                <a14:useLocalDpi xmlns:a14="http://schemas.microsoft.com/office/drawing/2010/main" val="0"/>
+              </a:ext>
+            </a:extLst>
+          </a:blip>
           <a:stretch>
             <a:fillRect/>
           </a:stretch>
@@ -4700,7 +5290,153 @@
         <p:spPr>
           <a:xfrm>
             <a:off x="0" y="0"/>
-            <a:ext cx="12192000" cy="6497640"/>
+            <a:ext cx="12192000" cy="6858000"/>
+          </a:xfrm>
+          <a:prstGeom prst="rect">
+            <a:avLst/>
+          </a:prstGeom>
+        </p:spPr>
+      </p:pic>
+      <p:sp>
+        <p:nvSpPr>
+          <p:cNvPr id="2" name="Título 1">
+            <a:extLst>
+              <a:ext uri="{FF2B5EF4-FFF2-40B4-BE49-F238E27FC236}">
+                <a16:creationId xmlns:a16="http://schemas.microsoft.com/office/drawing/2014/main" id="{A29E6CD6-FAAF-4EB2-937D-93C4B0F9CE35}"/>
+              </a:ext>
+            </a:extLst>
+          </p:cNvPr>
+          <p:cNvSpPr>
+            <a:spLocks noGrp="1"/>
+          </p:cNvSpPr>
+          <p:nvPr>
+            <p:ph type="ctrTitle"/>
+          </p:nvPr>
+        </p:nvSpPr>
+        <p:spPr>
+          <a:xfrm>
+            <a:off x="2076408" y="2794992"/>
+            <a:ext cx="7822096" cy="1151076"/>
+          </a:xfrm>
+        </p:spPr>
+        <p:txBody>
+          <a:bodyPr>
+            <a:normAutofit/>
+          </a:bodyPr>
+          <a:lstStyle/>
+          <a:p>
+            <a:r>
+              <a:rPr lang="es-ES" b="1" dirty="0" err="1">
+                <a:latin typeface="Britannic Bold" panose="020B0903060703020204" pitchFamily="34" charset="0"/>
+              </a:rPr>
+              <a:t>Purposes</a:t>
+            </a:r>
+            <a:r>
+              <a:rPr lang="es-ES" b="1" dirty="0">
+                <a:latin typeface="Britannic Bold" panose="020B0903060703020204" pitchFamily="34" charset="0"/>
+              </a:rPr>
+              <a:t> </a:t>
+            </a:r>
+            <a:r>
+              <a:rPr lang="es-ES" b="1" dirty="0" err="1">
+                <a:latin typeface="Britannic Bold" panose="020B0903060703020204" pitchFamily="34" charset="0"/>
+              </a:rPr>
+              <a:t>of</a:t>
+            </a:r>
+            <a:r>
+              <a:rPr lang="es-ES" b="1" dirty="0">
+                <a:latin typeface="Britannic Bold" panose="020B0903060703020204" pitchFamily="34" charset="0"/>
+              </a:rPr>
+              <a:t> final</a:t>
+            </a:r>
+            <a:endParaRPr lang="es-MX" dirty="0">
+              <a:latin typeface="Britannic Bold" panose="020B0903060703020204" pitchFamily="34" charset="0"/>
+            </a:endParaRPr>
+          </a:p>
+        </p:txBody>
+      </p:sp>
+      <p:pic>
+        <p:nvPicPr>
+          <p:cNvPr id="5" name="Imagen 4">
+            <a:extLst>
+              <a:ext uri="{FF2B5EF4-FFF2-40B4-BE49-F238E27FC236}">
+                <a16:creationId xmlns:a16="http://schemas.microsoft.com/office/drawing/2014/main" id="{6B6F33BB-27E9-41F1-86E8-6C44F2753644}"/>
+              </a:ext>
+            </a:extLst>
+          </p:cNvPr>
+          <p:cNvPicPr>
+            <a:picLocks noChangeAspect="1"/>
+          </p:cNvPicPr>
+          <p:nvPr/>
+        </p:nvPicPr>
+        <p:blipFill rotWithShape="1">
+          <a:blip r:embed="rId3">
+            <a:extLst>
+              <a:ext uri="{BEBA8EAE-BF5A-486C-A8C5-ECC9F3942E4B}">
+                <a14:imgProps xmlns:a14="http://schemas.microsoft.com/office/drawing/2010/main">
+                  <a14:imgLayer r:embed="rId4">
+                    <a14:imgEffect>
+                      <a14:backgroundRemoval t="36750" b="67750" l="7750" r="94250">
+                        <a14:foregroundMark x1="21250" y1="53250" x2="21250" y2="53250"/>
+                        <a14:foregroundMark x1="29250" y1="50250" x2="29250" y2="50250"/>
+                        <a14:foregroundMark x1="29750" y1="43250" x2="29750" y2="43250"/>
+                        <a14:foregroundMark x1="49750" y1="52750" x2="49750" y2="52750"/>
+                        <a14:foregroundMark x1="63250" y1="50250" x2="63250" y2="50250"/>
+                        <a14:foregroundMark x1="75750" y1="48750" x2="75750" y2="48750"/>
+                        <a14:foregroundMark x1="85750" y1="48750" x2="85750" y2="48750"/>
+                      </a14:backgroundRemoval>
+                    </a14:imgEffect>
+                  </a14:imgLayer>
+                </a14:imgProps>
+              </a:ext>
+              <a:ext uri="{28A0092B-C50C-407E-A947-70E740481C1C}">
+                <a14:useLocalDpi xmlns:a14="http://schemas.microsoft.com/office/drawing/2010/main" val="0"/>
+              </a:ext>
+            </a:extLst>
+          </a:blip>
+          <a:srcRect l="7896" t="37372" r="6390" b="32811"/>
+          <a:stretch/>
+        </p:blipFill>
+        <p:spPr>
+          <a:xfrm>
+            <a:off x="2184952" y="245838"/>
+            <a:ext cx="2266122" cy="788298"/>
+          </a:xfrm>
+          <a:prstGeom prst="rect">
+            <a:avLst/>
+          </a:prstGeom>
+        </p:spPr>
+      </p:pic>
+      <p:pic>
+        <p:nvPicPr>
+          <p:cNvPr id="7" name="Imagen 6">
+            <a:extLst>
+              <a:ext uri="{FF2B5EF4-FFF2-40B4-BE49-F238E27FC236}">
+                <a16:creationId xmlns:a16="http://schemas.microsoft.com/office/drawing/2014/main" id="{E79F3D0A-E807-4A20-BB57-7BB046212A37}"/>
+              </a:ext>
+            </a:extLst>
+          </p:cNvPr>
+          <p:cNvPicPr>
+            <a:picLocks noChangeAspect="1"/>
+          </p:cNvPicPr>
+          <p:nvPr/>
+        </p:nvPicPr>
+        <p:blipFill>
+          <a:blip r:embed="rId5">
+            <a:extLst>
+              <a:ext uri="{28A0092B-C50C-407E-A947-70E740481C1C}">
+                <a14:useLocalDpi xmlns:a14="http://schemas.microsoft.com/office/drawing/2010/main" val="0"/>
+              </a:ext>
+            </a:extLst>
+          </a:blip>
+          <a:stretch>
+            <a:fillRect/>
+          </a:stretch>
+        </p:blipFill>
+        <p:spPr>
+          <a:xfrm>
+            <a:off x="8965157" y="9546"/>
+            <a:ext cx="933347" cy="1260881"/>
           </a:xfrm>
           <a:prstGeom prst="rect">
             <a:avLst/>
@@ -4710,7 +5446,7 @@
     </p:spTree>
     <p:extLst>
       <p:ext uri="{BB962C8B-B14F-4D97-AF65-F5344CB8AC3E}">
-        <p14:creationId xmlns:p14="http://schemas.microsoft.com/office/powerpoint/2010/main" val="701483189"/>
+        <p14:creationId xmlns:p14="http://schemas.microsoft.com/office/powerpoint/2010/main" val="4133486506"/>
       </p:ext>
     </p:extLst>
   </p:cSld>
@@ -4739,10 +5475,10 @@
       </p:grpSpPr>
       <p:pic>
         <p:nvPicPr>
-          <p:cNvPr id="10" name="Imagen 9">
-            <a:extLst>
-              <a:ext uri="{FF2B5EF4-FFF2-40B4-BE49-F238E27FC236}">
-                <a16:creationId xmlns:a16="http://schemas.microsoft.com/office/drawing/2014/main" id="{15B1CB55-DE9C-472F-9798-9D941F19E5AD}"/>
+          <p:cNvPr id="4" name="Imagen 3">
+            <a:extLst>
+              <a:ext uri="{FF2B5EF4-FFF2-40B4-BE49-F238E27FC236}">
+                <a16:creationId xmlns:a16="http://schemas.microsoft.com/office/drawing/2014/main" id="{F9A60347-3AB2-4A04-829A-4DEF6D6FF24B}"/>
               </a:ext>
             </a:extLst>
           </p:cNvPr>
@@ -4775,160 +5511,165 @@
       </p:pic>
       <p:sp>
         <p:nvSpPr>
-          <p:cNvPr id="2" name="Título 1">
-            <a:extLst>
-              <a:ext uri="{FF2B5EF4-FFF2-40B4-BE49-F238E27FC236}">
-                <a16:creationId xmlns:a16="http://schemas.microsoft.com/office/drawing/2014/main" id="{A29E6CD6-FAAF-4EB2-937D-93C4B0F9CE35}"/>
-              </a:ext>
-            </a:extLst>
-          </p:cNvPr>
-          <p:cNvSpPr>
-            <a:spLocks noGrp="1"/>
-          </p:cNvSpPr>
-          <p:nvPr>
-            <p:ph type="ctrTitle"/>
-          </p:nvPr>
-        </p:nvSpPr>
-        <p:spPr>
-          <a:xfrm>
-            <a:off x="2076408" y="3031283"/>
-            <a:ext cx="7822096" cy="1151076"/>
-          </a:xfrm>
-        </p:spPr>
-        <p:txBody>
-          <a:bodyPr>
-            <a:normAutofit fontScale="90000"/>
+          <p:cNvPr id="5" name="CuadroTexto 4">
+            <a:extLst>
+              <a:ext uri="{FF2B5EF4-FFF2-40B4-BE49-F238E27FC236}">
+                <a16:creationId xmlns:a16="http://schemas.microsoft.com/office/drawing/2014/main" id="{1A8BED02-17EF-4697-8B5B-B89D11BE6DCB}"/>
+              </a:ext>
+            </a:extLst>
+          </p:cNvPr>
+          <p:cNvSpPr txBox="1"/>
+          <p:nvPr/>
+        </p:nvSpPr>
+        <p:spPr>
+          <a:xfrm>
+            <a:off x="2895600" y="2398644"/>
+            <a:ext cx="6400800" cy="1815882"/>
+          </a:xfrm>
+          <a:prstGeom prst="rect">
+            <a:avLst/>
+          </a:prstGeom>
+          <a:noFill/>
+        </p:spPr>
+        <p:txBody>
+          <a:bodyPr wrap="square" rtlCol="0">
+            <a:spAutoFit/>
           </a:bodyPr>
           <a:lstStyle/>
           <a:p>
-            <a:r>
-              <a:rPr lang="es-ES" b="1" dirty="0" err="1">
-                <a:latin typeface="Britannic Bold" panose="020B0903060703020204" pitchFamily="34" charset="0"/>
-              </a:rPr>
-              <a:t>Multicatch</a:t>
-            </a:r>
-            <a:r>
-              <a:rPr lang="es-ES" b="1" dirty="0">
-                <a:latin typeface="Britannic Bold" panose="020B0903060703020204" pitchFamily="34" charset="0"/>
-              </a:rPr>
-              <a:t> and Try </a:t>
-            </a:r>
-            <a:r>
-              <a:rPr lang="es-ES" b="1" dirty="0" err="1">
-                <a:latin typeface="Britannic Bold" panose="020B0903060703020204" pitchFamily="34" charset="0"/>
-              </a:rPr>
-              <a:t>with</a:t>
-            </a:r>
-            <a:r>
-              <a:rPr lang="es-ES" b="1" dirty="0">
-                <a:latin typeface="Britannic Bold" panose="020B0903060703020204" pitchFamily="34" charset="0"/>
-              </a:rPr>
-              <a:t> </a:t>
-            </a:r>
-            <a:r>
-              <a:rPr lang="es-ES" b="1" dirty="0" err="1">
-                <a:latin typeface="Britannic Bold" panose="020B0903060703020204" pitchFamily="34" charset="0"/>
-              </a:rPr>
-              <a:t>resources</a:t>
-            </a:r>
-            <a:endParaRPr lang="es-MX" dirty="0">
-              <a:latin typeface="Britannic Bold" panose="020B0903060703020204" pitchFamily="34" charset="0"/>
-            </a:endParaRPr>
-          </a:p>
-        </p:txBody>
-      </p:sp>
-      <p:pic>
-        <p:nvPicPr>
-          <p:cNvPr id="5" name="Imagen 4">
-            <a:extLst>
-              <a:ext uri="{FF2B5EF4-FFF2-40B4-BE49-F238E27FC236}">
-                <a16:creationId xmlns:a16="http://schemas.microsoft.com/office/drawing/2014/main" id="{6B6F33BB-27E9-41F1-86E8-6C44F2753644}"/>
-              </a:ext>
-            </a:extLst>
-          </p:cNvPr>
-          <p:cNvPicPr>
-            <a:picLocks noChangeAspect="1"/>
-          </p:cNvPicPr>
-          <p:nvPr/>
-        </p:nvPicPr>
-        <p:blipFill rotWithShape="1">
-          <a:blip r:embed="rId3">
-            <a:extLst>
-              <a:ext uri="{BEBA8EAE-BF5A-486C-A8C5-ECC9F3942E4B}">
-                <a14:imgProps xmlns:a14="http://schemas.microsoft.com/office/drawing/2010/main">
-                  <a14:imgLayer r:embed="rId4">
-                    <a14:imgEffect>
-                      <a14:backgroundRemoval t="36750" b="67750" l="7750" r="94250">
-                        <a14:foregroundMark x1="21250" y1="53250" x2="21250" y2="53250"/>
-                        <a14:foregroundMark x1="29250" y1="50250" x2="29250" y2="50250"/>
-                        <a14:foregroundMark x1="29750" y1="43250" x2="29750" y2="43250"/>
-                        <a14:foregroundMark x1="49750" y1="52750" x2="49750" y2="52750"/>
-                        <a14:foregroundMark x1="63250" y1="50250" x2="63250" y2="50250"/>
-                        <a14:foregroundMark x1="75750" y1="48750" x2="75750" y2="48750"/>
-                        <a14:foregroundMark x1="85750" y1="48750" x2="85750" y2="48750"/>
-                      </a14:backgroundRemoval>
-                    </a14:imgEffect>
-                  </a14:imgLayer>
-                </a14:imgProps>
-              </a:ext>
-              <a:ext uri="{28A0092B-C50C-407E-A947-70E740481C1C}">
-                <a14:useLocalDpi xmlns:a14="http://schemas.microsoft.com/office/drawing/2010/main" val="0"/>
-              </a:ext>
-            </a:extLst>
-          </a:blip>
-          <a:srcRect l="7896" t="37372" r="6390" b="32811"/>
-          <a:stretch/>
-        </p:blipFill>
-        <p:spPr>
-          <a:xfrm>
-            <a:off x="2184952" y="245838"/>
-            <a:ext cx="2266122" cy="788298"/>
-          </a:xfrm>
-          <a:prstGeom prst="rect">
-            <a:avLst/>
-          </a:prstGeom>
-        </p:spPr>
-      </p:pic>
-      <p:pic>
-        <p:nvPicPr>
-          <p:cNvPr id="7" name="Imagen 6">
-            <a:extLst>
-              <a:ext uri="{FF2B5EF4-FFF2-40B4-BE49-F238E27FC236}">
-                <a16:creationId xmlns:a16="http://schemas.microsoft.com/office/drawing/2014/main" id="{E79F3D0A-E807-4A20-BB57-7BB046212A37}"/>
-              </a:ext>
-            </a:extLst>
-          </p:cNvPr>
-          <p:cNvPicPr>
-            <a:picLocks noChangeAspect="1"/>
-          </p:cNvPicPr>
-          <p:nvPr/>
-        </p:nvPicPr>
-        <p:blipFill>
-          <a:blip r:embed="rId5">
-            <a:extLst>
-              <a:ext uri="{28A0092B-C50C-407E-A947-70E740481C1C}">
-                <a14:useLocalDpi xmlns:a14="http://schemas.microsoft.com/office/drawing/2010/main" val="0"/>
-              </a:ext>
-            </a:extLst>
-          </a:blip>
-          <a:stretch>
-            <a:fillRect/>
-          </a:stretch>
-        </p:blipFill>
-        <p:spPr>
-          <a:xfrm>
-            <a:off x="8965157" y="9546"/>
-            <a:ext cx="933347" cy="1260881"/>
-          </a:xfrm>
-          <a:prstGeom prst="rect">
-            <a:avLst/>
-          </a:prstGeom>
-        </p:spPr>
-      </p:pic>
+            <a:pPr algn="ctr"/>
+            <a:r>
+              <a:rPr lang="es-MX" sz="2800" b="1" dirty="0"/>
+              <a:t>Final </a:t>
+            </a:r>
+            <a:r>
+              <a:rPr lang="es-MX" sz="2800" b="1" dirty="0" err="1"/>
+              <a:t>Primitive</a:t>
+            </a:r>
+            <a:r>
+              <a:rPr lang="es-MX" sz="2800" dirty="0"/>
+              <a:t>, </a:t>
+            </a:r>
+            <a:r>
+              <a:rPr lang="es-MX" sz="2800" dirty="0" err="1"/>
+              <a:t>is</a:t>
+            </a:r>
+            <a:r>
+              <a:rPr lang="es-MX" sz="2800" dirty="0"/>
+              <a:t> a </a:t>
+            </a:r>
+            <a:r>
+              <a:rPr lang="es-MX" sz="2800" dirty="0" err="1"/>
+              <a:t>constant</a:t>
+            </a:r>
+            <a:endParaRPr lang="es-MX" sz="2800" dirty="0"/>
+          </a:p>
+          <a:p>
+            <a:pPr algn="ctr"/>
+            <a:r>
+              <a:rPr lang="es-MX" sz="2800" b="1" dirty="0"/>
+              <a:t>Final </a:t>
+            </a:r>
+            <a:r>
+              <a:rPr lang="es-MX" sz="2800" b="1" dirty="0" err="1"/>
+              <a:t>Class</a:t>
+            </a:r>
+            <a:r>
+              <a:rPr lang="es-MX" sz="2800" dirty="0"/>
+              <a:t>, </a:t>
+            </a:r>
+            <a:r>
+              <a:rPr lang="es-MX" sz="2800" dirty="0" err="1"/>
+              <a:t>can’t</a:t>
+            </a:r>
+            <a:r>
+              <a:rPr lang="es-MX" sz="2800" dirty="0"/>
+              <a:t> </a:t>
+            </a:r>
+            <a:r>
+              <a:rPr lang="es-MX" sz="2800" dirty="0" err="1"/>
+              <a:t>apply</a:t>
+            </a:r>
+            <a:r>
+              <a:rPr lang="es-MX" sz="2800" dirty="0"/>
+              <a:t> </a:t>
+            </a:r>
+            <a:r>
+              <a:rPr lang="es-MX" sz="2800" dirty="0" err="1"/>
+              <a:t>inheritance</a:t>
+            </a:r>
+            <a:endParaRPr lang="es-MX" sz="2800" dirty="0"/>
+          </a:p>
+          <a:p>
+            <a:pPr algn="ctr"/>
+            <a:r>
+              <a:rPr lang="es-MX" sz="2800" b="1" dirty="0"/>
+              <a:t>Final </a:t>
+            </a:r>
+            <a:r>
+              <a:rPr lang="es-MX" sz="2800" b="1" dirty="0" err="1"/>
+              <a:t>method</a:t>
+            </a:r>
+            <a:r>
+              <a:rPr lang="es-MX" sz="2800" dirty="0"/>
+              <a:t>, </a:t>
+            </a:r>
+            <a:r>
+              <a:rPr lang="es-MX" sz="2800" dirty="0" err="1"/>
+              <a:t>can’t</a:t>
+            </a:r>
+            <a:r>
+              <a:rPr lang="es-MX" sz="2800" dirty="0"/>
+              <a:t> </a:t>
+            </a:r>
+            <a:r>
+              <a:rPr lang="es-MX" sz="2800" dirty="0" err="1"/>
+              <a:t>overwrite</a:t>
+            </a:r>
+            <a:endParaRPr lang="es-MX" sz="2800" dirty="0"/>
+          </a:p>
+          <a:p>
+            <a:pPr algn="ctr"/>
+            <a:r>
+              <a:rPr lang="es-MX" sz="2800" b="1" dirty="0"/>
+              <a:t>Final </a:t>
+            </a:r>
+            <a:r>
+              <a:rPr lang="es-MX" sz="2800" b="1" dirty="0" err="1"/>
+              <a:t>Object</a:t>
+            </a:r>
+            <a:r>
+              <a:rPr lang="es-MX" sz="2800" dirty="0"/>
+              <a:t>, </a:t>
+            </a:r>
+            <a:r>
+              <a:rPr lang="es-MX" sz="2800" dirty="0" err="1"/>
+              <a:t>Cant´t</a:t>
+            </a:r>
+            <a:r>
+              <a:rPr lang="es-MX" sz="2800" dirty="0"/>
+              <a:t> Change </a:t>
+            </a:r>
+            <a:r>
+              <a:rPr lang="es-MX" sz="2800" dirty="0" err="1"/>
+              <a:t>the</a:t>
+            </a:r>
+            <a:r>
+              <a:rPr lang="es-MX" sz="2800" dirty="0"/>
+              <a:t> </a:t>
+            </a:r>
+            <a:r>
+              <a:rPr lang="es-MX" sz="2800" dirty="0" err="1"/>
+              <a:t>reference</a:t>
+            </a:r>
+            <a:endParaRPr lang="es-MX" sz="2800" dirty="0"/>
+          </a:p>
+        </p:txBody>
+      </p:sp>
     </p:spTree>
     <p:extLst>
       <p:ext uri="{BB962C8B-B14F-4D97-AF65-F5344CB8AC3E}">
-        <p14:creationId xmlns:p14="http://schemas.microsoft.com/office/powerpoint/2010/main" val="3195034610"/>
+        <p14:creationId xmlns:p14="http://schemas.microsoft.com/office/powerpoint/2010/main" val="3300458112"/>
       </p:ext>
     </p:extLst>
   </p:cSld>
@@ -4957,10 +5698,10 @@
       </p:grpSpPr>
       <p:pic>
         <p:nvPicPr>
-          <p:cNvPr id="4" name="Imagen 3">
-            <a:extLst>
-              <a:ext uri="{FF2B5EF4-FFF2-40B4-BE49-F238E27FC236}">
-                <a16:creationId xmlns:a16="http://schemas.microsoft.com/office/drawing/2014/main" id="{5E5AD1B7-2754-49E1-9B5B-50BE4B5F45FE}"/>
+          <p:cNvPr id="5" name="Imagen 4">
+            <a:extLst>
+              <a:ext uri="{FF2B5EF4-FFF2-40B4-BE49-F238E27FC236}">
+                <a16:creationId xmlns:a16="http://schemas.microsoft.com/office/drawing/2014/main" id="{9DCB142E-CE8A-4078-9E22-420A2F428246}"/>
               </a:ext>
             </a:extLst>
           </p:cNvPr>
@@ -4978,17 +5719,51 @@
         <p:spPr>
           <a:xfrm>
             <a:off x="0" y="0"/>
-            <a:ext cx="12192000" cy="6858000"/>
+            <a:ext cx="12192000" cy="6211669"/>
           </a:xfrm>
           <a:prstGeom prst="rect">
             <a:avLst/>
           </a:prstGeom>
         </p:spPr>
       </p:pic>
+      <p:sp>
+        <p:nvSpPr>
+          <p:cNvPr id="2" name="Rectángulo 1">
+            <a:extLst>
+              <a:ext uri="{FF2B5EF4-FFF2-40B4-BE49-F238E27FC236}">
+                <a16:creationId xmlns:a16="http://schemas.microsoft.com/office/drawing/2014/main" id="{ABA475EF-4CA3-4B06-AA21-F85AA5E8BF59}"/>
+              </a:ext>
+            </a:extLst>
+          </p:cNvPr>
+          <p:cNvSpPr/>
+          <p:nvPr/>
+        </p:nvSpPr>
+        <p:spPr>
+          <a:xfrm>
+            <a:off x="3167270" y="6211669"/>
+            <a:ext cx="6096000" cy="646331"/>
+          </a:xfrm>
+          <a:prstGeom prst="rect">
+            <a:avLst/>
+          </a:prstGeom>
+        </p:spPr>
+        <p:txBody>
+          <a:bodyPr>
+            <a:spAutoFit/>
+          </a:bodyPr>
+          <a:lstStyle/>
+          <a:p>
+            <a:r>
+              <a:rPr lang="es-MX" dirty="0"/>
+              <a:t>https://github.com/mota1299/XideralAcademiaJava/tree/main/Ex%C3%A1menes/Semana02/FinalPropositos/src</a:t>
+            </a:r>
+          </a:p>
+        </p:txBody>
+      </p:sp>
     </p:spTree>
     <p:extLst>
       <p:ext uri="{BB962C8B-B14F-4D97-AF65-F5344CB8AC3E}">
-        <p14:creationId xmlns:p14="http://schemas.microsoft.com/office/powerpoint/2010/main" val="524348941"/>
+        <p14:creationId xmlns:p14="http://schemas.microsoft.com/office/powerpoint/2010/main" val="701483189"/>
       </p:ext>
     </p:extLst>
   </p:cSld>
@@ -5080,10 +5855,34 @@
           <a:lstStyle/>
           <a:p>
             <a:r>
+              <a:rPr lang="es-ES" b="1" dirty="0" err="1">
+                <a:latin typeface="Britannic Bold" panose="020B0903060703020204" pitchFamily="34" charset="0"/>
+              </a:rPr>
+              <a:t>Multicatch</a:t>
+            </a:r>
+            <a:r>
               <a:rPr lang="es-ES" b="1" dirty="0">
                 <a:latin typeface="Britannic Bold" panose="020B0903060703020204" pitchFamily="34" charset="0"/>
               </a:rPr>
-              <a:t>Asynchronous vs Synchronous</a:t>
+              <a:t> and Try </a:t>
+            </a:r>
+            <a:r>
+              <a:rPr lang="es-ES" b="1" dirty="0" err="1">
+                <a:latin typeface="Britannic Bold" panose="020B0903060703020204" pitchFamily="34" charset="0"/>
+              </a:rPr>
+              <a:t>with</a:t>
+            </a:r>
+            <a:r>
+              <a:rPr lang="es-ES" b="1" dirty="0">
+                <a:latin typeface="Britannic Bold" panose="020B0903060703020204" pitchFamily="34" charset="0"/>
+              </a:rPr>
+              <a:t> </a:t>
+            </a:r>
+            <a:r>
+              <a:rPr lang="es-ES" b="1" dirty="0" err="1">
+                <a:latin typeface="Britannic Bold" panose="020B0903060703020204" pitchFamily="34" charset="0"/>
+              </a:rPr>
+              <a:t>resources</a:t>
             </a:r>
             <a:endParaRPr lang="es-MX" dirty="0">
               <a:latin typeface="Britannic Bold" panose="020B0903060703020204" pitchFamily="34" charset="0"/>
@@ -5182,7 +5981,7 @@
     </p:spTree>
     <p:extLst>
       <p:ext uri="{BB962C8B-B14F-4D97-AF65-F5344CB8AC3E}">
-        <p14:creationId xmlns:p14="http://schemas.microsoft.com/office/powerpoint/2010/main" val="2885140317"/>
+        <p14:creationId xmlns:p14="http://schemas.microsoft.com/office/powerpoint/2010/main" val="3195034610"/>
       </p:ext>
     </p:extLst>
   </p:cSld>
@@ -5211,10 +6010,10 @@
       </p:grpSpPr>
       <p:pic>
         <p:nvPicPr>
-          <p:cNvPr id="10" name="Imagen 9">
-            <a:extLst>
-              <a:ext uri="{FF2B5EF4-FFF2-40B4-BE49-F238E27FC236}">
-                <a16:creationId xmlns:a16="http://schemas.microsoft.com/office/drawing/2014/main" id="{15B1CB55-DE9C-472F-9798-9D941F19E5AD}"/>
+          <p:cNvPr id="4" name="Imagen 3">
+            <a:extLst>
+              <a:ext uri="{FF2B5EF4-FFF2-40B4-BE49-F238E27FC236}">
+                <a16:creationId xmlns:a16="http://schemas.microsoft.com/office/drawing/2014/main" id="{5E5AD1B7-2754-49E1-9B5B-50BE4B5F45FE}"/>
               </a:ext>
             </a:extLst>
           </p:cNvPr>
@@ -5224,13 +6023,7 @@
           <p:nvPr/>
         </p:nvPicPr>
         <p:blipFill>
-          <a:blip r:embed="rId2">
-            <a:extLst>
-              <a:ext uri="{28A0092B-C50C-407E-A947-70E740481C1C}">
-                <a14:useLocalDpi xmlns:a14="http://schemas.microsoft.com/office/drawing/2010/main" val="0"/>
-              </a:ext>
-            </a:extLst>
-          </a:blip>
+          <a:blip r:embed="rId2"/>
           <a:stretch>
             <a:fillRect/>
           </a:stretch>
@@ -5238,7 +6031,7 @@
         <p:spPr>
           <a:xfrm>
             <a:off x="0" y="0"/>
-            <a:ext cx="12192000" cy="6858000"/>
+            <a:ext cx="12192000" cy="6202017"/>
           </a:xfrm>
           <a:prstGeom prst="rect">
             <a:avLst/>
@@ -5247,10 +6040,10 @@
       </p:pic>
       <p:sp>
         <p:nvSpPr>
-          <p:cNvPr id="6" name="Flecha: cheurón 5">
-            <a:extLst>
-              <a:ext uri="{FF2B5EF4-FFF2-40B4-BE49-F238E27FC236}">
-                <a16:creationId xmlns:a16="http://schemas.microsoft.com/office/drawing/2014/main" id="{DA09EE50-F526-4891-8212-52998030CBC2}"/>
+          <p:cNvPr id="3" name="Rectángulo 2">
+            <a:extLst>
+              <a:ext uri="{FF2B5EF4-FFF2-40B4-BE49-F238E27FC236}">
+                <a16:creationId xmlns:a16="http://schemas.microsoft.com/office/drawing/2014/main" id="{75EAE8ED-F9CA-4618-B803-986AC83799E3}"/>
               </a:ext>
             </a:extLst>
           </p:cNvPr>
@@ -5258,879 +6051,23 @@
           <p:nvPr/>
         </p:nvSpPr>
         <p:spPr>
-          <a:xfrm rot="5400000">
-            <a:off x="2769706" y="2577549"/>
-            <a:ext cx="1086678" cy="1152939"/>
-          </a:xfrm>
-          <a:prstGeom prst="chevron">
-            <a:avLst/>
-          </a:prstGeom>
-          <a:solidFill>
-            <a:srgbClr val="FF0000"/>
-          </a:solidFill>
-          <a:ln>
-            <a:noFill/>
-          </a:ln>
-        </p:spPr>
-        <p:style>
-          <a:lnRef idx="2">
-            <a:schemeClr val="accent1">
-              <a:shade val="50000"/>
-            </a:schemeClr>
-          </a:lnRef>
-          <a:fillRef idx="1">
-            <a:schemeClr val="accent1"/>
-          </a:fillRef>
-          <a:effectRef idx="0">
-            <a:schemeClr val="accent1"/>
-          </a:effectRef>
-          <a:fontRef idx="minor">
-            <a:schemeClr val="lt1"/>
-          </a:fontRef>
-        </p:style>
-        <p:txBody>
-          <a:bodyPr rtlCol="0" anchor="ctr"/>
-          <a:lstStyle/>
-          <a:p>
-            <a:pPr algn="ctr"/>
-            <a:endParaRPr lang="es-MX">
-              <a:solidFill>
-                <a:schemeClr val="tx1"/>
-              </a:solidFill>
-            </a:endParaRPr>
-          </a:p>
-        </p:txBody>
-      </p:sp>
-      <p:sp>
-        <p:nvSpPr>
-          <p:cNvPr id="16" name="Flecha: cheurón 15">
-            <a:extLst>
-              <a:ext uri="{FF2B5EF4-FFF2-40B4-BE49-F238E27FC236}">
-                <a16:creationId xmlns:a16="http://schemas.microsoft.com/office/drawing/2014/main" id="{B3DD83D6-86A4-4CC3-B24C-945633CF9E09}"/>
-              </a:ext>
-            </a:extLst>
-          </p:cNvPr>
-          <p:cNvSpPr/>
-          <p:nvPr/>
-        </p:nvSpPr>
-        <p:spPr>
-          <a:xfrm rot="5400000">
-            <a:off x="2769705" y="4015409"/>
-            <a:ext cx="1086678" cy="1152939"/>
-          </a:xfrm>
-          <a:prstGeom prst="chevron">
-            <a:avLst/>
-          </a:prstGeom>
-          <a:solidFill>
-            <a:srgbClr val="FF0000"/>
-          </a:solidFill>
-          <a:ln>
-            <a:noFill/>
-          </a:ln>
-        </p:spPr>
-        <p:style>
-          <a:lnRef idx="2">
-            <a:schemeClr val="accent1">
-              <a:shade val="50000"/>
-            </a:schemeClr>
-          </a:lnRef>
-          <a:fillRef idx="1">
-            <a:schemeClr val="accent1"/>
-          </a:fillRef>
-          <a:effectRef idx="0">
-            <a:schemeClr val="accent1"/>
-          </a:effectRef>
-          <a:fontRef idx="minor">
-            <a:schemeClr val="lt1"/>
-          </a:fontRef>
-        </p:style>
-        <p:txBody>
-          <a:bodyPr rtlCol="0" anchor="ctr"/>
-          <a:lstStyle/>
-          <a:p>
-            <a:pPr algn="ctr"/>
-            <a:endParaRPr lang="es-MX">
-              <a:solidFill>
-                <a:schemeClr val="tx1"/>
-              </a:solidFill>
-            </a:endParaRPr>
-          </a:p>
-        </p:txBody>
-      </p:sp>
-      <p:sp>
-        <p:nvSpPr>
-          <p:cNvPr id="17" name="Flecha: cheurón 16">
-            <a:extLst>
-              <a:ext uri="{FF2B5EF4-FFF2-40B4-BE49-F238E27FC236}">
-                <a16:creationId xmlns:a16="http://schemas.microsoft.com/office/drawing/2014/main" id="{6FF72934-A628-405B-A435-A49497189FA6}"/>
-              </a:ext>
-            </a:extLst>
-          </p:cNvPr>
-          <p:cNvSpPr/>
-          <p:nvPr/>
-        </p:nvSpPr>
-        <p:spPr>
-          <a:xfrm rot="5400000">
-            <a:off x="7209184" y="4492490"/>
-            <a:ext cx="1086678" cy="1152939"/>
-          </a:xfrm>
-          <a:prstGeom prst="chevron">
-            <a:avLst/>
-          </a:prstGeom>
-          <a:solidFill>
-            <a:schemeClr val="accent6"/>
-          </a:solidFill>
-          <a:ln>
-            <a:noFill/>
-          </a:ln>
-        </p:spPr>
-        <p:style>
-          <a:lnRef idx="2">
-            <a:schemeClr val="accent1">
-              <a:shade val="50000"/>
-            </a:schemeClr>
-          </a:lnRef>
-          <a:fillRef idx="1">
-            <a:schemeClr val="accent1"/>
-          </a:fillRef>
-          <a:effectRef idx="0">
-            <a:schemeClr val="accent1"/>
-          </a:effectRef>
-          <a:fontRef idx="minor">
-            <a:schemeClr val="lt1"/>
-          </a:fontRef>
-        </p:style>
-        <p:txBody>
-          <a:bodyPr rtlCol="0" anchor="ctr"/>
-          <a:lstStyle/>
-          <a:p>
-            <a:pPr algn="ctr"/>
-            <a:endParaRPr lang="es-MX">
-              <a:solidFill>
-                <a:schemeClr val="tx1"/>
-              </a:solidFill>
-            </a:endParaRPr>
-          </a:p>
-        </p:txBody>
-      </p:sp>
-      <p:sp>
-        <p:nvSpPr>
-          <p:cNvPr id="18" name="Flecha: cheurón 17">
-            <a:extLst>
-              <a:ext uri="{FF2B5EF4-FFF2-40B4-BE49-F238E27FC236}">
-                <a16:creationId xmlns:a16="http://schemas.microsoft.com/office/drawing/2014/main" id="{9F6430FB-BE6A-4E20-A0CF-4276B0FA602A}"/>
-              </a:ext>
-            </a:extLst>
-          </p:cNvPr>
-          <p:cNvSpPr/>
-          <p:nvPr/>
-        </p:nvSpPr>
-        <p:spPr>
-          <a:xfrm rot="5400000">
-            <a:off x="9081053" y="3273288"/>
-            <a:ext cx="1086678" cy="1152939"/>
-          </a:xfrm>
-          <a:prstGeom prst="chevron">
-            <a:avLst/>
-          </a:prstGeom>
-          <a:solidFill>
-            <a:schemeClr val="accent6"/>
-          </a:solidFill>
-          <a:ln>
-            <a:noFill/>
-          </a:ln>
-        </p:spPr>
-        <p:style>
-          <a:lnRef idx="2">
-            <a:schemeClr val="accent1">
-              <a:shade val="50000"/>
-            </a:schemeClr>
-          </a:lnRef>
-          <a:fillRef idx="1">
-            <a:schemeClr val="accent1"/>
-          </a:fillRef>
-          <a:effectRef idx="0">
-            <a:schemeClr val="accent1"/>
-          </a:effectRef>
-          <a:fontRef idx="minor">
-            <a:schemeClr val="lt1"/>
-          </a:fontRef>
-        </p:style>
-        <p:txBody>
-          <a:bodyPr rtlCol="0" anchor="ctr"/>
-          <a:lstStyle/>
-          <a:p>
-            <a:pPr algn="ctr"/>
-            <a:endParaRPr lang="es-MX">
-              <a:solidFill>
-                <a:schemeClr val="tx1"/>
-              </a:solidFill>
-            </a:endParaRPr>
-          </a:p>
-        </p:txBody>
-      </p:sp>
-      <p:sp>
-        <p:nvSpPr>
-          <p:cNvPr id="19" name="Flecha: cheurón 18">
-            <a:extLst>
-              <a:ext uri="{FF2B5EF4-FFF2-40B4-BE49-F238E27FC236}">
-                <a16:creationId xmlns:a16="http://schemas.microsoft.com/office/drawing/2014/main" id="{80062488-88F7-4590-AAD8-EF606BADAA22}"/>
-              </a:ext>
-            </a:extLst>
-          </p:cNvPr>
-          <p:cNvSpPr/>
-          <p:nvPr/>
-        </p:nvSpPr>
-        <p:spPr>
-          <a:xfrm rot="5400000">
-            <a:off x="7089914" y="2597425"/>
-            <a:ext cx="1086678" cy="1152939"/>
-          </a:xfrm>
-          <a:prstGeom prst="chevron">
-            <a:avLst/>
-          </a:prstGeom>
-          <a:solidFill>
-            <a:schemeClr val="accent6"/>
-          </a:solidFill>
-          <a:ln>
-            <a:noFill/>
-          </a:ln>
-        </p:spPr>
-        <p:style>
-          <a:lnRef idx="2">
-            <a:schemeClr val="accent1">
-              <a:shade val="50000"/>
-            </a:schemeClr>
-          </a:lnRef>
-          <a:fillRef idx="1">
-            <a:schemeClr val="accent1"/>
-          </a:fillRef>
-          <a:effectRef idx="0">
-            <a:schemeClr val="accent1"/>
-          </a:effectRef>
-          <a:fontRef idx="minor">
-            <a:schemeClr val="lt1"/>
-          </a:fontRef>
-        </p:style>
-        <p:txBody>
-          <a:bodyPr rtlCol="0" anchor="ctr"/>
-          <a:lstStyle/>
-          <a:p>
-            <a:pPr algn="ctr"/>
-            <a:endParaRPr lang="es-MX">
-              <a:solidFill>
-                <a:schemeClr val="tx1"/>
-              </a:solidFill>
-            </a:endParaRPr>
-          </a:p>
-        </p:txBody>
-      </p:sp>
-      <p:sp>
-        <p:nvSpPr>
-          <p:cNvPr id="20" name="Flecha: cheurón 19">
-            <a:extLst>
-              <a:ext uri="{FF2B5EF4-FFF2-40B4-BE49-F238E27FC236}">
-                <a16:creationId xmlns:a16="http://schemas.microsoft.com/office/drawing/2014/main" id="{C271D4FA-855D-4F7A-9774-AA232BD7867D}"/>
-              </a:ext>
-            </a:extLst>
-          </p:cNvPr>
-          <p:cNvSpPr/>
-          <p:nvPr/>
-        </p:nvSpPr>
-        <p:spPr>
-          <a:xfrm rot="5400000">
-            <a:off x="8845827" y="1490870"/>
-            <a:ext cx="1086678" cy="1152939"/>
-          </a:xfrm>
-          <a:prstGeom prst="chevron">
-            <a:avLst/>
-          </a:prstGeom>
-          <a:solidFill>
-            <a:schemeClr val="accent6"/>
-          </a:solidFill>
-          <a:ln>
-            <a:noFill/>
-          </a:ln>
-        </p:spPr>
-        <p:style>
-          <a:lnRef idx="2">
-            <a:schemeClr val="accent1">
-              <a:shade val="50000"/>
-            </a:schemeClr>
-          </a:lnRef>
-          <a:fillRef idx="1">
-            <a:schemeClr val="accent1"/>
-          </a:fillRef>
-          <a:effectRef idx="0">
-            <a:schemeClr val="accent1"/>
-          </a:effectRef>
-          <a:fontRef idx="minor">
-            <a:schemeClr val="lt1"/>
-          </a:fontRef>
-        </p:style>
-        <p:txBody>
-          <a:bodyPr rtlCol="0" anchor="ctr"/>
-          <a:lstStyle/>
-          <a:p>
-            <a:pPr algn="ctr"/>
-            <a:endParaRPr lang="es-MX">
-              <a:solidFill>
-                <a:schemeClr val="tx1"/>
-              </a:solidFill>
-            </a:endParaRPr>
-          </a:p>
-        </p:txBody>
-      </p:sp>
-      <p:sp>
-        <p:nvSpPr>
-          <p:cNvPr id="21" name="Flecha: cheurón 20">
-            <a:extLst>
-              <a:ext uri="{FF2B5EF4-FFF2-40B4-BE49-F238E27FC236}">
-                <a16:creationId xmlns:a16="http://schemas.microsoft.com/office/drawing/2014/main" id="{EE6D3AC4-5E74-47BB-91A0-CDDB2DFC2A84}"/>
-              </a:ext>
-            </a:extLst>
-          </p:cNvPr>
-          <p:cNvSpPr/>
-          <p:nvPr/>
-        </p:nvSpPr>
-        <p:spPr>
-          <a:xfrm rot="5400000">
-            <a:off x="2769705" y="5453270"/>
-            <a:ext cx="1086678" cy="1152939"/>
-          </a:xfrm>
-          <a:prstGeom prst="chevron">
-            <a:avLst/>
-          </a:prstGeom>
-          <a:solidFill>
-            <a:srgbClr val="FF0000"/>
-          </a:solidFill>
-          <a:ln>
-            <a:noFill/>
-          </a:ln>
-        </p:spPr>
-        <p:style>
-          <a:lnRef idx="2">
-            <a:schemeClr val="accent1">
-              <a:shade val="50000"/>
-            </a:schemeClr>
-          </a:lnRef>
-          <a:fillRef idx="1">
-            <a:schemeClr val="accent1"/>
-          </a:fillRef>
-          <a:effectRef idx="0">
-            <a:schemeClr val="accent1"/>
-          </a:effectRef>
-          <a:fontRef idx="minor">
-            <a:schemeClr val="lt1"/>
-          </a:fontRef>
-        </p:style>
-        <p:txBody>
-          <a:bodyPr rtlCol="0" anchor="ctr"/>
-          <a:lstStyle/>
-          <a:p>
-            <a:pPr algn="ctr"/>
-            <a:endParaRPr lang="es-MX">
-              <a:solidFill>
-                <a:schemeClr val="tx1"/>
-              </a:solidFill>
-            </a:endParaRPr>
-          </a:p>
-        </p:txBody>
-      </p:sp>
-      <p:sp>
-        <p:nvSpPr>
-          <p:cNvPr id="22" name="Flecha: cheurón 21">
-            <a:extLst>
-              <a:ext uri="{FF2B5EF4-FFF2-40B4-BE49-F238E27FC236}">
-                <a16:creationId xmlns:a16="http://schemas.microsoft.com/office/drawing/2014/main" id="{3A196E4F-D950-41A4-83BD-52ECE50DABD1}"/>
-              </a:ext>
-            </a:extLst>
-          </p:cNvPr>
-          <p:cNvSpPr/>
-          <p:nvPr/>
-        </p:nvSpPr>
-        <p:spPr>
-          <a:xfrm rot="5400000">
-            <a:off x="2769706" y="1315280"/>
-            <a:ext cx="1086678" cy="1152939"/>
-          </a:xfrm>
-          <a:prstGeom prst="chevron">
-            <a:avLst/>
-          </a:prstGeom>
-          <a:solidFill>
-            <a:srgbClr val="FF0000"/>
-          </a:solidFill>
-          <a:ln>
-            <a:noFill/>
-          </a:ln>
-        </p:spPr>
-        <p:style>
-          <a:lnRef idx="2">
-            <a:schemeClr val="accent1">
-              <a:shade val="50000"/>
-            </a:schemeClr>
-          </a:lnRef>
-          <a:fillRef idx="1">
-            <a:schemeClr val="accent1"/>
-          </a:fillRef>
-          <a:effectRef idx="0">
-            <a:schemeClr val="accent1"/>
-          </a:effectRef>
-          <a:fontRef idx="minor">
-            <a:schemeClr val="lt1"/>
-          </a:fontRef>
-        </p:style>
-        <p:txBody>
-          <a:bodyPr rtlCol="0" anchor="ctr"/>
-          <a:lstStyle/>
-          <a:p>
-            <a:pPr algn="ctr"/>
-            <a:endParaRPr lang="es-MX">
-              <a:solidFill>
-                <a:schemeClr val="tx1"/>
-              </a:solidFill>
-            </a:endParaRPr>
-          </a:p>
-        </p:txBody>
-      </p:sp>
-      <p:sp>
-        <p:nvSpPr>
-          <p:cNvPr id="23" name="Flecha: hacia abajo 22">
-            <a:extLst>
-              <a:ext uri="{FF2B5EF4-FFF2-40B4-BE49-F238E27FC236}">
-                <a16:creationId xmlns:a16="http://schemas.microsoft.com/office/drawing/2014/main" id="{0800173A-E1EA-4362-AA9F-F85833F1C5EB}"/>
-              </a:ext>
-            </a:extLst>
-          </p:cNvPr>
-          <p:cNvSpPr/>
-          <p:nvPr/>
-        </p:nvSpPr>
-        <p:spPr>
-          <a:xfrm>
-            <a:off x="5850835" y="0"/>
-            <a:ext cx="490330" cy="6858000"/>
-          </a:xfrm>
-          <a:prstGeom prst="downArrow">
-            <a:avLst/>
-          </a:prstGeom>
-          <a:solidFill>
-            <a:schemeClr val="tx1">
-              <a:lumMod val="95000"/>
-              <a:lumOff val="5000"/>
-            </a:schemeClr>
-          </a:solidFill>
-          <a:ln>
-            <a:solidFill>
-              <a:schemeClr val="tx1">
-                <a:lumMod val="95000"/>
-                <a:lumOff val="5000"/>
-              </a:schemeClr>
-            </a:solidFill>
-          </a:ln>
-        </p:spPr>
-        <p:style>
-          <a:lnRef idx="2">
-            <a:schemeClr val="accent1">
-              <a:shade val="50000"/>
-            </a:schemeClr>
-          </a:lnRef>
-          <a:fillRef idx="1">
-            <a:schemeClr val="accent1"/>
-          </a:fillRef>
-          <a:effectRef idx="0">
-            <a:schemeClr val="accent1"/>
-          </a:effectRef>
-          <a:fontRef idx="minor">
-            <a:schemeClr val="lt1"/>
-          </a:fontRef>
-        </p:style>
-        <p:txBody>
-          <a:bodyPr rtlCol="0" anchor="ctr"/>
-          <a:lstStyle/>
-          <a:p>
-            <a:pPr algn="ctr"/>
-            <a:endParaRPr lang="es-MX"/>
-          </a:p>
-        </p:txBody>
-      </p:sp>
-      <p:sp>
-        <p:nvSpPr>
-          <p:cNvPr id="24" name="CuadroTexto 23">
-            <a:extLst>
-              <a:ext uri="{FF2B5EF4-FFF2-40B4-BE49-F238E27FC236}">
-                <a16:creationId xmlns:a16="http://schemas.microsoft.com/office/drawing/2014/main" id="{93BAC64A-9C6A-447C-A656-B974D6D58438}"/>
-              </a:ext>
-            </a:extLst>
-          </p:cNvPr>
-          <p:cNvSpPr txBox="1"/>
-          <p:nvPr/>
-        </p:nvSpPr>
-        <p:spPr>
-          <a:xfrm>
-            <a:off x="7209185" y="4407212"/>
-            <a:ext cx="1245702" cy="369332"/>
+          <a:xfrm>
+            <a:off x="3048000" y="6218922"/>
+            <a:ext cx="6096000" cy="646331"/>
           </a:xfrm>
           <a:prstGeom prst="rect">
             <a:avLst/>
           </a:prstGeom>
-          <a:noFill/>
-        </p:spPr>
-        <p:txBody>
-          <a:bodyPr wrap="square" rtlCol="0">
+        </p:spPr>
+        <p:txBody>
+          <a:bodyPr>
             <a:spAutoFit/>
           </a:bodyPr>
           <a:lstStyle/>
           <a:p>
             <a:r>
-              <a:rPr lang="es-MX" dirty="0" err="1"/>
-              <a:t>Process</a:t>
-            </a:r>
-            <a:r>
               <a:rPr lang="es-MX" dirty="0"/>
-              <a:t> 4</a:t>
-            </a:r>
-          </a:p>
-        </p:txBody>
-      </p:sp>
-      <p:sp>
-        <p:nvSpPr>
-          <p:cNvPr id="26" name="CuadroTexto 25">
-            <a:extLst>
-              <a:ext uri="{FF2B5EF4-FFF2-40B4-BE49-F238E27FC236}">
-                <a16:creationId xmlns:a16="http://schemas.microsoft.com/office/drawing/2014/main" id="{BDF57299-B16D-4615-B298-B75ACF1998C0}"/>
-              </a:ext>
-            </a:extLst>
-          </p:cNvPr>
-          <p:cNvSpPr txBox="1"/>
-          <p:nvPr/>
-        </p:nvSpPr>
-        <p:spPr>
-          <a:xfrm>
-            <a:off x="8832574" y="1348410"/>
-            <a:ext cx="1245702" cy="369332"/>
-          </a:xfrm>
-          <a:prstGeom prst="rect">
-            <a:avLst/>
-          </a:prstGeom>
-          <a:noFill/>
-        </p:spPr>
-        <p:txBody>
-          <a:bodyPr wrap="square" rtlCol="0">
-            <a:spAutoFit/>
-          </a:bodyPr>
-          <a:lstStyle/>
-          <a:p>
-            <a:r>
-              <a:rPr lang="es-MX" dirty="0" err="1"/>
-              <a:t>Process</a:t>
-            </a:r>
-            <a:r>
-              <a:rPr lang="es-MX" dirty="0"/>
-              <a:t> 1</a:t>
-            </a:r>
-          </a:p>
-        </p:txBody>
-      </p:sp>
-      <p:sp>
-        <p:nvSpPr>
-          <p:cNvPr id="27" name="CuadroTexto 26">
-            <a:extLst>
-              <a:ext uri="{FF2B5EF4-FFF2-40B4-BE49-F238E27FC236}">
-                <a16:creationId xmlns:a16="http://schemas.microsoft.com/office/drawing/2014/main" id="{190316EE-5642-40F3-B58B-463DDF7AC154}"/>
-              </a:ext>
-            </a:extLst>
-          </p:cNvPr>
-          <p:cNvSpPr txBox="1"/>
-          <p:nvPr/>
-        </p:nvSpPr>
-        <p:spPr>
-          <a:xfrm>
-            <a:off x="7086601" y="2445889"/>
-            <a:ext cx="1245702" cy="369332"/>
-          </a:xfrm>
-          <a:prstGeom prst="rect">
-            <a:avLst/>
-          </a:prstGeom>
-          <a:noFill/>
-        </p:spPr>
-        <p:txBody>
-          <a:bodyPr wrap="square" rtlCol="0">
-            <a:spAutoFit/>
-          </a:bodyPr>
-          <a:lstStyle/>
-          <a:p>
-            <a:r>
-              <a:rPr lang="es-MX" dirty="0" err="1"/>
-              <a:t>Process</a:t>
-            </a:r>
-            <a:r>
-              <a:rPr lang="es-MX" dirty="0"/>
-              <a:t> 2</a:t>
-            </a:r>
-          </a:p>
-        </p:txBody>
-      </p:sp>
-      <p:sp>
-        <p:nvSpPr>
-          <p:cNvPr id="28" name="CuadroTexto 27">
-            <a:extLst>
-              <a:ext uri="{FF2B5EF4-FFF2-40B4-BE49-F238E27FC236}">
-                <a16:creationId xmlns:a16="http://schemas.microsoft.com/office/drawing/2014/main" id="{1B762162-BF52-4844-994C-9CE12DBE18E4}"/>
-              </a:ext>
-            </a:extLst>
-          </p:cNvPr>
-          <p:cNvSpPr txBox="1"/>
-          <p:nvPr/>
-        </p:nvSpPr>
-        <p:spPr>
-          <a:xfrm>
-            <a:off x="9117499" y="3121752"/>
-            <a:ext cx="1245702" cy="369332"/>
-          </a:xfrm>
-          <a:prstGeom prst="rect">
-            <a:avLst/>
-          </a:prstGeom>
-          <a:noFill/>
-        </p:spPr>
-        <p:txBody>
-          <a:bodyPr wrap="square" rtlCol="0">
-            <a:spAutoFit/>
-          </a:bodyPr>
-          <a:lstStyle/>
-          <a:p>
-            <a:r>
-              <a:rPr lang="es-MX" dirty="0" err="1"/>
-              <a:t>Process</a:t>
-            </a:r>
-            <a:r>
-              <a:rPr lang="es-MX" dirty="0"/>
-              <a:t> 3</a:t>
-            </a:r>
-          </a:p>
-        </p:txBody>
-      </p:sp>
-      <p:sp>
-        <p:nvSpPr>
-          <p:cNvPr id="29" name="CuadroTexto 28">
-            <a:extLst>
-              <a:ext uri="{FF2B5EF4-FFF2-40B4-BE49-F238E27FC236}">
-                <a16:creationId xmlns:a16="http://schemas.microsoft.com/office/drawing/2014/main" id="{13641E86-E48E-4025-B447-7C878FADE511}"/>
-              </a:ext>
-            </a:extLst>
-          </p:cNvPr>
-          <p:cNvSpPr txBox="1"/>
-          <p:nvPr/>
-        </p:nvSpPr>
-        <p:spPr>
-          <a:xfrm>
-            <a:off x="2779645" y="1249956"/>
-            <a:ext cx="1245702" cy="369332"/>
-          </a:xfrm>
-          <a:prstGeom prst="rect">
-            <a:avLst/>
-          </a:prstGeom>
-          <a:noFill/>
-        </p:spPr>
-        <p:txBody>
-          <a:bodyPr wrap="square" rtlCol="0">
-            <a:spAutoFit/>
-          </a:bodyPr>
-          <a:lstStyle/>
-          <a:p>
-            <a:r>
-              <a:rPr lang="es-MX" dirty="0" err="1"/>
-              <a:t>Process</a:t>
-            </a:r>
-            <a:r>
-              <a:rPr lang="es-MX" dirty="0"/>
-              <a:t> 1</a:t>
-            </a:r>
-          </a:p>
-        </p:txBody>
-      </p:sp>
-      <p:sp>
-        <p:nvSpPr>
-          <p:cNvPr id="30" name="CuadroTexto 29">
-            <a:extLst>
-              <a:ext uri="{FF2B5EF4-FFF2-40B4-BE49-F238E27FC236}">
-                <a16:creationId xmlns:a16="http://schemas.microsoft.com/office/drawing/2014/main" id="{7CC0651D-320A-469F-95B1-81AF0D2AE6D7}"/>
-              </a:ext>
-            </a:extLst>
-          </p:cNvPr>
-          <p:cNvSpPr txBox="1"/>
-          <p:nvPr/>
-        </p:nvSpPr>
-        <p:spPr>
-          <a:xfrm>
-            <a:off x="2786269" y="2506969"/>
-            <a:ext cx="1245702" cy="369332"/>
-          </a:xfrm>
-          <a:prstGeom prst="rect">
-            <a:avLst/>
-          </a:prstGeom>
-          <a:noFill/>
-        </p:spPr>
-        <p:txBody>
-          <a:bodyPr wrap="square" rtlCol="0">
-            <a:spAutoFit/>
-          </a:bodyPr>
-          <a:lstStyle/>
-          <a:p>
-            <a:r>
-              <a:rPr lang="es-MX" dirty="0" err="1"/>
-              <a:t>Process</a:t>
-            </a:r>
-            <a:r>
-              <a:rPr lang="es-MX" dirty="0"/>
-              <a:t> 2</a:t>
-            </a:r>
-          </a:p>
-        </p:txBody>
-      </p:sp>
-      <p:sp>
-        <p:nvSpPr>
-          <p:cNvPr id="31" name="CuadroTexto 30">
-            <a:extLst>
-              <a:ext uri="{FF2B5EF4-FFF2-40B4-BE49-F238E27FC236}">
-                <a16:creationId xmlns:a16="http://schemas.microsoft.com/office/drawing/2014/main" id="{AD48472D-8CD2-4099-AD91-B854DC5ED173}"/>
-              </a:ext>
-            </a:extLst>
-          </p:cNvPr>
-          <p:cNvSpPr txBox="1"/>
-          <p:nvPr/>
-        </p:nvSpPr>
-        <p:spPr>
-          <a:xfrm>
-            <a:off x="2786269" y="3981700"/>
-            <a:ext cx="1245702" cy="369332"/>
-          </a:xfrm>
-          <a:prstGeom prst="rect">
-            <a:avLst/>
-          </a:prstGeom>
-          <a:noFill/>
-        </p:spPr>
-        <p:txBody>
-          <a:bodyPr wrap="square" rtlCol="0">
-            <a:spAutoFit/>
-          </a:bodyPr>
-          <a:lstStyle/>
-          <a:p>
-            <a:r>
-              <a:rPr lang="es-MX" dirty="0" err="1"/>
-              <a:t>Process</a:t>
-            </a:r>
-            <a:r>
-              <a:rPr lang="es-MX" dirty="0"/>
-              <a:t> 3</a:t>
-            </a:r>
-          </a:p>
-        </p:txBody>
-      </p:sp>
-      <p:sp>
-        <p:nvSpPr>
-          <p:cNvPr id="32" name="CuadroTexto 31">
-            <a:extLst>
-              <a:ext uri="{FF2B5EF4-FFF2-40B4-BE49-F238E27FC236}">
-                <a16:creationId xmlns:a16="http://schemas.microsoft.com/office/drawing/2014/main" id="{B34214E4-279D-41B2-80C0-13F14A9718A3}"/>
-              </a:ext>
-            </a:extLst>
-          </p:cNvPr>
-          <p:cNvSpPr txBox="1"/>
-          <p:nvPr/>
-        </p:nvSpPr>
-        <p:spPr>
-          <a:xfrm>
-            <a:off x="2799522" y="5383270"/>
-            <a:ext cx="1245702" cy="369332"/>
-          </a:xfrm>
-          <a:prstGeom prst="rect">
-            <a:avLst/>
-          </a:prstGeom>
-          <a:noFill/>
-        </p:spPr>
-        <p:txBody>
-          <a:bodyPr wrap="square" rtlCol="0">
-            <a:spAutoFit/>
-          </a:bodyPr>
-          <a:lstStyle/>
-          <a:p>
-            <a:r>
-              <a:rPr lang="es-MX" dirty="0" err="1"/>
-              <a:t>Process</a:t>
-            </a:r>
-            <a:r>
-              <a:rPr lang="es-MX" dirty="0"/>
-              <a:t> 4</a:t>
-            </a:r>
-          </a:p>
-        </p:txBody>
-      </p:sp>
-      <p:sp>
-        <p:nvSpPr>
-          <p:cNvPr id="33" name="CuadroTexto 32">
-            <a:extLst>
-              <a:ext uri="{FF2B5EF4-FFF2-40B4-BE49-F238E27FC236}">
-                <a16:creationId xmlns:a16="http://schemas.microsoft.com/office/drawing/2014/main" id="{68B36B0A-779C-4171-A178-31C849CD89A6}"/>
-              </a:ext>
-            </a:extLst>
-          </p:cNvPr>
-          <p:cNvSpPr txBox="1"/>
-          <p:nvPr/>
-        </p:nvSpPr>
-        <p:spPr>
-          <a:xfrm>
-            <a:off x="2193234" y="505235"/>
-            <a:ext cx="2458277" cy="523220"/>
-          </a:xfrm>
-          <a:prstGeom prst="rect">
-            <a:avLst/>
-          </a:prstGeom>
-          <a:noFill/>
-        </p:spPr>
-        <p:txBody>
-          <a:bodyPr wrap="square" rtlCol="0">
-            <a:spAutoFit/>
-          </a:bodyPr>
-          <a:lstStyle/>
-          <a:p>
-            <a:r>
-              <a:rPr lang="es-MX" sz="2800" dirty="0"/>
-              <a:t>SYNCHRONOUS</a:t>
-            </a:r>
-          </a:p>
-        </p:txBody>
-      </p:sp>
-      <p:sp>
-        <p:nvSpPr>
-          <p:cNvPr id="34" name="CuadroTexto 33">
-            <a:extLst>
-              <a:ext uri="{FF2B5EF4-FFF2-40B4-BE49-F238E27FC236}">
-                <a16:creationId xmlns:a16="http://schemas.microsoft.com/office/drawing/2014/main" id="{CA25CE9D-4715-4ADB-B90A-5C044279CC06}"/>
-              </a:ext>
-            </a:extLst>
-          </p:cNvPr>
-          <p:cNvSpPr txBox="1"/>
-          <p:nvPr/>
-        </p:nvSpPr>
-        <p:spPr>
-          <a:xfrm>
-            <a:off x="7583557" y="512655"/>
-            <a:ext cx="2779644" cy="523220"/>
-          </a:xfrm>
-          <a:prstGeom prst="rect">
-            <a:avLst/>
-          </a:prstGeom>
-          <a:noFill/>
-        </p:spPr>
-        <p:txBody>
-          <a:bodyPr wrap="square" rtlCol="0">
-            <a:spAutoFit/>
-          </a:bodyPr>
-          <a:lstStyle/>
-          <a:p>
-            <a:r>
-              <a:rPr lang="es-MX" sz="2800" dirty="0"/>
-              <a:t>ASYNCHRONOUS</a:t>
+              <a:t>https://github.com/mota1299/XideralAcademiaJava/tree/main/Ex%C3%A1menes/Semana02/SucursalesID/src</a:t>
             </a:r>
           </a:p>
         </p:txBody>
@@ -6138,7 +6075,7 @@
     </p:spTree>
     <p:extLst>
       <p:ext uri="{BB962C8B-B14F-4D97-AF65-F5344CB8AC3E}">
-        <p14:creationId xmlns:p14="http://schemas.microsoft.com/office/powerpoint/2010/main" val="1418962157"/>
+        <p14:creationId xmlns:p14="http://schemas.microsoft.com/office/powerpoint/2010/main" val="524348941"/>
       </p:ext>
     </p:extLst>
   </p:cSld>
@@ -6225,7 +6162,7 @@
         </p:spPr>
         <p:txBody>
           <a:bodyPr>
-            <a:normAutofit/>
+            <a:normAutofit fontScale="90000"/>
           </a:bodyPr>
           <a:lstStyle/>
           <a:p>
@@ -6233,7 +6170,7 @@
               <a:rPr lang="es-ES" b="1" dirty="0">
                 <a:latin typeface="Britannic Bold" panose="020B0903060703020204" pitchFamily="34" charset="0"/>
               </a:rPr>
-              <a:t>Functional Lambdas</a:t>
+              <a:t>Asynchronous vs Synchronous</a:t>
             </a:r>
             <a:endParaRPr lang="es-MX" dirty="0">
               <a:latin typeface="Britannic Bold" panose="020B0903060703020204" pitchFamily="34" charset="0"/>
@@ -6332,7 +6269,7 @@
     </p:spTree>
     <p:extLst>
       <p:ext uri="{BB962C8B-B14F-4D97-AF65-F5344CB8AC3E}">
-        <p14:creationId xmlns:p14="http://schemas.microsoft.com/office/powerpoint/2010/main" val="2813102068"/>
+        <p14:creationId xmlns:p14="http://schemas.microsoft.com/office/powerpoint/2010/main" val="2885140317"/>
       </p:ext>
     </p:extLst>
   </p:cSld>
@@ -6361,10 +6298,10 @@
       </p:grpSpPr>
       <p:pic>
         <p:nvPicPr>
-          <p:cNvPr id="5" name="Imagen 4">
-            <a:extLst>
-              <a:ext uri="{FF2B5EF4-FFF2-40B4-BE49-F238E27FC236}">
-                <a16:creationId xmlns:a16="http://schemas.microsoft.com/office/drawing/2014/main" id="{016583E8-010A-4FE7-B695-E75ECB04B5A3}"/>
+          <p:cNvPr id="10" name="Imagen 9">
+            <a:extLst>
+              <a:ext uri="{FF2B5EF4-FFF2-40B4-BE49-F238E27FC236}">
+                <a16:creationId xmlns:a16="http://schemas.microsoft.com/office/drawing/2014/main" id="{15B1CB55-DE9C-472F-9798-9D941F19E5AD}"/>
               </a:ext>
             </a:extLst>
           </p:cNvPr>
@@ -6374,7 +6311,13 @@
           <p:nvPr/>
         </p:nvPicPr>
         <p:blipFill>
-          <a:blip r:embed="rId2"/>
+          <a:blip r:embed="rId2">
+            <a:extLst>
+              <a:ext uri="{28A0092B-C50C-407E-A947-70E740481C1C}">
+                <a14:useLocalDpi xmlns:a14="http://schemas.microsoft.com/office/drawing/2010/main" val="0"/>
+              </a:ext>
+            </a:extLst>
+          </a:blip>
           <a:stretch>
             <a:fillRect/>
           </a:stretch>
@@ -6389,10 +6332,1254 @@
           </a:prstGeom>
         </p:spPr>
       </p:pic>
+      <p:sp>
+        <p:nvSpPr>
+          <p:cNvPr id="6" name="Flecha: cheurón 5">
+            <a:extLst>
+              <a:ext uri="{FF2B5EF4-FFF2-40B4-BE49-F238E27FC236}">
+                <a16:creationId xmlns:a16="http://schemas.microsoft.com/office/drawing/2014/main" id="{DA09EE50-F526-4891-8212-52998030CBC2}"/>
+              </a:ext>
+            </a:extLst>
+          </p:cNvPr>
+          <p:cNvSpPr/>
+          <p:nvPr/>
+        </p:nvSpPr>
+        <p:spPr>
+          <a:xfrm rot="5400000">
+            <a:off x="3622815" y="2596850"/>
+            <a:ext cx="1086678" cy="1152939"/>
+          </a:xfrm>
+          <a:prstGeom prst="chevron">
+            <a:avLst/>
+          </a:prstGeom>
+          <a:solidFill>
+            <a:srgbClr val="FF0000"/>
+          </a:solidFill>
+          <a:ln>
+            <a:noFill/>
+          </a:ln>
+        </p:spPr>
+        <p:style>
+          <a:lnRef idx="2">
+            <a:schemeClr val="accent1">
+              <a:shade val="50000"/>
+            </a:schemeClr>
+          </a:lnRef>
+          <a:fillRef idx="1">
+            <a:schemeClr val="accent1"/>
+          </a:fillRef>
+          <a:effectRef idx="0">
+            <a:schemeClr val="accent1"/>
+          </a:effectRef>
+          <a:fontRef idx="minor">
+            <a:schemeClr val="lt1"/>
+          </a:fontRef>
+        </p:style>
+        <p:txBody>
+          <a:bodyPr rtlCol="0" anchor="ctr"/>
+          <a:lstStyle/>
+          <a:p>
+            <a:pPr algn="ctr"/>
+            <a:endParaRPr lang="es-MX">
+              <a:solidFill>
+                <a:schemeClr val="tx1"/>
+              </a:solidFill>
+            </a:endParaRPr>
+          </a:p>
+        </p:txBody>
+      </p:sp>
+      <p:sp>
+        <p:nvSpPr>
+          <p:cNvPr id="16" name="Flecha: cheurón 15">
+            <a:extLst>
+              <a:ext uri="{FF2B5EF4-FFF2-40B4-BE49-F238E27FC236}">
+                <a16:creationId xmlns:a16="http://schemas.microsoft.com/office/drawing/2014/main" id="{B3DD83D6-86A4-4CC3-B24C-945633CF9E09}"/>
+              </a:ext>
+            </a:extLst>
+          </p:cNvPr>
+          <p:cNvSpPr/>
+          <p:nvPr/>
+        </p:nvSpPr>
+        <p:spPr>
+          <a:xfrm rot="5400000">
+            <a:off x="3622814" y="4034710"/>
+            <a:ext cx="1086678" cy="1152939"/>
+          </a:xfrm>
+          <a:prstGeom prst="chevron">
+            <a:avLst/>
+          </a:prstGeom>
+          <a:solidFill>
+            <a:srgbClr val="FF0000"/>
+          </a:solidFill>
+          <a:ln>
+            <a:noFill/>
+          </a:ln>
+        </p:spPr>
+        <p:style>
+          <a:lnRef idx="2">
+            <a:schemeClr val="accent1">
+              <a:shade val="50000"/>
+            </a:schemeClr>
+          </a:lnRef>
+          <a:fillRef idx="1">
+            <a:schemeClr val="accent1"/>
+          </a:fillRef>
+          <a:effectRef idx="0">
+            <a:schemeClr val="accent1"/>
+          </a:effectRef>
+          <a:fontRef idx="minor">
+            <a:schemeClr val="lt1"/>
+          </a:fontRef>
+        </p:style>
+        <p:txBody>
+          <a:bodyPr rtlCol="0" anchor="ctr"/>
+          <a:lstStyle/>
+          <a:p>
+            <a:pPr algn="ctr"/>
+            <a:endParaRPr lang="es-MX">
+              <a:solidFill>
+                <a:schemeClr val="tx1"/>
+              </a:solidFill>
+            </a:endParaRPr>
+          </a:p>
+        </p:txBody>
+      </p:sp>
+      <p:sp>
+        <p:nvSpPr>
+          <p:cNvPr id="17" name="Flecha: cheurón 16">
+            <a:extLst>
+              <a:ext uri="{FF2B5EF4-FFF2-40B4-BE49-F238E27FC236}">
+                <a16:creationId xmlns:a16="http://schemas.microsoft.com/office/drawing/2014/main" id="{6FF72934-A628-405B-A435-A49497189FA6}"/>
+              </a:ext>
+            </a:extLst>
+          </p:cNvPr>
+          <p:cNvSpPr/>
+          <p:nvPr/>
+        </p:nvSpPr>
+        <p:spPr>
+          <a:xfrm rot="5400000">
+            <a:off x="7209184" y="4492490"/>
+            <a:ext cx="1086678" cy="1152939"/>
+          </a:xfrm>
+          <a:prstGeom prst="chevron">
+            <a:avLst/>
+          </a:prstGeom>
+          <a:solidFill>
+            <a:schemeClr val="accent6"/>
+          </a:solidFill>
+          <a:ln>
+            <a:noFill/>
+          </a:ln>
+        </p:spPr>
+        <p:style>
+          <a:lnRef idx="2">
+            <a:schemeClr val="accent1">
+              <a:shade val="50000"/>
+            </a:schemeClr>
+          </a:lnRef>
+          <a:fillRef idx="1">
+            <a:schemeClr val="accent1"/>
+          </a:fillRef>
+          <a:effectRef idx="0">
+            <a:schemeClr val="accent1"/>
+          </a:effectRef>
+          <a:fontRef idx="minor">
+            <a:schemeClr val="lt1"/>
+          </a:fontRef>
+        </p:style>
+        <p:txBody>
+          <a:bodyPr rtlCol="0" anchor="ctr"/>
+          <a:lstStyle/>
+          <a:p>
+            <a:pPr algn="ctr"/>
+            <a:endParaRPr lang="es-MX">
+              <a:solidFill>
+                <a:schemeClr val="tx1"/>
+              </a:solidFill>
+            </a:endParaRPr>
+          </a:p>
+        </p:txBody>
+      </p:sp>
+      <p:sp>
+        <p:nvSpPr>
+          <p:cNvPr id="18" name="Flecha: cheurón 17">
+            <a:extLst>
+              <a:ext uri="{FF2B5EF4-FFF2-40B4-BE49-F238E27FC236}">
+                <a16:creationId xmlns:a16="http://schemas.microsoft.com/office/drawing/2014/main" id="{9F6430FB-BE6A-4E20-A0CF-4276B0FA602A}"/>
+              </a:ext>
+            </a:extLst>
+          </p:cNvPr>
+          <p:cNvSpPr/>
+          <p:nvPr/>
+        </p:nvSpPr>
+        <p:spPr>
+          <a:xfrm rot="5400000">
+            <a:off x="9081053" y="3273288"/>
+            <a:ext cx="1086678" cy="1152939"/>
+          </a:xfrm>
+          <a:prstGeom prst="chevron">
+            <a:avLst/>
+          </a:prstGeom>
+          <a:solidFill>
+            <a:schemeClr val="accent6"/>
+          </a:solidFill>
+          <a:ln>
+            <a:noFill/>
+          </a:ln>
+        </p:spPr>
+        <p:style>
+          <a:lnRef idx="2">
+            <a:schemeClr val="accent1">
+              <a:shade val="50000"/>
+            </a:schemeClr>
+          </a:lnRef>
+          <a:fillRef idx="1">
+            <a:schemeClr val="accent1"/>
+          </a:fillRef>
+          <a:effectRef idx="0">
+            <a:schemeClr val="accent1"/>
+          </a:effectRef>
+          <a:fontRef idx="minor">
+            <a:schemeClr val="lt1"/>
+          </a:fontRef>
+        </p:style>
+        <p:txBody>
+          <a:bodyPr rtlCol="0" anchor="ctr"/>
+          <a:lstStyle/>
+          <a:p>
+            <a:pPr algn="ctr"/>
+            <a:endParaRPr lang="es-MX">
+              <a:solidFill>
+                <a:schemeClr val="tx1"/>
+              </a:solidFill>
+            </a:endParaRPr>
+          </a:p>
+        </p:txBody>
+      </p:sp>
+      <p:sp>
+        <p:nvSpPr>
+          <p:cNvPr id="19" name="Flecha: cheurón 18">
+            <a:extLst>
+              <a:ext uri="{FF2B5EF4-FFF2-40B4-BE49-F238E27FC236}">
+                <a16:creationId xmlns:a16="http://schemas.microsoft.com/office/drawing/2014/main" id="{80062488-88F7-4590-AAD8-EF606BADAA22}"/>
+              </a:ext>
+            </a:extLst>
+          </p:cNvPr>
+          <p:cNvSpPr/>
+          <p:nvPr/>
+        </p:nvSpPr>
+        <p:spPr>
+          <a:xfrm rot="5400000">
+            <a:off x="7089914" y="2597425"/>
+            <a:ext cx="1086678" cy="1152939"/>
+          </a:xfrm>
+          <a:prstGeom prst="chevron">
+            <a:avLst/>
+          </a:prstGeom>
+          <a:solidFill>
+            <a:schemeClr val="accent6"/>
+          </a:solidFill>
+          <a:ln>
+            <a:noFill/>
+          </a:ln>
+        </p:spPr>
+        <p:style>
+          <a:lnRef idx="2">
+            <a:schemeClr val="accent1">
+              <a:shade val="50000"/>
+            </a:schemeClr>
+          </a:lnRef>
+          <a:fillRef idx="1">
+            <a:schemeClr val="accent1"/>
+          </a:fillRef>
+          <a:effectRef idx="0">
+            <a:schemeClr val="accent1"/>
+          </a:effectRef>
+          <a:fontRef idx="minor">
+            <a:schemeClr val="lt1"/>
+          </a:fontRef>
+        </p:style>
+        <p:txBody>
+          <a:bodyPr rtlCol="0" anchor="ctr"/>
+          <a:lstStyle/>
+          <a:p>
+            <a:pPr algn="ctr"/>
+            <a:endParaRPr lang="es-MX">
+              <a:solidFill>
+                <a:schemeClr val="tx1"/>
+              </a:solidFill>
+            </a:endParaRPr>
+          </a:p>
+        </p:txBody>
+      </p:sp>
+      <p:sp>
+        <p:nvSpPr>
+          <p:cNvPr id="20" name="Flecha: cheurón 19">
+            <a:extLst>
+              <a:ext uri="{FF2B5EF4-FFF2-40B4-BE49-F238E27FC236}">
+                <a16:creationId xmlns:a16="http://schemas.microsoft.com/office/drawing/2014/main" id="{C271D4FA-855D-4F7A-9774-AA232BD7867D}"/>
+              </a:ext>
+            </a:extLst>
+          </p:cNvPr>
+          <p:cNvSpPr/>
+          <p:nvPr/>
+        </p:nvSpPr>
+        <p:spPr>
+          <a:xfrm rot="5400000">
+            <a:off x="8845827" y="1490870"/>
+            <a:ext cx="1086678" cy="1152939"/>
+          </a:xfrm>
+          <a:prstGeom prst="chevron">
+            <a:avLst/>
+          </a:prstGeom>
+          <a:solidFill>
+            <a:schemeClr val="accent6"/>
+          </a:solidFill>
+          <a:ln>
+            <a:noFill/>
+          </a:ln>
+        </p:spPr>
+        <p:style>
+          <a:lnRef idx="2">
+            <a:schemeClr val="accent1">
+              <a:shade val="50000"/>
+            </a:schemeClr>
+          </a:lnRef>
+          <a:fillRef idx="1">
+            <a:schemeClr val="accent1"/>
+          </a:fillRef>
+          <a:effectRef idx="0">
+            <a:schemeClr val="accent1"/>
+          </a:effectRef>
+          <a:fontRef idx="minor">
+            <a:schemeClr val="lt1"/>
+          </a:fontRef>
+        </p:style>
+        <p:txBody>
+          <a:bodyPr rtlCol="0" anchor="ctr"/>
+          <a:lstStyle/>
+          <a:p>
+            <a:pPr algn="ctr"/>
+            <a:endParaRPr lang="es-MX">
+              <a:solidFill>
+                <a:schemeClr val="tx1"/>
+              </a:solidFill>
+            </a:endParaRPr>
+          </a:p>
+        </p:txBody>
+      </p:sp>
+      <p:sp>
+        <p:nvSpPr>
+          <p:cNvPr id="21" name="Flecha: cheurón 20">
+            <a:extLst>
+              <a:ext uri="{FF2B5EF4-FFF2-40B4-BE49-F238E27FC236}">
+                <a16:creationId xmlns:a16="http://schemas.microsoft.com/office/drawing/2014/main" id="{EE6D3AC4-5E74-47BB-91A0-CDDB2DFC2A84}"/>
+              </a:ext>
+            </a:extLst>
+          </p:cNvPr>
+          <p:cNvSpPr/>
+          <p:nvPr/>
+        </p:nvSpPr>
+        <p:spPr>
+          <a:xfrm rot="5400000">
+            <a:off x="3622814" y="5472571"/>
+            <a:ext cx="1086678" cy="1152939"/>
+          </a:xfrm>
+          <a:prstGeom prst="chevron">
+            <a:avLst/>
+          </a:prstGeom>
+          <a:solidFill>
+            <a:srgbClr val="FF0000"/>
+          </a:solidFill>
+          <a:ln>
+            <a:noFill/>
+          </a:ln>
+        </p:spPr>
+        <p:style>
+          <a:lnRef idx="2">
+            <a:schemeClr val="accent1">
+              <a:shade val="50000"/>
+            </a:schemeClr>
+          </a:lnRef>
+          <a:fillRef idx="1">
+            <a:schemeClr val="accent1"/>
+          </a:fillRef>
+          <a:effectRef idx="0">
+            <a:schemeClr val="accent1"/>
+          </a:effectRef>
+          <a:fontRef idx="minor">
+            <a:schemeClr val="lt1"/>
+          </a:fontRef>
+        </p:style>
+        <p:txBody>
+          <a:bodyPr rtlCol="0" anchor="ctr"/>
+          <a:lstStyle/>
+          <a:p>
+            <a:pPr algn="ctr"/>
+            <a:endParaRPr lang="es-MX">
+              <a:solidFill>
+                <a:schemeClr val="tx1"/>
+              </a:solidFill>
+            </a:endParaRPr>
+          </a:p>
+        </p:txBody>
+      </p:sp>
+      <p:sp>
+        <p:nvSpPr>
+          <p:cNvPr id="22" name="Flecha: cheurón 21">
+            <a:extLst>
+              <a:ext uri="{FF2B5EF4-FFF2-40B4-BE49-F238E27FC236}">
+                <a16:creationId xmlns:a16="http://schemas.microsoft.com/office/drawing/2014/main" id="{3A196E4F-D950-41A4-83BD-52ECE50DABD1}"/>
+              </a:ext>
+            </a:extLst>
+          </p:cNvPr>
+          <p:cNvSpPr/>
+          <p:nvPr/>
+        </p:nvSpPr>
+        <p:spPr>
+          <a:xfrm rot="5400000">
+            <a:off x="3622815" y="1334581"/>
+            <a:ext cx="1086678" cy="1152939"/>
+          </a:xfrm>
+          <a:prstGeom prst="chevron">
+            <a:avLst/>
+          </a:prstGeom>
+          <a:solidFill>
+            <a:srgbClr val="FF0000"/>
+          </a:solidFill>
+          <a:ln>
+            <a:noFill/>
+          </a:ln>
+        </p:spPr>
+        <p:style>
+          <a:lnRef idx="2">
+            <a:schemeClr val="accent1">
+              <a:shade val="50000"/>
+            </a:schemeClr>
+          </a:lnRef>
+          <a:fillRef idx="1">
+            <a:schemeClr val="accent1"/>
+          </a:fillRef>
+          <a:effectRef idx="0">
+            <a:schemeClr val="accent1"/>
+          </a:effectRef>
+          <a:fontRef idx="minor">
+            <a:schemeClr val="lt1"/>
+          </a:fontRef>
+        </p:style>
+        <p:txBody>
+          <a:bodyPr rtlCol="0" anchor="ctr"/>
+          <a:lstStyle/>
+          <a:p>
+            <a:pPr algn="ctr"/>
+            <a:endParaRPr lang="es-MX">
+              <a:solidFill>
+                <a:schemeClr val="tx1"/>
+              </a:solidFill>
+            </a:endParaRPr>
+          </a:p>
+        </p:txBody>
+      </p:sp>
+      <p:sp>
+        <p:nvSpPr>
+          <p:cNvPr id="23" name="Flecha: hacia abajo 22">
+            <a:extLst>
+              <a:ext uri="{FF2B5EF4-FFF2-40B4-BE49-F238E27FC236}">
+                <a16:creationId xmlns:a16="http://schemas.microsoft.com/office/drawing/2014/main" id="{0800173A-E1EA-4362-AA9F-F85833F1C5EB}"/>
+              </a:ext>
+            </a:extLst>
+          </p:cNvPr>
+          <p:cNvSpPr/>
+          <p:nvPr/>
+        </p:nvSpPr>
+        <p:spPr>
+          <a:xfrm>
+            <a:off x="5850835" y="0"/>
+            <a:ext cx="490330" cy="6858000"/>
+          </a:xfrm>
+          <a:prstGeom prst="downArrow">
+            <a:avLst/>
+          </a:prstGeom>
+          <a:solidFill>
+            <a:schemeClr val="tx1">
+              <a:lumMod val="95000"/>
+              <a:lumOff val="5000"/>
+            </a:schemeClr>
+          </a:solidFill>
+          <a:ln>
+            <a:solidFill>
+              <a:schemeClr val="tx1">
+                <a:lumMod val="95000"/>
+                <a:lumOff val="5000"/>
+              </a:schemeClr>
+            </a:solidFill>
+          </a:ln>
+        </p:spPr>
+        <p:style>
+          <a:lnRef idx="2">
+            <a:schemeClr val="accent1">
+              <a:shade val="50000"/>
+            </a:schemeClr>
+          </a:lnRef>
+          <a:fillRef idx="1">
+            <a:schemeClr val="accent1"/>
+          </a:fillRef>
+          <a:effectRef idx="0">
+            <a:schemeClr val="accent1"/>
+          </a:effectRef>
+          <a:fontRef idx="minor">
+            <a:schemeClr val="lt1"/>
+          </a:fontRef>
+        </p:style>
+        <p:txBody>
+          <a:bodyPr rtlCol="0" anchor="ctr"/>
+          <a:lstStyle/>
+          <a:p>
+            <a:pPr algn="ctr"/>
+            <a:endParaRPr lang="es-MX"/>
+          </a:p>
+        </p:txBody>
+      </p:sp>
+      <p:sp>
+        <p:nvSpPr>
+          <p:cNvPr id="24" name="CuadroTexto 23">
+            <a:extLst>
+              <a:ext uri="{FF2B5EF4-FFF2-40B4-BE49-F238E27FC236}">
+                <a16:creationId xmlns:a16="http://schemas.microsoft.com/office/drawing/2014/main" id="{93BAC64A-9C6A-447C-A656-B974D6D58438}"/>
+              </a:ext>
+            </a:extLst>
+          </p:cNvPr>
+          <p:cNvSpPr txBox="1"/>
+          <p:nvPr/>
+        </p:nvSpPr>
+        <p:spPr>
+          <a:xfrm>
+            <a:off x="7209185" y="4407212"/>
+            <a:ext cx="1245702" cy="369332"/>
+          </a:xfrm>
+          <a:prstGeom prst="rect">
+            <a:avLst/>
+          </a:prstGeom>
+          <a:noFill/>
+        </p:spPr>
+        <p:txBody>
+          <a:bodyPr wrap="square" rtlCol="0">
+            <a:spAutoFit/>
+          </a:bodyPr>
+          <a:lstStyle/>
+          <a:p>
+            <a:r>
+              <a:rPr lang="es-MX" dirty="0" err="1"/>
+              <a:t>Process</a:t>
+            </a:r>
+            <a:r>
+              <a:rPr lang="es-MX" dirty="0"/>
+              <a:t> 4</a:t>
+            </a:r>
+          </a:p>
+        </p:txBody>
+      </p:sp>
+      <p:sp>
+        <p:nvSpPr>
+          <p:cNvPr id="26" name="CuadroTexto 25">
+            <a:extLst>
+              <a:ext uri="{FF2B5EF4-FFF2-40B4-BE49-F238E27FC236}">
+                <a16:creationId xmlns:a16="http://schemas.microsoft.com/office/drawing/2014/main" id="{BDF57299-B16D-4615-B298-B75ACF1998C0}"/>
+              </a:ext>
+            </a:extLst>
+          </p:cNvPr>
+          <p:cNvSpPr txBox="1"/>
+          <p:nvPr/>
+        </p:nvSpPr>
+        <p:spPr>
+          <a:xfrm>
+            <a:off x="8832574" y="1348410"/>
+            <a:ext cx="1245702" cy="369332"/>
+          </a:xfrm>
+          <a:prstGeom prst="rect">
+            <a:avLst/>
+          </a:prstGeom>
+          <a:noFill/>
+        </p:spPr>
+        <p:txBody>
+          <a:bodyPr wrap="square" rtlCol="0">
+            <a:spAutoFit/>
+          </a:bodyPr>
+          <a:lstStyle/>
+          <a:p>
+            <a:r>
+              <a:rPr lang="es-MX" dirty="0" err="1"/>
+              <a:t>Process</a:t>
+            </a:r>
+            <a:r>
+              <a:rPr lang="es-MX" dirty="0"/>
+              <a:t> 1</a:t>
+            </a:r>
+          </a:p>
+        </p:txBody>
+      </p:sp>
+      <p:sp>
+        <p:nvSpPr>
+          <p:cNvPr id="27" name="CuadroTexto 26">
+            <a:extLst>
+              <a:ext uri="{FF2B5EF4-FFF2-40B4-BE49-F238E27FC236}">
+                <a16:creationId xmlns:a16="http://schemas.microsoft.com/office/drawing/2014/main" id="{190316EE-5642-40F3-B58B-463DDF7AC154}"/>
+              </a:ext>
+            </a:extLst>
+          </p:cNvPr>
+          <p:cNvSpPr txBox="1"/>
+          <p:nvPr/>
+        </p:nvSpPr>
+        <p:spPr>
+          <a:xfrm>
+            <a:off x="7086601" y="2445889"/>
+            <a:ext cx="1245702" cy="369332"/>
+          </a:xfrm>
+          <a:prstGeom prst="rect">
+            <a:avLst/>
+          </a:prstGeom>
+          <a:noFill/>
+        </p:spPr>
+        <p:txBody>
+          <a:bodyPr wrap="square" rtlCol="0">
+            <a:spAutoFit/>
+          </a:bodyPr>
+          <a:lstStyle/>
+          <a:p>
+            <a:r>
+              <a:rPr lang="es-MX" dirty="0" err="1"/>
+              <a:t>Process</a:t>
+            </a:r>
+            <a:r>
+              <a:rPr lang="es-MX" dirty="0"/>
+              <a:t> 2</a:t>
+            </a:r>
+          </a:p>
+        </p:txBody>
+      </p:sp>
+      <p:sp>
+        <p:nvSpPr>
+          <p:cNvPr id="28" name="CuadroTexto 27">
+            <a:extLst>
+              <a:ext uri="{FF2B5EF4-FFF2-40B4-BE49-F238E27FC236}">
+                <a16:creationId xmlns:a16="http://schemas.microsoft.com/office/drawing/2014/main" id="{1B762162-BF52-4844-994C-9CE12DBE18E4}"/>
+              </a:ext>
+            </a:extLst>
+          </p:cNvPr>
+          <p:cNvSpPr txBox="1"/>
+          <p:nvPr/>
+        </p:nvSpPr>
+        <p:spPr>
+          <a:xfrm>
+            <a:off x="9117499" y="3121752"/>
+            <a:ext cx="1245702" cy="369332"/>
+          </a:xfrm>
+          <a:prstGeom prst="rect">
+            <a:avLst/>
+          </a:prstGeom>
+          <a:noFill/>
+        </p:spPr>
+        <p:txBody>
+          <a:bodyPr wrap="square" rtlCol="0">
+            <a:spAutoFit/>
+          </a:bodyPr>
+          <a:lstStyle/>
+          <a:p>
+            <a:r>
+              <a:rPr lang="es-MX" dirty="0" err="1"/>
+              <a:t>Process</a:t>
+            </a:r>
+            <a:r>
+              <a:rPr lang="es-MX" dirty="0"/>
+              <a:t> 3</a:t>
+            </a:r>
+          </a:p>
+        </p:txBody>
+      </p:sp>
+      <p:sp>
+        <p:nvSpPr>
+          <p:cNvPr id="29" name="CuadroTexto 28">
+            <a:extLst>
+              <a:ext uri="{FF2B5EF4-FFF2-40B4-BE49-F238E27FC236}">
+                <a16:creationId xmlns:a16="http://schemas.microsoft.com/office/drawing/2014/main" id="{13641E86-E48E-4025-B447-7C878FADE511}"/>
+              </a:ext>
+            </a:extLst>
+          </p:cNvPr>
+          <p:cNvSpPr txBox="1"/>
+          <p:nvPr/>
+        </p:nvSpPr>
+        <p:spPr>
+          <a:xfrm>
+            <a:off x="3632754" y="1269257"/>
+            <a:ext cx="1245702" cy="369332"/>
+          </a:xfrm>
+          <a:prstGeom prst="rect">
+            <a:avLst/>
+          </a:prstGeom>
+          <a:noFill/>
+        </p:spPr>
+        <p:txBody>
+          <a:bodyPr wrap="square" rtlCol="0">
+            <a:spAutoFit/>
+          </a:bodyPr>
+          <a:lstStyle/>
+          <a:p>
+            <a:r>
+              <a:rPr lang="es-MX" dirty="0" err="1"/>
+              <a:t>Process</a:t>
+            </a:r>
+            <a:r>
+              <a:rPr lang="es-MX" dirty="0"/>
+              <a:t> 1</a:t>
+            </a:r>
+          </a:p>
+        </p:txBody>
+      </p:sp>
+      <p:sp>
+        <p:nvSpPr>
+          <p:cNvPr id="30" name="CuadroTexto 29">
+            <a:extLst>
+              <a:ext uri="{FF2B5EF4-FFF2-40B4-BE49-F238E27FC236}">
+                <a16:creationId xmlns:a16="http://schemas.microsoft.com/office/drawing/2014/main" id="{7CC0651D-320A-469F-95B1-81AF0D2AE6D7}"/>
+              </a:ext>
+            </a:extLst>
+          </p:cNvPr>
+          <p:cNvSpPr txBox="1"/>
+          <p:nvPr/>
+        </p:nvSpPr>
+        <p:spPr>
+          <a:xfrm>
+            <a:off x="3639378" y="2526270"/>
+            <a:ext cx="1245702" cy="369332"/>
+          </a:xfrm>
+          <a:prstGeom prst="rect">
+            <a:avLst/>
+          </a:prstGeom>
+          <a:noFill/>
+        </p:spPr>
+        <p:txBody>
+          <a:bodyPr wrap="square" rtlCol="0">
+            <a:spAutoFit/>
+          </a:bodyPr>
+          <a:lstStyle/>
+          <a:p>
+            <a:r>
+              <a:rPr lang="es-MX" dirty="0" err="1"/>
+              <a:t>Process</a:t>
+            </a:r>
+            <a:r>
+              <a:rPr lang="es-MX" dirty="0"/>
+              <a:t> 2</a:t>
+            </a:r>
+          </a:p>
+        </p:txBody>
+      </p:sp>
+      <p:sp>
+        <p:nvSpPr>
+          <p:cNvPr id="31" name="CuadroTexto 30">
+            <a:extLst>
+              <a:ext uri="{FF2B5EF4-FFF2-40B4-BE49-F238E27FC236}">
+                <a16:creationId xmlns:a16="http://schemas.microsoft.com/office/drawing/2014/main" id="{AD48472D-8CD2-4099-AD91-B854DC5ED173}"/>
+              </a:ext>
+            </a:extLst>
+          </p:cNvPr>
+          <p:cNvSpPr txBox="1"/>
+          <p:nvPr/>
+        </p:nvSpPr>
+        <p:spPr>
+          <a:xfrm>
+            <a:off x="3639378" y="4001001"/>
+            <a:ext cx="1245702" cy="369332"/>
+          </a:xfrm>
+          <a:prstGeom prst="rect">
+            <a:avLst/>
+          </a:prstGeom>
+          <a:noFill/>
+        </p:spPr>
+        <p:txBody>
+          <a:bodyPr wrap="square" rtlCol="0">
+            <a:spAutoFit/>
+          </a:bodyPr>
+          <a:lstStyle/>
+          <a:p>
+            <a:r>
+              <a:rPr lang="es-MX" dirty="0" err="1"/>
+              <a:t>Process</a:t>
+            </a:r>
+            <a:r>
+              <a:rPr lang="es-MX" dirty="0"/>
+              <a:t> 3</a:t>
+            </a:r>
+          </a:p>
+        </p:txBody>
+      </p:sp>
+      <p:sp>
+        <p:nvSpPr>
+          <p:cNvPr id="32" name="CuadroTexto 31">
+            <a:extLst>
+              <a:ext uri="{FF2B5EF4-FFF2-40B4-BE49-F238E27FC236}">
+                <a16:creationId xmlns:a16="http://schemas.microsoft.com/office/drawing/2014/main" id="{B34214E4-279D-41B2-80C0-13F14A9718A3}"/>
+              </a:ext>
+            </a:extLst>
+          </p:cNvPr>
+          <p:cNvSpPr txBox="1"/>
+          <p:nvPr/>
+        </p:nvSpPr>
+        <p:spPr>
+          <a:xfrm>
+            <a:off x="3652631" y="5402571"/>
+            <a:ext cx="1245702" cy="369332"/>
+          </a:xfrm>
+          <a:prstGeom prst="rect">
+            <a:avLst/>
+          </a:prstGeom>
+          <a:noFill/>
+        </p:spPr>
+        <p:txBody>
+          <a:bodyPr wrap="square" rtlCol="0">
+            <a:spAutoFit/>
+          </a:bodyPr>
+          <a:lstStyle/>
+          <a:p>
+            <a:r>
+              <a:rPr lang="es-MX" dirty="0" err="1"/>
+              <a:t>Process</a:t>
+            </a:r>
+            <a:r>
+              <a:rPr lang="es-MX" dirty="0"/>
+              <a:t> 4</a:t>
+            </a:r>
+          </a:p>
+        </p:txBody>
+      </p:sp>
+      <p:sp>
+        <p:nvSpPr>
+          <p:cNvPr id="33" name="CuadroTexto 32">
+            <a:extLst>
+              <a:ext uri="{FF2B5EF4-FFF2-40B4-BE49-F238E27FC236}">
+                <a16:creationId xmlns:a16="http://schemas.microsoft.com/office/drawing/2014/main" id="{68B36B0A-779C-4171-A178-31C849CD89A6}"/>
+              </a:ext>
+            </a:extLst>
+          </p:cNvPr>
+          <p:cNvSpPr txBox="1"/>
+          <p:nvPr/>
+        </p:nvSpPr>
+        <p:spPr>
+          <a:xfrm>
+            <a:off x="2193234" y="505235"/>
+            <a:ext cx="2458277" cy="523220"/>
+          </a:xfrm>
+          <a:prstGeom prst="rect">
+            <a:avLst/>
+          </a:prstGeom>
+          <a:noFill/>
+        </p:spPr>
+        <p:txBody>
+          <a:bodyPr wrap="square" rtlCol="0">
+            <a:spAutoFit/>
+          </a:bodyPr>
+          <a:lstStyle/>
+          <a:p>
+            <a:r>
+              <a:rPr lang="es-MX" sz="2800" dirty="0"/>
+              <a:t>SYNCHRONOUS</a:t>
+            </a:r>
+          </a:p>
+        </p:txBody>
+      </p:sp>
+      <p:sp>
+        <p:nvSpPr>
+          <p:cNvPr id="34" name="CuadroTexto 33">
+            <a:extLst>
+              <a:ext uri="{FF2B5EF4-FFF2-40B4-BE49-F238E27FC236}">
+                <a16:creationId xmlns:a16="http://schemas.microsoft.com/office/drawing/2014/main" id="{CA25CE9D-4715-4ADB-B90A-5C044279CC06}"/>
+              </a:ext>
+            </a:extLst>
+          </p:cNvPr>
+          <p:cNvSpPr txBox="1"/>
+          <p:nvPr/>
+        </p:nvSpPr>
+        <p:spPr>
+          <a:xfrm>
+            <a:off x="7583557" y="512655"/>
+            <a:ext cx="2779644" cy="523220"/>
+          </a:xfrm>
+          <a:prstGeom prst="rect">
+            <a:avLst/>
+          </a:prstGeom>
+          <a:noFill/>
+        </p:spPr>
+        <p:txBody>
+          <a:bodyPr wrap="square" rtlCol="0">
+            <a:spAutoFit/>
+          </a:bodyPr>
+          <a:lstStyle/>
+          <a:p>
+            <a:r>
+              <a:rPr lang="es-MX" sz="2800" dirty="0"/>
+              <a:t>ASYNCHRONOUS</a:t>
+            </a:r>
+          </a:p>
+        </p:txBody>
+      </p:sp>
+      <p:sp>
+        <p:nvSpPr>
+          <p:cNvPr id="2" name="Rectángulo 1">
+            <a:extLst>
+              <a:ext uri="{FF2B5EF4-FFF2-40B4-BE49-F238E27FC236}">
+                <a16:creationId xmlns:a16="http://schemas.microsoft.com/office/drawing/2014/main" id="{74033598-2501-4E01-9E03-10C05946E785}"/>
+              </a:ext>
+            </a:extLst>
+          </p:cNvPr>
+          <p:cNvSpPr/>
+          <p:nvPr/>
+        </p:nvSpPr>
+        <p:spPr>
+          <a:xfrm>
+            <a:off x="232742" y="4776544"/>
+            <a:ext cx="3048000" cy="1754326"/>
+          </a:xfrm>
+          <a:prstGeom prst="rect">
+            <a:avLst/>
+          </a:prstGeom>
+        </p:spPr>
+        <p:txBody>
+          <a:bodyPr wrap="square">
+            <a:spAutoFit/>
+          </a:bodyPr>
+          <a:lstStyle/>
+          <a:p>
+            <a:pPr algn="ctr"/>
+            <a:r>
+              <a:rPr lang="es-MX" b="1" dirty="0"/>
+              <a:t>Synchronous</a:t>
+            </a:r>
+          </a:p>
+          <a:p>
+            <a:pPr algn="ctr"/>
+            <a:r>
+              <a:rPr lang="es-MX" b="1" dirty="0" err="1"/>
+              <a:t>The</a:t>
+            </a:r>
+            <a:r>
+              <a:rPr lang="es-MX" b="1" dirty="0"/>
+              <a:t> </a:t>
+            </a:r>
+            <a:r>
+              <a:rPr lang="es-MX" b="1" dirty="0" err="1"/>
+              <a:t>execution</a:t>
+            </a:r>
+            <a:r>
+              <a:rPr lang="es-MX" b="1" dirty="0"/>
+              <a:t> </a:t>
+            </a:r>
+            <a:r>
+              <a:rPr lang="es-MX" b="1" dirty="0" err="1"/>
+              <a:t>is</a:t>
+            </a:r>
+            <a:r>
+              <a:rPr lang="es-MX" b="1" dirty="0"/>
+              <a:t> </a:t>
+            </a:r>
+            <a:r>
+              <a:rPr lang="es-MX" b="1" dirty="0" err="1"/>
+              <a:t>sequential</a:t>
+            </a:r>
+            <a:r>
+              <a:rPr lang="es-MX" b="1" dirty="0"/>
+              <a:t>, </a:t>
+            </a:r>
+            <a:r>
+              <a:rPr lang="es-MX" b="1" dirty="0" err="1"/>
+              <a:t>it</a:t>
+            </a:r>
+            <a:r>
+              <a:rPr lang="es-MX" b="1" dirty="0"/>
+              <a:t> </a:t>
+            </a:r>
+            <a:r>
+              <a:rPr lang="es-MX" b="1" dirty="0" err="1"/>
+              <a:t>returns</a:t>
+            </a:r>
+            <a:r>
+              <a:rPr lang="es-MX" b="1" dirty="0"/>
+              <a:t> </a:t>
+            </a:r>
+            <a:r>
+              <a:rPr lang="es-MX" b="1" dirty="0" err="1"/>
+              <a:t>when</a:t>
+            </a:r>
+            <a:r>
+              <a:rPr lang="es-MX" b="1" dirty="0"/>
+              <a:t> </a:t>
+            </a:r>
+            <a:r>
+              <a:rPr lang="es-MX" b="1" dirty="0" err="1"/>
+              <a:t>the</a:t>
+            </a:r>
+            <a:r>
+              <a:rPr lang="es-MX" b="1" dirty="0"/>
+              <a:t> </a:t>
+            </a:r>
+            <a:r>
+              <a:rPr lang="es-MX" b="1" dirty="0" err="1"/>
+              <a:t>operation</a:t>
+            </a:r>
+            <a:r>
+              <a:rPr lang="es-MX" b="1" dirty="0"/>
+              <a:t> has </a:t>
+            </a:r>
+            <a:r>
+              <a:rPr lang="es-MX" b="1" dirty="0" err="1"/>
+              <a:t>been</a:t>
+            </a:r>
+            <a:r>
+              <a:rPr lang="es-MX" b="1" dirty="0"/>
+              <a:t> </a:t>
+            </a:r>
+            <a:r>
+              <a:rPr lang="es-MX" b="1" dirty="0" err="1"/>
+              <a:t>completed</a:t>
+            </a:r>
+            <a:r>
+              <a:rPr lang="es-MX" b="1" dirty="0"/>
+              <a:t> in </a:t>
+            </a:r>
+            <a:r>
+              <a:rPr lang="es-MX" b="1" dirty="0" err="1"/>
+              <a:t>its</a:t>
+            </a:r>
+            <a:r>
+              <a:rPr lang="es-MX" b="1" dirty="0"/>
+              <a:t> </a:t>
+            </a:r>
+            <a:r>
+              <a:rPr lang="es-MX" b="1" dirty="0" err="1"/>
+              <a:t>entirety</a:t>
+            </a:r>
+            <a:r>
+              <a:rPr lang="es-MX" b="1" dirty="0"/>
+              <a:t>, </a:t>
+            </a:r>
+            <a:r>
+              <a:rPr lang="es-MX" b="1" dirty="0" err="1"/>
+              <a:t>the</a:t>
+            </a:r>
+            <a:r>
+              <a:rPr lang="es-MX" b="1" dirty="0"/>
+              <a:t> </a:t>
+            </a:r>
+            <a:r>
+              <a:rPr lang="es-MX" b="1" dirty="0" err="1"/>
+              <a:t>processes</a:t>
+            </a:r>
+            <a:r>
+              <a:rPr lang="es-MX" b="1" dirty="0"/>
+              <a:t> </a:t>
+            </a:r>
+            <a:r>
+              <a:rPr lang="es-MX" b="1" dirty="0" err="1"/>
+              <a:t>go</a:t>
+            </a:r>
+            <a:r>
+              <a:rPr lang="es-MX" b="1" dirty="0"/>
+              <a:t> </a:t>
+            </a:r>
+            <a:r>
+              <a:rPr lang="es-MX" b="1" dirty="0" err="1"/>
+              <a:t>one</a:t>
+            </a:r>
+            <a:r>
+              <a:rPr lang="es-MX" b="1" dirty="0"/>
+              <a:t> </a:t>
+            </a:r>
+            <a:r>
+              <a:rPr lang="es-MX" b="1" dirty="0" err="1"/>
+              <a:t>by</a:t>
+            </a:r>
+            <a:r>
+              <a:rPr lang="es-MX" b="1" dirty="0"/>
+              <a:t> </a:t>
+            </a:r>
+            <a:r>
+              <a:rPr lang="es-MX" b="1" dirty="0" err="1"/>
+              <a:t>one</a:t>
+            </a:r>
+            <a:endParaRPr lang="es-MX" b="1" dirty="0"/>
+          </a:p>
+        </p:txBody>
+      </p:sp>
+      <p:sp>
+        <p:nvSpPr>
+          <p:cNvPr id="3" name="Rectángulo 2">
+            <a:extLst>
+              <a:ext uri="{FF2B5EF4-FFF2-40B4-BE49-F238E27FC236}">
+                <a16:creationId xmlns:a16="http://schemas.microsoft.com/office/drawing/2014/main" id="{5DC1C39A-81E0-40ED-B42A-C07E144D3F73}"/>
+              </a:ext>
+            </a:extLst>
+          </p:cNvPr>
+          <p:cNvSpPr/>
+          <p:nvPr/>
+        </p:nvSpPr>
+        <p:spPr>
+          <a:xfrm>
+            <a:off x="9455425" y="4838054"/>
+            <a:ext cx="2779644" cy="1754326"/>
+          </a:xfrm>
+          <a:prstGeom prst="rect">
+            <a:avLst/>
+          </a:prstGeom>
+        </p:spPr>
+        <p:txBody>
+          <a:bodyPr wrap="square">
+            <a:spAutoFit/>
+          </a:bodyPr>
+          <a:lstStyle/>
+          <a:p>
+            <a:pPr algn="ctr"/>
+            <a:r>
+              <a:rPr lang="es-MX" b="1" dirty="0" err="1"/>
+              <a:t>Processes</a:t>
+            </a:r>
+            <a:r>
+              <a:rPr lang="es-MX" b="1" dirty="0"/>
+              <a:t> do </a:t>
+            </a:r>
+            <a:r>
+              <a:rPr lang="es-MX" b="1" dirty="0" err="1"/>
+              <a:t>not</a:t>
+            </a:r>
+            <a:r>
+              <a:rPr lang="es-MX" b="1" dirty="0"/>
+              <a:t> </a:t>
+            </a:r>
+            <a:r>
+              <a:rPr lang="es-MX" b="1" dirty="0" err="1"/>
+              <a:t>depend</a:t>
+            </a:r>
+            <a:r>
+              <a:rPr lang="es-MX" b="1" dirty="0"/>
+              <a:t> </a:t>
+            </a:r>
+            <a:r>
+              <a:rPr lang="es-MX" b="1" dirty="0" err="1"/>
+              <a:t>on</a:t>
+            </a:r>
+            <a:r>
+              <a:rPr lang="es-MX" b="1" dirty="0"/>
+              <a:t> </a:t>
+            </a:r>
+            <a:r>
+              <a:rPr lang="es-MX" b="1" dirty="0" err="1"/>
+              <a:t>other</a:t>
+            </a:r>
+            <a:r>
+              <a:rPr lang="es-MX" b="1" dirty="0"/>
+              <a:t> </a:t>
+            </a:r>
+            <a:r>
+              <a:rPr lang="es-MX" b="1" dirty="0" err="1"/>
+              <a:t>processes</a:t>
+            </a:r>
+            <a:r>
+              <a:rPr lang="es-MX" b="1" dirty="0"/>
+              <a:t> </a:t>
+            </a:r>
+            <a:r>
+              <a:rPr lang="es-MX" b="1" dirty="0" err="1"/>
+              <a:t>to</a:t>
+            </a:r>
+            <a:r>
+              <a:rPr lang="es-MX" b="1" dirty="0"/>
+              <a:t> </a:t>
+            </a:r>
+            <a:r>
+              <a:rPr lang="es-MX" b="1" dirty="0" err="1"/>
+              <a:t>start</a:t>
+            </a:r>
+            <a:r>
+              <a:rPr lang="es-MX" b="1" dirty="0"/>
+              <a:t> </a:t>
+            </a:r>
+            <a:r>
+              <a:rPr lang="es-MX" b="1" dirty="0" err="1"/>
+              <a:t>or</a:t>
+            </a:r>
+            <a:r>
+              <a:rPr lang="es-MX" b="1" dirty="0"/>
+              <a:t> </a:t>
+            </a:r>
+            <a:r>
+              <a:rPr lang="es-MX" b="1" dirty="0" err="1"/>
+              <a:t>finish</a:t>
+            </a:r>
+            <a:r>
+              <a:rPr lang="es-MX" b="1" dirty="0"/>
+              <a:t>, </a:t>
+            </a:r>
+            <a:r>
+              <a:rPr lang="es-MX" b="1" dirty="0" err="1"/>
+              <a:t>they</a:t>
+            </a:r>
+            <a:r>
+              <a:rPr lang="es-MX" b="1" dirty="0"/>
+              <a:t> can be </a:t>
+            </a:r>
+            <a:r>
+              <a:rPr lang="es-MX" b="1" dirty="0" err="1"/>
+              <a:t>working</a:t>
+            </a:r>
+            <a:r>
+              <a:rPr lang="es-MX" b="1" dirty="0"/>
+              <a:t> </a:t>
+            </a:r>
+            <a:r>
+              <a:rPr lang="es-MX" b="1" dirty="0" err="1"/>
+              <a:t>simultaneously</a:t>
+            </a:r>
+            <a:r>
+              <a:rPr lang="es-MX" b="1" dirty="0"/>
+              <a:t> and </a:t>
+            </a:r>
+            <a:r>
+              <a:rPr lang="es-MX" b="1" dirty="0" err="1"/>
+              <a:t>interact</a:t>
+            </a:r>
+            <a:r>
+              <a:rPr lang="es-MX" b="1" dirty="0"/>
+              <a:t> </a:t>
+            </a:r>
+            <a:r>
+              <a:rPr lang="es-MX" b="1" dirty="0" err="1"/>
+              <a:t>with</a:t>
+            </a:r>
+            <a:r>
+              <a:rPr lang="es-MX" b="1" dirty="0"/>
+              <a:t> </a:t>
+            </a:r>
+            <a:r>
+              <a:rPr lang="es-MX" b="1" dirty="0" err="1"/>
+              <a:t>each</a:t>
+            </a:r>
+            <a:r>
+              <a:rPr lang="es-MX" b="1" dirty="0"/>
+              <a:t> </a:t>
+            </a:r>
+            <a:r>
+              <a:rPr lang="es-MX" b="1" dirty="0" err="1"/>
+              <a:t>other</a:t>
+            </a:r>
+            <a:r>
+              <a:rPr lang="es-MX" b="1" dirty="0"/>
+              <a:t>.</a:t>
+            </a:r>
+          </a:p>
+        </p:txBody>
+      </p:sp>
     </p:spTree>
     <p:extLst>
       <p:ext uri="{BB962C8B-B14F-4D97-AF65-F5344CB8AC3E}">
-        <p14:creationId xmlns:p14="http://schemas.microsoft.com/office/powerpoint/2010/main" val="3878972373"/>
+        <p14:creationId xmlns:p14="http://schemas.microsoft.com/office/powerpoint/2010/main" val="1418962157"/>
       </p:ext>
     </p:extLst>
   </p:cSld>
@@ -6612,6 +7799,294 @@
 </p:sld>
 </file>
 
+<file path=ppt/slides/slide20.xml><?xml version="1.0" encoding="utf-8"?>
+<p:sld xmlns:a="http://schemas.openxmlformats.org/drawingml/2006/main" xmlns:r="http://schemas.openxmlformats.org/officeDocument/2006/relationships" xmlns:p="http://schemas.openxmlformats.org/presentationml/2006/main">
+  <p:cSld>
+    <p:spTree>
+      <p:nvGrpSpPr>
+        <p:cNvPr id="1" name=""/>
+        <p:cNvGrpSpPr/>
+        <p:nvPr/>
+      </p:nvGrpSpPr>
+      <p:grpSpPr>
+        <a:xfrm>
+          <a:off x="0" y="0"/>
+          <a:ext cx="0" cy="0"/>
+          <a:chOff x="0" y="0"/>
+          <a:chExt cx="0" cy="0"/>
+        </a:xfrm>
+      </p:grpSpPr>
+      <p:pic>
+        <p:nvPicPr>
+          <p:cNvPr id="10" name="Imagen 9">
+            <a:extLst>
+              <a:ext uri="{FF2B5EF4-FFF2-40B4-BE49-F238E27FC236}">
+                <a16:creationId xmlns:a16="http://schemas.microsoft.com/office/drawing/2014/main" id="{15B1CB55-DE9C-472F-9798-9D941F19E5AD}"/>
+              </a:ext>
+            </a:extLst>
+          </p:cNvPr>
+          <p:cNvPicPr>
+            <a:picLocks noChangeAspect="1"/>
+          </p:cNvPicPr>
+          <p:nvPr/>
+        </p:nvPicPr>
+        <p:blipFill>
+          <a:blip r:embed="rId2">
+            <a:extLst>
+              <a:ext uri="{28A0092B-C50C-407E-A947-70E740481C1C}">
+                <a14:useLocalDpi xmlns:a14="http://schemas.microsoft.com/office/drawing/2010/main" val="0"/>
+              </a:ext>
+            </a:extLst>
+          </a:blip>
+          <a:stretch>
+            <a:fillRect/>
+          </a:stretch>
+        </p:blipFill>
+        <p:spPr>
+          <a:xfrm>
+            <a:off x="0" y="0"/>
+            <a:ext cx="12192000" cy="6858000"/>
+          </a:xfrm>
+          <a:prstGeom prst="rect">
+            <a:avLst/>
+          </a:prstGeom>
+        </p:spPr>
+      </p:pic>
+      <p:sp>
+        <p:nvSpPr>
+          <p:cNvPr id="2" name="Título 1">
+            <a:extLst>
+              <a:ext uri="{FF2B5EF4-FFF2-40B4-BE49-F238E27FC236}">
+                <a16:creationId xmlns:a16="http://schemas.microsoft.com/office/drawing/2014/main" id="{A29E6CD6-FAAF-4EB2-937D-93C4B0F9CE35}"/>
+              </a:ext>
+            </a:extLst>
+          </p:cNvPr>
+          <p:cNvSpPr>
+            <a:spLocks noGrp="1"/>
+          </p:cNvSpPr>
+          <p:nvPr>
+            <p:ph type="ctrTitle"/>
+          </p:nvPr>
+        </p:nvSpPr>
+        <p:spPr>
+          <a:xfrm>
+            <a:off x="2076408" y="3031283"/>
+            <a:ext cx="7822096" cy="1151076"/>
+          </a:xfrm>
+        </p:spPr>
+        <p:txBody>
+          <a:bodyPr>
+            <a:normAutofit/>
+          </a:bodyPr>
+          <a:lstStyle/>
+          <a:p>
+            <a:r>
+              <a:rPr lang="es-ES" b="1" dirty="0">
+                <a:latin typeface="Britannic Bold" panose="020B0903060703020204" pitchFamily="34" charset="0"/>
+              </a:rPr>
+              <a:t>Functional Lambdas</a:t>
+            </a:r>
+            <a:endParaRPr lang="es-MX" dirty="0">
+              <a:latin typeface="Britannic Bold" panose="020B0903060703020204" pitchFamily="34" charset="0"/>
+            </a:endParaRPr>
+          </a:p>
+        </p:txBody>
+      </p:sp>
+      <p:pic>
+        <p:nvPicPr>
+          <p:cNvPr id="5" name="Imagen 4">
+            <a:extLst>
+              <a:ext uri="{FF2B5EF4-FFF2-40B4-BE49-F238E27FC236}">
+                <a16:creationId xmlns:a16="http://schemas.microsoft.com/office/drawing/2014/main" id="{6B6F33BB-27E9-41F1-86E8-6C44F2753644}"/>
+              </a:ext>
+            </a:extLst>
+          </p:cNvPr>
+          <p:cNvPicPr>
+            <a:picLocks noChangeAspect="1"/>
+          </p:cNvPicPr>
+          <p:nvPr/>
+        </p:nvPicPr>
+        <p:blipFill rotWithShape="1">
+          <a:blip r:embed="rId3">
+            <a:extLst>
+              <a:ext uri="{BEBA8EAE-BF5A-486C-A8C5-ECC9F3942E4B}">
+                <a14:imgProps xmlns:a14="http://schemas.microsoft.com/office/drawing/2010/main">
+                  <a14:imgLayer r:embed="rId4">
+                    <a14:imgEffect>
+                      <a14:backgroundRemoval t="36750" b="67750" l="7750" r="94250">
+                        <a14:foregroundMark x1="21250" y1="53250" x2="21250" y2="53250"/>
+                        <a14:foregroundMark x1="29250" y1="50250" x2="29250" y2="50250"/>
+                        <a14:foregroundMark x1="29750" y1="43250" x2="29750" y2="43250"/>
+                        <a14:foregroundMark x1="49750" y1="52750" x2="49750" y2="52750"/>
+                        <a14:foregroundMark x1="63250" y1="50250" x2="63250" y2="50250"/>
+                        <a14:foregroundMark x1="75750" y1="48750" x2="75750" y2="48750"/>
+                        <a14:foregroundMark x1="85750" y1="48750" x2="85750" y2="48750"/>
+                      </a14:backgroundRemoval>
+                    </a14:imgEffect>
+                  </a14:imgLayer>
+                </a14:imgProps>
+              </a:ext>
+              <a:ext uri="{28A0092B-C50C-407E-A947-70E740481C1C}">
+                <a14:useLocalDpi xmlns:a14="http://schemas.microsoft.com/office/drawing/2010/main" val="0"/>
+              </a:ext>
+            </a:extLst>
+          </a:blip>
+          <a:srcRect l="7896" t="37372" r="6390" b="32811"/>
+          <a:stretch/>
+        </p:blipFill>
+        <p:spPr>
+          <a:xfrm>
+            <a:off x="2184952" y="245838"/>
+            <a:ext cx="2266122" cy="788298"/>
+          </a:xfrm>
+          <a:prstGeom prst="rect">
+            <a:avLst/>
+          </a:prstGeom>
+        </p:spPr>
+      </p:pic>
+      <p:pic>
+        <p:nvPicPr>
+          <p:cNvPr id="7" name="Imagen 6">
+            <a:extLst>
+              <a:ext uri="{FF2B5EF4-FFF2-40B4-BE49-F238E27FC236}">
+                <a16:creationId xmlns:a16="http://schemas.microsoft.com/office/drawing/2014/main" id="{E79F3D0A-E807-4A20-BB57-7BB046212A37}"/>
+              </a:ext>
+            </a:extLst>
+          </p:cNvPr>
+          <p:cNvPicPr>
+            <a:picLocks noChangeAspect="1"/>
+          </p:cNvPicPr>
+          <p:nvPr/>
+        </p:nvPicPr>
+        <p:blipFill>
+          <a:blip r:embed="rId5">
+            <a:extLst>
+              <a:ext uri="{28A0092B-C50C-407E-A947-70E740481C1C}">
+                <a14:useLocalDpi xmlns:a14="http://schemas.microsoft.com/office/drawing/2010/main" val="0"/>
+              </a:ext>
+            </a:extLst>
+          </a:blip>
+          <a:stretch>
+            <a:fillRect/>
+          </a:stretch>
+        </p:blipFill>
+        <p:spPr>
+          <a:xfrm>
+            <a:off x="8965157" y="9546"/>
+            <a:ext cx="933347" cy="1260881"/>
+          </a:xfrm>
+          <a:prstGeom prst="rect">
+            <a:avLst/>
+          </a:prstGeom>
+        </p:spPr>
+      </p:pic>
+    </p:spTree>
+    <p:extLst>
+      <p:ext uri="{BB962C8B-B14F-4D97-AF65-F5344CB8AC3E}">
+        <p14:creationId xmlns:p14="http://schemas.microsoft.com/office/powerpoint/2010/main" val="2813102068"/>
+      </p:ext>
+    </p:extLst>
+  </p:cSld>
+  <p:clrMapOvr>
+    <a:masterClrMapping/>
+  </p:clrMapOvr>
+</p:sld>
+</file>
+
+<file path=ppt/slides/slide21.xml><?xml version="1.0" encoding="utf-8"?>
+<p:sld xmlns:a="http://schemas.openxmlformats.org/drawingml/2006/main" xmlns:r="http://schemas.openxmlformats.org/officeDocument/2006/relationships" xmlns:p="http://schemas.openxmlformats.org/presentationml/2006/main">
+  <p:cSld>
+    <p:spTree>
+      <p:nvGrpSpPr>
+        <p:cNvPr id="1" name=""/>
+        <p:cNvGrpSpPr/>
+        <p:nvPr/>
+      </p:nvGrpSpPr>
+      <p:grpSpPr>
+        <a:xfrm>
+          <a:off x="0" y="0"/>
+          <a:ext cx="0" cy="0"/>
+          <a:chOff x="0" y="0"/>
+          <a:chExt cx="0" cy="0"/>
+        </a:xfrm>
+      </p:grpSpPr>
+      <p:pic>
+        <p:nvPicPr>
+          <p:cNvPr id="5" name="Imagen 4">
+            <a:extLst>
+              <a:ext uri="{FF2B5EF4-FFF2-40B4-BE49-F238E27FC236}">
+                <a16:creationId xmlns:a16="http://schemas.microsoft.com/office/drawing/2014/main" id="{016583E8-010A-4FE7-B695-E75ECB04B5A3}"/>
+              </a:ext>
+            </a:extLst>
+          </p:cNvPr>
+          <p:cNvPicPr>
+            <a:picLocks noChangeAspect="1"/>
+          </p:cNvPicPr>
+          <p:nvPr/>
+        </p:nvPicPr>
+        <p:blipFill>
+          <a:blip r:embed="rId2"/>
+          <a:stretch>
+            <a:fillRect/>
+          </a:stretch>
+        </p:blipFill>
+        <p:spPr>
+          <a:xfrm>
+            <a:off x="0" y="0"/>
+            <a:ext cx="12192000" cy="6281530"/>
+          </a:xfrm>
+          <a:prstGeom prst="rect">
+            <a:avLst/>
+          </a:prstGeom>
+        </p:spPr>
+      </p:pic>
+      <p:sp>
+        <p:nvSpPr>
+          <p:cNvPr id="2" name="Rectángulo 1">
+            <a:extLst>
+              <a:ext uri="{FF2B5EF4-FFF2-40B4-BE49-F238E27FC236}">
+                <a16:creationId xmlns:a16="http://schemas.microsoft.com/office/drawing/2014/main" id="{37A32CD5-9445-4984-AC3B-6EB070436DE2}"/>
+              </a:ext>
+            </a:extLst>
+          </p:cNvPr>
+          <p:cNvSpPr/>
+          <p:nvPr/>
+        </p:nvSpPr>
+        <p:spPr>
+          <a:xfrm>
+            <a:off x="3048000" y="6211669"/>
+            <a:ext cx="6096000" cy="646331"/>
+          </a:xfrm>
+          <a:prstGeom prst="rect">
+            <a:avLst/>
+          </a:prstGeom>
+        </p:spPr>
+        <p:txBody>
+          <a:bodyPr>
+            <a:spAutoFit/>
+          </a:bodyPr>
+          <a:lstStyle/>
+          <a:p>
+            <a:r>
+              <a:rPr lang="es-MX" dirty="0"/>
+              <a:t>https://github.com/mota1299/XideralAcademiaJava/tree/main/Ex%C3%A1menes/Semana02/PFuncional/src/com</a:t>
+            </a:r>
+          </a:p>
+        </p:txBody>
+      </p:sp>
+    </p:spTree>
+    <p:extLst>
+      <p:ext uri="{BB962C8B-B14F-4D97-AF65-F5344CB8AC3E}">
+        <p14:creationId xmlns:p14="http://schemas.microsoft.com/office/powerpoint/2010/main" val="3878972373"/>
+      </p:ext>
+    </p:extLst>
+  </p:cSld>
+  <p:clrMapOvr>
+    <a:masterClrMapping/>
+  </p:clrMapOvr>
+</p:sld>
+</file>
+
 <file path=ppt/slides/slide3.xml><?xml version="1.0" encoding="utf-8"?>
 <p:sld xmlns:a="http://schemas.openxmlformats.org/drawingml/2006/main" xmlns:r="http://schemas.openxmlformats.org/officeDocument/2006/relationships" xmlns:p="http://schemas.openxmlformats.org/presentationml/2006/main">
   <p:cSld>
@@ -7200,6 +8675,282 @@
           <a:p>
             <a:pPr algn="ctr"/>
             <a:endParaRPr lang="es-MX"/>
+          </a:p>
+        </p:txBody>
+      </p:sp>
+      <p:sp>
+        <p:nvSpPr>
+          <p:cNvPr id="17" name="Rectangle 1">
+            <a:extLst>
+              <a:ext uri="{FF2B5EF4-FFF2-40B4-BE49-F238E27FC236}">
+                <a16:creationId xmlns:a16="http://schemas.microsoft.com/office/drawing/2014/main" id="{9C17A23F-BCB1-4C8C-B989-BA0ED8FFC163}"/>
+              </a:ext>
+            </a:extLst>
+          </p:cNvPr>
+          <p:cNvSpPr>
+            <a:spLocks noChangeArrowheads="1"/>
+          </p:cNvSpPr>
+          <p:nvPr/>
+        </p:nvSpPr>
+        <p:spPr bwMode="auto">
+          <a:xfrm>
+            <a:off x="9880760" y="4209022"/>
+            <a:ext cx="2200643" cy="2308324"/>
+          </a:xfrm>
+          <a:prstGeom prst="rect">
+            <a:avLst/>
+          </a:prstGeom>
+          <a:noFill/>
+          <a:ln>
+            <a:noFill/>
+          </a:ln>
+          <a:effectLst/>
+          <a:extLst>
+            <a:ext uri="{909E8E84-426E-40DD-AFC4-6F175D3DCCD1}">
+              <a14:hiddenFill xmlns:a14="http://schemas.microsoft.com/office/drawing/2010/main">
+                <a:solidFill>
+                  <a:schemeClr val="accent1"/>
+                </a:solidFill>
+              </a14:hiddenFill>
+            </a:ext>
+            <a:ext uri="{91240B29-F687-4F45-9708-019B960494DF}">
+              <a14:hiddenLine xmlns:a14="http://schemas.microsoft.com/office/drawing/2010/main" w="9525">
+                <a:solidFill>
+                  <a:schemeClr val="tx1"/>
+                </a:solidFill>
+                <a:miter lim="800000"/>
+                <a:headEnd/>
+                <a:tailEnd/>
+              </a14:hiddenLine>
+            </a:ext>
+            <a:ext uri="{AF507438-7753-43E0-B8FC-AC1667EBCBE1}">
+              <a14:hiddenEffects xmlns:a14="http://schemas.microsoft.com/office/drawing/2010/main">
+                <a:effectLst>
+                  <a:outerShdw dist="35921" dir="2700000" algn="ctr" rotWithShape="0">
+                    <a:schemeClr val="bg2"/>
+                  </a:outerShdw>
+                </a:effectLst>
+              </a14:hiddenEffects>
+            </a:ext>
+          </a:extLst>
+        </p:spPr>
+        <p:txBody>
+          <a:bodyPr vert="horz" wrap="square" lIns="91440" tIns="45720" rIns="91440" bIns="45720" numCol="1" anchor="ctr" anchorCtr="0" compatLnSpc="1">
+            <a:prstTxWarp prst="textNoShape">
+              <a:avLst/>
+            </a:prstTxWarp>
+            <a:spAutoFit/>
+          </a:bodyPr>
+          <a:lstStyle/>
+          <a:p>
+            <a:pPr marL="0" marR="0" lvl="0" indent="0" algn="l" defTabSz="914400" rtl="0" eaLnBrk="0" fontAlgn="base" latinLnBrk="0" hangingPunct="0">
+              <a:lnSpc>
+                <a:spcPct val="100000"/>
+              </a:lnSpc>
+              <a:spcBef>
+                <a:spcPct val="0"/>
+              </a:spcBef>
+              <a:spcAft>
+                <a:spcPct val="0"/>
+              </a:spcAft>
+              <a:buClrTx/>
+              <a:buSzTx/>
+              <a:buFontTx/>
+              <a:buNone/>
+              <a:tabLst/>
+            </a:pPr>
+            <a:r>
+              <a:rPr lang="es-MX" altLang="es-MX" dirty="0" err="1"/>
+              <a:t>An</a:t>
+            </a:r>
+            <a:r>
+              <a:rPr lang="es-MX" altLang="es-MX" dirty="0"/>
+              <a:t> </a:t>
+            </a:r>
+            <a:r>
+              <a:rPr lang="es-MX" altLang="es-MX" dirty="0" err="1"/>
+              <a:t>employee</a:t>
+            </a:r>
+            <a:r>
+              <a:rPr lang="es-MX" altLang="es-MX" dirty="0"/>
+              <a:t> has </a:t>
+            </a:r>
+            <a:r>
+              <a:rPr lang="es-MX" altLang="es-MX" dirty="0" err="1"/>
+              <a:t>to</a:t>
+            </a:r>
+            <a:r>
+              <a:rPr lang="es-MX" altLang="es-MX" dirty="0"/>
+              <a:t> be </a:t>
+            </a:r>
+            <a:r>
+              <a:rPr lang="es-MX" altLang="es-MX" dirty="0" err="1"/>
+              <a:t>assigned</a:t>
+            </a:r>
+            <a:r>
+              <a:rPr lang="es-MX" altLang="es-MX" dirty="0"/>
+              <a:t> </a:t>
+            </a:r>
+            <a:r>
+              <a:rPr lang="es-MX" altLang="es-MX" dirty="0" err="1"/>
+              <a:t>to</a:t>
+            </a:r>
+            <a:r>
+              <a:rPr lang="es-MX" altLang="es-MX" dirty="0"/>
+              <a:t> a </a:t>
+            </a:r>
+            <a:r>
+              <a:rPr lang="es-MX" altLang="es-MX" dirty="0" err="1"/>
+              <a:t>branch</a:t>
+            </a:r>
+            <a:r>
+              <a:rPr lang="es-MX" altLang="es-MX" dirty="0"/>
+              <a:t> </a:t>
+            </a:r>
+            <a:r>
+              <a:rPr lang="es-MX" altLang="es-MX" dirty="0" err="1"/>
+              <a:t>of</a:t>
+            </a:r>
+            <a:r>
+              <a:rPr lang="es-MX" altLang="es-MX" dirty="0"/>
+              <a:t> X </a:t>
+            </a:r>
+            <a:r>
+              <a:rPr lang="es-MX" altLang="es-MX" dirty="0" err="1"/>
+              <a:t>company</a:t>
+            </a:r>
+            <a:r>
+              <a:rPr lang="es-MX" altLang="es-MX" dirty="0"/>
+              <a:t> </a:t>
+            </a:r>
+            <a:r>
+              <a:rPr lang="es-MX" altLang="es-MX" dirty="0" err="1"/>
+              <a:t>but</a:t>
+            </a:r>
+            <a:r>
+              <a:rPr lang="es-MX" altLang="es-MX" dirty="0"/>
+              <a:t> </a:t>
+            </a:r>
+            <a:r>
+              <a:rPr lang="es-MX" altLang="es-MX" dirty="0" err="1"/>
+              <a:t>the</a:t>
+            </a:r>
+            <a:r>
+              <a:rPr lang="es-MX" altLang="es-MX" dirty="0"/>
+              <a:t> </a:t>
+            </a:r>
+            <a:r>
+              <a:rPr lang="es-MX" altLang="es-MX" dirty="0" err="1"/>
+              <a:t>employee</a:t>
+            </a:r>
+            <a:r>
+              <a:rPr lang="es-MX" altLang="es-MX" dirty="0"/>
+              <a:t> </a:t>
+            </a:r>
+            <a:r>
+              <a:rPr lang="es-MX" altLang="es-MX" dirty="0" err="1"/>
+              <a:t>should</a:t>
+            </a:r>
+            <a:r>
+              <a:rPr lang="es-MX" altLang="es-MX" dirty="0"/>
+              <a:t> </a:t>
+            </a:r>
+            <a:r>
+              <a:rPr lang="es-MX" altLang="es-MX" dirty="0" err="1"/>
+              <a:t>not</a:t>
+            </a:r>
+            <a:r>
+              <a:rPr lang="es-MX" altLang="es-MX" dirty="0"/>
+              <a:t> be </a:t>
+            </a:r>
+            <a:r>
+              <a:rPr lang="es-MX" altLang="es-MX" dirty="0" err="1"/>
+              <a:t>assigned</a:t>
+            </a:r>
+            <a:r>
+              <a:rPr lang="es-MX" altLang="es-MX" dirty="0"/>
+              <a:t> </a:t>
+            </a:r>
+            <a:r>
+              <a:rPr lang="es-MX" altLang="es-MX" dirty="0" err="1"/>
+              <a:t>his</a:t>
+            </a:r>
+            <a:r>
+              <a:rPr lang="es-MX" altLang="es-MX" dirty="0"/>
+              <a:t> </a:t>
+            </a:r>
+            <a:r>
+              <a:rPr lang="es-MX" altLang="es-MX" dirty="0" err="1"/>
+              <a:t>own</a:t>
+            </a:r>
+            <a:r>
+              <a:rPr lang="es-MX" altLang="es-MX" dirty="0"/>
+              <a:t> </a:t>
+            </a:r>
+            <a:r>
+              <a:rPr lang="es-MX" altLang="es-MX" dirty="0" err="1"/>
+              <a:t>branch</a:t>
+            </a:r>
+            <a:r>
+              <a:rPr lang="es-MX" altLang="es-MX" dirty="0"/>
+              <a:t>, </a:t>
+            </a:r>
+            <a:r>
+              <a:rPr lang="es-MX" altLang="es-MX" dirty="0" err="1"/>
+              <a:t>an</a:t>
+            </a:r>
+            <a:r>
+              <a:rPr lang="es-MX" altLang="es-MX" dirty="0"/>
+              <a:t> </a:t>
+            </a:r>
+            <a:r>
+              <a:rPr lang="es-MX" altLang="es-MX" dirty="0" err="1"/>
+              <a:t>Injector</a:t>
+            </a:r>
+            <a:r>
+              <a:rPr lang="es-MX" altLang="es-MX" dirty="0"/>
+              <a:t> </a:t>
+            </a:r>
+            <a:r>
+              <a:rPr lang="es-MX" altLang="es-MX" dirty="0" err="1"/>
+              <a:t>is</a:t>
+            </a:r>
+            <a:r>
+              <a:rPr lang="es-MX" altLang="es-MX" dirty="0"/>
+              <a:t> </a:t>
+            </a:r>
+            <a:r>
+              <a:rPr lang="es-MX" altLang="es-MX" dirty="0" err="1"/>
+              <a:t>charge</a:t>
+            </a:r>
+            <a:r>
+              <a:rPr lang="es-MX" altLang="es-MX" dirty="0"/>
+              <a:t> </a:t>
+            </a:r>
+            <a:r>
+              <a:rPr lang="es-MX" altLang="es-MX" dirty="0" err="1"/>
+              <a:t>of</a:t>
+            </a:r>
+            <a:r>
+              <a:rPr lang="es-MX" altLang="es-MX" dirty="0"/>
+              <a:t> </a:t>
+            </a:r>
+            <a:r>
+              <a:rPr lang="es-MX" altLang="es-MX" dirty="0" err="1"/>
+              <a:t>this</a:t>
+            </a:r>
+            <a:r>
+              <a:rPr lang="es-MX" altLang="es-MX" dirty="0"/>
+              <a:t> </a:t>
+            </a:r>
+            <a:r>
+              <a:rPr lang="es-MX" altLang="es-MX" dirty="0" err="1"/>
+              <a:t>action</a:t>
+            </a:r>
+            <a:r>
+              <a:rPr lang="es-MX" altLang="es-MX" dirty="0"/>
+              <a:t> </a:t>
+            </a:r>
           </a:p>
         </p:txBody>
       </p:sp>
@@ -7379,6 +9130,40 @@
           </a:prstGeom>
         </p:spPr>
       </p:pic>
+      <p:sp>
+        <p:nvSpPr>
+          <p:cNvPr id="5" name="Rectángulo 4">
+            <a:extLst>
+              <a:ext uri="{FF2B5EF4-FFF2-40B4-BE49-F238E27FC236}">
+                <a16:creationId xmlns:a16="http://schemas.microsoft.com/office/drawing/2014/main" id="{A57BCA64-2439-4D00-B81D-3FF6CA055A50}"/>
+              </a:ext>
+            </a:extLst>
+          </p:cNvPr>
+          <p:cNvSpPr/>
+          <p:nvPr/>
+        </p:nvSpPr>
+        <p:spPr>
+          <a:xfrm>
+            <a:off x="3048000" y="6218922"/>
+            <a:ext cx="6096000" cy="646331"/>
+          </a:xfrm>
+          <a:prstGeom prst="rect">
+            <a:avLst/>
+          </a:prstGeom>
+        </p:spPr>
+        <p:txBody>
+          <a:bodyPr>
+            <a:spAutoFit/>
+          </a:bodyPr>
+          <a:lstStyle/>
+          <a:p>
+            <a:r>
+              <a:rPr lang="es-MX" dirty="0"/>
+              <a:t>https://github.com/mota1299/XideralAcademiaJava/tree/main/Ex%C3%A1menes/Semana02/SucursalesID/src</a:t>
+            </a:r>
+          </a:p>
+        </p:txBody>
+      </p:sp>
     </p:spTree>
     <p:extLst>
       <p:ext uri="{BB962C8B-B14F-4D97-AF65-F5344CB8AC3E}">
@@ -8521,6 +10306,293 @@
           <a:p>
             <a:pPr algn="ctr"/>
             <a:endParaRPr lang="es-MX"/>
+          </a:p>
+        </p:txBody>
+      </p:sp>
+      <p:sp>
+        <p:nvSpPr>
+          <p:cNvPr id="2" name="Rectángulo 1">
+            <a:extLst>
+              <a:ext uri="{FF2B5EF4-FFF2-40B4-BE49-F238E27FC236}">
+                <a16:creationId xmlns:a16="http://schemas.microsoft.com/office/drawing/2014/main" id="{2F1B3318-EFA1-4DAC-B51F-8FF69A63637E}"/>
+              </a:ext>
+            </a:extLst>
+          </p:cNvPr>
+          <p:cNvSpPr/>
+          <p:nvPr/>
+        </p:nvSpPr>
+        <p:spPr>
+          <a:xfrm>
+            <a:off x="0" y="5657671"/>
+            <a:ext cx="6096000" cy="1200329"/>
+          </a:xfrm>
+          <a:prstGeom prst="rect">
+            <a:avLst/>
+          </a:prstGeom>
+        </p:spPr>
+        <p:txBody>
+          <a:bodyPr>
+            <a:spAutoFit/>
+          </a:bodyPr>
+          <a:lstStyle/>
+          <a:p>
+            <a:pPr algn="ctr"/>
+            <a:r>
+              <a:rPr lang="es-MX" b="1" dirty="0" err="1"/>
+              <a:t>The</a:t>
+            </a:r>
+            <a:r>
+              <a:rPr lang="es-MX" b="1" dirty="0"/>
+              <a:t> </a:t>
+            </a:r>
+            <a:r>
+              <a:rPr lang="es-MX" b="1" dirty="0" err="1"/>
+              <a:t>architecture</a:t>
+            </a:r>
+            <a:r>
+              <a:rPr lang="es-MX" b="1" dirty="0"/>
+              <a:t> </a:t>
+            </a:r>
+            <a:r>
+              <a:rPr lang="es-MX" b="1" dirty="0" err="1"/>
+              <a:t>of</a:t>
+            </a:r>
+            <a:r>
+              <a:rPr lang="es-MX" b="1" dirty="0"/>
+              <a:t> </a:t>
+            </a:r>
+            <a:r>
+              <a:rPr lang="es-MX" b="1" dirty="0" err="1"/>
+              <a:t>this</a:t>
+            </a:r>
+            <a:r>
+              <a:rPr lang="es-MX" b="1" dirty="0"/>
+              <a:t> </a:t>
+            </a:r>
+            <a:r>
+              <a:rPr lang="es-MX" b="1" dirty="0" err="1"/>
+              <a:t>model</a:t>
+            </a:r>
+            <a:r>
+              <a:rPr lang="es-MX" b="1" dirty="0"/>
+              <a:t> </a:t>
+            </a:r>
+            <a:r>
+              <a:rPr lang="es-MX" b="1" dirty="0" err="1"/>
+              <a:t>requires</a:t>
+            </a:r>
+            <a:r>
+              <a:rPr lang="es-MX" b="1" dirty="0"/>
+              <a:t> a </a:t>
+            </a:r>
+            <a:r>
+              <a:rPr lang="es-MX" b="1" dirty="0" err="1"/>
+              <a:t>request</a:t>
+            </a:r>
+            <a:r>
+              <a:rPr lang="es-MX" b="1" dirty="0"/>
+              <a:t> </a:t>
+            </a:r>
+            <a:r>
+              <a:rPr lang="es-MX" b="1" dirty="0" err="1"/>
+              <a:t>by</a:t>
+            </a:r>
+            <a:r>
+              <a:rPr lang="es-MX" b="1" dirty="0"/>
+              <a:t> </a:t>
+            </a:r>
+            <a:r>
+              <a:rPr lang="es-MX" b="1" dirty="0" err="1"/>
+              <a:t>the</a:t>
+            </a:r>
+            <a:r>
+              <a:rPr lang="es-MX" b="1" dirty="0"/>
+              <a:t> </a:t>
+            </a:r>
+            <a:r>
+              <a:rPr lang="es-MX" b="1" dirty="0" err="1"/>
+              <a:t>user</a:t>
+            </a:r>
+            <a:r>
+              <a:rPr lang="es-MX" b="1" dirty="0"/>
+              <a:t> </a:t>
+            </a:r>
+            <a:r>
+              <a:rPr lang="es-MX" b="1" dirty="0" err="1"/>
+              <a:t>through</a:t>
+            </a:r>
+            <a:r>
+              <a:rPr lang="es-MX" b="1" dirty="0"/>
+              <a:t> </a:t>
+            </a:r>
+            <a:r>
+              <a:rPr lang="es-MX" b="1" dirty="0" err="1"/>
+              <a:t>the</a:t>
+            </a:r>
+            <a:r>
+              <a:rPr lang="es-MX" b="1" dirty="0"/>
+              <a:t> browser </a:t>
+            </a:r>
+            <a:r>
+              <a:rPr lang="es-MX" b="1" dirty="0" err="1"/>
+              <a:t>to</a:t>
+            </a:r>
+            <a:r>
+              <a:rPr lang="es-MX" b="1" dirty="0"/>
+              <a:t> HTTP, </a:t>
+            </a:r>
+            <a:r>
+              <a:rPr lang="es-MX" b="1" dirty="0" err="1"/>
+              <a:t>using</a:t>
+            </a:r>
+            <a:r>
+              <a:rPr lang="es-MX" b="1" dirty="0"/>
+              <a:t> </a:t>
+            </a:r>
+            <a:r>
+              <a:rPr lang="es-MX" b="1" dirty="0" err="1"/>
+              <a:t>one</a:t>
+            </a:r>
+            <a:r>
+              <a:rPr lang="es-MX" b="1" dirty="0"/>
+              <a:t> </a:t>
+            </a:r>
+            <a:r>
+              <a:rPr lang="es-MX" b="1" dirty="0" err="1"/>
+              <a:t>of</a:t>
+            </a:r>
+            <a:r>
+              <a:rPr lang="es-MX" b="1" dirty="0"/>
+              <a:t> </a:t>
+            </a:r>
+            <a:r>
+              <a:rPr lang="es-MX" b="1" dirty="0" err="1"/>
+              <a:t>its</a:t>
+            </a:r>
+            <a:r>
+              <a:rPr lang="es-MX" b="1" dirty="0"/>
+              <a:t> </a:t>
+            </a:r>
+            <a:r>
+              <a:rPr lang="es-MX" b="1" dirty="0" err="1"/>
+              <a:t>protocols</a:t>
+            </a:r>
+            <a:r>
+              <a:rPr lang="es-MX" b="1" dirty="0"/>
+              <a:t>, </a:t>
+            </a:r>
+            <a:r>
+              <a:rPr lang="es-MX" b="1" dirty="0" err="1"/>
+              <a:t>this</a:t>
+            </a:r>
+            <a:r>
+              <a:rPr lang="es-MX" b="1" dirty="0"/>
+              <a:t> </a:t>
+            </a:r>
+            <a:r>
+              <a:rPr lang="es-MX" b="1" dirty="0" err="1"/>
+              <a:t>will</a:t>
+            </a:r>
+            <a:r>
+              <a:rPr lang="es-MX" b="1" dirty="0"/>
+              <a:t> be </a:t>
+            </a:r>
+            <a:r>
+              <a:rPr lang="es-MX" b="1" dirty="0" err="1"/>
+              <a:t>sent</a:t>
+            </a:r>
+            <a:r>
+              <a:rPr lang="es-MX" b="1" dirty="0"/>
+              <a:t> </a:t>
+            </a:r>
+            <a:r>
+              <a:rPr lang="es-MX" b="1" dirty="0" err="1"/>
+              <a:t>to</a:t>
+            </a:r>
+            <a:r>
+              <a:rPr lang="es-MX" b="1" dirty="0"/>
+              <a:t> </a:t>
+            </a:r>
+            <a:r>
+              <a:rPr lang="es-MX" b="1" dirty="0" err="1"/>
+              <a:t>the</a:t>
+            </a:r>
+            <a:r>
+              <a:rPr lang="es-MX" b="1" dirty="0"/>
+              <a:t> server </a:t>
+            </a:r>
+            <a:r>
+              <a:rPr lang="es-MX" b="1" dirty="0" err="1"/>
+              <a:t>that</a:t>
+            </a:r>
+            <a:r>
+              <a:rPr lang="es-MX" b="1" dirty="0"/>
+              <a:t> </a:t>
+            </a:r>
+            <a:r>
+              <a:rPr lang="es-MX" b="1" dirty="0" err="1"/>
+              <a:t>contains</a:t>
+            </a:r>
+            <a:r>
+              <a:rPr lang="es-MX" b="1" dirty="0"/>
+              <a:t> Java </a:t>
+            </a:r>
+            <a:r>
+              <a:rPr lang="es-MX" b="1" dirty="0" err="1"/>
+              <a:t>which</a:t>
+            </a:r>
+            <a:r>
+              <a:rPr lang="es-MX" b="1" dirty="0"/>
+              <a:t> </a:t>
+            </a:r>
+            <a:r>
+              <a:rPr lang="es-MX" b="1" dirty="0" err="1"/>
+              <a:t>communicates</a:t>
+            </a:r>
+            <a:r>
+              <a:rPr lang="es-MX" b="1" dirty="0"/>
+              <a:t> </a:t>
+            </a:r>
+            <a:r>
+              <a:rPr lang="es-MX" b="1" dirty="0" err="1"/>
+              <a:t>directly</a:t>
+            </a:r>
+            <a:r>
+              <a:rPr lang="es-MX" b="1" dirty="0"/>
+              <a:t> </a:t>
+            </a:r>
+            <a:r>
+              <a:rPr lang="es-MX" b="1" dirty="0" err="1"/>
+              <a:t>with</a:t>
+            </a:r>
+            <a:r>
+              <a:rPr lang="es-MX" b="1" dirty="0"/>
+              <a:t> </a:t>
+            </a:r>
+            <a:r>
+              <a:rPr lang="es-MX" b="1" dirty="0" err="1"/>
+              <a:t>the</a:t>
+            </a:r>
+            <a:r>
+              <a:rPr lang="es-MX" b="1" dirty="0"/>
+              <a:t> MVC and </a:t>
+            </a:r>
+            <a:r>
+              <a:rPr lang="es-MX" b="1" dirty="0" err="1"/>
+              <a:t>the</a:t>
+            </a:r>
+            <a:r>
+              <a:rPr lang="es-MX" b="1" dirty="0"/>
+              <a:t> </a:t>
+            </a:r>
+            <a:r>
+              <a:rPr lang="es-MX" b="1" dirty="0" err="1"/>
+              <a:t>database</a:t>
+            </a:r>
+            <a:r>
+              <a:rPr lang="es-MX" b="1" dirty="0"/>
+              <a:t>.</a:t>
+            </a:r>
           </a:p>
         </p:txBody>
       </p:sp>
@@ -10039,6 +12111,409 @@
           </a:fontRef>
         </p:style>
       </p:cxnSp>
+      <p:sp>
+        <p:nvSpPr>
+          <p:cNvPr id="2" name="Rectángulo 1">
+            <a:extLst>
+              <a:ext uri="{FF2B5EF4-FFF2-40B4-BE49-F238E27FC236}">
+                <a16:creationId xmlns:a16="http://schemas.microsoft.com/office/drawing/2014/main" id="{2FAB61ED-BF0F-472D-B5EA-B093027CD862}"/>
+              </a:ext>
+            </a:extLst>
+          </p:cNvPr>
+          <p:cNvSpPr/>
+          <p:nvPr/>
+        </p:nvSpPr>
+        <p:spPr>
+          <a:xfrm>
+            <a:off x="-124064" y="5084006"/>
+            <a:ext cx="5873510" cy="1754326"/>
+          </a:xfrm>
+          <a:prstGeom prst="rect">
+            <a:avLst/>
+          </a:prstGeom>
+        </p:spPr>
+        <p:txBody>
+          <a:bodyPr wrap="square">
+            <a:spAutoFit/>
+          </a:bodyPr>
+          <a:lstStyle/>
+          <a:p>
+            <a:pPr algn="ctr"/>
+            <a:r>
+              <a:rPr lang="es-MX" b="1" dirty="0"/>
+              <a:t>In </a:t>
+            </a:r>
+            <a:r>
+              <a:rPr lang="es-MX" b="1" dirty="0" err="1"/>
+              <a:t>this</a:t>
+            </a:r>
+            <a:r>
+              <a:rPr lang="es-MX" b="1" dirty="0"/>
+              <a:t> </a:t>
+            </a:r>
+            <a:r>
+              <a:rPr lang="es-MX" b="1" dirty="0" err="1"/>
+              <a:t>model</a:t>
+            </a:r>
+            <a:r>
+              <a:rPr lang="es-MX" b="1" dirty="0"/>
+              <a:t>, </a:t>
+            </a:r>
+            <a:r>
+              <a:rPr lang="es-MX" b="1" dirty="0" err="1"/>
+              <a:t>the</a:t>
+            </a:r>
+            <a:r>
+              <a:rPr lang="es-MX" b="1" dirty="0"/>
+              <a:t> </a:t>
+            </a:r>
+            <a:r>
+              <a:rPr lang="es-MX" b="1" dirty="0" err="1"/>
+              <a:t>business</a:t>
+            </a:r>
+            <a:r>
+              <a:rPr lang="es-MX" b="1" dirty="0"/>
+              <a:t> </a:t>
+            </a:r>
+            <a:r>
+              <a:rPr lang="es-MX" b="1" dirty="0" err="1"/>
+              <a:t>logic</a:t>
+            </a:r>
+            <a:r>
+              <a:rPr lang="es-MX" b="1" dirty="0"/>
+              <a:t> </a:t>
+            </a:r>
+            <a:r>
+              <a:rPr lang="es-MX" b="1" dirty="0" err="1"/>
+              <a:t>must</a:t>
+            </a:r>
+            <a:r>
+              <a:rPr lang="es-MX" b="1" dirty="0"/>
+              <a:t> be </a:t>
+            </a:r>
+            <a:r>
+              <a:rPr lang="es-MX" b="1" dirty="0" err="1"/>
+              <a:t>present</a:t>
+            </a:r>
+            <a:r>
+              <a:rPr lang="es-MX" b="1" dirty="0"/>
+              <a:t> in </a:t>
+            </a:r>
+            <a:r>
+              <a:rPr lang="es-MX" b="1" dirty="0" err="1"/>
+              <a:t>another</a:t>
+            </a:r>
+            <a:r>
+              <a:rPr lang="es-MX" b="1" dirty="0"/>
+              <a:t> </a:t>
+            </a:r>
+            <a:r>
+              <a:rPr lang="es-MX" b="1" dirty="0" err="1"/>
+              <a:t>layer</a:t>
+            </a:r>
+            <a:r>
+              <a:rPr lang="es-MX" b="1" dirty="0"/>
+              <a:t>, </a:t>
+            </a:r>
+            <a:r>
+              <a:rPr lang="es-MX" b="1" dirty="0" err="1"/>
+              <a:t>due</a:t>
+            </a:r>
+            <a:r>
+              <a:rPr lang="es-MX" b="1" dirty="0"/>
+              <a:t> </a:t>
+            </a:r>
+            <a:r>
+              <a:rPr lang="es-MX" b="1" dirty="0" err="1"/>
+              <a:t>to</a:t>
+            </a:r>
+            <a:r>
+              <a:rPr lang="es-MX" b="1" dirty="0"/>
+              <a:t> </a:t>
+            </a:r>
+            <a:r>
+              <a:rPr lang="es-MX" b="1" dirty="0" err="1"/>
+              <a:t>the</a:t>
+            </a:r>
+            <a:r>
+              <a:rPr lang="es-MX" b="1" dirty="0"/>
+              <a:t> </a:t>
+            </a:r>
+            <a:r>
+              <a:rPr lang="es-MX" b="1" dirty="0" err="1"/>
+              <a:t>fact</a:t>
+            </a:r>
+            <a:r>
+              <a:rPr lang="es-MX" b="1" dirty="0"/>
+              <a:t> </a:t>
+            </a:r>
+            <a:r>
+              <a:rPr lang="es-MX" b="1" dirty="0" err="1"/>
+              <a:t>that</a:t>
+            </a:r>
+            <a:r>
+              <a:rPr lang="es-MX" b="1" dirty="0"/>
+              <a:t> </a:t>
+            </a:r>
+            <a:r>
+              <a:rPr lang="es-MX" b="1" dirty="0" err="1"/>
+              <a:t>the</a:t>
+            </a:r>
+            <a:r>
+              <a:rPr lang="es-MX" b="1" dirty="0"/>
+              <a:t> MVC </a:t>
+            </a:r>
+            <a:r>
+              <a:rPr lang="es-MX" b="1" dirty="0" err="1"/>
+              <a:t>should</a:t>
+            </a:r>
+            <a:r>
+              <a:rPr lang="es-MX" b="1" dirty="0"/>
+              <a:t> </a:t>
+            </a:r>
+            <a:r>
+              <a:rPr lang="es-MX" b="1" dirty="0" err="1"/>
+              <a:t>not</a:t>
+            </a:r>
+            <a:r>
+              <a:rPr lang="es-MX" b="1" dirty="0"/>
+              <a:t> </a:t>
+            </a:r>
+            <a:r>
+              <a:rPr lang="es-MX" b="1" dirty="0" err="1"/>
+              <a:t>have</a:t>
+            </a:r>
+            <a:r>
+              <a:rPr lang="es-MX" b="1" dirty="0"/>
+              <a:t> </a:t>
+            </a:r>
+            <a:r>
+              <a:rPr lang="es-MX" b="1" dirty="0" err="1"/>
+              <a:t>this</a:t>
+            </a:r>
+            <a:r>
+              <a:rPr lang="es-MX" b="1" dirty="0"/>
+              <a:t> </a:t>
+            </a:r>
+            <a:r>
+              <a:rPr lang="es-MX" b="1" dirty="0" err="1"/>
+              <a:t>logic</a:t>
+            </a:r>
+            <a:r>
+              <a:rPr lang="es-MX" b="1" dirty="0"/>
+              <a:t> in </a:t>
+            </a:r>
+            <a:r>
+              <a:rPr lang="es-MX" b="1" dirty="0" err="1"/>
+              <a:t>its</a:t>
+            </a:r>
+            <a:r>
+              <a:rPr lang="es-MX" b="1" dirty="0"/>
+              <a:t> </a:t>
+            </a:r>
+            <a:r>
+              <a:rPr lang="es-MX" b="1" dirty="0" err="1"/>
+              <a:t>controller</a:t>
+            </a:r>
+            <a:r>
+              <a:rPr lang="es-MX" b="1" dirty="0"/>
+              <a:t>, </a:t>
+            </a:r>
+            <a:r>
+              <a:rPr lang="es-MX" b="1" dirty="0" err="1"/>
+              <a:t>it</a:t>
+            </a:r>
+            <a:r>
+              <a:rPr lang="es-MX" b="1" dirty="0"/>
+              <a:t> </a:t>
+            </a:r>
+            <a:r>
+              <a:rPr lang="es-MX" b="1" dirty="0" err="1"/>
+              <a:t>should</a:t>
+            </a:r>
+            <a:r>
+              <a:rPr lang="es-MX" b="1" dirty="0"/>
+              <a:t> </a:t>
+            </a:r>
+            <a:r>
+              <a:rPr lang="es-MX" b="1" dirty="0" err="1"/>
+              <a:t>only</a:t>
+            </a:r>
+            <a:r>
+              <a:rPr lang="es-MX" b="1" dirty="0"/>
+              <a:t> </a:t>
+            </a:r>
+            <a:r>
+              <a:rPr lang="es-MX" b="1" dirty="0" err="1"/>
+              <a:t>delegate</a:t>
+            </a:r>
+            <a:r>
+              <a:rPr lang="es-MX" b="1" dirty="0"/>
+              <a:t> </a:t>
+            </a:r>
+            <a:r>
+              <a:rPr lang="es-MX" b="1" dirty="0" err="1"/>
+              <a:t>responsibilities</a:t>
+            </a:r>
+            <a:r>
+              <a:rPr lang="es-MX" b="1" dirty="0"/>
+              <a:t>, in </a:t>
+            </a:r>
+            <a:r>
+              <a:rPr lang="es-MX" b="1" dirty="0" err="1"/>
+              <a:t>addition</a:t>
+            </a:r>
+            <a:r>
+              <a:rPr lang="es-MX" b="1" dirty="0"/>
+              <a:t> </a:t>
+            </a:r>
+            <a:r>
+              <a:rPr lang="es-MX" b="1" dirty="0" err="1"/>
+              <a:t>to</a:t>
+            </a:r>
+            <a:r>
+              <a:rPr lang="es-MX" b="1" dirty="0"/>
+              <a:t> </a:t>
+            </a:r>
+            <a:r>
+              <a:rPr lang="es-MX" b="1" dirty="0" err="1"/>
+              <a:t>the</a:t>
+            </a:r>
+            <a:r>
+              <a:rPr lang="es-MX" b="1" dirty="0"/>
+              <a:t> </a:t>
+            </a:r>
+            <a:r>
+              <a:rPr lang="es-MX" b="1" dirty="0" err="1"/>
+              <a:t>fact</a:t>
+            </a:r>
+            <a:r>
+              <a:rPr lang="es-MX" b="1" dirty="0"/>
+              <a:t> </a:t>
+            </a:r>
+            <a:r>
+              <a:rPr lang="es-MX" b="1" dirty="0" err="1"/>
+              <a:t>that</a:t>
+            </a:r>
+            <a:r>
+              <a:rPr lang="es-MX" b="1" dirty="0"/>
+              <a:t> a </a:t>
+            </a:r>
+            <a:r>
+              <a:rPr lang="es-MX" b="1" dirty="0" err="1"/>
+              <a:t>presentation</a:t>
+            </a:r>
+            <a:r>
+              <a:rPr lang="es-MX" b="1" dirty="0"/>
+              <a:t> </a:t>
+            </a:r>
+            <a:r>
+              <a:rPr lang="es-MX" b="1" dirty="0" err="1"/>
+              <a:t>like</a:t>
+            </a:r>
+            <a:r>
+              <a:rPr lang="es-MX" b="1" dirty="0"/>
+              <a:t> </a:t>
+            </a:r>
+            <a:r>
+              <a:rPr lang="es-MX" b="1" dirty="0" err="1"/>
+              <a:t>this</a:t>
+            </a:r>
+            <a:r>
+              <a:rPr lang="es-MX" b="1" dirty="0"/>
+              <a:t> </a:t>
+            </a:r>
+            <a:r>
+              <a:rPr lang="es-MX" b="1" dirty="0" err="1"/>
+              <a:t>allows</a:t>
+            </a:r>
+            <a:r>
+              <a:rPr lang="es-MX" b="1" dirty="0"/>
+              <a:t> </a:t>
+            </a:r>
+            <a:r>
+              <a:rPr lang="es-MX" b="1" dirty="0" err="1"/>
+              <a:t>better</a:t>
+            </a:r>
+            <a:r>
+              <a:rPr lang="es-MX" b="1" dirty="0"/>
+              <a:t> </a:t>
+            </a:r>
+            <a:r>
+              <a:rPr lang="es-MX" b="1" dirty="0" err="1"/>
+              <a:t>maintenance</a:t>
+            </a:r>
+            <a:r>
+              <a:rPr lang="es-MX" b="1" dirty="0"/>
+              <a:t> and </a:t>
+            </a:r>
+            <a:r>
+              <a:rPr lang="es-MX" b="1" dirty="0" err="1"/>
+              <a:t>easier</a:t>
+            </a:r>
+            <a:r>
+              <a:rPr lang="es-MX" b="1" dirty="0"/>
+              <a:t> </a:t>
+            </a:r>
+            <a:r>
+              <a:rPr lang="es-MX" b="1" dirty="0" err="1"/>
+              <a:t>migration</a:t>
+            </a:r>
+            <a:r>
+              <a:rPr lang="es-MX" b="1" dirty="0"/>
+              <a:t> </a:t>
+            </a:r>
+            <a:r>
+              <a:rPr lang="es-MX" b="1" dirty="0" err="1"/>
+              <a:t>to</a:t>
+            </a:r>
+            <a:r>
+              <a:rPr lang="es-MX" b="1" dirty="0"/>
+              <a:t> </a:t>
+            </a:r>
+            <a:r>
+              <a:rPr lang="es-MX" b="1" dirty="0" err="1"/>
+              <a:t>another</a:t>
+            </a:r>
+            <a:r>
+              <a:rPr lang="es-MX" b="1" dirty="0"/>
+              <a:t> SMDB </a:t>
+            </a:r>
+            <a:r>
+              <a:rPr lang="es-MX" b="1" dirty="0" err="1"/>
+              <a:t>since</a:t>
+            </a:r>
+            <a:r>
+              <a:rPr lang="es-MX" b="1" dirty="0"/>
+              <a:t> </a:t>
+            </a:r>
+            <a:r>
+              <a:rPr lang="es-MX" b="1" dirty="0" err="1"/>
+              <a:t>only</a:t>
+            </a:r>
+            <a:r>
+              <a:rPr lang="es-MX" b="1" dirty="0"/>
+              <a:t> tables are </a:t>
+            </a:r>
+            <a:r>
+              <a:rPr lang="es-MX" b="1" dirty="0" err="1"/>
+              <a:t>found</a:t>
+            </a:r>
+            <a:r>
+              <a:rPr lang="es-MX" b="1" dirty="0"/>
+              <a:t> in </a:t>
+            </a:r>
+            <a:r>
+              <a:rPr lang="es-MX" b="1" dirty="0" err="1"/>
+              <a:t>the</a:t>
+            </a:r>
+            <a:r>
+              <a:rPr lang="es-MX" b="1" dirty="0"/>
+              <a:t> DB</a:t>
+            </a:r>
+          </a:p>
+        </p:txBody>
+      </p:sp>
     </p:spTree>
     <p:extLst>
       <p:ext uri="{BB962C8B-B14F-4D97-AF65-F5344CB8AC3E}">
